--- a/07_storyboard/Story Board.pptx
+++ b/07_storyboard/Story Board.pptx
@@ -10,7 +10,8 @@
     <p:sldId id="258" r:id="rId4"/>
     <p:sldId id="259" r:id="rId5"/>
     <p:sldId id="260" r:id="rId6"/>
-    <p:sldId id="261" r:id="rId7"/>
+    <p:sldId id="262" r:id="rId7"/>
+    <p:sldId id="261" r:id="rId8"/>
   </p:sldIdLst>
   <p:sldSz cx="12192000" cy="6858000"/>
   <p:notesSz cx="6858000" cy="9144000"/>
@@ -7983,7 +7984,14 @@
           <a:bodyPr rtlCol="0" anchor="ctr"/>
           <a:lstStyle/>
           <a:p>
-            <a:pPr algn="ctr"/>
+            <a:r>
+              <a:rPr lang="en-US" altLang="ko-KR" sz="900" dirty="0">
+                <a:solidFill>
+                  <a:schemeClr val="tx1"/>
+                </a:solidFill>
+              </a:rPr>
+              <a:t>1.  </a:t>
+            </a:r>
             <a:r>
               <a:rPr lang="ko-KR" altLang="en-US" sz="900" dirty="0">
                 <a:solidFill>
@@ -8045,7 +8053,14 @@
           <a:bodyPr rtlCol="0" anchor="ctr"/>
           <a:lstStyle/>
           <a:p>
-            <a:pPr algn="ctr"/>
+            <a:r>
+              <a:rPr lang="en-US" altLang="ko-KR" sz="900" dirty="0">
+                <a:solidFill>
+                  <a:schemeClr val="tx1"/>
+                </a:solidFill>
+              </a:rPr>
+              <a:t>2.  </a:t>
+            </a:r>
             <a:r>
               <a:rPr lang="ko-KR" altLang="en-US" sz="900" dirty="0">
                 <a:solidFill>
@@ -8107,7 +8122,14 @@
           <a:bodyPr rtlCol="0" anchor="ctr"/>
           <a:lstStyle/>
           <a:p>
-            <a:pPr algn="ctr"/>
+            <a:r>
+              <a:rPr lang="en-US" altLang="ko-KR" sz="900" dirty="0">
+                <a:solidFill>
+                  <a:schemeClr val="tx1"/>
+                </a:solidFill>
+              </a:rPr>
+              <a:t>3.  </a:t>
+            </a:r>
             <a:r>
               <a:rPr lang="ko-KR" altLang="en-US" sz="900" dirty="0">
                 <a:solidFill>
@@ -8886,7 +8908,14 @@
             <a:bodyPr rtlCol="0" anchor="ctr"/>
             <a:lstStyle/>
             <a:p>
-              <a:pPr algn="ctr"/>
+              <a:r>
+                <a:rPr lang="en-US" altLang="ko-KR" sz="900" dirty="0">
+                  <a:solidFill>
+                    <a:schemeClr val="tx1"/>
+                  </a:solidFill>
+                </a:rPr>
+                <a:t>4.  </a:t>
+              </a:r>
               <a:r>
                 <a:rPr lang="ko-KR" altLang="en-US" sz="900" dirty="0">
                   <a:solidFill>
@@ -8943,7 +8972,6 @@
             <a:bodyPr rtlCol="0" anchor="ctr"/>
             <a:lstStyle/>
             <a:p>
-              <a:pPr algn="ctr"/>
               <a:endParaRPr lang="ko-KR" altLang="en-US" sz="900" dirty="0"/>
             </a:p>
           </p:txBody>
@@ -9210,7 +9238,7 @@
         <p:spPr>
           <a:xfrm>
             <a:off x="3868741" y="2897017"/>
-            <a:ext cx="1701792" cy="1118401"/>
+            <a:ext cx="1701792" cy="2377865"/>
           </a:xfrm>
           <a:prstGeom prst="rect">
             <a:avLst/>
@@ -9245,7 +9273,6 @@
           <a:bodyPr rtlCol="0" anchor="ctr"/>
           <a:lstStyle/>
           <a:p>
-            <a:pPr algn="ctr"/>
             <a:endParaRPr lang="ko-KR" altLang="en-US" sz="900" dirty="0"/>
           </a:p>
         </p:txBody>
@@ -9300,7 +9327,14 @@
           <a:bodyPr rtlCol="0" anchor="ctr"/>
           <a:lstStyle/>
           <a:p>
-            <a:pPr algn="ctr"/>
+            <a:r>
+              <a:rPr lang="en-US" altLang="ko-KR" sz="900" dirty="0">
+                <a:solidFill>
+                  <a:schemeClr val="tx1"/>
+                </a:solidFill>
+              </a:rPr>
+              <a:t>1.  </a:t>
+            </a:r>
             <a:r>
               <a:rPr lang="ko-KR" altLang="en-US" sz="900" dirty="0">
                 <a:solidFill>
@@ -9362,7 +9396,14 @@
           <a:bodyPr rtlCol="0" anchor="ctr"/>
           <a:lstStyle/>
           <a:p>
-            <a:pPr algn="ctr"/>
+            <a:r>
+              <a:rPr lang="en-US" altLang="ko-KR" sz="900" dirty="0">
+                <a:solidFill>
+                  <a:schemeClr val="tx1"/>
+                </a:solidFill>
+              </a:rPr>
+              <a:t>2.  </a:t>
+            </a:r>
             <a:r>
               <a:rPr lang="ko-KR" altLang="en-US" sz="900" dirty="0">
                 <a:solidFill>
@@ -9440,9 +9481,16 @@
           <a:bodyPr rtlCol="0" anchor="ctr"/>
           <a:lstStyle/>
           <a:p>
-            <a:pPr algn="ctr"/>
             <a:r>
-              <a:rPr lang="ko-KR" altLang="en-US" sz="900" dirty="0">
+              <a:rPr lang="en-US" altLang="ko-KR" sz="900" dirty="0">
+                <a:solidFill>
+                  <a:schemeClr val="tx1"/>
+                </a:solidFill>
+              </a:rPr>
+              <a:t>3.  </a:t>
+            </a:r>
+            <a:r>
+              <a:rPr lang="ko-KR" altLang="en-US" sz="800" dirty="0">
                 <a:solidFill>
                   <a:schemeClr val="tx1"/>
                 </a:solidFill>
@@ -9450,7 +9498,7 @@
               <a:t>사진 및 앨범 등록</a:t>
             </a:r>
             <a:r>
-              <a:rPr lang="en-US" altLang="ko-KR" sz="900" dirty="0">
+              <a:rPr lang="en-US" altLang="ko-KR" sz="800" dirty="0">
                 <a:solidFill>
                   <a:schemeClr val="tx1"/>
                 </a:solidFill>
@@ -9458,13 +9506,18 @@
               <a:t>/</a:t>
             </a:r>
             <a:r>
-              <a:rPr lang="ko-KR" altLang="en-US" sz="900" dirty="0">
+              <a:rPr lang="ko-KR" altLang="en-US" sz="800" dirty="0">
                 <a:solidFill>
                   <a:schemeClr val="tx1"/>
                 </a:solidFill>
               </a:rPr>
               <a:t>삭제</a:t>
             </a:r>
+            <a:endParaRPr lang="ko-KR" altLang="en-US" sz="900" dirty="0">
+              <a:solidFill>
+                <a:schemeClr val="tx1"/>
+              </a:solidFill>
+            </a:endParaRPr>
           </a:p>
         </p:txBody>
       </p:sp>
@@ -9538,7 +9591,14 @@
             <a:bodyPr rtlCol="0" anchor="ctr"/>
             <a:lstStyle/>
             <a:p>
-              <a:pPr algn="ctr"/>
+              <a:r>
+                <a:rPr lang="en-US" altLang="ko-KR" sz="900" dirty="0">
+                  <a:solidFill>
+                    <a:schemeClr val="tx1"/>
+                  </a:solidFill>
+                </a:rPr>
+                <a:t>4.  </a:t>
+              </a:r>
               <a:r>
                 <a:rPr lang="ko-KR" altLang="en-US" sz="900" dirty="0">
                   <a:solidFill>
@@ -9595,7 +9655,6 @@
             <a:bodyPr rtlCol="0" anchor="ctr"/>
             <a:lstStyle/>
             <a:p>
-              <a:pPr algn="ctr"/>
               <a:endParaRPr lang="ko-KR" altLang="en-US" sz="900" dirty="0"/>
             </a:p>
           </p:txBody>
@@ -9784,14 +9843,13 @@
             <a:bodyPr rtlCol="0" anchor="ctr"/>
             <a:lstStyle/>
             <a:p>
-              <a:pPr algn="ctr"/>
               <a:r>
                 <a:rPr lang="en-US" altLang="ko-KR" sz="900" dirty="0">
                   <a:solidFill>
                     <a:schemeClr val="tx1"/>
                   </a:solidFill>
                 </a:rPr>
-                <a:t>SNS </a:t>
+                <a:t>5.  SNS </a:t>
               </a:r>
               <a:r>
                 <a:rPr lang="ko-KR" altLang="en-US" sz="900" dirty="0">
@@ -9849,7 +9907,6 @@
             <a:bodyPr rtlCol="0" anchor="ctr"/>
             <a:lstStyle/>
             <a:p>
-              <a:pPr algn="ctr"/>
               <a:endParaRPr lang="ko-KR" altLang="en-US" sz="900" dirty="0"/>
             </a:p>
           </p:txBody>
@@ -9925,7 +9982,14 @@
             <a:bodyPr rtlCol="0" anchor="ctr"/>
             <a:lstStyle/>
             <a:p>
-              <a:pPr algn="ctr"/>
+              <a:r>
+                <a:rPr lang="en-US" altLang="ko-KR" sz="900" dirty="0">
+                  <a:solidFill>
+                    <a:schemeClr val="tx1"/>
+                  </a:solidFill>
+                </a:rPr>
+                <a:t>6.  </a:t>
+              </a:r>
               <a:r>
                 <a:rPr lang="ko-KR" altLang="en-US" sz="900" dirty="0">
                   <a:solidFill>
@@ -9998,7 +10062,6 @@
             <a:bodyPr rtlCol="0" anchor="ctr"/>
             <a:lstStyle/>
             <a:p>
-              <a:pPr algn="ctr"/>
               <a:endParaRPr lang="ko-KR" altLang="en-US" sz="900" dirty="0"/>
             </a:p>
           </p:txBody>
@@ -10074,7 +10137,14 @@
             <a:bodyPr rtlCol="0" anchor="ctr"/>
             <a:lstStyle/>
             <a:p>
-              <a:pPr algn="ctr"/>
+              <a:r>
+                <a:rPr lang="en-US" altLang="ko-KR" sz="900" dirty="0">
+                  <a:solidFill>
+                    <a:schemeClr val="tx1"/>
+                  </a:solidFill>
+                </a:rPr>
+                <a:t>7.  </a:t>
+              </a:r>
               <a:r>
                 <a:rPr lang="ko-KR" altLang="en-US" sz="900" dirty="0">
                   <a:solidFill>
@@ -10131,7 +10201,6 @@
             <a:bodyPr rtlCol="0" anchor="ctr"/>
             <a:lstStyle/>
             <a:p>
-              <a:pPr algn="ctr"/>
               <a:endParaRPr lang="ko-KR" altLang="en-US" sz="900" dirty="0"/>
             </a:p>
           </p:txBody>
@@ -10187,7 +10256,14 @@
           <a:bodyPr rtlCol="0" anchor="ctr"/>
           <a:lstStyle/>
           <a:p>
-            <a:pPr algn="ctr"/>
+            <a:r>
+              <a:rPr lang="en-US" altLang="ko-KR" sz="900" dirty="0">
+                <a:solidFill>
+                  <a:schemeClr val="tx1"/>
+                </a:solidFill>
+              </a:rPr>
+              <a:t>8.  </a:t>
+            </a:r>
             <a:r>
               <a:rPr lang="ko-KR" altLang="en-US" sz="900" dirty="0">
                 <a:solidFill>
@@ -10249,7 +10325,14 @@
           <a:bodyPr rtlCol="0" anchor="ctr"/>
           <a:lstStyle/>
           <a:p>
-            <a:pPr algn="ctr"/>
+            <a:r>
+              <a:rPr lang="en-US" altLang="ko-KR" sz="900" dirty="0">
+                <a:solidFill>
+                  <a:schemeClr val="tx1"/>
+                </a:solidFill>
+              </a:rPr>
+              <a:t>9.  </a:t>
+            </a:r>
             <a:r>
               <a:rPr lang="ko-KR" altLang="en-US" sz="900" dirty="0">
                 <a:solidFill>
@@ -10336,6 +10419,452 @@
           </a:p>
         </p:txBody>
       </p:sp>
+      <p:sp>
+        <p:nvSpPr>
+          <p:cNvPr id="77" name="직사각형 76">
+            <a:extLst>
+              <a:ext uri="{FF2B5EF4-FFF2-40B4-BE49-F238E27FC236}">
+                <a16:creationId xmlns:a16="http://schemas.microsoft.com/office/drawing/2014/main" id="{80005766-60D0-43DE-8D01-41CA6915F1C2}"/>
+              </a:ext>
+            </a:extLst>
+          </p:cNvPr>
+          <p:cNvSpPr/>
+          <p:nvPr/>
+        </p:nvSpPr>
+        <p:spPr>
+          <a:xfrm>
+            <a:off x="6421440" y="2893344"/>
+            <a:ext cx="1701792" cy="1118401"/>
+          </a:xfrm>
+          <a:prstGeom prst="rect">
+            <a:avLst/>
+          </a:prstGeom>
+          <a:solidFill>
+            <a:schemeClr val="accent4">
+              <a:lumMod val="40000"/>
+              <a:lumOff val="60000"/>
+            </a:schemeClr>
+          </a:solidFill>
+          <a:ln>
+            <a:noFill/>
+          </a:ln>
+        </p:spPr>
+        <p:style>
+          <a:lnRef idx="2">
+            <a:schemeClr val="accent1">
+              <a:shade val="50000"/>
+            </a:schemeClr>
+          </a:lnRef>
+          <a:fillRef idx="1">
+            <a:schemeClr val="accent1"/>
+          </a:fillRef>
+          <a:effectRef idx="0">
+            <a:schemeClr val="accent1"/>
+          </a:effectRef>
+          <a:fontRef idx="minor">
+            <a:schemeClr val="lt1"/>
+          </a:fontRef>
+        </p:style>
+        <p:txBody>
+          <a:bodyPr rtlCol="0" anchor="ctr"/>
+          <a:lstStyle/>
+          <a:p>
+            <a:pPr algn="ctr"/>
+            <a:endParaRPr lang="ko-KR" altLang="en-US" sz="900" dirty="0"/>
+          </a:p>
+        </p:txBody>
+      </p:sp>
+      <p:sp>
+        <p:nvSpPr>
+          <p:cNvPr id="78" name="직사각형 77">
+            <a:extLst>
+              <a:ext uri="{FF2B5EF4-FFF2-40B4-BE49-F238E27FC236}">
+                <a16:creationId xmlns:a16="http://schemas.microsoft.com/office/drawing/2014/main" id="{835AE6EF-125B-49FE-A702-41B4E202DB06}"/>
+              </a:ext>
+            </a:extLst>
+          </p:cNvPr>
+          <p:cNvSpPr/>
+          <p:nvPr/>
+        </p:nvSpPr>
+        <p:spPr>
+          <a:xfrm>
+            <a:off x="6552336" y="2969544"/>
+            <a:ext cx="1440000" cy="213312"/>
+          </a:xfrm>
+          <a:prstGeom prst="rect">
+            <a:avLst/>
+          </a:prstGeom>
+          <a:solidFill>
+            <a:schemeClr val="accent5">
+              <a:lumMod val="40000"/>
+              <a:lumOff val="60000"/>
+            </a:schemeClr>
+          </a:solidFill>
+          <a:ln>
+            <a:noFill/>
+          </a:ln>
+        </p:spPr>
+        <p:style>
+          <a:lnRef idx="2">
+            <a:schemeClr val="accent1">
+              <a:shade val="50000"/>
+            </a:schemeClr>
+          </a:lnRef>
+          <a:fillRef idx="1">
+            <a:schemeClr val="accent1"/>
+          </a:fillRef>
+          <a:effectRef idx="0">
+            <a:schemeClr val="accent1"/>
+          </a:effectRef>
+          <a:fontRef idx="minor">
+            <a:schemeClr val="lt1"/>
+          </a:fontRef>
+        </p:style>
+        <p:txBody>
+          <a:bodyPr rtlCol="0" anchor="ctr"/>
+          <a:lstStyle/>
+          <a:p>
+            <a:r>
+              <a:rPr lang="en-US" altLang="ko-KR" sz="900" dirty="0">
+                <a:solidFill>
+                  <a:schemeClr val="tx1"/>
+                </a:solidFill>
+              </a:rPr>
+              <a:t>1.  </a:t>
+            </a:r>
+            <a:r>
+              <a:rPr lang="ko-KR" altLang="en-US" sz="900" dirty="0">
+                <a:solidFill>
+                  <a:schemeClr val="tx1"/>
+                </a:solidFill>
+              </a:rPr>
+              <a:t>미정</a:t>
+            </a:r>
+          </a:p>
+        </p:txBody>
+      </p:sp>
+      <p:sp>
+        <p:nvSpPr>
+          <p:cNvPr id="79" name="직사각형 78">
+            <a:extLst>
+              <a:ext uri="{FF2B5EF4-FFF2-40B4-BE49-F238E27FC236}">
+                <a16:creationId xmlns:a16="http://schemas.microsoft.com/office/drawing/2014/main" id="{E8E52681-6F08-4D19-BFCD-680D1106A0F6}"/>
+              </a:ext>
+            </a:extLst>
+          </p:cNvPr>
+          <p:cNvSpPr/>
+          <p:nvPr/>
+        </p:nvSpPr>
+        <p:spPr>
+          <a:xfrm>
+            <a:off x="6552336" y="3219449"/>
+            <a:ext cx="1440000" cy="213312"/>
+          </a:xfrm>
+          <a:prstGeom prst="rect">
+            <a:avLst/>
+          </a:prstGeom>
+          <a:solidFill>
+            <a:schemeClr val="accent5">
+              <a:lumMod val="40000"/>
+              <a:lumOff val="60000"/>
+            </a:schemeClr>
+          </a:solidFill>
+          <a:ln>
+            <a:noFill/>
+          </a:ln>
+        </p:spPr>
+        <p:style>
+          <a:lnRef idx="2">
+            <a:schemeClr val="accent1">
+              <a:shade val="50000"/>
+            </a:schemeClr>
+          </a:lnRef>
+          <a:fillRef idx="1">
+            <a:schemeClr val="accent1"/>
+          </a:fillRef>
+          <a:effectRef idx="0">
+            <a:schemeClr val="accent1"/>
+          </a:effectRef>
+          <a:fontRef idx="minor">
+            <a:schemeClr val="lt1"/>
+          </a:fontRef>
+        </p:style>
+        <p:txBody>
+          <a:bodyPr rtlCol="0" anchor="ctr"/>
+          <a:lstStyle/>
+          <a:p>
+            <a:r>
+              <a:rPr lang="en-US" altLang="ko-KR" sz="900" dirty="0">
+                <a:solidFill>
+                  <a:schemeClr val="tx1"/>
+                </a:solidFill>
+              </a:rPr>
+              <a:t>2.  </a:t>
+            </a:r>
+            <a:r>
+              <a:rPr lang="ko-KR" altLang="en-US" sz="900" dirty="0">
+                <a:solidFill>
+                  <a:schemeClr val="tx1"/>
+                </a:solidFill>
+              </a:rPr>
+              <a:t>미정</a:t>
+            </a:r>
+          </a:p>
+        </p:txBody>
+      </p:sp>
+      <p:sp>
+        <p:nvSpPr>
+          <p:cNvPr id="81" name="직사각형 80">
+            <a:extLst>
+              <a:ext uri="{FF2B5EF4-FFF2-40B4-BE49-F238E27FC236}">
+                <a16:creationId xmlns:a16="http://schemas.microsoft.com/office/drawing/2014/main" id="{BD37E5C4-A3BE-4C86-B12A-90927164954E}"/>
+              </a:ext>
+            </a:extLst>
+          </p:cNvPr>
+          <p:cNvSpPr/>
+          <p:nvPr/>
+        </p:nvSpPr>
+        <p:spPr>
+          <a:xfrm>
+            <a:off x="6552336" y="3470841"/>
+            <a:ext cx="1440000" cy="213312"/>
+          </a:xfrm>
+          <a:prstGeom prst="rect">
+            <a:avLst/>
+          </a:prstGeom>
+          <a:solidFill>
+            <a:schemeClr val="accent5">
+              <a:lumMod val="40000"/>
+              <a:lumOff val="60000"/>
+            </a:schemeClr>
+          </a:solidFill>
+          <a:ln>
+            <a:noFill/>
+          </a:ln>
+        </p:spPr>
+        <p:style>
+          <a:lnRef idx="2">
+            <a:schemeClr val="accent1">
+              <a:shade val="50000"/>
+            </a:schemeClr>
+          </a:lnRef>
+          <a:fillRef idx="1">
+            <a:schemeClr val="accent1"/>
+          </a:fillRef>
+          <a:effectRef idx="0">
+            <a:schemeClr val="accent1"/>
+          </a:effectRef>
+          <a:fontRef idx="minor">
+            <a:schemeClr val="lt1"/>
+          </a:fontRef>
+        </p:style>
+        <p:txBody>
+          <a:bodyPr rtlCol="0" anchor="ctr"/>
+          <a:lstStyle/>
+          <a:p>
+            <a:r>
+              <a:rPr lang="en-US" altLang="ko-KR" sz="900" dirty="0">
+                <a:solidFill>
+                  <a:schemeClr val="tx1"/>
+                </a:solidFill>
+              </a:rPr>
+              <a:t>3.  </a:t>
+            </a:r>
+            <a:r>
+              <a:rPr lang="ko-KR" altLang="en-US" sz="900" dirty="0">
+                <a:solidFill>
+                  <a:schemeClr val="tx1"/>
+                </a:solidFill>
+              </a:rPr>
+              <a:t>미정</a:t>
+            </a:r>
+          </a:p>
+        </p:txBody>
+      </p:sp>
+      <p:grpSp>
+        <p:nvGrpSpPr>
+          <p:cNvPr id="82" name="그룹 81">
+            <a:extLst>
+              <a:ext uri="{FF2B5EF4-FFF2-40B4-BE49-F238E27FC236}">
+                <a16:creationId xmlns:a16="http://schemas.microsoft.com/office/drawing/2014/main" id="{E1412998-A728-449A-A241-F971E5C45365}"/>
+              </a:ext>
+            </a:extLst>
+          </p:cNvPr>
+          <p:cNvGrpSpPr/>
+          <p:nvPr/>
+        </p:nvGrpSpPr>
+        <p:grpSpPr>
+          <a:xfrm>
+            <a:off x="6552336" y="3722233"/>
+            <a:ext cx="1440000" cy="213312"/>
+            <a:chOff x="1446937" y="3722233"/>
+            <a:chExt cx="1440000" cy="213312"/>
+          </a:xfrm>
+        </p:grpSpPr>
+        <p:sp>
+          <p:nvSpPr>
+            <p:cNvPr id="83" name="직사각형 82">
+              <a:extLst>
+                <a:ext uri="{FF2B5EF4-FFF2-40B4-BE49-F238E27FC236}">
+                  <a16:creationId xmlns:a16="http://schemas.microsoft.com/office/drawing/2014/main" id="{751921C4-A74B-4569-BEC8-885521E749CA}"/>
+                </a:ext>
+              </a:extLst>
+            </p:cNvPr>
+            <p:cNvSpPr/>
+            <p:nvPr/>
+          </p:nvSpPr>
+          <p:spPr>
+            <a:xfrm>
+              <a:off x="1446937" y="3722233"/>
+              <a:ext cx="1440000" cy="213312"/>
+            </a:xfrm>
+            <a:prstGeom prst="rect">
+              <a:avLst/>
+            </a:prstGeom>
+            <a:solidFill>
+              <a:schemeClr val="accent5">
+                <a:lumMod val="40000"/>
+                <a:lumOff val="60000"/>
+              </a:schemeClr>
+            </a:solidFill>
+            <a:ln>
+              <a:noFill/>
+            </a:ln>
+          </p:spPr>
+          <p:style>
+            <a:lnRef idx="2">
+              <a:schemeClr val="accent1">
+                <a:shade val="50000"/>
+              </a:schemeClr>
+            </a:lnRef>
+            <a:fillRef idx="1">
+              <a:schemeClr val="accent1"/>
+            </a:fillRef>
+            <a:effectRef idx="0">
+              <a:schemeClr val="accent1"/>
+            </a:effectRef>
+            <a:fontRef idx="minor">
+              <a:schemeClr val="lt1"/>
+            </a:fontRef>
+          </p:style>
+          <p:txBody>
+            <a:bodyPr rtlCol="0" anchor="ctr"/>
+            <a:lstStyle/>
+            <a:p>
+              <a:r>
+                <a:rPr lang="en-US" altLang="ko-KR" sz="900" dirty="0">
+                  <a:solidFill>
+                    <a:schemeClr val="tx1"/>
+                  </a:solidFill>
+                </a:rPr>
+                <a:t>4.  </a:t>
+              </a:r>
+              <a:r>
+                <a:rPr lang="ko-KR" altLang="en-US" sz="900" dirty="0">
+                  <a:solidFill>
+                    <a:schemeClr val="tx1"/>
+                  </a:solidFill>
+                </a:rPr>
+                <a:t>미정</a:t>
+              </a:r>
+            </a:p>
+          </p:txBody>
+        </p:sp>
+        <p:sp>
+          <p:nvSpPr>
+            <p:cNvPr id="86" name="직사각형 85">
+              <a:extLst>
+                <a:ext uri="{FF2B5EF4-FFF2-40B4-BE49-F238E27FC236}">
+                  <a16:creationId xmlns:a16="http://schemas.microsoft.com/office/drawing/2014/main" id="{95543620-48BE-4750-8265-786DAF1475E5}"/>
+                </a:ext>
+              </a:extLst>
+            </p:cNvPr>
+            <p:cNvSpPr/>
+            <p:nvPr/>
+          </p:nvSpPr>
+          <p:spPr>
+            <a:xfrm>
+              <a:off x="1446937" y="3725257"/>
+              <a:ext cx="716777" cy="210198"/>
+            </a:xfrm>
+            <a:prstGeom prst="rect">
+              <a:avLst/>
+            </a:prstGeom>
+            <a:noFill/>
+            <a:ln>
+              <a:noFill/>
+            </a:ln>
+          </p:spPr>
+          <p:style>
+            <a:lnRef idx="2">
+              <a:schemeClr val="accent1">
+                <a:shade val="50000"/>
+              </a:schemeClr>
+            </a:lnRef>
+            <a:fillRef idx="1">
+              <a:schemeClr val="accent1"/>
+            </a:fillRef>
+            <a:effectRef idx="0">
+              <a:schemeClr val="accent1"/>
+            </a:effectRef>
+            <a:fontRef idx="minor">
+              <a:schemeClr val="lt1"/>
+            </a:fontRef>
+          </p:style>
+          <p:txBody>
+            <a:bodyPr rtlCol="0" anchor="ctr"/>
+            <a:lstStyle/>
+            <a:p>
+              <a:endParaRPr lang="ko-KR" altLang="en-US" sz="900" dirty="0"/>
+            </a:p>
+          </p:txBody>
+        </p:sp>
+      </p:grpSp>
+      <p:cxnSp>
+        <p:nvCxnSpPr>
+          <p:cNvPr id="10" name="직선 연결선 9">
+            <a:extLst>
+              <a:ext uri="{FF2B5EF4-FFF2-40B4-BE49-F238E27FC236}">
+                <a16:creationId xmlns:a16="http://schemas.microsoft.com/office/drawing/2014/main" id="{8C80119F-D5B6-4B44-A55A-6B3BC182C284}"/>
+              </a:ext>
+            </a:extLst>
+          </p:cNvPr>
+          <p:cNvCxnSpPr>
+            <a:cxnSpLocks/>
+            <a:stCxn id="12" idx="2"/>
+            <a:endCxn id="77" idx="0"/>
+          </p:cNvCxnSpPr>
+          <p:nvPr/>
+        </p:nvCxnSpPr>
+        <p:spPr>
+          <a:xfrm flipH="1">
+            <a:off x="7272336" y="2742379"/>
+            <a:ext cx="1" cy="150965"/>
+          </a:xfrm>
+          <a:prstGeom prst="line">
+            <a:avLst/>
+          </a:prstGeom>
+          <a:ln>
+            <a:solidFill>
+              <a:schemeClr val="tx1"/>
+            </a:solidFill>
+          </a:ln>
+        </p:spPr>
+        <p:style>
+          <a:lnRef idx="1">
+            <a:schemeClr val="accent1"/>
+          </a:lnRef>
+          <a:fillRef idx="0">
+            <a:schemeClr val="accent1"/>
+          </a:fillRef>
+          <a:effectRef idx="0">
+            <a:schemeClr val="accent1"/>
+          </a:effectRef>
+          <a:fontRef idx="minor">
+            <a:schemeClr val="tx1"/>
+          </a:fontRef>
+        </p:style>
+      </p:cxnSp>
     </p:spTree>
     <p:extLst>
       <p:ext uri="{BB962C8B-B14F-4D97-AF65-F5344CB8AC3E}">
@@ -10366,64 +10895,6 @@
           <a:chExt cx="0" cy="0"/>
         </a:xfrm>
       </p:grpSpPr>
-      <p:sp>
-        <p:nvSpPr>
-          <p:cNvPr id="4" name="사각형: 둥근 모서리 3">
-            <a:extLst>
-              <a:ext uri="{FF2B5EF4-FFF2-40B4-BE49-F238E27FC236}">
-                <a16:creationId xmlns:a16="http://schemas.microsoft.com/office/drawing/2014/main" id="{32FA995E-7225-4B5E-A895-829EFDFCCD38}"/>
-              </a:ext>
-            </a:extLst>
-          </p:cNvPr>
-          <p:cNvSpPr>
-            <a:spLocks noChangeAspect="1"/>
-          </p:cNvSpPr>
-          <p:nvPr/>
-        </p:nvSpPr>
-        <p:spPr>
-          <a:xfrm>
-            <a:off x="4638000" y="1167803"/>
-            <a:ext cx="2916000" cy="5183999"/>
-          </a:xfrm>
-          <a:prstGeom prst="roundRect">
-            <a:avLst>
-              <a:gd name="adj" fmla="val 0"/>
-            </a:avLst>
-          </a:prstGeom>
-          <a:noFill/>
-          <a:ln w="38100" cmpd="thinThick">
-            <a:solidFill>
-              <a:schemeClr val="tx1">
-                <a:alpha val="80000"/>
-              </a:schemeClr>
-            </a:solidFill>
-          </a:ln>
-        </p:spPr>
-        <p:style>
-          <a:lnRef idx="2">
-            <a:schemeClr val="accent1">
-              <a:shade val="50000"/>
-            </a:schemeClr>
-          </a:lnRef>
-          <a:fillRef idx="1">
-            <a:schemeClr val="accent1"/>
-          </a:fillRef>
-          <a:effectRef idx="0">
-            <a:schemeClr val="accent1"/>
-          </a:effectRef>
-          <a:fontRef idx="minor">
-            <a:schemeClr val="lt1"/>
-          </a:fontRef>
-        </p:style>
-        <p:txBody>
-          <a:bodyPr wrap="square" rtlCol="0" anchor="ctr"/>
-          <a:lstStyle/>
-          <a:p>
-            <a:pPr algn="ctr"/>
-            <a:endParaRPr lang="ko-KR" altLang="en-US"/>
-          </a:p>
-        </p:txBody>
-      </p:sp>
       <p:grpSp>
         <p:nvGrpSpPr>
           <p:cNvPr id="8" name="그룹 7">
@@ -10772,36 +11243,1542 @@
           </p:sp>
         </p:grpSp>
       </p:grpSp>
-      <p:sp>
-        <p:nvSpPr>
-          <p:cNvPr id="18" name="사각형: 둥근 모서리 17">
+      <p:grpSp>
+        <p:nvGrpSpPr>
+          <p:cNvPr id="10" name="그룹 9">
             <a:extLst>
               <a:ext uri="{FF2B5EF4-FFF2-40B4-BE49-F238E27FC236}">
-                <a16:creationId xmlns:a16="http://schemas.microsoft.com/office/drawing/2014/main" id="{85E22897-8458-44A6-9486-A82CBCF4CA71}"/>
+                <a16:creationId xmlns:a16="http://schemas.microsoft.com/office/drawing/2014/main" id="{D72CA4DD-4742-471E-B948-3386C10957D2}"/>
               </a:ext>
             </a:extLst>
           </p:cNvPr>
-          <p:cNvSpPr>
-            <a:spLocks noChangeAspect="1"/>
-          </p:cNvSpPr>
+          <p:cNvGrpSpPr/>
+          <p:nvPr/>
+        </p:nvGrpSpPr>
+        <p:grpSpPr>
+          <a:xfrm>
+            <a:off x="1458477" y="1552246"/>
+            <a:ext cx="2916000" cy="4331738"/>
+            <a:chOff x="1458477" y="1552246"/>
+            <a:chExt cx="2916000" cy="4331738"/>
+          </a:xfrm>
+        </p:grpSpPr>
+        <p:sp>
+          <p:nvSpPr>
+            <p:cNvPr id="18" name="사각형: 둥근 모서리 17">
+              <a:extLst>
+                <a:ext uri="{FF2B5EF4-FFF2-40B4-BE49-F238E27FC236}">
+                  <a16:creationId xmlns:a16="http://schemas.microsoft.com/office/drawing/2014/main" id="{85E22897-8458-44A6-9486-A82CBCF4CA71}"/>
+                </a:ext>
+              </a:extLst>
+            </p:cNvPr>
+            <p:cNvSpPr>
+              <a:spLocks noChangeAspect="1"/>
+            </p:cNvSpPr>
+            <p:nvPr/>
+          </p:nvSpPr>
+          <p:spPr>
+            <a:xfrm>
+              <a:off x="1458477" y="1552246"/>
+              <a:ext cx="2916000" cy="4331738"/>
+            </a:xfrm>
+            <a:prstGeom prst="roundRect">
+              <a:avLst>
+                <a:gd name="adj" fmla="val 0"/>
+              </a:avLst>
+            </a:prstGeom>
+            <a:noFill/>
+            <a:ln w="38100" cmpd="thinThick">
+              <a:solidFill>
+                <a:schemeClr val="tx1">
+                  <a:alpha val="80000"/>
+                </a:schemeClr>
+              </a:solidFill>
+            </a:ln>
+          </p:spPr>
+          <p:style>
+            <a:lnRef idx="2">
+              <a:schemeClr val="accent1">
+                <a:shade val="50000"/>
+              </a:schemeClr>
+            </a:lnRef>
+            <a:fillRef idx="1">
+              <a:schemeClr val="accent1"/>
+            </a:fillRef>
+            <a:effectRef idx="0">
+              <a:schemeClr val="accent1"/>
+            </a:effectRef>
+            <a:fontRef idx="minor">
+              <a:schemeClr val="lt1"/>
+            </a:fontRef>
+          </p:style>
+          <p:txBody>
+            <a:bodyPr wrap="square" rtlCol="0" anchor="ctr"/>
+            <a:lstStyle/>
+            <a:p>
+              <a:pPr algn="ctr"/>
+              <a:endParaRPr lang="ko-KR" altLang="en-US"/>
+            </a:p>
+          </p:txBody>
+        </p:sp>
+        <p:pic>
+          <p:nvPicPr>
+            <p:cNvPr id="7" name="그림 6">
+              <a:extLst>
+                <a:ext uri="{FF2B5EF4-FFF2-40B4-BE49-F238E27FC236}">
+                  <a16:creationId xmlns:a16="http://schemas.microsoft.com/office/drawing/2014/main" id="{A54EDE29-B190-4D28-A070-BD2953EA532F}"/>
+                </a:ext>
+              </a:extLst>
+            </p:cNvPr>
+            <p:cNvPicPr>
+              <a:picLocks noChangeAspect="1"/>
+            </p:cNvPicPr>
+            <p:nvPr/>
+          </p:nvPicPr>
+          <p:blipFill>
+            <a:blip r:embed="rId2">
+              <a:extLst>
+                <a:ext uri="{28A0092B-C50C-407E-A947-70E740481C1C}">
+                  <a14:useLocalDpi xmlns:a14="http://schemas.microsoft.com/office/drawing/2010/main" val="0"/>
+                </a:ext>
+              </a:extLst>
+            </a:blip>
+            <a:stretch>
+              <a:fillRect/>
+            </a:stretch>
+          </p:blipFill>
+          <p:spPr>
+            <a:xfrm>
+              <a:off x="1499752" y="1590346"/>
+              <a:ext cx="2856349" cy="4263157"/>
+            </a:xfrm>
+            <a:prstGeom prst="rect">
+              <a:avLst/>
+            </a:prstGeom>
+            <a:ln>
+              <a:noFill/>
+            </a:ln>
+          </p:spPr>
+        </p:pic>
+      </p:grpSp>
+      <p:cxnSp>
+        <p:nvCxnSpPr>
+          <p:cNvPr id="12" name="직선 연결선 11">
+            <a:extLst>
+              <a:ext uri="{FF2B5EF4-FFF2-40B4-BE49-F238E27FC236}">
+                <a16:creationId xmlns:a16="http://schemas.microsoft.com/office/drawing/2014/main" id="{527D3542-05C7-48B3-9F62-E0D1841F7B96}"/>
+              </a:ext>
+            </a:extLst>
+          </p:cNvPr>
+          <p:cNvCxnSpPr>
+            <a:cxnSpLocks/>
+          </p:cNvCxnSpPr>
+          <p:nvPr/>
+        </p:nvCxnSpPr>
+        <p:spPr>
+          <a:xfrm>
+            <a:off x="5676900" y="1054086"/>
+            <a:ext cx="0" cy="5522079"/>
+          </a:xfrm>
+          <a:prstGeom prst="line">
+            <a:avLst/>
+          </a:prstGeom>
+          <a:ln>
+            <a:solidFill>
+              <a:schemeClr val="tx1"/>
+            </a:solidFill>
+          </a:ln>
+        </p:spPr>
+        <p:style>
+          <a:lnRef idx="1">
+            <a:schemeClr val="accent1"/>
+          </a:lnRef>
+          <a:fillRef idx="0">
+            <a:schemeClr val="accent1"/>
+          </a:fillRef>
+          <a:effectRef idx="0">
+            <a:schemeClr val="accent1"/>
+          </a:effectRef>
+          <a:fontRef idx="minor">
+            <a:schemeClr val="tx1"/>
+          </a:fontRef>
+        </p:style>
+      </p:cxnSp>
+      <p:graphicFrame>
+        <p:nvGraphicFramePr>
+          <p:cNvPr id="26" name="표 25">
+            <a:extLst>
+              <a:ext uri="{FF2B5EF4-FFF2-40B4-BE49-F238E27FC236}">
+                <a16:creationId xmlns:a16="http://schemas.microsoft.com/office/drawing/2014/main" id="{38344359-5E80-4870-BE39-F0A775C571DA}"/>
+              </a:ext>
+            </a:extLst>
+          </p:cNvPr>
+          <p:cNvGraphicFramePr>
+            <a:graphicFrameLocks noGrp="1"/>
+          </p:cNvGraphicFramePr>
+          <p:nvPr>
+            <p:extLst>
+              <p:ext uri="{D42A27DB-BD31-4B8C-83A1-F6EECF244321}">
+                <p14:modId xmlns:p14="http://schemas.microsoft.com/office/powerpoint/2010/main" val="3474634098"/>
+              </p:ext>
+            </p:extLst>
+          </p:nvPr>
+        </p:nvGraphicFramePr>
+        <p:xfrm>
+          <a:off x="6096000" y="1196325"/>
+          <a:ext cx="5318904" cy="1443772"/>
+        </p:xfrm>
+        <a:graphic>
+          <a:graphicData uri="http://schemas.openxmlformats.org/drawingml/2006/table">
+            <a:tbl>
+              <a:tblPr firstRow="1" bandRow="1">
+                <a:effectLst/>
+                <a:tableStyleId>{5940675A-B579-460E-94D1-54222C63F5DA}</a:tableStyleId>
+              </a:tblPr>
+              <a:tblGrid>
+                <a:gridCol w="1329726">
+                  <a:extLst>
+                    <a:ext uri="{9D8B030D-6E8A-4147-A177-3AD203B41FA5}">
+                      <a16:colId xmlns:a16="http://schemas.microsoft.com/office/drawing/2014/main" val="2506115013"/>
+                    </a:ext>
+                  </a:extLst>
+                </a:gridCol>
+                <a:gridCol w="1329726">
+                  <a:extLst>
+                    <a:ext uri="{9D8B030D-6E8A-4147-A177-3AD203B41FA5}">
+                      <a16:colId xmlns:a16="http://schemas.microsoft.com/office/drawing/2014/main" val="2560784083"/>
+                    </a:ext>
+                  </a:extLst>
+                </a:gridCol>
+                <a:gridCol w="1329726">
+                  <a:extLst>
+                    <a:ext uri="{9D8B030D-6E8A-4147-A177-3AD203B41FA5}">
+                      <a16:colId xmlns:a16="http://schemas.microsoft.com/office/drawing/2014/main" val="2218651123"/>
+                    </a:ext>
+                  </a:extLst>
+                </a:gridCol>
+                <a:gridCol w="1329726">
+                  <a:extLst>
+                    <a:ext uri="{9D8B030D-6E8A-4147-A177-3AD203B41FA5}">
+                      <a16:colId xmlns:a16="http://schemas.microsoft.com/office/drawing/2014/main" val="2982014204"/>
+                    </a:ext>
+                  </a:extLst>
+                </a:gridCol>
+              </a:tblGrid>
+              <a:tr h="238506">
+                <a:tc>
+                  <a:txBody>
+                    <a:bodyPr/>
+                    <a:lstStyle/>
+                    <a:p>
+                      <a:pPr algn="ctr" latinLnBrk="1"/>
+                      <a:r>
+                        <a:rPr lang="ko-KR" altLang="en-US" sz="1100" b="1" dirty="0"/>
+                        <a:t>문 서 명</a:t>
+                      </a:r>
+                    </a:p>
+                  </a:txBody>
+                  <a:tcPr marL="58809" marR="58809" marT="29405" marB="29405">
+                    <a:lnL w="3175" cap="flat" cmpd="sng" algn="ctr">
+                      <a:solidFill>
+                        <a:schemeClr val="tx1"/>
+                      </a:solidFill>
+                      <a:prstDash val="sysDash"/>
+                      <a:round/>
+                      <a:headEnd type="none" w="med" len="med"/>
+                      <a:tailEnd type="none" w="med" len="med"/>
+                    </a:lnL>
+                    <a:lnR w="3175" cap="flat" cmpd="sng" algn="ctr">
+                      <a:solidFill>
+                        <a:schemeClr val="tx1"/>
+                      </a:solidFill>
+                      <a:prstDash val="sysDash"/>
+                      <a:round/>
+                      <a:headEnd type="none" w="med" len="med"/>
+                      <a:tailEnd type="none" w="med" len="med"/>
+                    </a:lnR>
+                    <a:lnT w="3175" cap="flat" cmpd="sng" algn="ctr">
+                      <a:solidFill>
+                        <a:schemeClr val="tx1"/>
+                      </a:solidFill>
+                      <a:prstDash val="sysDash"/>
+                      <a:round/>
+                      <a:headEnd type="none" w="med" len="med"/>
+                      <a:tailEnd type="none" w="med" len="med"/>
+                    </a:lnT>
+                    <a:lnB w="3175" cap="flat" cmpd="sng" algn="ctr">
+                      <a:solidFill>
+                        <a:schemeClr val="tx1"/>
+                      </a:solidFill>
+                      <a:prstDash val="sysDash"/>
+                      <a:round/>
+                      <a:headEnd type="none" w="med" len="med"/>
+                      <a:tailEnd type="none" w="med" len="med"/>
+                    </a:lnB>
+                    <a:lnTlToBr w="12700" cmpd="sng">
+                      <a:noFill/>
+                      <a:prstDash val="solid"/>
+                    </a:lnTlToBr>
+                    <a:lnBlToTr w="12700" cmpd="sng">
+                      <a:noFill/>
+                      <a:prstDash val="solid"/>
+                    </a:lnBlToTr>
+                    <a:solidFill>
+                      <a:schemeClr val="bg1">
+                        <a:lumMod val="95000"/>
+                      </a:schemeClr>
+                    </a:solidFill>
+                  </a:tcPr>
+                </a:tc>
+                <a:tc>
+                  <a:txBody>
+                    <a:bodyPr/>
+                    <a:lstStyle/>
+                    <a:p>
+                      <a:pPr algn="ctr" latinLnBrk="1"/>
+                      <a:r>
+                        <a:rPr lang="en-US" altLang="ko-KR" sz="1100" dirty="0" err="1"/>
+                        <a:t>StoryBoard</a:t>
+                      </a:r>
+                      <a:endParaRPr lang="ko-KR" altLang="en-US" sz="1100" dirty="0"/>
+                    </a:p>
+                  </a:txBody>
+                  <a:tcPr marL="58809" marR="58809" marT="29405" marB="29405">
+                    <a:lnL w="3175" cap="flat" cmpd="sng" algn="ctr">
+                      <a:solidFill>
+                        <a:schemeClr val="tx1"/>
+                      </a:solidFill>
+                      <a:prstDash val="sysDash"/>
+                      <a:round/>
+                      <a:headEnd type="none" w="med" len="med"/>
+                      <a:tailEnd type="none" w="med" len="med"/>
+                    </a:lnL>
+                    <a:lnR w="3175" cap="flat" cmpd="sng" algn="ctr">
+                      <a:solidFill>
+                        <a:schemeClr val="tx1"/>
+                      </a:solidFill>
+                      <a:prstDash val="sysDash"/>
+                      <a:round/>
+                      <a:headEnd type="none" w="med" len="med"/>
+                      <a:tailEnd type="none" w="med" len="med"/>
+                    </a:lnR>
+                    <a:lnT w="3175" cap="flat" cmpd="sng" algn="ctr">
+                      <a:solidFill>
+                        <a:schemeClr val="tx1"/>
+                      </a:solidFill>
+                      <a:prstDash val="sysDash"/>
+                      <a:round/>
+                      <a:headEnd type="none" w="med" len="med"/>
+                      <a:tailEnd type="none" w="med" len="med"/>
+                    </a:lnT>
+                    <a:lnB w="3175" cap="flat" cmpd="sng" algn="ctr">
+                      <a:solidFill>
+                        <a:schemeClr val="tx1"/>
+                      </a:solidFill>
+                      <a:prstDash val="sysDash"/>
+                      <a:round/>
+                      <a:headEnd type="none" w="med" len="med"/>
+                      <a:tailEnd type="none" w="med" len="med"/>
+                    </a:lnB>
+                    <a:lnTlToBr w="12700" cmpd="sng">
+                      <a:noFill/>
+                      <a:prstDash val="solid"/>
+                    </a:lnTlToBr>
+                    <a:lnBlToTr w="12700" cmpd="sng">
+                      <a:noFill/>
+                      <a:prstDash val="solid"/>
+                    </a:lnBlToTr>
+                    <a:solidFill>
+                      <a:schemeClr val="bg1">
+                        <a:lumMod val="95000"/>
+                      </a:schemeClr>
+                    </a:solidFill>
+                  </a:tcPr>
+                </a:tc>
+                <a:tc>
+                  <a:txBody>
+                    <a:bodyPr/>
+                    <a:lstStyle/>
+                    <a:p>
+                      <a:pPr algn="ctr" latinLnBrk="1"/>
+                      <a:r>
+                        <a:rPr lang="en-US" altLang="ko-KR" sz="1100" b="1" dirty="0"/>
+                        <a:t>Ver</a:t>
+                      </a:r>
+                      <a:endParaRPr lang="ko-KR" altLang="en-US" sz="1100" b="1" dirty="0"/>
+                    </a:p>
+                  </a:txBody>
+                  <a:tcPr marL="58809" marR="58809" marT="29405" marB="29405">
+                    <a:lnL w="3175" cap="flat" cmpd="sng" algn="ctr">
+                      <a:solidFill>
+                        <a:schemeClr val="tx1"/>
+                      </a:solidFill>
+                      <a:prstDash val="sysDash"/>
+                      <a:round/>
+                      <a:headEnd type="none" w="med" len="med"/>
+                      <a:tailEnd type="none" w="med" len="med"/>
+                    </a:lnL>
+                    <a:lnR w="3175" cap="flat" cmpd="sng" algn="ctr">
+                      <a:solidFill>
+                        <a:schemeClr val="tx1"/>
+                      </a:solidFill>
+                      <a:prstDash val="sysDash"/>
+                      <a:round/>
+                      <a:headEnd type="none" w="med" len="med"/>
+                      <a:tailEnd type="none" w="med" len="med"/>
+                    </a:lnR>
+                    <a:lnT w="3175" cap="flat" cmpd="sng" algn="ctr">
+                      <a:solidFill>
+                        <a:schemeClr val="tx1"/>
+                      </a:solidFill>
+                      <a:prstDash val="sysDash"/>
+                      <a:round/>
+                      <a:headEnd type="none" w="med" len="med"/>
+                      <a:tailEnd type="none" w="med" len="med"/>
+                    </a:lnT>
+                    <a:lnB w="3175" cap="flat" cmpd="sng" algn="ctr">
+                      <a:solidFill>
+                        <a:schemeClr val="tx1"/>
+                      </a:solidFill>
+                      <a:prstDash val="sysDash"/>
+                      <a:round/>
+                      <a:headEnd type="none" w="med" len="med"/>
+                      <a:tailEnd type="none" w="med" len="med"/>
+                    </a:lnB>
+                    <a:lnTlToBr w="12700" cmpd="sng">
+                      <a:noFill/>
+                      <a:prstDash val="solid"/>
+                    </a:lnTlToBr>
+                    <a:lnBlToTr w="12700" cmpd="sng">
+                      <a:noFill/>
+                      <a:prstDash val="solid"/>
+                    </a:lnBlToTr>
+                    <a:solidFill>
+                      <a:schemeClr val="bg1">
+                        <a:lumMod val="95000"/>
+                      </a:schemeClr>
+                    </a:solidFill>
+                  </a:tcPr>
+                </a:tc>
+                <a:tc>
+                  <a:txBody>
+                    <a:bodyPr/>
+                    <a:lstStyle/>
+                    <a:p>
+                      <a:pPr algn="ctr" latinLnBrk="1"/>
+                      <a:r>
+                        <a:rPr lang="en-US" altLang="ko-KR" sz="1100" dirty="0"/>
+                        <a:t>1.0</a:t>
+                      </a:r>
+                      <a:endParaRPr lang="ko-KR" altLang="en-US" sz="1100" dirty="0"/>
+                    </a:p>
+                  </a:txBody>
+                  <a:tcPr marL="58809" marR="58809" marT="29405" marB="29405">
+                    <a:lnL w="3175" cap="flat" cmpd="sng" algn="ctr">
+                      <a:solidFill>
+                        <a:schemeClr val="tx1"/>
+                      </a:solidFill>
+                      <a:prstDash val="sysDash"/>
+                      <a:round/>
+                      <a:headEnd type="none" w="med" len="med"/>
+                      <a:tailEnd type="none" w="med" len="med"/>
+                    </a:lnL>
+                    <a:lnR w="3175" cap="flat" cmpd="sng" algn="ctr">
+                      <a:solidFill>
+                        <a:schemeClr val="tx1"/>
+                      </a:solidFill>
+                      <a:prstDash val="sysDash"/>
+                      <a:round/>
+                      <a:headEnd type="none" w="med" len="med"/>
+                      <a:tailEnd type="none" w="med" len="med"/>
+                    </a:lnR>
+                    <a:lnT w="3175" cap="flat" cmpd="sng" algn="ctr">
+                      <a:solidFill>
+                        <a:schemeClr val="tx1"/>
+                      </a:solidFill>
+                      <a:prstDash val="sysDash"/>
+                      <a:round/>
+                      <a:headEnd type="none" w="med" len="med"/>
+                      <a:tailEnd type="none" w="med" len="med"/>
+                    </a:lnT>
+                    <a:lnB w="3175" cap="flat" cmpd="sng" algn="ctr">
+                      <a:solidFill>
+                        <a:schemeClr val="tx1"/>
+                      </a:solidFill>
+                      <a:prstDash val="sysDash"/>
+                      <a:round/>
+                      <a:headEnd type="none" w="med" len="med"/>
+                      <a:tailEnd type="none" w="med" len="med"/>
+                    </a:lnB>
+                    <a:lnTlToBr w="12700" cmpd="sng">
+                      <a:noFill/>
+                      <a:prstDash val="solid"/>
+                    </a:lnTlToBr>
+                    <a:lnBlToTr w="12700" cmpd="sng">
+                      <a:noFill/>
+                      <a:prstDash val="solid"/>
+                    </a:lnBlToTr>
+                    <a:solidFill>
+                      <a:schemeClr val="bg1">
+                        <a:lumMod val="95000"/>
+                      </a:schemeClr>
+                    </a:solidFill>
+                  </a:tcPr>
+                </a:tc>
+                <a:extLst>
+                  <a:ext uri="{0D108BD9-81ED-4DB2-BD59-A6C34878D82A}">
+                    <a16:rowId xmlns:a16="http://schemas.microsoft.com/office/drawing/2014/main" val="1324847407"/>
+                  </a:ext>
+                </a:extLst>
+              </a:tr>
+              <a:tr h="238506">
+                <a:tc>
+                  <a:txBody>
+                    <a:bodyPr/>
+                    <a:lstStyle/>
+                    <a:p>
+                      <a:pPr algn="ctr" latinLnBrk="1"/>
+                      <a:r>
+                        <a:rPr lang="ko-KR" altLang="en-US" sz="1100" b="1" dirty="0"/>
+                        <a:t>시스템명</a:t>
+                      </a:r>
+                    </a:p>
+                  </a:txBody>
+                  <a:tcPr marL="58809" marR="58809" marT="29405" marB="29405">
+                    <a:lnL w="3175" cap="flat" cmpd="sng" algn="ctr">
+                      <a:solidFill>
+                        <a:schemeClr val="tx1"/>
+                      </a:solidFill>
+                      <a:prstDash val="sysDash"/>
+                      <a:round/>
+                      <a:headEnd type="none" w="med" len="med"/>
+                      <a:tailEnd type="none" w="med" len="med"/>
+                    </a:lnL>
+                    <a:lnR w="3175" cap="flat" cmpd="sng" algn="ctr">
+                      <a:solidFill>
+                        <a:schemeClr val="tx1"/>
+                      </a:solidFill>
+                      <a:prstDash val="sysDash"/>
+                      <a:round/>
+                      <a:headEnd type="none" w="med" len="med"/>
+                      <a:tailEnd type="none" w="med" len="med"/>
+                    </a:lnR>
+                    <a:lnT w="3175" cap="flat" cmpd="sng" algn="ctr">
+                      <a:solidFill>
+                        <a:schemeClr val="tx1"/>
+                      </a:solidFill>
+                      <a:prstDash val="sysDash"/>
+                      <a:round/>
+                      <a:headEnd type="none" w="med" len="med"/>
+                      <a:tailEnd type="none" w="med" len="med"/>
+                    </a:lnT>
+                    <a:lnB w="3175" cap="flat" cmpd="sng" algn="ctr">
+                      <a:solidFill>
+                        <a:schemeClr val="tx1"/>
+                      </a:solidFill>
+                      <a:prstDash val="sysDash"/>
+                      <a:round/>
+                      <a:headEnd type="none" w="med" len="med"/>
+                      <a:tailEnd type="none" w="med" len="med"/>
+                    </a:lnB>
+                    <a:lnTlToBr w="12700" cmpd="sng">
+                      <a:noFill/>
+                      <a:prstDash val="solid"/>
+                    </a:lnTlToBr>
+                    <a:lnBlToTr w="12700" cmpd="sng">
+                      <a:noFill/>
+                      <a:prstDash val="solid"/>
+                    </a:lnBlToTr>
+                    <a:solidFill>
+                      <a:schemeClr val="bg1">
+                        <a:lumMod val="95000"/>
+                      </a:schemeClr>
+                    </a:solidFill>
+                  </a:tcPr>
+                </a:tc>
+                <a:tc gridSpan="3">
+                  <a:txBody>
+                    <a:bodyPr/>
+                    <a:lstStyle/>
+                    <a:p>
+                      <a:pPr algn="ctr" latinLnBrk="1"/>
+                      <a:r>
+                        <a:rPr lang="en-US" altLang="ko-KR" sz="1100" dirty="0"/>
+                        <a:t>*</a:t>
+                      </a:r>
+                      <a:endParaRPr lang="ko-KR" altLang="en-US" sz="1100" dirty="0"/>
+                    </a:p>
+                  </a:txBody>
+                  <a:tcPr marL="58809" marR="58809" marT="29405" marB="29405">
+                    <a:lnL w="3175" cap="flat" cmpd="sng" algn="ctr">
+                      <a:solidFill>
+                        <a:schemeClr val="tx1"/>
+                      </a:solidFill>
+                      <a:prstDash val="sysDash"/>
+                      <a:round/>
+                      <a:headEnd type="none" w="med" len="med"/>
+                      <a:tailEnd type="none" w="med" len="med"/>
+                    </a:lnL>
+                    <a:lnR w="3175" cap="flat" cmpd="sng" algn="ctr">
+                      <a:solidFill>
+                        <a:schemeClr val="tx1"/>
+                      </a:solidFill>
+                      <a:prstDash val="sysDash"/>
+                      <a:round/>
+                      <a:headEnd type="none" w="med" len="med"/>
+                      <a:tailEnd type="none" w="med" len="med"/>
+                    </a:lnR>
+                    <a:lnT w="3175" cap="flat" cmpd="sng" algn="ctr">
+                      <a:solidFill>
+                        <a:schemeClr val="tx1"/>
+                      </a:solidFill>
+                      <a:prstDash val="sysDash"/>
+                      <a:round/>
+                      <a:headEnd type="none" w="med" len="med"/>
+                      <a:tailEnd type="none" w="med" len="med"/>
+                    </a:lnT>
+                    <a:lnB w="3175" cap="flat" cmpd="sng" algn="ctr">
+                      <a:solidFill>
+                        <a:schemeClr val="tx1"/>
+                      </a:solidFill>
+                      <a:prstDash val="sysDash"/>
+                      <a:round/>
+                      <a:headEnd type="none" w="med" len="med"/>
+                      <a:tailEnd type="none" w="med" len="med"/>
+                    </a:lnB>
+                    <a:lnTlToBr w="12700" cmpd="sng">
+                      <a:noFill/>
+                      <a:prstDash val="solid"/>
+                    </a:lnTlToBr>
+                    <a:lnBlToTr w="12700" cmpd="sng">
+                      <a:noFill/>
+                      <a:prstDash val="solid"/>
+                    </a:lnBlToTr>
+                    <a:solidFill>
+                      <a:schemeClr val="bg1">
+                        <a:lumMod val="95000"/>
+                      </a:schemeClr>
+                    </a:solidFill>
+                  </a:tcPr>
+                </a:tc>
+                <a:tc hMerge="1">
+                  <a:txBody>
+                    <a:bodyPr/>
+                    <a:lstStyle/>
+                    <a:p>
+                      <a:pPr latinLnBrk="1"/>
+                      <a:endParaRPr lang="ko-KR" altLang="en-US" sz="1100" dirty="0"/>
+                    </a:p>
+                  </a:txBody>
+                  <a:tcPr marL="58809" marR="58809" marT="29405" marB="29405"/>
+                </a:tc>
+                <a:tc hMerge="1">
+                  <a:txBody>
+                    <a:bodyPr/>
+                    <a:lstStyle/>
+                    <a:p>
+                      <a:pPr latinLnBrk="1"/>
+                      <a:endParaRPr lang="ko-KR" altLang="en-US" sz="1100" dirty="0"/>
+                    </a:p>
+                  </a:txBody>
+                  <a:tcPr marL="58809" marR="58809" marT="29405" marB="29405"/>
+                </a:tc>
+                <a:extLst>
+                  <a:ext uri="{0D108BD9-81ED-4DB2-BD59-A6C34878D82A}">
+                    <a16:rowId xmlns:a16="http://schemas.microsoft.com/office/drawing/2014/main" val="746105247"/>
+                  </a:ext>
+                </a:extLst>
+              </a:tr>
+              <a:tr h="238506">
+                <a:tc>
+                  <a:txBody>
+                    <a:bodyPr/>
+                    <a:lstStyle/>
+                    <a:p>
+                      <a:pPr algn="ctr" latinLnBrk="1"/>
+                      <a:r>
+                        <a:rPr lang="ko-KR" altLang="en-US" sz="1200" b="1" dirty="0"/>
+                        <a:t>단위업무</a:t>
+                      </a:r>
+                    </a:p>
+                  </a:txBody>
+                  <a:tcPr marL="58810" marR="58810" marT="29405" marB="29405">
+                    <a:lnL w="3175" cap="flat" cmpd="sng" algn="ctr">
+                      <a:solidFill>
+                        <a:schemeClr val="tx1"/>
+                      </a:solidFill>
+                      <a:prstDash val="sysDash"/>
+                      <a:round/>
+                      <a:headEnd type="none" w="med" len="med"/>
+                      <a:tailEnd type="none" w="med" len="med"/>
+                    </a:lnL>
+                    <a:lnR w="3175" cap="flat" cmpd="sng" algn="ctr">
+                      <a:solidFill>
+                        <a:schemeClr val="tx1"/>
+                      </a:solidFill>
+                      <a:prstDash val="sysDash"/>
+                      <a:round/>
+                      <a:headEnd type="none" w="med" len="med"/>
+                      <a:tailEnd type="none" w="med" len="med"/>
+                    </a:lnR>
+                    <a:lnT w="3175" cap="flat" cmpd="sng" algn="ctr">
+                      <a:solidFill>
+                        <a:schemeClr val="tx1"/>
+                      </a:solidFill>
+                      <a:prstDash val="sysDash"/>
+                      <a:round/>
+                      <a:headEnd type="none" w="med" len="med"/>
+                      <a:tailEnd type="none" w="med" len="med"/>
+                    </a:lnT>
+                    <a:lnB w="3175" cap="flat" cmpd="sng" algn="ctr">
+                      <a:solidFill>
+                        <a:schemeClr val="tx1"/>
+                      </a:solidFill>
+                      <a:prstDash val="sysDash"/>
+                      <a:round/>
+                      <a:headEnd type="none" w="med" len="med"/>
+                      <a:tailEnd type="none" w="med" len="med"/>
+                    </a:lnB>
+                    <a:lnTlToBr w="12700" cmpd="sng">
+                      <a:noFill/>
+                      <a:prstDash val="solid"/>
+                    </a:lnTlToBr>
+                    <a:lnBlToTr w="12700" cmpd="sng">
+                      <a:noFill/>
+                      <a:prstDash val="solid"/>
+                    </a:lnBlToTr>
+                    <a:solidFill>
+                      <a:schemeClr val="bg1">
+                        <a:lumMod val="95000"/>
+                      </a:schemeClr>
+                    </a:solidFill>
+                  </a:tcPr>
+                </a:tc>
+                <a:tc gridSpan="3">
+                  <a:txBody>
+                    <a:bodyPr/>
+                    <a:lstStyle/>
+                    <a:p>
+                      <a:pPr algn="ctr" latinLnBrk="1"/>
+                      <a:r>
+                        <a:rPr lang="ko-KR" altLang="en-US" sz="1200" dirty="0"/>
+                        <a:t>일정등록</a:t>
+                      </a:r>
+                    </a:p>
+                  </a:txBody>
+                  <a:tcPr marL="58810" marR="58810" marT="29405" marB="29405">
+                    <a:lnL w="3175" cap="flat" cmpd="sng" algn="ctr">
+                      <a:solidFill>
+                        <a:schemeClr val="tx1"/>
+                      </a:solidFill>
+                      <a:prstDash val="sysDash"/>
+                      <a:round/>
+                      <a:headEnd type="none" w="med" len="med"/>
+                      <a:tailEnd type="none" w="med" len="med"/>
+                    </a:lnL>
+                    <a:lnR w="3175" cap="flat" cmpd="sng" algn="ctr">
+                      <a:solidFill>
+                        <a:schemeClr val="tx1"/>
+                      </a:solidFill>
+                      <a:prstDash val="sysDash"/>
+                      <a:round/>
+                      <a:headEnd type="none" w="med" len="med"/>
+                      <a:tailEnd type="none" w="med" len="med"/>
+                    </a:lnR>
+                    <a:lnT w="3175" cap="flat" cmpd="sng" algn="ctr">
+                      <a:solidFill>
+                        <a:schemeClr val="tx1"/>
+                      </a:solidFill>
+                      <a:prstDash val="sysDash"/>
+                      <a:round/>
+                      <a:headEnd type="none" w="med" len="med"/>
+                      <a:tailEnd type="none" w="med" len="med"/>
+                    </a:lnT>
+                    <a:lnB w="3175" cap="flat" cmpd="sng" algn="ctr">
+                      <a:solidFill>
+                        <a:schemeClr val="tx1"/>
+                      </a:solidFill>
+                      <a:prstDash val="sysDash"/>
+                      <a:round/>
+                      <a:headEnd type="none" w="med" len="med"/>
+                      <a:tailEnd type="none" w="med" len="med"/>
+                    </a:lnB>
+                    <a:lnTlToBr w="12700" cmpd="sng">
+                      <a:noFill/>
+                      <a:prstDash val="solid"/>
+                    </a:lnTlToBr>
+                    <a:lnBlToTr w="12700" cmpd="sng">
+                      <a:noFill/>
+                      <a:prstDash val="solid"/>
+                    </a:lnBlToTr>
+                    <a:solidFill>
+                      <a:schemeClr val="bg1">
+                        <a:lumMod val="95000"/>
+                      </a:schemeClr>
+                    </a:solidFill>
+                  </a:tcPr>
+                </a:tc>
+                <a:tc hMerge="1">
+                  <a:txBody>
+                    <a:bodyPr/>
+                    <a:lstStyle/>
+                    <a:p>
+                      <a:pPr algn="ctr" latinLnBrk="1"/>
+                      <a:endParaRPr lang="ko-KR" altLang="en-US" sz="1200" dirty="0"/>
+                    </a:p>
+                  </a:txBody>
+                  <a:tcPr marL="58810" marR="58810" marT="29405" marB="29405"/>
+                </a:tc>
+                <a:tc hMerge="1">
+                  <a:txBody>
+                    <a:bodyPr/>
+                    <a:lstStyle/>
+                    <a:p>
+                      <a:pPr algn="ctr" latinLnBrk="1"/>
+                      <a:endParaRPr lang="ko-KR" altLang="en-US" sz="1200" dirty="0"/>
+                    </a:p>
+                  </a:txBody>
+                  <a:tcPr marL="58810" marR="58810" marT="29405" marB="29405"/>
+                </a:tc>
+                <a:extLst>
+                  <a:ext uri="{0D108BD9-81ED-4DB2-BD59-A6C34878D82A}">
+                    <a16:rowId xmlns:a16="http://schemas.microsoft.com/office/drawing/2014/main" val="3924380220"/>
+                  </a:ext>
+                </a:extLst>
+              </a:tr>
+              <a:tr h="120845">
+                <a:tc>
+                  <a:txBody>
+                    <a:bodyPr/>
+                    <a:lstStyle/>
+                    <a:p>
+                      <a:pPr algn="ctr" latinLnBrk="1"/>
+                      <a:r>
+                        <a:rPr lang="ko-KR" altLang="en-US" sz="1200" b="1" dirty="0"/>
+                        <a:t>작성자</a:t>
+                      </a:r>
+                    </a:p>
+                  </a:txBody>
+                  <a:tcPr marL="58810" marR="58810" marT="29405" marB="29405">
+                    <a:lnL w="3175" cap="flat" cmpd="sng" algn="ctr">
+                      <a:solidFill>
+                        <a:schemeClr val="tx1"/>
+                      </a:solidFill>
+                      <a:prstDash val="sysDash"/>
+                      <a:round/>
+                      <a:headEnd type="none" w="med" len="med"/>
+                      <a:tailEnd type="none" w="med" len="med"/>
+                    </a:lnL>
+                    <a:lnR w="3175" cap="flat" cmpd="sng" algn="ctr">
+                      <a:solidFill>
+                        <a:schemeClr val="tx1"/>
+                      </a:solidFill>
+                      <a:prstDash val="sysDash"/>
+                      <a:round/>
+                      <a:headEnd type="none" w="med" len="med"/>
+                      <a:tailEnd type="none" w="med" len="med"/>
+                    </a:lnR>
+                    <a:lnT w="3175" cap="flat" cmpd="sng" algn="ctr">
+                      <a:solidFill>
+                        <a:schemeClr val="tx1"/>
+                      </a:solidFill>
+                      <a:prstDash val="sysDash"/>
+                      <a:round/>
+                      <a:headEnd type="none" w="med" len="med"/>
+                      <a:tailEnd type="none" w="med" len="med"/>
+                    </a:lnT>
+                    <a:lnB w="3175" cap="flat" cmpd="sng" algn="ctr">
+                      <a:solidFill>
+                        <a:schemeClr val="tx1"/>
+                      </a:solidFill>
+                      <a:prstDash val="sysDash"/>
+                      <a:round/>
+                      <a:headEnd type="none" w="med" len="med"/>
+                      <a:tailEnd type="none" w="med" len="med"/>
+                    </a:lnB>
+                    <a:lnTlToBr w="12700" cmpd="sng">
+                      <a:noFill/>
+                      <a:prstDash val="solid"/>
+                    </a:lnTlToBr>
+                    <a:lnBlToTr w="12700" cmpd="sng">
+                      <a:noFill/>
+                      <a:prstDash val="solid"/>
+                    </a:lnBlToTr>
+                    <a:solidFill>
+                      <a:schemeClr val="accent5">
+                        <a:lumMod val="20000"/>
+                        <a:lumOff val="80000"/>
+                      </a:schemeClr>
+                    </a:solidFill>
+                  </a:tcPr>
+                </a:tc>
+                <a:tc>
+                  <a:txBody>
+                    <a:bodyPr/>
+                    <a:lstStyle/>
+                    <a:p>
+                      <a:pPr algn="ctr" latinLnBrk="1"/>
+                      <a:r>
+                        <a:rPr lang="ko-KR" altLang="en-US" sz="1200" dirty="0"/>
+                        <a:t>도경진</a:t>
+                      </a:r>
+                    </a:p>
+                  </a:txBody>
+                  <a:tcPr marL="58810" marR="58810" marT="29405" marB="29405">
+                    <a:lnL w="3175" cap="flat" cmpd="sng" algn="ctr">
+                      <a:solidFill>
+                        <a:schemeClr val="tx1"/>
+                      </a:solidFill>
+                      <a:prstDash val="sysDash"/>
+                      <a:round/>
+                      <a:headEnd type="none" w="med" len="med"/>
+                      <a:tailEnd type="none" w="med" len="med"/>
+                    </a:lnL>
+                    <a:lnR w="3175" cap="flat" cmpd="sng" algn="ctr">
+                      <a:solidFill>
+                        <a:schemeClr val="tx1"/>
+                      </a:solidFill>
+                      <a:prstDash val="sysDash"/>
+                      <a:round/>
+                      <a:headEnd type="none" w="med" len="med"/>
+                      <a:tailEnd type="none" w="med" len="med"/>
+                    </a:lnR>
+                    <a:lnT w="3175" cap="flat" cmpd="sng" algn="ctr">
+                      <a:solidFill>
+                        <a:schemeClr val="tx1"/>
+                      </a:solidFill>
+                      <a:prstDash val="sysDash"/>
+                      <a:round/>
+                      <a:headEnd type="none" w="med" len="med"/>
+                      <a:tailEnd type="none" w="med" len="med"/>
+                    </a:lnT>
+                    <a:lnB w="3175" cap="flat" cmpd="sng" algn="ctr">
+                      <a:solidFill>
+                        <a:schemeClr val="tx1"/>
+                      </a:solidFill>
+                      <a:prstDash val="sysDash"/>
+                      <a:round/>
+                      <a:headEnd type="none" w="med" len="med"/>
+                      <a:tailEnd type="none" w="med" len="med"/>
+                    </a:lnB>
+                    <a:lnTlToBr w="12700" cmpd="sng">
+                      <a:noFill/>
+                      <a:prstDash val="solid"/>
+                    </a:lnTlToBr>
+                    <a:lnBlToTr w="12700" cmpd="sng">
+                      <a:noFill/>
+                      <a:prstDash val="solid"/>
+                    </a:lnBlToTr>
+                    <a:solidFill>
+                      <a:schemeClr val="accent5">
+                        <a:lumMod val="20000"/>
+                        <a:lumOff val="80000"/>
+                      </a:schemeClr>
+                    </a:solidFill>
+                  </a:tcPr>
+                </a:tc>
+                <a:tc>
+                  <a:txBody>
+                    <a:bodyPr/>
+                    <a:lstStyle/>
+                    <a:p>
+                      <a:pPr algn="ctr" latinLnBrk="1"/>
+                      <a:r>
+                        <a:rPr lang="ko-KR" altLang="en-US" sz="1200" b="1" dirty="0"/>
+                        <a:t>작성일자</a:t>
+                      </a:r>
+                    </a:p>
+                  </a:txBody>
+                  <a:tcPr marL="58810" marR="58810" marT="29405" marB="29405">
+                    <a:lnL w="3175" cap="flat" cmpd="sng" algn="ctr">
+                      <a:solidFill>
+                        <a:schemeClr val="tx1"/>
+                      </a:solidFill>
+                      <a:prstDash val="sysDash"/>
+                      <a:round/>
+                      <a:headEnd type="none" w="med" len="med"/>
+                      <a:tailEnd type="none" w="med" len="med"/>
+                    </a:lnL>
+                    <a:lnR w="3175" cap="flat" cmpd="sng" algn="ctr">
+                      <a:solidFill>
+                        <a:schemeClr val="tx1"/>
+                      </a:solidFill>
+                      <a:prstDash val="sysDash"/>
+                      <a:round/>
+                      <a:headEnd type="none" w="med" len="med"/>
+                      <a:tailEnd type="none" w="med" len="med"/>
+                    </a:lnR>
+                    <a:lnT w="3175" cap="flat" cmpd="sng" algn="ctr">
+                      <a:solidFill>
+                        <a:schemeClr val="tx1"/>
+                      </a:solidFill>
+                      <a:prstDash val="sysDash"/>
+                      <a:round/>
+                      <a:headEnd type="none" w="med" len="med"/>
+                      <a:tailEnd type="none" w="med" len="med"/>
+                    </a:lnT>
+                    <a:lnB w="3175" cap="flat" cmpd="sng" algn="ctr">
+                      <a:solidFill>
+                        <a:schemeClr val="tx1"/>
+                      </a:solidFill>
+                      <a:prstDash val="sysDash"/>
+                      <a:round/>
+                      <a:headEnd type="none" w="med" len="med"/>
+                      <a:tailEnd type="none" w="med" len="med"/>
+                    </a:lnB>
+                    <a:lnTlToBr w="12700" cmpd="sng">
+                      <a:noFill/>
+                      <a:prstDash val="solid"/>
+                    </a:lnTlToBr>
+                    <a:lnBlToTr w="12700" cmpd="sng">
+                      <a:noFill/>
+                      <a:prstDash val="solid"/>
+                    </a:lnBlToTr>
+                    <a:solidFill>
+                      <a:schemeClr val="accent5">
+                        <a:lumMod val="20000"/>
+                        <a:lumOff val="80000"/>
+                      </a:schemeClr>
+                    </a:solidFill>
+                  </a:tcPr>
+                </a:tc>
+                <a:tc>
+                  <a:txBody>
+                    <a:bodyPr/>
+                    <a:lstStyle/>
+                    <a:p>
+                      <a:pPr algn="ctr" latinLnBrk="1"/>
+                      <a:r>
+                        <a:rPr lang="en-US" altLang="ko-KR" sz="1200" dirty="0"/>
+                        <a:t>2019.06.16</a:t>
+                      </a:r>
+                      <a:endParaRPr lang="ko-KR" altLang="en-US" sz="1200" dirty="0"/>
+                    </a:p>
+                  </a:txBody>
+                  <a:tcPr marL="58810" marR="58810" marT="29405" marB="29405">
+                    <a:lnL w="3175" cap="flat" cmpd="sng" algn="ctr">
+                      <a:solidFill>
+                        <a:schemeClr val="tx1"/>
+                      </a:solidFill>
+                      <a:prstDash val="sysDash"/>
+                      <a:round/>
+                      <a:headEnd type="none" w="med" len="med"/>
+                      <a:tailEnd type="none" w="med" len="med"/>
+                    </a:lnL>
+                    <a:lnR w="3175" cap="flat" cmpd="sng" algn="ctr">
+                      <a:solidFill>
+                        <a:schemeClr val="tx1"/>
+                      </a:solidFill>
+                      <a:prstDash val="sysDash"/>
+                      <a:round/>
+                      <a:headEnd type="none" w="med" len="med"/>
+                      <a:tailEnd type="none" w="med" len="med"/>
+                    </a:lnR>
+                    <a:lnT w="3175" cap="flat" cmpd="sng" algn="ctr">
+                      <a:solidFill>
+                        <a:schemeClr val="tx1"/>
+                      </a:solidFill>
+                      <a:prstDash val="sysDash"/>
+                      <a:round/>
+                      <a:headEnd type="none" w="med" len="med"/>
+                      <a:tailEnd type="none" w="med" len="med"/>
+                    </a:lnT>
+                    <a:lnB w="3175" cap="flat" cmpd="sng" algn="ctr">
+                      <a:solidFill>
+                        <a:schemeClr val="tx1"/>
+                      </a:solidFill>
+                      <a:prstDash val="sysDash"/>
+                      <a:round/>
+                      <a:headEnd type="none" w="med" len="med"/>
+                      <a:tailEnd type="none" w="med" len="med"/>
+                    </a:lnB>
+                    <a:lnTlToBr w="12700" cmpd="sng">
+                      <a:noFill/>
+                      <a:prstDash val="solid"/>
+                    </a:lnTlToBr>
+                    <a:lnBlToTr w="12700" cmpd="sng">
+                      <a:noFill/>
+                      <a:prstDash val="solid"/>
+                    </a:lnBlToTr>
+                    <a:solidFill>
+                      <a:schemeClr val="accent5">
+                        <a:lumMod val="20000"/>
+                        <a:lumOff val="80000"/>
+                      </a:schemeClr>
+                    </a:solidFill>
+                  </a:tcPr>
+                </a:tc>
+                <a:extLst>
+                  <a:ext uri="{0D108BD9-81ED-4DB2-BD59-A6C34878D82A}">
+                    <a16:rowId xmlns:a16="http://schemas.microsoft.com/office/drawing/2014/main" val="864486489"/>
+                  </a:ext>
+                </a:extLst>
+              </a:tr>
+              <a:tr h="0">
+                <a:tc>
+                  <a:txBody>
+                    <a:bodyPr/>
+                    <a:lstStyle/>
+                    <a:p>
+                      <a:pPr algn="ctr" latinLnBrk="1"/>
+                      <a:r>
+                        <a:rPr lang="ko-KR" altLang="en-US" sz="1200" b="1" dirty="0"/>
+                        <a:t>시스템구분</a:t>
+                      </a:r>
+                    </a:p>
+                  </a:txBody>
+                  <a:tcPr marL="58810" marR="58810" marT="29405" marB="29405">
+                    <a:lnL w="3175" cap="flat" cmpd="sng" algn="ctr">
+                      <a:solidFill>
+                        <a:schemeClr val="tx1"/>
+                      </a:solidFill>
+                      <a:prstDash val="sysDash"/>
+                      <a:round/>
+                      <a:headEnd type="none" w="med" len="med"/>
+                      <a:tailEnd type="none" w="med" len="med"/>
+                    </a:lnL>
+                    <a:lnR w="3175" cap="flat" cmpd="sng" algn="ctr">
+                      <a:solidFill>
+                        <a:schemeClr val="tx1"/>
+                      </a:solidFill>
+                      <a:prstDash val="sysDash"/>
+                      <a:round/>
+                      <a:headEnd type="none" w="med" len="med"/>
+                      <a:tailEnd type="none" w="med" len="med"/>
+                    </a:lnR>
+                    <a:lnT w="3175" cap="flat" cmpd="sng" algn="ctr">
+                      <a:solidFill>
+                        <a:schemeClr val="tx1"/>
+                      </a:solidFill>
+                      <a:prstDash val="sysDash"/>
+                      <a:round/>
+                      <a:headEnd type="none" w="med" len="med"/>
+                      <a:tailEnd type="none" w="med" len="med"/>
+                    </a:lnT>
+                    <a:lnB w="3175" cap="flat" cmpd="sng" algn="ctr">
+                      <a:solidFill>
+                        <a:schemeClr val="tx1"/>
+                      </a:solidFill>
+                      <a:prstDash val="sysDash"/>
+                      <a:round/>
+                      <a:headEnd type="none" w="med" len="med"/>
+                      <a:tailEnd type="none" w="med" len="med"/>
+                    </a:lnB>
+                    <a:lnTlToBr w="12700" cmpd="sng">
+                      <a:noFill/>
+                      <a:prstDash val="solid"/>
+                    </a:lnTlToBr>
+                    <a:lnBlToTr w="12700" cmpd="sng">
+                      <a:noFill/>
+                      <a:prstDash val="solid"/>
+                    </a:lnBlToTr>
+                    <a:solidFill>
+                      <a:schemeClr val="accent5">
+                        <a:lumMod val="20000"/>
+                        <a:lumOff val="80000"/>
+                      </a:schemeClr>
+                    </a:solidFill>
+                  </a:tcPr>
+                </a:tc>
+                <a:tc>
+                  <a:txBody>
+                    <a:bodyPr/>
+                    <a:lstStyle/>
+                    <a:p>
+                      <a:pPr algn="ctr" latinLnBrk="1"/>
+                      <a:r>
+                        <a:rPr lang="ko-KR" altLang="en-US" sz="1200" dirty="0"/>
+                        <a:t>사용자</a:t>
+                      </a:r>
+                      <a:r>
+                        <a:rPr lang="en-US" altLang="ko-KR" sz="1200" dirty="0"/>
+                        <a:t>(Client)</a:t>
+                      </a:r>
+                      <a:endParaRPr lang="ko-KR" altLang="en-US" sz="1200" dirty="0"/>
+                    </a:p>
+                  </a:txBody>
+                  <a:tcPr marL="58810" marR="58810" marT="29405" marB="29405">
+                    <a:lnL w="3175" cap="flat" cmpd="sng" algn="ctr">
+                      <a:solidFill>
+                        <a:schemeClr val="tx1"/>
+                      </a:solidFill>
+                      <a:prstDash val="sysDash"/>
+                      <a:round/>
+                      <a:headEnd type="none" w="med" len="med"/>
+                      <a:tailEnd type="none" w="med" len="med"/>
+                    </a:lnL>
+                    <a:lnR w="3175" cap="flat" cmpd="sng" algn="ctr">
+                      <a:solidFill>
+                        <a:schemeClr val="tx1"/>
+                      </a:solidFill>
+                      <a:prstDash val="sysDash"/>
+                      <a:round/>
+                      <a:headEnd type="none" w="med" len="med"/>
+                      <a:tailEnd type="none" w="med" len="med"/>
+                    </a:lnR>
+                    <a:lnT w="3175" cap="flat" cmpd="sng" algn="ctr">
+                      <a:solidFill>
+                        <a:schemeClr val="tx1"/>
+                      </a:solidFill>
+                      <a:prstDash val="sysDash"/>
+                      <a:round/>
+                      <a:headEnd type="none" w="med" len="med"/>
+                      <a:tailEnd type="none" w="med" len="med"/>
+                    </a:lnT>
+                    <a:lnB w="3175" cap="flat" cmpd="sng" algn="ctr">
+                      <a:solidFill>
+                        <a:schemeClr val="tx1"/>
+                      </a:solidFill>
+                      <a:prstDash val="sysDash"/>
+                      <a:round/>
+                      <a:headEnd type="none" w="med" len="med"/>
+                      <a:tailEnd type="none" w="med" len="med"/>
+                    </a:lnB>
+                    <a:lnTlToBr w="12700" cmpd="sng">
+                      <a:noFill/>
+                      <a:prstDash val="solid"/>
+                    </a:lnTlToBr>
+                    <a:lnBlToTr w="12700" cmpd="sng">
+                      <a:noFill/>
+                      <a:prstDash val="solid"/>
+                    </a:lnBlToTr>
+                    <a:solidFill>
+                      <a:schemeClr val="accent5">
+                        <a:lumMod val="20000"/>
+                        <a:lumOff val="80000"/>
+                      </a:schemeClr>
+                    </a:solidFill>
+                  </a:tcPr>
+                </a:tc>
+                <a:tc>
+                  <a:txBody>
+                    <a:bodyPr/>
+                    <a:lstStyle/>
+                    <a:p>
+                      <a:pPr algn="ctr" latinLnBrk="1"/>
+                      <a:r>
+                        <a:rPr lang="en-US" altLang="ko-KR" sz="1200" b="1" dirty="0"/>
+                        <a:t>Page</a:t>
+                      </a:r>
+                      <a:endParaRPr lang="ko-KR" altLang="en-US" sz="1200" b="1" dirty="0"/>
+                    </a:p>
+                  </a:txBody>
+                  <a:tcPr marL="58810" marR="58810" marT="29405" marB="29405">
+                    <a:lnL w="3175" cap="flat" cmpd="sng" algn="ctr">
+                      <a:solidFill>
+                        <a:schemeClr val="tx1"/>
+                      </a:solidFill>
+                      <a:prstDash val="sysDash"/>
+                      <a:round/>
+                      <a:headEnd type="none" w="med" len="med"/>
+                      <a:tailEnd type="none" w="med" len="med"/>
+                    </a:lnL>
+                    <a:lnR w="3175" cap="flat" cmpd="sng" algn="ctr">
+                      <a:solidFill>
+                        <a:schemeClr val="tx1"/>
+                      </a:solidFill>
+                      <a:prstDash val="sysDash"/>
+                      <a:round/>
+                      <a:headEnd type="none" w="med" len="med"/>
+                      <a:tailEnd type="none" w="med" len="med"/>
+                    </a:lnR>
+                    <a:lnT w="3175" cap="flat" cmpd="sng" algn="ctr">
+                      <a:solidFill>
+                        <a:schemeClr val="tx1"/>
+                      </a:solidFill>
+                      <a:prstDash val="sysDash"/>
+                      <a:round/>
+                      <a:headEnd type="none" w="med" len="med"/>
+                      <a:tailEnd type="none" w="med" len="med"/>
+                    </a:lnT>
+                    <a:lnB w="3175" cap="flat" cmpd="sng" algn="ctr">
+                      <a:solidFill>
+                        <a:schemeClr val="tx1"/>
+                      </a:solidFill>
+                      <a:prstDash val="sysDash"/>
+                      <a:round/>
+                      <a:headEnd type="none" w="med" len="med"/>
+                      <a:tailEnd type="none" w="med" len="med"/>
+                    </a:lnB>
+                    <a:lnTlToBr w="12700" cmpd="sng">
+                      <a:noFill/>
+                      <a:prstDash val="solid"/>
+                    </a:lnTlToBr>
+                    <a:lnBlToTr w="12700" cmpd="sng">
+                      <a:noFill/>
+                      <a:prstDash val="solid"/>
+                    </a:lnBlToTr>
+                    <a:solidFill>
+                      <a:schemeClr val="accent5">
+                        <a:lumMod val="20000"/>
+                        <a:lumOff val="80000"/>
+                      </a:schemeClr>
+                    </a:solidFill>
+                  </a:tcPr>
+                </a:tc>
+                <a:tc>
+                  <a:txBody>
+                    <a:bodyPr/>
+                    <a:lstStyle/>
+                    <a:p>
+                      <a:pPr algn="ctr" latinLnBrk="1"/>
+                      <a:r>
+                        <a:rPr lang="en-US" altLang="ko-KR" sz="1200" dirty="0"/>
+                        <a:t>1</a:t>
+                      </a:r>
+                      <a:endParaRPr lang="ko-KR" altLang="en-US" sz="1200" dirty="0"/>
+                    </a:p>
+                  </a:txBody>
+                  <a:tcPr marL="58810" marR="58810" marT="29405" marB="29405">
+                    <a:lnL w="3175" cap="flat" cmpd="sng" algn="ctr">
+                      <a:solidFill>
+                        <a:schemeClr val="tx1"/>
+                      </a:solidFill>
+                      <a:prstDash val="sysDash"/>
+                      <a:round/>
+                      <a:headEnd type="none" w="med" len="med"/>
+                      <a:tailEnd type="none" w="med" len="med"/>
+                    </a:lnL>
+                    <a:lnR w="3175" cap="flat" cmpd="sng" algn="ctr">
+                      <a:solidFill>
+                        <a:schemeClr val="tx1"/>
+                      </a:solidFill>
+                      <a:prstDash val="sysDash"/>
+                      <a:round/>
+                      <a:headEnd type="none" w="med" len="med"/>
+                      <a:tailEnd type="none" w="med" len="med"/>
+                    </a:lnR>
+                    <a:lnT w="3175" cap="flat" cmpd="sng" algn="ctr">
+                      <a:solidFill>
+                        <a:schemeClr val="tx1"/>
+                      </a:solidFill>
+                      <a:prstDash val="sysDash"/>
+                      <a:round/>
+                      <a:headEnd type="none" w="med" len="med"/>
+                      <a:tailEnd type="none" w="med" len="med"/>
+                    </a:lnT>
+                    <a:lnB w="3175" cap="flat" cmpd="sng" algn="ctr">
+                      <a:solidFill>
+                        <a:schemeClr val="tx1"/>
+                      </a:solidFill>
+                      <a:prstDash val="sysDash"/>
+                      <a:round/>
+                      <a:headEnd type="none" w="med" len="med"/>
+                      <a:tailEnd type="none" w="med" len="med"/>
+                    </a:lnB>
+                    <a:lnTlToBr w="12700" cmpd="sng">
+                      <a:noFill/>
+                      <a:prstDash val="solid"/>
+                    </a:lnTlToBr>
+                    <a:lnBlToTr w="12700" cmpd="sng">
+                      <a:noFill/>
+                      <a:prstDash val="solid"/>
+                    </a:lnBlToTr>
+                    <a:solidFill>
+                      <a:schemeClr val="accent5">
+                        <a:lumMod val="20000"/>
+                        <a:lumOff val="80000"/>
+                      </a:schemeClr>
+                    </a:solidFill>
+                  </a:tcPr>
+                </a:tc>
+                <a:extLst>
+                  <a:ext uri="{0D108BD9-81ED-4DB2-BD59-A6C34878D82A}">
+                    <a16:rowId xmlns:a16="http://schemas.microsoft.com/office/drawing/2014/main" val="4261972384"/>
+                  </a:ext>
+                </a:extLst>
+              </a:tr>
+              <a:tr h="238506">
+                <a:tc>
+                  <a:txBody>
+                    <a:bodyPr/>
+                    <a:lstStyle/>
+                    <a:p>
+                      <a:pPr algn="ctr" latinLnBrk="1"/>
+                      <a:r>
+                        <a:rPr lang="ko-KR" altLang="en-US" sz="1200" b="1" dirty="0"/>
+                        <a:t>디렉토리</a:t>
+                      </a:r>
+                    </a:p>
+                  </a:txBody>
+                  <a:tcPr marL="58810" marR="58810" marT="29405" marB="29405">
+                    <a:lnL w="3175" cap="flat" cmpd="sng" algn="ctr">
+                      <a:solidFill>
+                        <a:schemeClr val="tx1"/>
+                      </a:solidFill>
+                      <a:prstDash val="sysDash"/>
+                      <a:round/>
+                      <a:headEnd type="none" w="med" len="med"/>
+                      <a:tailEnd type="none" w="med" len="med"/>
+                    </a:lnL>
+                    <a:lnR w="3175" cap="flat" cmpd="sng" algn="ctr">
+                      <a:solidFill>
+                        <a:schemeClr val="tx1"/>
+                      </a:solidFill>
+                      <a:prstDash val="sysDash"/>
+                      <a:round/>
+                      <a:headEnd type="none" w="med" len="med"/>
+                      <a:tailEnd type="none" w="med" len="med"/>
+                    </a:lnR>
+                    <a:lnT w="3175" cap="flat" cmpd="sng" algn="ctr">
+                      <a:solidFill>
+                        <a:schemeClr val="tx1"/>
+                      </a:solidFill>
+                      <a:prstDash val="sysDash"/>
+                      <a:round/>
+                      <a:headEnd type="none" w="med" len="med"/>
+                      <a:tailEnd type="none" w="med" len="med"/>
+                    </a:lnT>
+                    <a:lnB w="3175" cap="flat" cmpd="sng" algn="ctr">
+                      <a:solidFill>
+                        <a:schemeClr val="tx1"/>
+                      </a:solidFill>
+                      <a:prstDash val="sysDash"/>
+                      <a:round/>
+                      <a:headEnd type="none" w="med" len="med"/>
+                      <a:tailEnd type="none" w="med" len="med"/>
+                    </a:lnB>
+                    <a:lnTlToBr w="12700" cmpd="sng">
+                      <a:noFill/>
+                      <a:prstDash val="solid"/>
+                    </a:lnTlToBr>
+                    <a:lnBlToTr w="12700" cmpd="sng">
+                      <a:noFill/>
+                      <a:prstDash val="solid"/>
+                    </a:lnBlToTr>
+                    <a:solidFill>
+                      <a:schemeClr val="accent5">
+                        <a:lumMod val="20000"/>
+                        <a:lumOff val="80000"/>
+                      </a:schemeClr>
+                    </a:solidFill>
+                  </a:tcPr>
+                </a:tc>
+                <a:tc gridSpan="3">
+                  <a:txBody>
+                    <a:bodyPr/>
+                    <a:lstStyle/>
+                    <a:p>
+                      <a:pPr algn="ctr" latinLnBrk="1"/>
+                      <a:r>
+                        <a:rPr lang="en-US" altLang="ko-KR" sz="1200" dirty="0"/>
+                        <a:t>Home -&gt; </a:t>
+                      </a:r>
+                      <a:r>
+                        <a:rPr lang="ko-KR" altLang="en-US" sz="1200" dirty="0"/>
+                        <a:t>일정등록 </a:t>
+                      </a:r>
+                    </a:p>
+                  </a:txBody>
+                  <a:tcPr marL="58810" marR="58810" marT="29405" marB="29405">
+                    <a:lnL w="3175" cap="flat" cmpd="sng" algn="ctr">
+                      <a:solidFill>
+                        <a:schemeClr val="tx1"/>
+                      </a:solidFill>
+                      <a:prstDash val="sysDash"/>
+                      <a:round/>
+                      <a:headEnd type="none" w="med" len="med"/>
+                      <a:tailEnd type="none" w="med" len="med"/>
+                    </a:lnL>
+                    <a:lnR w="3175" cap="flat" cmpd="sng" algn="ctr">
+                      <a:solidFill>
+                        <a:schemeClr val="tx1"/>
+                      </a:solidFill>
+                      <a:prstDash val="sysDash"/>
+                      <a:round/>
+                      <a:headEnd type="none" w="med" len="med"/>
+                      <a:tailEnd type="none" w="med" len="med"/>
+                    </a:lnR>
+                    <a:lnT w="3175" cap="flat" cmpd="sng" algn="ctr">
+                      <a:solidFill>
+                        <a:schemeClr val="tx1"/>
+                      </a:solidFill>
+                      <a:prstDash val="sysDash"/>
+                      <a:round/>
+                      <a:headEnd type="none" w="med" len="med"/>
+                      <a:tailEnd type="none" w="med" len="med"/>
+                    </a:lnT>
+                    <a:lnB w="3175" cap="flat" cmpd="sng" algn="ctr">
+                      <a:solidFill>
+                        <a:schemeClr val="tx1"/>
+                      </a:solidFill>
+                      <a:prstDash val="sysDash"/>
+                      <a:round/>
+                      <a:headEnd type="none" w="med" len="med"/>
+                      <a:tailEnd type="none" w="med" len="med"/>
+                    </a:lnB>
+                    <a:lnTlToBr w="12700" cmpd="sng">
+                      <a:noFill/>
+                      <a:prstDash val="solid"/>
+                    </a:lnTlToBr>
+                    <a:lnBlToTr w="12700" cmpd="sng">
+                      <a:noFill/>
+                      <a:prstDash val="solid"/>
+                    </a:lnBlToTr>
+                    <a:solidFill>
+                      <a:schemeClr val="accent5">
+                        <a:lumMod val="20000"/>
+                        <a:lumOff val="80000"/>
+                      </a:schemeClr>
+                    </a:solidFill>
+                  </a:tcPr>
+                </a:tc>
+                <a:tc hMerge="1">
+                  <a:txBody>
+                    <a:bodyPr/>
+                    <a:lstStyle/>
+                    <a:p>
+                      <a:pPr algn="ctr" latinLnBrk="1"/>
+                      <a:endParaRPr lang="ko-KR" altLang="en-US" sz="1200" dirty="0"/>
+                    </a:p>
+                  </a:txBody>
+                  <a:tcPr marL="58810" marR="58810" marT="29405" marB="29405"/>
+                </a:tc>
+                <a:tc hMerge="1">
+                  <a:txBody>
+                    <a:bodyPr/>
+                    <a:lstStyle/>
+                    <a:p>
+                      <a:pPr algn="ctr" latinLnBrk="1"/>
+                      <a:endParaRPr lang="ko-KR" altLang="en-US" sz="1200" dirty="0"/>
+                    </a:p>
+                  </a:txBody>
+                  <a:tcPr marL="58810" marR="58810" marT="29405" marB="29405"/>
+                </a:tc>
+                <a:extLst>
+                  <a:ext uri="{0D108BD9-81ED-4DB2-BD59-A6C34878D82A}">
+                    <a16:rowId xmlns:a16="http://schemas.microsoft.com/office/drawing/2014/main" val="408100960"/>
+                  </a:ext>
+                </a:extLst>
+              </a:tr>
+            </a:tbl>
+          </a:graphicData>
+        </a:graphic>
+      </p:graphicFrame>
+      <p:sp>
+        <p:nvSpPr>
+          <p:cNvPr id="27" name="타원 26">
+            <a:extLst>
+              <a:ext uri="{FF2B5EF4-FFF2-40B4-BE49-F238E27FC236}">
+                <a16:creationId xmlns:a16="http://schemas.microsoft.com/office/drawing/2014/main" id="{00F83C60-E71B-45C5-8069-CFD89674ECE2}"/>
+              </a:ext>
+            </a:extLst>
+          </p:cNvPr>
+          <p:cNvSpPr/>
           <p:nvPr/>
         </p:nvSpPr>
         <p:spPr>
           <a:xfrm>
-            <a:off x="1458477" y="1174441"/>
-            <a:ext cx="2916000" cy="5183999"/>
+            <a:off x="1481376" y="1551071"/>
+            <a:ext cx="453649" cy="453649"/>
           </a:xfrm>
-          <a:prstGeom prst="roundRect">
-            <a:avLst>
-              <a:gd name="adj" fmla="val 0"/>
-            </a:avLst>
+          <a:prstGeom prst="ellipse">
+            <a:avLst/>
           </a:prstGeom>
           <a:noFill/>
-          <a:ln w="38100" cmpd="thinThick">
+          <a:ln w="19050">
             <a:solidFill>
-              <a:schemeClr val="tx1">
-                <a:alpha val="80000"/>
-              </a:schemeClr>
+              <a:srgbClr val="FF0000"/>
             </a:solidFill>
           </a:ln>
         </p:spPr>
@@ -10822,44 +12799,354 @@
           </a:fontRef>
         </p:style>
         <p:txBody>
-          <a:bodyPr wrap="square" rtlCol="0" anchor="ctr"/>
+          <a:bodyPr rtlCol="0" anchor="ctr"/>
           <a:lstStyle/>
           <a:p>
             <a:pPr algn="ctr"/>
-            <a:endParaRPr lang="ko-KR" altLang="en-US"/>
+            <a:endParaRPr lang="ko-KR" altLang="en-US" sz="2000" dirty="0">
+              <a:solidFill>
+                <a:srgbClr val="FF0000"/>
+              </a:solidFill>
+            </a:endParaRPr>
           </a:p>
         </p:txBody>
       </p:sp>
       <p:sp>
         <p:nvSpPr>
-          <p:cNvPr id="20" name="사각형: 둥근 모서리 19">
+          <p:cNvPr id="28" name="타원 27">
             <a:extLst>
               <a:ext uri="{FF2B5EF4-FFF2-40B4-BE49-F238E27FC236}">
-                <a16:creationId xmlns:a16="http://schemas.microsoft.com/office/drawing/2014/main" id="{B5448102-89E0-4A33-BFA9-D27B1927E50A}"/>
+                <a16:creationId xmlns:a16="http://schemas.microsoft.com/office/drawing/2014/main" id="{1DA67BB0-42D8-40A4-9659-37C4DDAB0EC6}"/>
               </a:ext>
             </a:extLst>
           </p:cNvPr>
-          <p:cNvSpPr>
-            <a:spLocks noChangeAspect="1"/>
-          </p:cNvSpPr>
+          <p:cNvSpPr/>
           <p:nvPr/>
         </p:nvSpPr>
         <p:spPr>
           <a:xfrm>
-            <a:off x="7817523" y="1167803"/>
-            <a:ext cx="2916000" cy="5183999"/>
+            <a:off x="1935025" y="3637873"/>
+            <a:ext cx="45719" cy="45719"/>
           </a:xfrm>
-          <a:prstGeom prst="roundRect">
-            <a:avLst>
-              <a:gd name="adj" fmla="val 0"/>
-            </a:avLst>
+          <a:prstGeom prst="ellipse">
+            <a:avLst/>
+          </a:prstGeom>
+          <a:solidFill>
+            <a:srgbClr val="FFFF00"/>
+          </a:solidFill>
+          <a:ln>
+            <a:noFill/>
+          </a:ln>
+        </p:spPr>
+        <p:style>
+          <a:lnRef idx="2">
+            <a:schemeClr val="accent1">
+              <a:shade val="50000"/>
+            </a:schemeClr>
+          </a:lnRef>
+          <a:fillRef idx="1">
+            <a:schemeClr val="accent1"/>
+          </a:fillRef>
+          <a:effectRef idx="0">
+            <a:schemeClr val="accent1"/>
+          </a:effectRef>
+          <a:fontRef idx="minor">
+            <a:schemeClr val="lt1"/>
+          </a:fontRef>
+        </p:style>
+        <p:txBody>
+          <a:bodyPr rtlCol="0" anchor="ctr"/>
+          <a:lstStyle/>
+          <a:p>
+            <a:pPr algn="ctr"/>
+            <a:endParaRPr lang="ko-KR" altLang="en-US" sz="900" dirty="0"/>
+          </a:p>
+        </p:txBody>
+      </p:sp>
+      <p:sp>
+        <p:nvSpPr>
+          <p:cNvPr id="29" name="타원 28">
+            <a:extLst>
+              <a:ext uri="{FF2B5EF4-FFF2-40B4-BE49-F238E27FC236}">
+                <a16:creationId xmlns:a16="http://schemas.microsoft.com/office/drawing/2014/main" id="{BE48A36C-83BE-44F0-B36C-FA42DACF6D46}"/>
+              </a:ext>
+            </a:extLst>
+          </p:cNvPr>
+          <p:cNvSpPr/>
+          <p:nvPr/>
+        </p:nvSpPr>
+        <p:spPr>
+          <a:xfrm>
+            <a:off x="2109013" y="3637872"/>
+            <a:ext cx="45719" cy="45719"/>
+          </a:xfrm>
+          <a:prstGeom prst="ellipse">
+            <a:avLst/>
+          </a:prstGeom>
+          <a:solidFill>
+            <a:srgbClr val="FF0000"/>
+          </a:solidFill>
+          <a:ln>
+            <a:noFill/>
+          </a:ln>
+        </p:spPr>
+        <p:style>
+          <a:lnRef idx="2">
+            <a:schemeClr val="accent1">
+              <a:shade val="50000"/>
+            </a:schemeClr>
+          </a:lnRef>
+          <a:fillRef idx="1">
+            <a:schemeClr val="accent1"/>
+          </a:fillRef>
+          <a:effectRef idx="0">
+            <a:schemeClr val="accent1"/>
+          </a:effectRef>
+          <a:fontRef idx="minor">
+            <a:schemeClr val="lt1"/>
+          </a:fontRef>
+        </p:style>
+        <p:txBody>
+          <a:bodyPr rtlCol="0" anchor="ctr"/>
+          <a:lstStyle/>
+          <a:p>
+            <a:pPr algn="ctr"/>
+            <a:endParaRPr lang="ko-KR" altLang="en-US" sz="900" dirty="0"/>
+          </a:p>
+        </p:txBody>
+      </p:sp>
+      <p:sp>
+        <p:nvSpPr>
+          <p:cNvPr id="30" name="타원 29">
+            <a:extLst>
+              <a:ext uri="{FF2B5EF4-FFF2-40B4-BE49-F238E27FC236}">
+                <a16:creationId xmlns:a16="http://schemas.microsoft.com/office/drawing/2014/main" id="{EF137091-1113-40A2-BD4B-20ADA91BC765}"/>
+              </a:ext>
+            </a:extLst>
+          </p:cNvPr>
+          <p:cNvSpPr/>
+          <p:nvPr/>
+        </p:nvSpPr>
+        <p:spPr>
+          <a:xfrm>
+            <a:off x="2022019" y="3637873"/>
+            <a:ext cx="45719" cy="45719"/>
+          </a:xfrm>
+          <a:prstGeom prst="ellipse">
+            <a:avLst/>
+          </a:prstGeom>
+          <a:solidFill>
+            <a:srgbClr val="FFC000"/>
+          </a:solidFill>
+          <a:ln>
+            <a:noFill/>
+          </a:ln>
+        </p:spPr>
+        <p:style>
+          <a:lnRef idx="2">
+            <a:schemeClr val="accent1">
+              <a:shade val="50000"/>
+            </a:schemeClr>
+          </a:lnRef>
+          <a:fillRef idx="1">
+            <a:schemeClr val="accent1"/>
+          </a:fillRef>
+          <a:effectRef idx="0">
+            <a:schemeClr val="accent1"/>
+          </a:effectRef>
+          <a:fontRef idx="minor">
+            <a:schemeClr val="lt1"/>
+          </a:fontRef>
+        </p:style>
+        <p:txBody>
+          <a:bodyPr rtlCol="0" anchor="ctr"/>
+          <a:lstStyle/>
+          <a:p>
+            <a:pPr algn="ctr"/>
+            <a:endParaRPr lang="ko-KR" altLang="en-US" sz="900" dirty="0"/>
+          </a:p>
+        </p:txBody>
+      </p:sp>
+      <p:sp>
+        <p:nvSpPr>
+          <p:cNvPr id="31" name="타원 30">
+            <a:extLst>
+              <a:ext uri="{FF2B5EF4-FFF2-40B4-BE49-F238E27FC236}">
+                <a16:creationId xmlns:a16="http://schemas.microsoft.com/office/drawing/2014/main" id="{B8887056-ED41-49D0-8984-25962A603779}"/>
+              </a:ext>
+            </a:extLst>
+          </p:cNvPr>
+          <p:cNvSpPr/>
+          <p:nvPr/>
+        </p:nvSpPr>
+        <p:spPr>
+          <a:xfrm>
+            <a:off x="1935025" y="4006527"/>
+            <a:ext cx="45719" cy="45719"/>
+          </a:xfrm>
+          <a:prstGeom prst="ellipse">
+            <a:avLst/>
+          </a:prstGeom>
+          <a:solidFill>
+            <a:srgbClr val="FF0000"/>
+          </a:solidFill>
+          <a:ln>
+            <a:noFill/>
+          </a:ln>
+        </p:spPr>
+        <p:style>
+          <a:lnRef idx="2">
+            <a:schemeClr val="accent1">
+              <a:shade val="50000"/>
+            </a:schemeClr>
+          </a:lnRef>
+          <a:fillRef idx="1">
+            <a:schemeClr val="accent1"/>
+          </a:fillRef>
+          <a:effectRef idx="0">
+            <a:schemeClr val="accent1"/>
+          </a:effectRef>
+          <a:fontRef idx="minor">
+            <a:schemeClr val="lt1"/>
+          </a:fontRef>
+        </p:style>
+        <p:txBody>
+          <a:bodyPr rtlCol="0" anchor="ctr"/>
+          <a:lstStyle/>
+          <a:p>
+            <a:pPr algn="ctr"/>
+            <a:endParaRPr lang="ko-KR" altLang="en-US" sz="900" dirty="0"/>
+          </a:p>
+        </p:txBody>
+      </p:sp>
+      <p:sp>
+        <p:nvSpPr>
+          <p:cNvPr id="32" name="타원 31">
+            <a:extLst>
+              <a:ext uri="{FF2B5EF4-FFF2-40B4-BE49-F238E27FC236}">
+                <a16:creationId xmlns:a16="http://schemas.microsoft.com/office/drawing/2014/main" id="{A07B3960-84DB-41A2-8EC1-53A07C53FFAD}"/>
+              </a:ext>
+            </a:extLst>
+          </p:cNvPr>
+          <p:cNvSpPr/>
+          <p:nvPr/>
+        </p:nvSpPr>
+        <p:spPr>
+          <a:xfrm>
+            <a:off x="2341289" y="4003663"/>
+            <a:ext cx="45719" cy="45719"/>
+          </a:xfrm>
+          <a:prstGeom prst="ellipse">
+            <a:avLst/>
+          </a:prstGeom>
+          <a:solidFill>
+            <a:srgbClr val="FFFF00"/>
+          </a:solidFill>
+          <a:ln>
+            <a:noFill/>
+          </a:ln>
+        </p:spPr>
+        <p:style>
+          <a:lnRef idx="2">
+            <a:schemeClr val="accent1">
+              <a:shade val="50000"/>
+            </a:schemeClr>
+          </a:lnRef>
+          <a:fillRef idx="1">
+            <a:schemeClr val="accent1"/>
+          </a:fillRef>
+          <a:effectRef idx="0">
+            <a:schemeClr val="accent1"/>
+          </a:effectRef>
+          <a:fontRef idx="minor">
+            <a:schemeClr val="lt1"/>
+          </a:fontRef>
+        </p:style>
+        <p:txBody>
+          <a:bodyPr rtlCol="0" anchor="ctr"/>
+          <a:lstStyle/>
+          <a:p>
+            <a:pPr algn="ctr"/>
+            <a:endParaRPr lang="ko-KR" altLang="en-US" sz="900" dirty="0"/>
+          </a:p>
+        </p:txBody>
+      </p:sp>
+      <p:sp>
+        <p:nvSpPr>
+          <p:cNvPr id="33" name="타원 32">
+            <a:extLst>
+              <a:ext uri="{FF2B5EF4-FFF2-40B4-BE49-F238E27FC236}">
+                <a16:creationId xmlns:a16="http://schemas.microsoft.com/office/drawing/2014/main" id="{F0450561-0722-4ACF-96C4-529B72808381}"/>
+              </a:ext>
+            </a:extLst>
+          </p:cNvPr>
+          <p:cNvSpPr/>
+          <p:nvPr/>
+        </p:nvSpPr>
+        <p:spPr>
+          <a:xfrm>
+            <a:off x="2747553" y="4003663"/>
+            <a:ext cx="45719" cy="45719"/>
+          </a:xfrm>
+          <a:prstGeom prst="ellipse">
+            <a:avLst/>
+          </a:prstGeom>
+          <a:solidFill>
+            <a:srgbClr val="FFFF00"/>
+          </a:solidFill>
+          <a:ln>
+            <a:noFill/>
+          </a:ln>
+        </p:spPr>
+        <p:style>
+          <a:lnRef idx="2">
+            <a:schemeClr val="accent1">
+              <a:shade val="50000"/>
+            </a:schemeClr>
+          </a:lnRef>
+          <a:fillRef idx="1">
+            <a:schemeClr val="accent1"/>
+          </a:fillRef>
+          <a:effectRef idx="0">
+            <a:schemeClr val="accent1"/>
+          </a:effectRef>
+          <a:fontRef idx="minor">
+            <a:schemeClr val="lt1"/>
+          </a:fontRef>
+        </p:style>
+        <p:txBody>
+          <a:bodyPr rtlCol="0" anchor="ctr"/>
+          <a:lstStyle/>
+          <a:p>
+            <a:pPr algn="ctr"/>
+            <a:endParaRPr lang="ko-KR" altLang="en-US" sz="900" dirty="0"/>
+          </a:p>
+        </p:txBody>
+      </p:sp>
+      <p:sp>
+        <p:nvSpPr>
+          <p:cNvPr id="34" name="타원 33">
+            <a:extLst>
+              <a:ext uri="{FF2B5EF4-FFF2-40B4-BE49-F238E27FC236}">
+                <a16:creationId xmlns:a16="http://schemas.microsoft.com/office/drawing/2014/main" id="{7832EDA7-EAB9-4CFB-BFA2-1A32FB4498C6}"/>
+              </a:ext>
+            </a:extLst>
+          </p:cNvPr>
+          <p:cNvSpPr/>
+          <p:nvPr/>
+        </p:nvSpPr>
+        <p:spPr>
+          <a:xfrm>
+            <a:off x="957377" y="3361475"/>
+            <a:ext cx="453649" cy="453649"/>
+          </a:xfrm>
+          <a:prstGeom prst="ellipse">
+            <a:avLst/>
           </a:prstGeom>
           <a:noFill/>
-          <a:ln w="38100" cmpd="thinThick">
+          <a:ln w="19050">
             <a:solidFill>
-              <a:schemeClr val="tx1">
-                <a:alpha val="80000"/>
-              </a:schemeClr>
+              <a:srgbClr val="FF0000"/>
             </a:solidFill>
           </a:ln>
         </p:spPr>
@@ -10880,14 +13167,2507 @@
           </a:fontRef>
         </p:style>
         <p:txBody>
-          <a:bodyPr wrap="square" rtlCol="0" anchor="ctr"/>
+          <a:bodyPr rtlCol="0" anchor="ctr"/>
           <a:lstStyle/>
           <a:p>
             <a:pPr algn="ctr"/>
-            <a:endParaRPr lang="ko-KR" altLang="en-US"/>
+            <a:endParaRPr lang="ko-KR" altLang="en-US" sz="2000" dirty="0">
+              <a:solidFill>
+                <a:srgbClr val="FF0000"/>
+              </a:solidFill>
+            </a:endParaRPr>
           </a:p>
         </p:txBody>
       </p:sp>
+      <p:sp>
+        <p:nvSpPr>
+          <p:cNvPr id="35" name="직사각형 34">
+            <a:extLst>
+              <a:ext uri="{FF2B5EF4-FFF2-40B4-BE49-F238E27FC236}">
+                <a16:creationId xmlns:a16="http://schemas.microsoft.com/office/drawing/2014/main" id="{E35347FC-33C3-4129-A1BF-49059ACBFCEE}"/>
+              </a:ext>
+            </a:extLst>
+          </p:cNvPr>
+          <p:cNvSpPr/>
+          <p:nvPr/>
+        </p:nvSpPr>
+        <p:spPr>
+          <a:xfrm>
+            <a:off x="1899109" y="3292223"/>
+            <a:ext cx="419807" cy="419807"/>
+          </a:xfrm>
+          <a:prstGeom prst="rect">
+            <a:avLst/>
+          </a:prstGeom>
+          <a:noFill/>
+          <a:ln w="19050">
+            <a:solidFill>
+              <a:srgbClr val="FF0000"/>
+            </a:solidFill>
+          </a:ln>
+        </p:spPr>
+        <p:style>
+          <a:lnRef idx="2">
+            <a:schemeClr val="accent1">
+              <a:shade val="50000"/>
+            </a:schemeClr>
+          </a:lnRef>
+          <a:fillRef idx="1">
+            <a:schemeClr val="accent1"/>
+          </a:fillRef>
+          <a:effectRef idx="0">
+            <a:schemeClr val="accent1"/>
+          </a:effectRef>
+          <a:fontRef idx="minor">
+            <a:schemeClr val="lt1"/>
+          </a:fontRef>
+        </p:style>
+        <p:txBody>
+          <a:bodyPr rtlCol="0" anchor="ctr"/>
+          <a:lstStyle/>
+          <a:p>
+            <a:pPr algn="ctr"/>
+            <a:endParaRPr lang="ko-KR" altLang="en-US" sz="900" dirty="0"/>
+          </a:p>
+        </p:txBody>
+      </p:sp>
+      <p:cxnSp>
+        <p:nvCxnSpPr>
+          <p:cNvPr id="42" name="연결선: 꺾임 41">
+            <a:extLst>
+              <a:ext uri="{FF2B5EF4-FFF2-40B4-BE49-F238E27FC236}">
+                <a16:creationId xmlns:a16="http://schemas.microsoft.com/office/drawing/2014/main" id="{939DCD85-9C87-4F4B-B0DC-0588952454CA}"/>
+              </a:ext>
+            </a:extLst>
+          </p:cNvPr>
+          <p:cNvCxnSpPr>
+            <a:cxnSpLocks/>
+            <a:stCxn id="27" idx="2"/>
+          </p:cNvCxnSpPr>
+          <p:nvPr/>
+        </p:nvCxnSpPr>
+        <p:spPr>
+          <a:xfrm rot="10800000" flipV="1">
+            <a:off x="777096" y="1777895"/>
+            <a:ext cx="704281" cy="413375"/>
+          </a:xfrm>
+          <a:prstGeom prst="bentConnector3">
+            <a:avLst/>
+          </a:prstGeom>
+          <a:ln>
+            <a:solidFill>
+              <a:srgbClr val="FF0000"/>
+            </a:solidFill>
+          </a:ln>
+        </p:spPr>
+        <p:style>
+          <a:lnRef idx="1">
+            <a:schemeClr val="accent1"/>
+          </a:lnRef>
+          <a:fillRef idx="0">
+            <a:schemeClr val="accent1"/>
+          </a:fillRef>
+          <a:effectRef idx="0">
+            <a:schemeClr val="accent1"/>
+          </a:effectRef>
+          <a:fontRef idx="minor">
+            <a:schemeClr val="tx1"/>
+          </a:fontRef>
+        </p:style>
+      </p:cxnSp>
+      <p:sp>
+        <p:nvSpPr>
+          <p:cNvPr id="44" name="TextBox 43">
+            <a:extLst>
+              <a:ext uri="{FF2B5EF4-FFF2-40B4-BE49-F238E27FC236}">
+                <a16:creationId xmlns:a16="http://schemas.microsoft.com/office/drawing/2014/main" id="{1D2A1A15-AB0D-409E-BB4F-F545787E4FBD}"/>
+              </a:ext>
+            </a:extLst>
+          </p:cNvPr>
+          <p:cNvSpPr txBox="1"/>
+          <p:nvPr/>
+        </p:nvSpPr>
+        <p:spPr>
+          <a:xfrm>
+            <a:off x="391248" y="2060465"/>
+            <a:ext cx="490652" cy="246221"/>
+          </a:xfrm>
+          <a:prstGeom prst="rect">
+            <a:avLst/>
+          </a:prstGeom>
+          <a:noFill/>
+        </p:spPr>
+        <p:txBody>
+          <a:bodyPr wrap="square" rtlCol="0">
+            <a:spAutoFit/>
+          </a:bodyPr>
+          <a:lstStyle/>
+          <a:p>
+            <a:r>
+              <a:rPr lang="en-US" altLang="ko-KR" sz="1000" dirty="0"/>
+              <a:t>Back</a:t>
+            </a:r>
+            <a:endParaRPr lang="ko-KR" altLang="en-US" sz="1050" dirty="0"/>
+          </a:p>
+        </p:txBody>
+      </p:sp>
+      <p:graphicFrame>
+        <p:nvGraphicFramePr>
+          <p:cNvPr id="50" name="표 49">
+            <a:extLst>
+              <a:ext uri="{FF2B5EF4-FFF2-40B4-BE49-F238E27FC236}">
+                <a16:creationId xmlns:a16="http://schemas.microsoft.com/office/drawing/2014/main" id="{2DA0A54B-13B3-4126-B5BA-F3208E336E56}"/>
+              </a:ext>
+            </a:extLst>
+          </p:cNvPr>
+          <p:cNvGraphicFramePr>
+            <a:graphicFrameLocks noGrp="1"/>
+          </p:cNvGraphicFramePr>
+          <p:nvPr>
+            <p:extLst>
+              <p:ext uri="{D42A27DB-BD31-4B8C-83A1-F6EECF244321}">
+                <p14:modId xmlns:p14="http://schemas.microsoft.com/office/powerpoint/2010/main" val="2663630371"/>
+              </p:ext>
+            </p:extLst>
+          </p:nvPr>
+        </p:nvGraphicFramePr>
+        <p:xfrm>
+          <a:off x="6096000" y="2775180"/>
+          <a:ext cx="5318859" cy="3800985"/>
+        </p:xfrm>
+        <a:graphic>
+          <a:graphicData uri="http://schemas.openxmlformats.org/drawingml/2006/table">
+            <a:tbl>
+              <a:tblPr firstRow="1" bandRow="1">
+                <a:tableStyleId>{BDBED569-4797-4DF1-A0F4-6AAB3CD982D8}</a:tableStyleId>
+              </a:tblPr>
+              <a:tblGrid>
+                <a:gridCol w="1772953">
+                  <a:extLst>
+                    <a:ext uri="{9D8B030D-6E8A-4147-A177-3AD203B41FA5}">
+                      <a16:colId xmlns:a16="http://schemas.microsoft.com/office/drawing/2014/main" val="1705248832"/>
+                    </a:ext>
+                  </a:extLst>
+                </a:gridCol>
+                <a:gridCol w="1772953">
+                  <a:extLst>
+                    <a:ext uri="{9D8B030D-6E8A-4147-A177-3AD203B41FA5}">
+                      <a16:colId xmlns:a16="http://schemas.microsoft.com/office/drawing/2014/main" val="260814369"/>
+                    </a:ext>
+                  </a:extLst>
+                </a:gridCol>
+                <a:gridCol w="1772953">
+                  <a:extLst>
+                    <a:ext uri="{9D8B030D-6E8A-4147-A177-3AD203B41FA5}">
+                      <a16:colId xmlns:a16="http://schemas.microsoft.com/office/drawing/2014/main" val="4189735863"/>
+                    </a:ext>
+                  </a:extLst>
+                </a:gridCol>
+              </a:tblGrid>
+              <a:tr h="253399">
+                <a:tc>
+                  <a:txBody>
+                    <a:bodyPr/>
+                    <a:lstStyle/>
+                    <a:p>
+                      <a:pPr latinLnBrk="1"/>
+                      <a:endParaRPr lang="ko-KR" altLang="en-US" sz="1200" dirty="0"/>
+                    </a:p>
+                  </a:txBody>
+                  <a:tcPr marL="58297" marR="58297" marT="29148" marB="29148">
+                    <a:lnL w="6350" cap="flat" cmpd="sng" algn="ctr">
+                      <a:solidFill>
+                        <a:schemeClr val="tx1"/>
+                      </a:solidFill>
+                      <a:prstDash val="sysDash"/>
+                      <a:round/>
+                      <a:headEnd type="none" w="med" len="med"/>
+                      <a:tailEnd type="none" w="med" len="med"/>
+                    </a:lnL>
+                    <a:lnR w="6350" cap="flat" cmpd="sng" algn="ctr">
+                      <a:solidFill>
+                        <a:schemeClr val="tx1"/>
+                      </a:solidFill>
+                      <a:prstDash val="sysDash"/>
+                      <a:round/>
+                      <a:headEnd type="none" w="med" len="med"/>
+                      <a:tailEnd type="none" w="med" len="med"/>
+                    </a:lnR>
+                    <a:lnT w="6350" cap="flat" cmpd="sng" algn="ctr">
+                      <a:solidFill>
+                        <a:schemeClr val="tx1"/>
+                      </a:solidFill>
+                      <a:prstDash val="sysDash"/>
+                      <a:round/>
+                      <a:headEnd type="none" w="med" len="med"/>
+                      <a:tailEnd type="none" w="med" len="med"/>
+                    </a:lnT>
+                    <a:lnB w="6350" cap="flat" cmpd="sng" algn="ctr">
+                      <a:solidFill>
+                        <a:schemeClr val="tx1"/>
+                      </a:solidFill>
+                      <a:prstDash val="sysDash"/>
+                      <a:round/>
+                      <a:headEnd type="none" w="med" len="med"/>
+                      <a:tailEnd type="none" w="med" len="med"/>
+                    </a:lnB>
+                  </a:tcPr>
+                </a:tc>
+                <a:tc>
+                  <a:txBody>
+                    <a:bodyPr/>
+                    <a:lstStyle/>
+                    <a:p>
+                      <a:pPr latinLnBrk="1"/>
+                      <a:endParaRPr lang="ko-KR" altLang="en-US" sz="1200" dirty="0"/>
+                    </a:p>
+                  </a:txBody>
+                  <a:tcPr marL="58297" marR="58297" marT="29148" marB="29148">
+                    <a:lnL w="6350" cap="flat" cmpd="sng" algn="ctr">
+                      <a:solidFill>
+                        <a:schemeClr val="tx1"/>
+                      </a:solidFill>
+                      <a:prstDash val="sysDash"/>
+                      <a:round/>
+                      <a:headEnd type="none" w="med" len="med"/>
+                      <a:tailEnd type="none" w="med" len="med"/>
+                    </a:lnL>
+                    <a:lnR w="6350" cap="flat" cmpd="sng" algn="ctr">
+                      <a:solidFill>
+                        <a:schemeClr val="tx1"/>
+                      </a:solidFill>
+                      <a:prstDash val="sysDash"/>
+                      <a:round/>
+                      <a:headEnd type="none" w="med" len="med"/>
+                      <a:tailEnd type="none" w="med" len="med"/>
+                    </a:lnR>
+                    <a:lnT w="6350" cap="flat" cmpd="sng" algn="ctr">
+                      <a:solidFill>
+                        <a:schemeClr val="tx1"/>
+                      </a:solidFill>
+                      <a:prstDash val="sysDash"/>
+                      <a:round/>
+                      <a:headEnd type="none" w="med" len="med"/>
+                      <a:tailEnd type="none" w="med" len="med"/>
+                    </a:lnT>
+                    <a:lnB w="6350" cap="flat" cmpd="sng" algn="ctr">
+                      <a:solidFill>
+                        <a:schemeClr val="tx1"/>
+                      </a:solidFill>
+                      <a:prstDash val="sysDash"/>
+                      <a:round/>
+                      <a:headEnd type="none" w="med" len="med"/>
+                      <a:tailEnd type="none" w="med" len="med"/>
+                    </a:lnB>
+                  </a:tcPr>
+                </a:tc>
+                <a:tc>
+                  <a:txBody>
+                    <a:bodyPr/>
+                    <a:lstStyle/>
+                    <a:p>
+                      <a:pPr latinLnBrk="1"/>
+                      <a:endParaRPr lang="ko-KR" altLang="en-US" sz="1200" dirty="0"/>
+                    </a:p>
+                  </a:txBody>
+                  <a:tcPr marL="58297" marR="58297" marT="29148" marB="29148">
+                    <a:lnL w="6350" cap="flat" cmpd="sng" algn="ctr">
+                      <a:solidFill>
+                        <a:schemeClr val="tx1"/>
+                      </a:solidFill>
+                      <a:prstDash val="sysDash"/>
+                      <a:round/>
+                      <a:headEnd type="none" w="med" len="med"/>
+                      <a:tailEnd type="none" w="med" len="med"/>
+                    </a:lnL>
+                    <a:lnR w="6350" cap="flat" cmpd="sng" algn="ctr">
+                      <a:solidFill>
+                        <a:schemeClr val="tx1"/>
+                      </a:solidFill>
+                      <a:prstDash val="sysDash"/>
+                      <a:round/>
+                      <a:headEnd type="none" w="med" len="med"/>
+                      <a:tailEnd type="none" w="med" len="med"/>
+                    </a:lnR>
+                    <a:lnT w="6350" cap="flat" cmpd="sng" algn="ctr">
+                      <a:solidFill>
+                        <a:schemeClr val="tx1"/>
+                      </a:solidFill>
+                      <a:prstDash val="sysDash"/>
+                      <a:round/>
+                      <a:headEnd type="none" w="med" len="med"/>
+                      <a:tailEnd type="none" w="med" len="med"/>
+                    </a:lnT>
+                    <a:lnB w="6350" cap="flat" cmpd="sng" algn="ctr">
+                      <a:solidFill>
+                        <a:schemeClr val="tx1"/>
+                      </a:solidFill>
+                      <a:prstDash val="sysDash"/>
+                      <a:round/>
+                      <a:headEnd type="none" w="med" len="med"/>
+                      <a:tailEnd type="none" w="med" len="med"/>
+                    </a:lnB>
+                  </a:tcPr>
+                </a:tc>
+                <a:extLst>
+                  <a:ext uri="{0D108BD9-81ED-4DB2-BD59-A6C34878D82A}">
+                    <a16:rowId xmlns:a16="http://schemas.microsoft.com/office/drawing/2014/main" val="2408156262"/>
+                  </a:ext>
+                </a:extLst>
+              </a:tr>
+              <a:tr h="253399">
+                <a:tc>
+                  <a:txBody>
+                    <a:bodyPr/>
+                    <a:lstStyle/>
+                    <a:p>
+                      <a:pPr latinLnBrk="1"/>
+                      <a:endParaRPr lang="ko-KR" altLang="en-US" sz="1200" dirty="0"/>
+                    </a:p>
+                  </a:txBody>
+                  <a:tcPr marL="58297" marR="58297" marT="29148" marB="29148">
+                    <a:lnL w="6350" cap="flat" cmpd="sng" algn="ctr">
+                      <a:solidFill>
+                        <a:schemeClr val="tx1"/>
+                      </a:solidFill>
+                      <a:prstDash val="sysDash"/>
+                      <a:round/>
+                      <a:headEnd type="none" w="med" len="med"/>
+                      <a:tailEnd type="none" w="med" len="med"/>
+                    </a:lnL>
+                    <a:lnR w="6350" cap="flat" cmpd="sng" algn="ctr">
+                      <a:solidFill>
+                        <a:schemeClr val="tx1"/>
+                      </a:solidFill>
+                      <a:prstDash val="sysDash"/>
+                      <a:round/>
+                      <a:headEnd type="none" w="med" len="med"/>
+                      <a:tailEnd type="none" w="med" len="med"/>
+                    </a:lnR>
+                    <a:lnT w="6350" cap="flat" cmpd="sng" algn="ctr">
+                      <a:solidFill>
+                        <a:schemeClr val="tx1"/>
+                      </a:solidFill>
+                      <a:prstDash val="sysDash"/>
+                      <a:round/>
+                      <a:headEnd type="none" w="med" len="med"/>
+                      <a:tailEnd type="none" w="med" len="med"/>
+                    </a:lnT>
+                    <a:lnB w="6350" cap="flat" cmpd="sng" algn="ctr">
+                      <a:solidFill>
+                        <a:schemeClr val="tx1"/>
+                      </a:solidFill>
+                      <a:prstDash val="sysDash"/>
+                      <a:round/>
+                      <a:headEnd type="none" w="med" len="med"/>
+                      <a:tailEnd type="none" w="med" len="med"/>
+                    </a:lnB>
+                  </a:tcPr>
+                </a:tc>
+                <a:tc>
+                  <a:txBody>
+                    <a:bodyPr/>
+                    <a:lstStyle/>
+                    <a:p>
+                      <a:pPr latinLnBrk="1"/>
+                      <a:endParaRPr lang="ko-KR" altLang="en-US" sz="1200" dirty="0"/>
+                    </a:p>
+                  </a:txBody>
+                  <a:tcPr marL="58297" marR="58297" marT="29148" marB="29148">
+                    <a:lnL w="6350" cap="flat" cmpd="sng" algn="ctr">
+                      <a:solidFill>
+                        <a:schemeClr val="tx1"/>
+                      </a:solidFill>
+                      <a:prstDash val="sysDash"/>
+                      <a:round/>
+                      <a:headEnd type="none" w="med" len="med"/>
+                      <a:tailEnd type="none" w="med" len="med"/>
+                    </a:lnL>
+                    <a:lnR w="6350" cap="flat" cmpd="sng" algn="ctr">
+                      <a:solidFill>
+                        <a:schemeClr val="tx1"/>
+                      </a:solidFill>
+                      <a:prstDash val="sysDash"/>
+                      <a:round/>
+                      <a:headEnd type="none" w="med" len="med"/>
+                      <a:tailEnd type="none" w="med" len="med"/>
+                    </a:lnR>
+                    <a:lnT w="6350" cap="flat" cmpd="sng" algn="ctr">
+                      <a:solidFill>
+                        <a:schemeClr val="tx1"/>
+                      </a:solidFill>
+                      <a:prstDash val="sysDash"/>
+                      <a:round/>
+                      <a:headEnd type="none" w="med" len="med"/>
+                      <a:tailEnd type="none" w="med" len="med"/>
+                    </a:lnT>
+                    <a:lnB w="6350" cap="flat" cmpd="sng" algn="ctr">
+                      <a:solidFill>
+                        <a:schemeClr val="tx1"/>
+                      </a:solidFill>
+                      <a:prstDash val="sysDash"/>
+                      <a:round/>
+                      <a:headEnd type="none" w="med" len="med"/>
+                      <a:tailEnd type="none" w="med" len="med"/>
+                    </a:lnB>
+                  </a:tcPr>
+                </a:tc>
+                <a:tc>
+                  <a:txBody>
+                    <a:bodyPr/>
+                    <a:lstStyle/>
+                    <a:p>
+                      <a:pPr latinLnBrk="1"/>
+                      <a:endParaRPr lang="ko-KR" altLang="en-US" sz="1200"/>
+                    </a:p>
+                  </a:txBody>
+                  <a:tcPr marL="58297" marR="58297" marT="29148" marB="29148">
+                    <a:lnL w="6350" cap="flat" cmpd="sng" algn="ctr">
+                      <a:solidFill>
+                        <a:schemeClr val="tx1"/>
+                      </a:solidFill>
+                      <a:prstDash val="sysDash"/>
+                      <a:round/>
+                      <a:headEnd type="none" w="med" len="med"/>
+                      <a:tailEnd type="none" w="med" len="med"/>
+                    </a:lnL>
+                    <a:lnR w="6350" cap="flat" cmpd="sng" algn="ctr">
+                      <a:solidFill>
+                        <a:schemeClr val="tx1"/>
+                      </a:solidFill>
+                      <a:prstDash val="sysDash"/>
+                      <a:round/>
+                      <a:headEnd type="none" w="med" len="med"/>
+                      <a:tailEnd type="none" w="med" len="med"/>
+                    </a:lnR>
+                    <a:lnT w="6350" cap="flat" cmpd="sng" algn="ctr">
+                      <a:solidFill>
+                        <a:schemeClr val="tx1"/>
+                      </a:solidFill>
+                      <a:prstDash val="sysDash"/>
+                      <a:round/>
+                      <a:headEnd type="none" w="med" len="med"/>
+                      <a:tailEnd type="none" w="med" len="med"/>
+                    </a:lnT>
+                    <a:lnB w="6350" cap="flat" cmpd="sng" algn="ctr">
+                      <a:solidFill>
+                        <a:schemeClr val="tx1"/>
+                      </a:solidFill>
+                      <a:prstDash val="sysDash"/>
+                      <a:round/>
+                      <a:headEnd type="none" w="med" len="med"/>
+                      <a:tailEnd type="none" w="med" len="med"/>
+                    </a:lnB>
+                  </a:tcPr>
+                </a:tc>
+                <a:extLst>
+                  <a:ext uri="{0D108BD9-81ED-4DB2-BD59-A6C34878D82A}">
+                    <a16:rowId xmlns:a16="http://schemas.microsoft.com/office/drawing/2014/main" val="376628753"/>
+                  </a:ext>
+                </a:extLst>
+              </a:tr>
+              <a:tr h="253399">
+                <a:tc>
+                  <a:txBody>
+                    <a:bodyPr/>
+                    <a:lstStyle/>
+                    <a:p>
+                      <a:pPr latinLnBrk="1"/>
+                      <a:endParaRPr lang="ko-KR" altLang="en-US" sz="1200" dirty="0"/>
+                    </a:p>
+                  </a:txBody>
+                  <a:tcPr marL="58297" marR="58297" marT="29148" marB="29148">
+                    <a:lnL w="6350" cap="flat" cmpd="sng" algn="ctr">
+                      <a:solidFill>
+                        <a:schemeClr val="tx1"/>
+                      </a:solidFill>
+                      <a:prstDash val="sysDash"/>
+                      <a:round/>
+                      <a:headEnd type="none" w="med" len="med"/>
+                      <a:tailEnd type="none" w="med" len="med"/>
+                    </a:lnL>
+                    <a:lnR w="6350" cap="flat" cmpd="sng" algn="ctr">
+                      <a:solidFill>
+                        <a:schemeClr val="tx1"/>
+                      </a:solidFill>
+                      <a:prstDash val="sysDash"/>
+                      <a:round/>
+                      <a:headEnd type="none" w="med" len="med"/>
+                      <a:tailEnd type="none" w="med" len="med"/>
+                    </a:lnR>
+                    <a:lnT w="6350" cap="flat" cmpd="sng" algn="ctr">
+                      <a:solidFill>
+                        <a:schemeClr val="tx1"/>
+                      </a:solidFill>
+                      <a:prstDash val="sysDash"/>
+                      <a:round/>
+                      <a:headEnd type="none" w="med" len="med"/>
+                      <a:tailEnd type="none" w="med" len="med"/>
+                    </a:lnT>
+                    <a:lnB w="6350" cap="flat" cmpd="sng" algn="ctr">
+                      <a:solidFill>
+                        <a:schemeClr val="tx1"/>
+                      </a:solidFill>
+                      <a:prstDash val="sysDash"/>
+                      <a:round/>
+                      <a:headEnd type="none" w="med" len="med"/>
+                      <a:tailEnd type="none" w="med" len="med"/>
+                    </a:lnB>
+                  </a:tcPr>
+                </a:tc>
+                <a:tc>
+                  <a:txBody>
+                    <a:bodyPr/>
+                    <a:lstStyle/>
+                    <a:p>
+                      <a:pPr latinLnBrk="1"/>
+                      <a:endParaRPr lang="ko-KR" altLang="en-US" sz="1200" dirty="0"/>
+                    </a:p>
+                  </a:txBody>
+                  <a:tcPr marL="58297" marR="58297" marT="29148" marB="29148">
+                    <a:lnL w="6350" cap="flat" cmpd="sng" algn="ctr">
+                      <a:solidFill>
+                        <a:schemeClr val="tx1"/>
+                      </a:solidFill>
+                      <a:prstDash val="sysDash"/>
+                      <a:round/>
+                      <a:headEnd type="none" w="med" len="med"/>
+                      <a:tailEnd type="none" w="med" len="med"/>
+                    </a:lnL>
+                    <a:lnR w="6350" cap="flat" cmpd="sng" algn="ctr">
+                      <a:solidFill>
+                        <a:schemeClr val="tx1"/>
+                      </a:solidFill>
+                      <a:prstDash val="sysDash"/>
+                      <a:round/>
+                      <a:headEnd type="none" w="med" len="med"/>
+                      <a:tailEnd type="none" w="med" len="med"/>
+                    </a:lnR>
+                    <a:lnT w="6350" cap="flat" cmpd="sng" algn="ctr">
+                      <a:solidFill>
+                        <a:schemeClr val="tx1"/>
+                      </a:solidFill>
+                      <a:prstDash val="sysDash"/>
+                      <a:round/>
+                      <a:headEnd type="none" w="med" len="med"/>
+                      <a:tailEnd type="none" w="med" len="med"/>
+                    </a:lnT>
+                    <a:lnB w="6350" cap="flat" cmpd="sng" algn="ctr">
+                      <a:solidFill>
+                        <a:schemeClr val="tx1"/>
+                      </a:solidFill>
+                      <a:prstDash val="sysDash"/>
+                      <a:round/>
+                      <a:headEnd type="none" w="med" len="med"/>
+                      <a:tailEnd type="none" w="med" len="med"/>
+                    </a:lnB>
+                  </a:tcPr>
+                </a:tc>
+                <a:tc>
+                  <a:txBody>
+                    <a:bodyPr/>
+                    <a:lstStyle/>
+                    <a:p>
+                      <a:pPr latinLnBrk="1"/>
+                      <a:endParaRPr lang="ko-KR" altLang="en-US" sz="1200"/>
+                    </a:p>
+                  </a:txBody>
+                  <a:tcPr marL="58297" marR="58297" marT="29148" marB="29148">
+                    <a:lnL w="6350" cap="flat" cmpd="sng" algn="ctr">
+                      <a:solidFill>
+                        <a:schemeClr val="tx1"/>
+                      </a:solidFill>
+                      <a:prstDash val="sysDash"/>
+                      <a:round/>
+                      <a:headEnd type="none" w="med" len="med"/>
+                      <a:tailEnd type="none" w="med" len="med"/>
+                    </a:lnL>
+                    <a:lnR w="6350" cap="flat" cmpd="sng" algn="ctr">
+                      <a:solidFill>
+                        <a:schemeClr val="tx1"/>
+                      </a:solidFill>
+                      <a:prstDash val="sysDash"/>
+                      <a:round/>
+                      <a:headEnd type="none" w="med" len="med"/>
+                      <a:tailEnd type="none" w="med" len="med"/>
+                    </a:lnR>
+                    <a:lnT w="6350" cap="flat" cmpd="sng" algn="ctr">
+                      <a:solidFill>
+                        <a:schemeClr val="tx1"/>
+                      </a:solidFill>
+                      <a:prstDash val="sysDash"/>
+                      <a:round/>
+                      <a:headEnd type="none" w="med" len="med"/>
+                      <a:tailEnd type="none" w="med" len="med"/>
+                    </a:lnT>
+                    <a:lnB w="6350" cap="flat" cmpd="sng" algn="ctr">
+                      <a:solidFill>
+                        <a:schemeClr val="tx1"/>
+                      </a:solidFill>
+                      <a:prstDash val="sysDash"/>
+                      <a:round/>
+                      <a:headEnd type="none" w="med" len="med"/>
+                      <a:tailEnd type="none" w="med" len="med"/>
+                    </a:lnB>
+                  </a:tcPr>
+                </a:tc>
+                <a:extLst>
+                  <a:ext uri="{0D108BD9-81ED-4DB2-BD59-A6C34878D82A}">
+                    <a16:rowId xmlns:a16="http://schemas.microsoft.com/office/drawing/2014/main" val="1533719662"/>
+                  </a:ext>
+                </a:extLst>
+              </a:tr>
+              <a:tr h="253399">
+                <a:tc>
+                  <a:txBody>
+                    <a:bodyPr/>
+                    <a:lstStyle/>
+                    <a:p>
+                      <a:pPr latinLnBrk="1"/>
+                      <a:endParaRPr lang="ko-KR" altLang="en-US" sz="1200" dirty="0"/>
+                    </a:p>
+                  </a:txBody>
+                  <a:tcPr marL="58297" marR="58297" marT="29148" marB="29148">
+                    <a:lnL w="6350" cap="flat" cmpd="sng" algn="ctr">
+                      <a:solidFill>
+                        <a:schemeClr val="tx1"/>
+                      </a:solidFill>
+                      <a:prstDash val="sysDash"/>
+                      <a:round/>
+                      <a:headEnd type="none" w="med" len="med"/>
+                      <a:tailEnd type="none" w="med" len="med"/>
+                    </a:lnL>
+                    <a:lnR w="6350" cap="flat" cmpd="sng" algn="ctr">
+                      <a:solidFill>
+                        <a:schemeClr val="tx1"/>
+                      </a:solidFill>
+                      <a:prstDash val="sysDash"/>
+                      <a:round/>
+                      <a:headEnd type="none" w="med" len="med"/>
+                      <a:tailEnd type="none" w="med" len="med"/>
+                    </a:lnR>
+                    <a:lnT w="6350" cap="flat" cmpd="sng" algn="ctr">
+                      <a:solidFill>
+                        <a:schemeClr val="tx1"/>
+                      </a:solidFill>
+                      <a:prstDash val="sysDash"/>
+                      <a:round/>
+                      <a:headEnd type="none" w="med" len="med"/>
+                      <a:tailEnd type="none" w="med" len="med"/>
+                    </a:lnT>
+                    <a:lnB w="6350" cap="flat" cmpd="sng" algn="ctr">
+                      <a:solidFill>
+                        <a:schemeClr val="tx1"/>
+                      </a:solidFill>
+                      <a:prstDash val="sysDash"/>
+                      <a:round/>
+                      <a:headEnd type="none" w="med" len="med"/>
+                      <a:tailEnd type="none" w="med" len="med"/>
+                    </a:lnB>
+                  </a:tcPr>
+                </a:tc>
+                <a:tc>
+                  <a:txBody>
+                    <a:bodyPr/>
+                    <a:lstStyle/>
+                    <a:p>
+                      <a:pPr latinLnBrk="1"/>
+                      <a:endParaRPr lang="ko-KR" altLang="en-US" sz="1200" dirty="0"/>
+                    </a:p>
+                  </a:txBody>
+                  <a:tcPr marL="58297" marR="58297" marT="29148" marB="29148">
+                    <a:lnL w="6350" cap="flat" cmpd="sng" algn="ctr">
+                      <a:solidFill>
+                        <a:schemeClr val="tx1"/>
+                      </a:solidFill>
+                      <a:prstDash val="sysDash"/>
+                      <a:round/>
+                      <a:headEnd type="none" w="med" len="med"/>
+                      <a:tailEnd type="none" w="med" len="med"/>
+                    </a:lnL>
+                    <a:lnR w="6350" cap="flat" cmpd="sng" algn="ctr">
+                      <a:solidFill>
+                        <a:schemeClr val="tx1"/>
+                      </a:solidFill>
+                      <a:prstDash val="sysDash"/>
+                      <a:round/>
+                      <a:headEnd type="none" w="med" len="med"/>
+                      <a:tailEnd type="none" w="med" len="med"/>
+                    </a:lnR>
+                    <a:lnT w="6350" cap="flat" cmpd="sng" algn="ctr">
+                      <a:solidFill>
+                        <a:schemeClr val="tx1"/>
+                      </a:solidFill>
+                      <a:prstDash val="sysDash"/>
+                      <a:round/>
+                      <a:headEnd type="none" w="med" len="med"/>
+                      <a:tailEnd type="none" w="med" len="med"/>
+                    </a:lnT>
+                    <a:lnB w="6350" cap="flat" cmpd="sng" algn="ctr">
+                      <a:solidFill>
+                        <a:schemeClr val="tx1"/>
+                      </a:solidFill>
+                      <a:prstDash val="sysDash"/>
+                      <a:round/>
+                      <a:headEnd type="none" w="med" len="med"/>
+                      <a:tailEnd type="none" w="med" len="med"/>
+                    </a:lnB>
+                  </a:tcPr>
+                </a:tc>
+                <a:tc>
+                  <a:txBody>
+                    <a:bodyPr/>
+                    <a:lstStyle/>
+                    <a:p>
+                      <a:pPr latinLnBrk="1"/>
+                      <a:endParaRPr lang="ko-KR" altLang="en-US" sz="1200"/>
+                    </a:p>
+                  </a:txBody>
+                  <a:tcPr marL="58297" marR="58297" marT="29148" marB="29148">
+                    <a:lnL w="6350" cap="flat" cmpd="sng" algn="ctr">
+                      <a:solidFill>
+                        <a:schemeClr val="tx1"/>
+                      </a:solidFill>
+                      <a:prstDash val="sysDash"/>
+                      <a:round/>
+                      <a:headEnd type="none" w="med" len="med"/>
+                      <a:tailEnd type="none" w="med" len="med"/>
+                    </a:lnL>
+                    <a:lnR w="6350" cap="flat" cmpd="sng" algn="ctr">
+                      <a:solidFill>
+                        <a:schemeClr val="tx1"/>
+                      </a:solidFill>
+                      <a:prstDash val="sysDash"/>
+                      <a:round/>
+                      <a:headEnd type="none" w="med" len="med"/>
+                      <a:tailEnd type="none" w="med" len="med"/>
+                    </a:lnR>
+                    <a:lnT w="6350" cap="flat" cmpd="sng" algn="ctr">
+                      <a:solidFill>
+                        <a:schemeClr val="tx1"/>
+                      </a:solidFill>
+                      <a:prstDash val="sysDash"/>
+                      <a:round/>
+                      <a:headEnd type="none" w="med" len="med"/>
+                      <a:tailEnd type="none" w="med" len="med"/>
+                    </a:lnT>
+                    <a:lnB w="6350" cap="flat" cmpd="sng" algn="ctr">
+                      <a:solidFill>
+                        <a:schemeClr val="tx1"/>
+                      </a:solidFill>
+                      <a:prstDash val="sysDash"/>
+                      <a:round/>
+                      <a:headEnd type="none" w="med" len="med"/>
+                      <a:tailEnd type="none" w="med" len="med"/>
+                    </a:lnB>
+                  </a:tcPr>
+                </a:tc>
+                <a:extLst>
+                  <a:ext uri="{0D108BD9-81ED-4DB2-BD59-A6C34878D82A}">
+                    <a16:rowId xmlns:a16="http://schemas.microsoft.com/office/drawing/2014/main" val="1056528146"/>
+                  </a:ext>
+                </a:extLst>
+              </a:tr>
+              <a:tr h="253399">
+                <a:tc>
+                  <a:txBody>
+                    <a:bodyPr/>
+                    <a:lstStyle/>
+                    <a:p>
+                      <a:pPr latinLnBrk="1"/>
+                      <a:endParaRPr lang="ko-KR" altLang="en-US" sz="1200" dirty="0"/>
+                    </a:p>
+                  </a:txBody>
+                  <a:tcPr marL="58297" marR="58297" marT="29148" marB="29148">
+                    <a:lnL w="6350" cap="flat" cmpd="sng" algn="ctr">
+                      <a:solidFill>
+                        <a:schemeClr val="tx1"/>
+                      </a:solidFill>
+                      <a:prstDash val="sysDash"/>
+                      <a:round/>
+                      <a:headEnd type="none" w="med" len="med"/>
+                      <a:tailEnd type="none" w="med" len="med"/>
+                    </a:lnL>
+                    <a:lnR w="6350" cap="flat" cmpd="sng" algn="ctr">
+                      <a:solidFill>
+                        <a:schemeClr val="tx1"/>
+                      </a:solidFill>
+                      <a:prstDash val="sysDash"/>
+                      <a:round/>
+                      <a:headEnd type="none" w="med" len="med"/>
+                      <a:tailEnd type="none" w="med" len="med"/>
+                    </a:lnR>
+                    <a:lnT w="6350" cap="flat" cmpd="sng" algn="ctr">
+                      <a:solidFill>
+                        <a:schemeClr val="tx1"/>
+                      </a:solidFill>
+                      <a:prstDash val="sysDash"/>
+                      <a:round/>
+                      <a:headEnd type="none" w="med" len="med"/>
+                      <a:tailEnd type="none" w="med" len="med"/>
+                    </a:lnT>
+                    <a:lnB w="6350" cap="flat" cmpd="sng" algn="ctr">
+                      <a:solidFill>
+                        <a:schemeClr val="tx1"/>
+                      </a:solidFill>
+                      <a:prstDash val="sysDash"/>
+                      <a:round/>
+                      <a:headEnd type="none" w="med" len="med"/>
+                      <a:tailEnd type="none" w="med" len="med"/>
+                    </a:lnB>
+                  </a:tcPr>
+                </a:tc>
+                <a:tc>
+                  <a:txBody>
+                    <a:bodyPr/>
+                    <a:lstStyle/>
+                    <a:p>
+                      <a:pPr latinLnBrk="1"/>
+                      <a:endParaRPr lang="ko-KR" altLang="en-US" sz="1200" dirty="0"/>
+                    </a:p>
+                  </a:txBody>
+                  <a:tcPr marL="58297" marR="58297" marT="29148" marB="29148">
+                    <a:lnL w="6350" cap="flat" cmpd="sng" algn="ctr">
+                      <a:solidFill>
+                        <a:schemeClr val="tx1"/>
+                      </a:solidFill>
+                      <a:prstDash val="sysDash"/>
+                      <a:round/>
+                      <a:headEnd type="none" w="med" len="med"/>
+                      <a:tailEnd type="none" w="med" len="med"/>
+                    </a:lnL>
+                    <a:lnR w="6350" cap="flat" cmpd="sng" algn="ctr">
+                      <a:solidFill>
+                        <a:schemeClr val="tx1"/>
+                      </a:solidFill>
+                      <a:prstDash val="sysDash"/>
+                      <a:round/>
+                      <a:headEnd type="none" w="med" len="med"/>
+                      <a:tailEnd type="none" w="med" len="med"/>
+                    </a:lnR>
+                    <a:lnT w="6350" cap="flat" cmpd="sng" algn="ctr">
+                      <a:solidFill>
+                        <a:schemeClr val="tx1"/>
+                      </a:solidFill>
+                      <a:prstDash val="sysDash"/>
+                      <a:round/>
+                      <a:headEnd type="none" w="med" len="med"/>
+                      <a:tailEnd type="none" w="med" len="med"/>
+                    </a:lnT>
+                    <a:lnB w="6350" cap="flat" cmpd="sng" algn="ctr">
+                      <a:solidFill>
+                        <a:schemeClr val="tx1"/>
+                      </a:solidFill>
+                      <a:prstDash val="sysDash"/>
+                      <a:round/>
+                      <a:headEnd type="none" w="med" len="med"/>
+                      <a:tailEnd type="none" w="med" len="med"/>
+                    </a:lnB>
+                  </a:tcPr>
+                </a:tc>
+                <a:tc>
+                  <a:txBody>
+                    <a:bodyPr/>
+                    <a:lstStyle/>
+                    <a:p>
+                      <a:pPr latinLnBrk="1"/>
+                      <a:endParaRPr lang="ko-KR" altLang="en-US" sz="1200" dirty="0"/>
+                    </a:p>
+                  </a:txBody>
+                  <a:tcPr marL="58297" marR="58297" marT="29148" marB="29148">
+                    <a:lnL w="6350" cap="flat" cmpd="sng" algn="ctr">
+                      <a:solidFill>
+                        <a:schemeClr val="tx1"/>
+                      </a:solidFill>
+                      <a:prstDash val="sysDash"/>
+                      <a:round/>
+                      <a:headEnd type="none" w="med" len="med"/>
+                      <a:tailEnd type="none" w="med" len="med"/>
+                    </a:lnL>
+                    <a:lnR w="6350" cap="flat" cmpd="sng" algn="ctr">
+                      <a:solidFill>
+                        <a:schemeClr val="tx1"/>
+                      </a:solidFill>
+                      <a:prstDash val="sysDash"/>
+                      <a:round/>
+                      <a:headEnd type="none" w="med" len="med"/>
+                      <a:tailEnd type="none" w="med" len="med"/>
+                    </a:lnR>
+                    <a:lnT w="6350" cap="flat" cmpd="sng" algn="ctr">
+                      <a:solidFill>
+                        <a:schemeClr val="tx1"/>
+                      </a:solidFill>
+                      <a:prstDash val="sysDash"/>
+                      <a:round/>
+                      <a:headEnd type="none" w="med" len="med"/>
+                      <a:tailEnd type="none" w="med" len="med"/>
+                    </a:lnT>
+                    <a:lnB w="6350" cap="flat" cmpd="sng" algn="ctr">
+                      <a:solidFill>
+                        <a:schemeClr val="tx1"/>
+                      </a:solidFill>
+                      <a:prstDash val="sysDash"/>
+                      <a:round/>
+                      <a:headEnd type="none" w="med" len="med"/>
+                      <a:tailEnd type="none" w="med" len="med"/>
+                    </a:lnB>
+                  </a:tcPr>
+                </a:tc>
+                <a:extLst>
+                  <a:ext uri="{0D108BD9-81ED-4DB2-BD59-A6C34878D82A}">
+                    <a16:rowId xmlns:a16="http://schemas.microsoft.com/office/drawing/2014/main" val="3302797451"/>
+                  </a:ext>
+                </a:extLst>
+              </a:tr>
+              <a:tr h="253399">
+                <a:tc>
+                  <a:txBody>
+                    <a:bodyPr/>
+                    <a:lstStyle/>
+                    <a:p>
+                      <a:pPr latinLnBrk="1"/>
+                      <a:endParaRPr lang="ko-KR" altLang="en-US" sz="1200" dirty="0"/>
+                    </a:p>
+                  </a:txBody>
+                  <a:tcPr marL="58297" marR="58297" marT="29148" marB="29148">
+                    <a:lnL w="6350" cap="flat" cmpd="sng" algn="ctr">
+                      <a:solidFill>
+                        <a:schemeClr val="tx1"/>
+                      </a:solidFill>
+                      <a:prstDash val="sysDash"/>
+                      <a:round/>
+                      <a:headEnd type="none" w="med" len="med"/>
+                      <a:tailEnd type="none" w="med" len="med"/>
+                    </a:lnL>
+                    <a:lnR w="6350" cap="flat" cmpd="sng" algn="ctr">
+                      <a:solidFill>
+                        <a:schemeClr val="tx1"/>
+                      </a:solidFill>
+                      <a:prstDash val="sysDash"/>
+                      <a:round/>
+                      <a:headEnd type="none" w="med" len="med"/>
+                      <a:tailEnd type="none" w="med" len="med"/>
+                    </a:lnR>
+                    <a:lnT w="6350" cap="flat" cmpd="sng" algn="ctr">
+                      <a:solidFill>
+                        <a:schemeClr val="tx1"/>
+                      </a:solidFill>
+                      <a:prstDash val="sysDash"/>
+                      <a:round/>
+                      <a:headEnd type="none" w="med" len="med"/>
+                      <a:tailEnd type="none" w="med" len="med"/>
+                    </a:lnT>
+                    <a:lnB w="6350" cap="flat" cmpd="sng" algn="ctr">
+                      <a:solidFill>
+                        <a:schemeClr val="tx1"/>
+                      </a:solidFill>
+                      <a:prstDash val="sysDash"/>
+                      <a:round/>
+                      <a:headEnd type="none" w="med" len="med"/>
+                      <a:tailEnd type="none" w="med" len="med"/>
+                    </a:lnB>
+                  </a:tcPr>
+                </a:tc>
+                <a:tc>
+                  <a:txBody>
+                    <a:bodyPr/>
+                    <a:lstStyle/>
+                    <a:p>
+                      <a:pPr latinLnBrk="1"/>
+                      <a:endParaRPr lang="ko-KR" altLang="en-US" sz="1200" dirty="0"/>
+                    </a:p>
+                  </a:txBody>
+                  <a:tcPr marL="58297" marR="58297" marT="29148" marB="29148">
+                    <a:lnL w="6350" cap="flat" cmpd="sng" algn="ctr">
+                      <a:solidFill>
+                        <a:schemeClr val="tx1"/>
+                      </a:solidFill>
+                      <a:prstDash val="sysDash"/>
+                      <a:round/>
+                      <a:headEnd type="none" w="med" len="med"/>
+                      <a:tailEnd type="none" w="med" len="med"/>
+                    </a:lnL>
+                    <a:lnR w="6350" cap="flat" cmpd="sng" algn="ctr">
+                      <a:solidFill>
+                        <a:schemeClr val="tx1"/>
+                      </a:solidFill>
+                      <a:prstDash val="sysDash"/>
+                      <a:round/>
+                      <a:headEnd type="none" w="med" len="med"/>
+                      <a:tailEnd type="none" w="med" len="med"/>
+                    </a:lnR>
+                    <a:lnT w="6350" cap="flat" cmpd="sng" algn="ctr">
+                      <a:solidFill>
+                        <a:schemeClr val="tx1"/>
+                      </a:solidFill>
+                      <a:prstDash val="sysDash"/>
+                      <a:round/>
+                      <a:headEnd type="none" w="med" len="med"/>
+                      <a:tailEnd type="none" w="med" len="med"/>
+                    </a:lnT>
+                    <a:lnB w="6350" cap="flat" cmpd="sng" algn="ctr">
+                      <a:solidFill>
+                        <a:schemeClr val="tx1"/>
+                      </a:solidFill>
+                      <a:prstDash val="sysDash"/>
+                      <a:round/>
+                      <a:headEnd type="none" w="med" len="med"/>
+                      <a:tailEnd type="none" w="med" len="med"/>
+                    </a:lnB>
+                  </a:tcPr>
+                </a:tc>
+                <a:tc>
+                  <a:txBody>
+                    <a:bodyPr/>
+                    <a:lstStyle/>
+                    <a:p>
+                      <a:pPr latinLnBrk="1"/>
+                      <a:endParaRPr lang="ko-KR" altLang="en-US" sz="1200"/>
+                    </a:p>
+                  </a:txBody>
+                  <a:tcPr marL="58297" marR="58297" marT="29148" marB="29148">
+                    <a:lnL w="6350" cap="flat" cmpd="sng" algn="ctr">
+                      <a:solidFill>
+                        <a:schemeClr val="tx1"/>
+                      </a:solidFill>
+                      <a:prstDash val="sysDash"/>
+                      <a:round/>
+                      <a:headEnd type="none" w="med" len="med"/>
+                      <a:tailEnd type="none" w="med" len="med"/>
+                    </a:lnL>
+                    <a:lnR w="6350" cap="flat" cmpd="sng" algn="ctr">
+                      <a:solidFill>
+                        <a:schemeClr val="tx1"/>
+                      </a:solidFill>
+                      <a:prstDash val="sysDash"/>
+                      <a:round/>
+                      <a:headEnd type="none" w="med" len="med"/>
+                      <a:tailEnd type="none" w="med" len="med"/>
+                    </a:lnR>
+                    <a:lnT w="6350" cap="flat" cmpd="sng" algn="ctr">
+                      <a:solidFill>
+                        <a:schemeClr val="tx1"/>
+                      </a:solidFill>
+                      <a:prstDash val="sysDash"/>
+                      <a:round/>
+                      <a:headEnd type="none" w="med" len="med"/>
+                      <a:tailEnd type="none" w="med" len="med"/>
+                    </a:lnT>
+                    <a:lnB w="6350" cap="flat" cmpd="sng" algn="ctr">
+                      <a:solidFill>
+                        <a:schemeClr val="tx1"/>
+                      </a:solidFill>
+                      <a:prstDash val="sysDash"/>
+                      <a:round/>
+                      <a:headEnd type="none" w="med" len="med"/>
+                      <a:tailEnd type="none" w="med" len="med"/>
+                    </a:lnB>
+                  </a:tcPr>
+                </a:tc>
+                <a:extLst>
+                  <a:ext uri="{0D108BD9-81ED-4DB2-BD59-A6C34878D82A}">
+                    <a16:rowId xmlns:a16="http://schemas.microsoft.com/office/drawing/2014/main" val="841479466"/>
+                  </a:ext>
+                </a:extLst>
+              </a:tr>
+              <a:tr h="253399">
+                <a:tc>
+                  <a:txBody>
+                    <a:bodyPr/>
+                    <a:lstStyle/>
+                    <a:p>
+                      <a:pPr latinLnBrk="1"/>
+                      <a:endParaRPr lang="ko-KR" altLang="en-US" sz="1200" dirty="0"/>
+                    </a:p>
+                  </a:txBody>
+                  <a:tcPr marL="58297" marR="58297" marT="29148" marB="29148">
+                    <a:lnL w="6350" cap="flat" cmpd="sng" algn="ctr">
+                      <a:solidFill>
+                        <a:schemeClr val="tx1"/>
+                      </a:solidFill>
+                      <a:prstDash val="sysDash"/>
+                      <a:round/>
+                      <a:headEnd type="none" w="med" len="med"/>
+                      <a:tailEnd type="none" w="med" len="med"/>
+                    </a:lnL>
+                    <a:lnR w="6350" cap="flat" cmpd="sng" algn="ctr">
+                      <a:solidFill>
+                        <a:schemeClr val="tx1"/>
+                      </a:solidFill>
+                      <a:prstDash val="sysDash"/>
+                      <a:round/>
+                      <a:headEnd type="none" w="med" len="med"/>
+                      <a:tailEnd type="none" w="med" len="med"/>
+                    </a:lnR>
+                    <a:lnT w="6350" cap="flat" cmpd="sng" algn="ctr">
+                      <a:solidFill>
+                        <a:schemeClr val="tx1"/>
+                      </a:solidFill>
+                      <a:prstDash val="sysDash"/>
+                      <a:round/>
+                      <a:headEnd type="none" w="med" len="med"/>
+                      <a:tailEnd type="none" w="med" len="med"/>
+                    </a:lnT>
+                    <a:lnB w="6350" cap="flat" cmpd="sng" algn="ctr">
+                      <a:solidFill>
+                        <a:schemeClr val="tx1"/>
+                      </a:solidFill>
+                      <a:prstDash val="sysDash"/>
+                      <a:round/>
+                      <a:headEnd type="none" w="med" len="med"/>
+                      <a:tailEnd type="none" w="med" len="med"/>
+                    </a:lnB>
+                  </a:tcPr>
+                </a:tc>
+                <a:tc>
+                  <a:txBody>
+                    <a:bodyPr/>
+                    <a:lstStyle/>
+                    <a:p>
+                      <a:pPr latinLnBrk="1"/>
+                      <a:endParaRPr lang="ko-KR" altLang="en-US" sz="1200" dirty="0"/>
+                    </a:p>
+                  </a:txBody>
+                  <a:tcPr marL="58297" marR="58297" marT="29148" marB="29148">
+                    <a:lnL w="6350" cap="flat" cmpd="sng" algn="ctr">
+                      <a:solidFill>
+                        <a:schemeClr val="tx1"/>
+                      </a:solidFill>
+                      <a:prstDash val="sysDash"/>
+                      <a:round/>
+                      <a:headEnd type="none" w="med" len="med"/>
+                      <a:tailEnd type="none" w="med" len="med"/>
+                    </a:lnL>
+                    <a:lnR w="6350" cap="flat" cmpd="sng" algn="ctr">
+                      <a:solidFill>
+                        <a:schemeClr val="tx1"/>
+                      </a:solidFill>
+                      <a:prstDash val="sysDash"/>
+                      <a:round/>
+                      <a:headEnd type="none" w="med" len="med"/>
+                      <a:tailEnd type="none" w="med" len="med"/>
+                    </a:lnR>
+                    <a:lnT w="6350" cap="flat" cmpd="sng" algn="ctr">
+                      <a:solidFill>
+                        <a:schemeClr val="tx1"/>
+                      </a:solidFill>
+                      <a:prstDash val="sysDash"/>
+                      <a:round/>
+                      <a:headEnd type="none" w="med" len="med"/>
+                      <a:tailEnd type="none" w="med" len="med"/>
+                    </a:lnT>
+                    <a:lnB w="6350" cap="flat" cmpd="sng" algn="ctr">
+                      <a:solidFill>
+                        <a:schemeClr val="tx1"/>
+                      </a:solidFill>
+                      <a:prstDash val="sysDash"/>
+                      <a:round/>
+                      <a:headEnd type="none" w="med" len="med"/>
+                      <a:tailEnd type="none" w="med" len="med"/>
+                    </a:lnB>
+                  </a:tcPr>
+                </a:tc>
+                <a:tc>
+                  <a:txBody>
+                    <a:bodyPr/>
+                    <a:lstStyle/>
+                    <a:p>
+                      <a:pPr latinLnBrk="1"/>
+                      <a:endParaRPr lang="ko-KR" altLang="en-US" sz="1200"/>
+                    </a:p>
+                  </a:txBody>
+                  <a:tcPr marL="58297" marR="58297" marT="29148" marB="29148">
+                    <a:lnL w="6350" cap="flat" cmpd="sng" algn="ctr">
+                      <a:solidFill>
+                        <a:schemeClr val="tx1"/>
+                      </a:solidFill>
+                      <a:prstDash val="sysDash"/>
+                      <a:round/>
+                      <a:headEnd type="none" w="med" len="med"/>
+                      <a:tailEnd type="none" w="med" len="med"/>
+                    </a:lnL>
+                    <a:lnR w="6350" cap="flat" cmpd="sng" algn="ctr">
+                      <a:solidFill>
+                        <a:schemeClr val="tx1"/>
+                      </a:solidFill>
+                      <a:prstDash val="sysDash"/>
+                      <a:round/>
+                      <a:headEnd type="none" w="med" len="med"/>
+                      <a:tailEnd type="none" w="med" len="med"/>
+                    </a:lnR>
+                    <a:lnT w="6350" cap="flat" cmpd="sng" algn="ctr">
+                      <a:solidFill>
+                        <a:schemeClr val="tx1"/>
+                      </a:solidFill>
+                      <a:prstDash val="sysDash"/>
+                      <a:round/>
+                      <a:headEnd type="none" w="med" len="med"/>
+                      <a:tailEnd type="none" w="med" len="med"/>
+                    </a:lnT>
+                    <a:lnB w="6350" cap="flat" cmpd="sng" algn="ctr">
+                      <a:solidFill>
+                        <a:schemeClr val="tx1"/>
+                      </a:solidFill>
+                      <a:prstDash val="sysDash"/>
+                      <a:round/>
+                      <a:headEnd type="none" w="med" len="med"/>
+                      <a:tailEnd type="none" w="med" len="med"/>
+                    </a:lnB>
+                  </a:tcPr>
+                </a:tc>
+                <a:extLst>
+                  <a:ext uri="{0D108BD9-81ED-4DB2-BD59-A6C34878D82A}">
+                    <a16:rowId xmlns:a16="http://schemas.microsoft.com/office/drawing/2014/main" val="3625051012"/>
+                  </a:ext>
+                </a:extLst>
+              </a:tr>
+              <a:tr h="253399">
+                <a:tc>
+                  <a:txBody>
+                    <a:bodyPr/>
+                    <a:lstStyle/>
+                    <a:p>
+                      <a:pPr latinLnBrk="1"/>
+                      <a:endParaRPr lang="ko-KR" altLang="en-US" sz="1200" dirty="0"/>
+                    </a:p>
+                  </a:txBody>
+                  <a:tcPr marL="58297" marR="58297" marT="29148" marB="29148">
+                    <a:lnL w="6350" cap="flat" cmpd="sng" algn="ctr">
+                      <a:solidFill>
+                        <a:schemeClr val="tx1"/>
+                      </a:solidFill>
+                      <a:prstDash val="sysDash"/>
+                      <a:round/>
+                      <a:headEnd type="none" w="med" len="med"/>
+                      <a:tailEnd type="none" w="med" len="med"/>
+                    </a:lnL>
+                    <a:lnR w="6350" cap="flat" cmpd="sng" algn="ctr">
+                      <a:solidFill>
+                        <a:schemeClr val="tx1"/>
+                      </a:solidFill>
+                      <a:prstDash val="sysDash"/>
+                      <a:round/>
+                      <a:headEnd type="none" w="med" len="med"/>
+                      <a:tailEnd type="none" w="med" len="med"/>
+                    </a:lnR>
+                    <a:lnT w="6350" cap="flat" cmpd="sng" algn="ctr">
+                      <a:solidFill>
+                        <a:schemeClr val="tx1"/>
+                      </a:solidFill>
+                      <a:prstDash val="sysDash"/>
+                      <a:round/>
+                      <a:headEnd type="none" w="med" len="med"/>
+                      <a:tailEnd type="none" w="med" len="med"/>
+                    </a:lnT>
+                    <a:lnB w="6350" cap="flat" cmpd="sng" algn="ctr">
+                      <a:solidFill>
+                        <a:schemeClr val="tx1"/>
+                      </a:solidFill>
+                      <a:prstDash val="sysDash"/>
+                      <a:round/>
+                      <a:headEnd type="none" w="med" len="med"/>
+                      <a:tailEnd type="none" w="med" len="med"/>
+                    </a:lnB>
+                  </a:tcPr>
+                </a:tc>
+                <a:tc>
+                  <a:txBody>
+                    <a:bodyPr/>
+                    <a:lstStyle/>
+                    <a:p>
+                      <a:pPr latinLnBrk="1"/>
+                      <a:endParaRPr lang="ko-KR" altLang="en-US" sz="1200" dirty="0"/>
+                    </a:p>
+                  </a:txBody>
+                  <a:tcPr marL="58297" marR="58297" marT="29148" marB="29148">
+                    <a:lnL w="6350" cap="flat" cmpd="sng" algn="ctr">
+                      <a:solidFill>
+                        <a:schemeClr val="tx1"/>
+                      </a:solidFill>
+                      <a:prstDash val="sysDash"/>
+                      <a:round/>
+                      <a:headEnd type="none" w="med" len="med"/>
+                      <a:tailEnd type="none" w="med" len="med"/>
+                    </a:lnL>
+                    <a:lnR w="6350" cap="flat" cmpd="sng" algn="ctr">
+                      <a:solidFill>
+                        <a:schemeClr val="tx1"/>
+                      </a:solidFill>
+                      <a:prstDash val="sysDash"/>
+                      <a:round/>
+                      <a:headEnd type="none" w="med" len="med"/>
+                      <a:tailEnd type="none" w="med" len="med"/>
+                    </a:lnR>
+                    <a:lnT w="6350" cap="flat" cmpd="sng" algn="ctr">
+                      <a:solidFill>
+                        <a:schemeClr val="tx1"/>
+                      </a:solidFill>
+                      <a:prstDash val="sysDash"/>
+                      <a:round/>
+                      <a:headEnd type="none" w="med" len="med"/>
+                      <a:tailEnd type="none" w="med" len="med"/>
+                    </a:lnT>
+                    <a:lnB w="6350" cap="flat" cmpd="sng" algn="ctr">
+                      <a:solidFill>
+                        <a:schemeClr val="tx1"/>
+                      </a:solidFill>
+                      <a:prstDash val="sysDash"/>
+                      <a:round/>
+                      <a:headEnd type="none" w="med" len="med"/>
+                      <a:tailEnd type="none" w="med" len="med"/>
+                    </a:lnB>
+                  </a:tcPr>
+                </a:tc>
+                <a:tc>
+                  <a:txBody>
+                    <a:bodyPr/>
+                    <a:lstStyle/>
+                    <a:p>
+                      <a:pPr latinLnBrk="1"/>
+                      <a:endParaRPr lang="ko-KR" altLang="en-US" sz="1200"/>
+                    </a:p>
+                  </a:txBody>
+                  <a:tcPr marL="58297" marR="58297" marT="29148" marB="29148">
+                    <a:lnL w="6350" cap="flat" cmpd="sng" algn="ctr">
+                      <a:solidFill>
+                        <a:schemeClr val="tx1"/>
+                      </a:solidFill>
+                      <a:prstDash val="sysDash"/>
+                      <a:round/>
+                      <a:headEnd type="none" w="med" len="med"/>
+                      <a:tailEnd type="none" w="med" len="med"/>
+                    </a:lnL>
+                    <a:lnR w="6350" cap="flat" cmpd="sng" algn="ctr">
+                      <a:solidFill>
+                        <a:schemeClr val="tx1"/>
+                      </a:solidFill>
+                      <a:prstDash val="sysDash"/>
+                      <a:round/>
+                      <a:headEnd type="none" w="med" len="med"/>
+                      <a:tailEnd type="none" w="med" len="med"/>
+                    </a:lnR>
+                    <a:lnT w="6350" cap="flat" cmpd="sng" algn="ctr">
+                      <a:solidFill>
+                        <a:schemeClr val="tx1"/>
+                      </a:solidFill>
+                      <a:prstDash val="sysDash"/>
+                      <a:round/>
+                      <a:headEnd type="none" w="med" len="med"/>
+                      <a:tailEnd type="none" w="med" len="med"/>
+                    </a:lnT>
+                    <a:lnB w="6350" cap="flat" cmpd="sng" algn="ctr">
+                      <a:solidFill>
+                        <a:schemeClr val="tx1"/>
+                      </a:solidFill>
+                      <a:prstDash val="sysDash"/>
+                      <a:round/>
+                      <a:headEnd type="none" w="med" len="med"/>
+                      <a:tailEnd type="none" w="med" len="med"/>
+                    </a:lnB>
+                  </a:tcPr>
+                </a:tc>
+                <a:extLst>
+                  <a:ext uri="{0D108BD9-81ED-4DB2-BD59-A6C34878D82A}">
+                    <a16:rowId xmlns:a16="http://schemas.microsoft.com/office/drawing/2014/main" val="931402352"/>
+                  </a:ext>
+                </a:extLst>
+              </a:tr>
+              <a:tr h="253399">
+                <a:tc>
+                  <a:txBody>
+                    <a:bodyPr/>
+                    <a:lstStyle/>
+                    <a:p>
+                      <a:pPr latinLnBrk="1"/>
+                      <a:endParaRPr lang="ko-KR" altLang="en-US" sz="1200" dirty="0"/>
+                    </a:p>
+                  </a:txBody>
+                  <a:tcPr marL="58297" marR="58297" marT="29148" marB="29148">
+                    <a:lnL w="6350" cap="flat" cmpd="sng" algn="ctr">
+                      <a:solidFill>
+                        <a:schemeClr val="tx1"/>
+                      </a:solidFill>
+                      <a:prstDash val="sysDash"/>
+                      <a:round/>
+                      <a:headEnd type="none" w="med" len="med"/>
+                      <a:tailEnd type="none" w="med" len="med"/>
+                    </a:lnL>
+                    <a:lnR w="6350" cap="flat" cmpd="sng" algn="ctr">
+                      <a:solidFill>
+                        <a:schemeClr val="tx1"/>
+                      </a:solidFill>
+                      <a:prstDash val="sysDash"/>
+                      <a:round/>
+                      <a:headEnd type="none" w="med" len="med"/>
+                      <a:tailEnd type="none" w="med" len="med"/>
+                    </a:lnR>
+                    <a:lnT w="6350" cap="flat" cmpd="sng" algn="ctr">
+                      <a:solidFill>
+                        <a:schemeClr val="tx1"/>
+                      </a:solidFill>
+                      <a:prstDash val="sysDash"/>
+                      <a:round/>
+                      <a:headEnd type="none" w="med" len="med"/>
+                      <a:tailEnd type="none" w="med" len="med"/>
+                    </a:lnT>
+                    <a:lnB w="6350" cap="flat" cmpd="sng" algn="ctr">
+                      <a:solidFill>
+                        <a:schemeClr val="tx1"/>
+                      </a:solidFill>
+                      <a:prstDash val="sysDash"/>
+                      <a:round/>
+                      <a:headEnd type="none" w="med" len="med"/>
+                      <a:tailEnd type="none" w="med" len="med"/>
+                    </a:lnB>
+                  </a:tcPr>
+                </a:tc>
+                <a:tc>
+                  <a:txBody>
+                    <a:bodyPr/>
+                    <a:lstStyle/>
+                    <a:p>
+                      <a:pPr latinLnBrk="1"/>
+                      <a:endParaRPr lang="ko-KR" altLang="en-US" sz="1200" dirty="0"/>
+                    </a:p>
+                  </a:txBody>
+                  <a:tcPr marL="58297" marR="58297" marT="29148" marB="29148">
+                    <a:lnL w="6350" cap="flat" cmpd="sng" algn="ctr">
+                      <a:solidFill>
+                        <a:schemeClr val="tx1"/>
+                      </a:solidFill>
+                      <a:prstDash val="sysDash"/>
+                      <a:round/>
+                      <a:headEnd type="none" w="med" len="med"/>
+                      <a:tailEnd type="none" w="med" len="med"/>
+                    </a:lnL>
+                    <a:lnR w="6350" cap="flat" cmpd="sng" algn="ctr">
+                      <a:solidFill>
+                        <a:schemeClr val="tx1"/>
+                      </a:solidFill>
+                      <a:prstDash val="sysDash"/>
+                      <a:round/>
+                      <a:headEnd type="none" w="med" len="med"/>
+                      <a:tailEnd type="none" w="med" len="med"/>
+                    </a:lnR>
+                    <a:lnT w="6350" cap="flat" cmpd="sng" algn="ctr">
+                      <a:solidFill>
+                        <a:schemeClr val="tx1"/>
+                      </a:solidFill>
+                      <a:prstDash val="sysDash"/>
+                      <a:round/>
+                      <a:headEnd type="none" w="med" len="med"/>
+                      <a:tailEnd type="none" w="med" len="med"/>
+                    </a:lnT>
+                    <a:lnB w="6350" cap="flat" cmpd="sng" algn="ctr">
+                      <a:solidFill>
+                        <a:schemeClr val="tx1"/>
+                      </a:solidFill>
+                      <a:prstDash val="sysDash"/>
+                      <a:round/>
+                      <a:headEnd type="none" w="med" len="med"/>
+                      <a:tailEnd type="none" w="med" len="med"/>
+                    </a:lnB>
+                  </a:tcPr>
+                </a:tc>
+                <a:tc>
+                  <a:txBody>
+                    <a:bodyPr/>
+                    <a:lstStyle/>
+                    <a:p>
+                      <a:pPr latinLnBrk="1"/>
+                      <a:endParaRPr lang="ko-KR" altLang="en-US" sz="1200" dirty="0"/>
+                    </a:p>
+                  </a:txBody>
+                  <a:tcPr marL="58297" marR="58297" marT="29148" marB="29148">
+                    <a:lnL w="6350" cap="flat" cmpd="sng" algn="ctr">
+                      <a:solidFill>
+                        <a:schemeClr val="tx1"/>
+                      </a:solidFill>
+                      <a:prstDash val="sysDash"/>
+                      <a:round/>
+                      <a:headEnd type="none" w="med" len="med"/>
+                      <a:tailEnd type="none" w="med" len="med"/>
+                    </a:lnL>
+                    <a:lnR w="6350" cap="flat" cmpd="sng" algn="ctr">
+                      <a:solidFill>
+                        <a:schemeClr val="tx1"/>
+                      </a:solidFill>
+                      <a:prstDash val="sysDash"/>
+                      <a:round/>
+                      <a:headEnd type="none" w="med" len="med"/>
+                      <a:tailEnd type="none" w="med" len="med"/>
+                    </a:lnR>
+                    <a:lnT w="6350" cap="flat" cmpd="sng" algn="ctr">
+                      <a:solidFill>
+                        <a:schemeClr val="tx1"/>
+                      </a:solidFill>
+                      <a:prstDash val="sysDash"/>
+                      <a:round/>
+                      <a:headEnd type="none" w="med" len="med"/>
+                      <a:tailEnd type="none" w="med" len="med"/>
+                    </a:lnT>
+                    <a:lnB w="6350" cap="flat" cmpd="sng" algn="ctr">
+                      <a:solidFill>
+                        <a:schemeClr val="tx1"/>
+                      </a:solidFill>
+                      <a:prstDash val="sysDash"/>
+                      <a:round/>
+                      <a:headEnd type="none" w="med" len="med"/>
+                      <a:tailEnd type="none" w="med" len="med"/>
+                    </a:lnB>
+                  </a:tcPr>
+                </a:tc>
+                <a:extLst>
+                  <a:ext uri="{0D108BD9-81ED-4DB2-BD59-A6C34878D82A}">
+                    <a16:rowId xmlns:a16="http://schemas.microsoft.com/office/drawing/2014/main" val="701652016"/>
+                  </a:ext>
+                </a:extLst>
+              </a:tr>
+              <a:tr h="253399">
+                <a:tc>
+                  <a:txBody>
+                    <a:bodyPr/>
+                    <a:lstStyle/>
+                    <a:p>
+                      <a:pPr latinLnBrk="1"/>
+                      <a:endParaRPr lang="ko-KR" altLang="en-US" sz="1200" dirty="0"/>
+                    </a:p>
+                  </a:txBody>
+                  <a:tcPr marL="58297" marR="58297" marT="29148" marB="29148">
+                    <a:lnL w="6350" cap="flat" cmpd="sng" algn="ctr">
+                      <a:solidFill>
+                        <a:schemeClr val="tx1"/>
+                      </a:solidFill>
+                      <a:prstDash val="sysDash"/>
+                      <a:round/>
+                      <a:headEnd type="none" w="med" len="med"/>
+                      <a:tailEnd type="none" w="med" len="med"/>
+                    </a:lnL>
+                    <a:lnR w="6350" cap="flat" cmpd="sng" algn="ctr">
+                      <a:solidFill>
+                        <a:schemeClr val="tx1"/>
+                      </a:solidFill>
+                      <a:prstDash val="sysDash"/>
+                      <a:round/>
+                      <a:headEnd type="none" w="med" len="med"/>
+                      <a:tailEnd type="none" w="med" len="med"/>
+                    </a:lnR>
+                    <a:lnT w="6350" cap="flat" cmpd="sng" algn="ctr">
+                      <a:solidFill>
+                        <a:schemeClr val="tx1"/>
+                      </a:solidFill>
+                      <a:prstDash val="sysDash"/>
+                      <a:round/>
+                      <a:headEnd type="none" w="med" len="med"/>
+                      <a:tailEnd type="none" w="med" len="med"/>
+                    </a:lnT>
+                    <a:lnB w="6350" cap="flat" cmpd="sng" algn="ctr">
+                      <a:solidFill>
+                        <a:schemeClr val="tx1"/>
+                      </a:solidFill>
+                      <a:prstDash val="sysDash"/>
+                      <a:round/>
+                      <a:headEnd type="none" w="med" len="med"/>
+                      <a:tailEnd type="none" w="med" len="med"/>
+                    </a:lnB>
+                  </a:tcPr>
+                </a:tc>
+                <a:tc>
+                  <a:txBody>
+                    <a:bodyPr/>
+                    <a:lstStyle/>
+                    <a:p>
+                      <a:pPr latinLnBrk="1"/>
+                      <a:endParaRPr lang="ko-KR" altLang="en-US" sz="1200" dirty="0"/>
+                    </a:p>
+                  </a:txBody>
+                  <a:tcPr marL="58297" marR="58297" marT="29148" marB="29148">
+                    <a:lnL w="6350" cap="flat" cmpd="sng" algn="ctr">
+                      <a:solidFill>
+                        <a:schemeClr val="tx1"/>
+                      </a:solidFill>
+                      <a:prstDash val="sysDash"/>
+                      <a:round/>
+                      <a:headEnd type="none" w="med" len="med"/>
+                      <a:tailEnd type="none" w="med" len="med"/>
+                    </a:lnL>
+                    <a:lnR w="6350" cap="flat" cmpd="sng" algn="ctr">
+                      <a:solidFill>
+                        <a:schemeClr val="tx1"/>
+                      </a:solidFill>
+                      <a:prstDash val="sysDash"/>
+                      <a:round/>
+                      <a:headEnd type="none" w="med" len="med"/>
+                      <a:tailEnd type="none" w="med" len="med"/>
+                    </a:lnR>
+                    <a:lnT w="6350" cap="flat" cmpd="sng" algn="ctr">
+                      <a:solidFill>
+                        <a:schemeClr val="tx1"/>
+                      </a:solidFill>
+                      <a:prstDash val="sysDash"/>
+                      <a:round/>
+                      <a:headEnd type="none" w="med" len="med"/>
+                      <a:tailEnd type="none" w="med" len="med"/>
+                    </a:lnT>
+                    <a:lnB w="6350" cap="flat" cmpd="sng" algn="ctr">
+                      <a:solidFill>
+                        <a:schemeClr val="tx1"/>
+                      </a:solidFill>
+                      <a:prstDash val="sysDash"/>
+                      <a:round/>
+                      <a:headEnd type="none" w="med" len="med"/>
+                      <a:tailEnd type="none" w="med" len="med"/>
+                    </a:lnB>
+                  </a:tcPr>
+                </a:tc>
+                <a:tc>
+                  <a:txBody>
+                    <a:bodyPr/>
+                    <a:lstStyle/>
+                    <a:p>
+                      <a:pPr latinLnBrk="1"/>
+                      <a:endParaRPr lang="ko-KR" altLang="en-US" sz="1200" dirty="0"/>
+                    </a:p>
+                  </a:txBody>
+                  <a:tcPr marL="58297" marR="58297" marT="29148" marB="29148">
+                    <a:lnL w="6350" cap="flat" cmpd="sng" algn="ctr">
+                      <a:solidFill>
+                        <a:schemeClr val="tx1"/>
+                      </a:solidFill>
+                      <a:prstDash val="sysDash"/>
+                      <a:round/>
+                      <a:headEnd type="none" w="med" len="med"/>
+                      <a:tailEnd type="none" w="med" len="med"/>
+                    </a:lnL>
+                    <a:lnR w="6350" cap="flat" cmpd="sng" algn="ctr">
+                      <a:solidFill>
+                        <a:schemeClr val="tx1"/>
+                      </a:solidFill>
+                      <a:prstDash val="sysDash"/>
+                      <a:round/>
+                      <a:headEnd type="none" w="med" len="med"/>
+                      <a:tailEnd type="none" w="med" len="med"/>
+                    </a:lnR>
+                    <a:lnT w="6350" cap="flat" cmpd="sng" algn="ctr">
+                      <a:solidFill>
+                        <a:schemeClr val="tx1"/>
+                      </a:solidFill>
+                      <a:prstDash val="sysDash"/>
+                      <a:round/>
+                      <a:headEnd type="none" w="med" len="med"/>
+                      <a:tailEnd type="none" w="med" len="med"/>
+                    </a:lnT>
+                    <a:lnB w="6350" cap="flat" cmpd="sng" algn="ctr">
+                      <a:solidFill>
+                        <a:schemeClr val="tx1"/>
+                      </a:solidFill>
+                      <a:prstDash val="sysDash"/>
+                      <a:round/>
+                      <a:headEnd type="none" w="med" len="med"/>
+                      <a:tailEnd type="none" w="med" len="med"/>
+                    </a:lnB>
+                  </a:tcPr>
+                </a:tc>
+                <a:extLst>
+                  <a:ext uri="{0D108BD9-81ED-4DB2-BD59-A6C34878D82A}">
+                    <a16:rowId xmlns:a16="http://schemas.microsoft.com/office/drawing/2014/main" val="146817430"/>
+                  </a:ext>
+                </a:extLst>
+              </a:tr>
+              <a:tr h="253399">
+                <a:tc>
+                  <a:txBody>
+                    <a:bodyPr/>
+                    <a:lstStyle/>
+                    <a:p>
+                      <a:pPr latinLnBrk="1"/>
+                      <a:endParaRPr lang="ko-KR" altLang="en-US" sz="1200" dirty="0"/>
+                    </a:p>
+                  </a:txBody>
+                  <a:tcPr marL="58297" marR="58297" marT="29148" marB="29148">
+                    <a:lnL w="6350" cap="flat" cmpd="sng" algn="ctr">
+                      <a:solidFill>
+                        <a:schemeClr val="tx1"/>
+                      </a:solidFill>
+                      <a:prstDash val="sysDash"/>
+                      <a:round/>
+                      <a:headEnd type="none" w="med" len="med"/>
+                      <a:tailEnd type="none" w="med" len="med"/>
+                    </a:lnL>
+                    <a:lnR w="6350" cap="flat" cmpd="sng" algn="ctr">
+                      <a:solidFill>
+                        <a:schemeClr val="tx1"/>
+                      </a:solidFill>
+                      <a:prstDash val="sysDash"/>
+                      <a:round/>
+                      <a:headEnd type="none" w="med" len="med"/>
+                      <a:tailEnd type="none" w="med" len="med"/>
+                    </a:lnR>
+                    <a:lnT w="6350" cap="flat" cmpd="sng" algn="ctr">
+                      <a:solidFill>
+                        <a:schemeClr val="tx1"/>
+                      </a:solidFill>
+                      <a:prstDash val="sysDash"/>
+                      <a:round/>
+                      <a:headEnd type="none" w="med" len="med"/>
+                      <a:tailEnd type="none" w="med" len="med"/>
+                    </a:lnT>
+                    <a:lnB w="6350" cap="flat" cmpd="sng" algn="ctr">
+                      <a:solidFill>
+                        <a:schemeClr val="tx1"/>
+                      </a:solidFill>
+                      <a:prstDash val="sysDash"/>
+                      <a:round/>
+                      <a:headEnd type="none" w="med" len="med"/>
+                      <a:tailEnd type="none" w="med" len="med"/>
+                    </a:lnB>
+                  </a:tcPr>
+                </a:tc>
+                <a:tc>
+                  <a:txBody>
+                    <a:bodyPr/>
+                    <a:lstStyle/>
+                    <a:p>
+                      <a:pPr latinLnBrk="1"/>
+                      <a:endParaRPr lang="ko-KR" altLang="en-US" sz="1200"/>
+                    </a:p>
+                  </a:txBody>
+                  <a:tcPr marL="58297" marR="58297" marT="29148" marB="29148">
+                    <a:lnL w="6350" cap="flat" cmpd="sng" algn="ctr">
+                      <a:solidFill>
+                        <a:schemeClr val="tx1"/>
+                      </a:solidFill>
+                      <a:prstDash val="sysDash"/>
+                      <a:round/>
+                      <a:headEnd type="none" w="med" len="med"/>
+                      <a:tailEnd type="none" w="med" len="med"/>
+                    </a:lnL>
+                    <a:lnR w="6350" cap="flat" cmpd="sng" algn="ctr">
+                      <a:solidFill>
+                        <a:schemeClr val="tx1"/>
+                      </a:solidFill>
+                      <a:prstDash val="sysDash"/>
+                      <a:round/>
+                      <a:headEnd type="none" w="med" len="med"/>
+                      <a:tailEnd type="none" w="med" len="med"/>
+                    </a:lnR>
+                    <a:lnT w="6350" cap="flat" cmpd="sng" algn="ctr">
+                      <a:solidFill>
+                        <a:schemeClr val="tx1"/>
+                      </a:solidFill>
+                      <a:prstDash val="sysDash"/>
+                      <a:round/>
+                      <a:headEnd type="none" w="med" len="med"/>
+                      <a:tailEnd type="none" w="med" len="med"/>
+                    </a:lnT>
+                    <a:lnB w="6350" cap="flat" cmpd="sng" algn="ctr">
+                      <a:solidFill>
+                        <a:schemeClr val="tx1"/>
+                      </a:solidFill>
+                      <a:prstDash val="sysDash"/>
+                      <a:round/>
+                      <a:headEnd type="none" w="med" len="med"/>
+                      <a:tailEnd type="none" w="med" len="med"/>
+                    </a:lnB>
+                  </a:tcPr>
+                </a:tc>
+                <a:tc>
+                  <a:txBody>
+                    <a:bodyPr/>
+                    <a:lstStyle/>
+                    <a:p>
+                      <a:pPr latinLnBrk="1"/>
+                      <a:endParaRPr lang="ko-KR" altLang="en-US" sz="1200" dirty="0"/>
+                    </a:p>
+                  </a:txBody>
+                  <a:tcPr marL="58297" marR="58297" marT="29148" marB="29148">
+                    <a:lnL w="6350" cap="flat" cmpd="sng" algn="ctr">
+                      <a:solidFill>
+                        <a:schemeClr val="tx1"/>
+                      </a:solidFill>
+                      <a:prstDash val="sysDash"/>
+                      <a:round/>
+                      <a:headEnd type="none" w="med" len="med"/>
+                      <a:tailEnd type="none" w="med" len="med"/>
+                    </a:lnL>
+                    <a:lnR w="6350" cap="flat" cmpd="sng" algn="ctr">
+                      <a:solidFill>
+                        <a:schemeClr val="tx1"/>
+                      </a:solidFill>
+                      <a:prstDash val="sysDash"/>
+                      <a:round/>
+                      <a:headEnd type="none" w="med" len="med"/>
+                      <a:tailEnd type="none" w="med" len="med"/>
+                    </a:lnR>
+                    <a:lnT w="6350" cap="flat" cmpd="sng" algn="ctr">
+                      <a:solidFill>
+                        <a:schemeClr val="tx1"/>
+                      </a:solidFill>
+                      <a:prstDash val="sysDash"/>
+                      <a:round/>
+                      <a:headEnd type="none" w="med" len="med"/>
+                      <a:tailEnd type="none" w="med" len="med"/>
+                    </a:lnT>
+                    <a:lnB w="6350" cap="flat" cmpd="sng" algn="ctr">
+                      <a:solidFill>
+                        <a:schemeClr val="tx1"/>
+                      </a:solidFill>
+                      <a:prstDash val="sysDash"/>
+                      <a:round/>
+                      <a:headEnd type="none" w="med" len="med"/>
+                      <a:tailEnd type="none" w="med" len="med"/>
+                    </a:lnB>
+                  </a:tcPr>
+                </a:tc>
+                <a:extLst>
+                  <a:ext uri="{0D108BD9-81ED-4DB2-BD59-A6C34878D82A}">
+                    <a16:rowId xmlns:a16="http://schemas.microsoft.com/office/drawing/2014/main" val="3308274685"/>
+                  </a:ext>
+                </a:extLst>
+              </a:tr>
+              <a:tr h="253399">
+                <a:tc>
+                  <a:txBody>
+                    <a:bodyPr/>
+                    <a:lstStyle/>
+                    <a:p>
+                      <a:pPr latinLnBrk="1"/>
+                      <a:endParaRPr lang="ko-KR" altLang="en-US" sz="1200" dirty="0"/>
+                    </a:p>
+                  </a:txBody>
+                  <a:tcPr marL="58297" marR="58297" marT="29148" marB="29148">
+                    <a:lnL w="6350" cap="flat" cmpd="sng" algn="ctr">
+                      <a:solidFill>
+                        <a:schemeClr val="tx1"/>
+                      </a:solidFill>
+                      <a:prstDash val="sysDash"/>
+                      <a:round/>
+                      <a:headEnd type="none" w="med" len="med"/>
+                      <a:tailEnd type="none" w="med" len="med"/>
+                    </a:lnL>
+                    <a:lnR w="6350" cap="flat" cmpd="sng" algn="ctr">
+                      <a:solidFill>
+                        <a:schemeClr val="tx1"/>
+                      </a:solidFill>
+                      <a:prstDash val="sysDash"/>
+                      <a:round/>
+                      <a:headEnd type="none" w="med" len="med"/>
+                      <a:tailEnd type="none" w="med" len="med"/>
+                    </a:lnR>
+                    <a:lnT w="6350" cap="flat" cmpd="sng" algn="ctr">
+                      <a:solidFill>
+                        <a:schemeClr val="tx1"/>
+                      </a:solidFill>
+                      <a:prstDash val="sysDash"/>
+                      <a:round/>
+                      <a:headEnd type="none" w="med" len="med"/>
+                      <a:tailEnd type="none" w="med" len="med"/>
+                    </a:lnT>
+                    <a:lnB w="6350" cap="flat" cmpd="sng" algn="ctr">
+                      <a:solidFill>
+                        <a:schemeClr val="tx1"/>
+                      </a:solidFill>
+                      <a:prstDash val="sysDash"/>
+                      <a:round/>
+                      <a:headEnd type="none" w="med" len="med"/>
+                      <a:tailEnd type="none" w="med" len="med"/>
+                    </a:lnB>
+                  </a:tcPr>
+                </a:tc>
+                <a:tc>
+                  <a:txBody>
+                    <a:bodyPr/>
+                    <a:lstStyle/>
+                    <a:p>
+                      <a:pPr latinLnBrk="1"/>
+                      <a:endParaRPr lang="ko-KR" altLang="en-US" sz="1200" dirty="0"/>
+                    </a:p>
+                  </a:txBody>
+                  <a:tcPr marL="58297" marR="58297" marT="29148" marB="29148">
+                    <a:lnL w="6350" cap="flat" cmpd="sng" algn="ctr">
+                      <a:solidFill>
+                        <a:schemeClr val="tx1"/>
+                      </a:solidFill>
+                      <a:prstDash val="sysDash"/>
+                      <a:round/>
+                      <a:headEnd type="none" w="med" len="med"/>
+                      <a:tailEnd type="none" w="med" len="med"/>
+                    </a:lnL>
+                    <a:lnR w="6350" cap="flat" cmpd="sng" algn="ctr">
+                      <a:solidFill>
+                        <a:schemeClr val="tx1"/>
+                      </a:solidFill>
+                      <a:prstDash val="sysDash"/>
+                      <a:round/>
+                      <a:headEnd type="none" w="med" len="med"/>
+                      <a:tailEnd type="none" w="med" len="med"/>
+                    </a:lnR>
+                    <a:lnT w="6350" cap="flat" cmpd="sng" algn="ctr">
+                      <a:solidFill>
+                        <a:schemeClr val="tx1"/>
+                      </a:solidFill>
+                      <a:prstDash val="sysDash"/>
+                      <a:round/>
+                      <a:headEnd type="none" w="med" len="med"/>
+                      <a:tailEnd type="none" w="med" len="med"/>
+                    </a:lnT>
+                    <a:lnB w="6350" cap="flat" cmpd="sng" algn="ctr">
+                      <a:solidFill>
+                        <a:schemeClr val="tx1"/>
+                      </a:solidFill>
+                      <a:prstDash val="sysDash"/>
+                      <a:round/>
+                      <a:headEnd type="none" w="med" len="med"/>
+                      <a:tailEnd type="none" w="med" len="med"/>
+                    </a:lnB>
+                  </a:tcPr>
+                </a:tc>
+                <a:tc>
+                  <a:txBody>
+                    <a:bodyPr/>
+                    <a:lstStyle/>
+                    <a:p>
+                      <a:pPr latinLnBrk="1"/>
+                      <a:endParaRPr lang="ko-KR" altLang="en-US" sz="1200" dirty="0"/>
+                    </a:p>
+                  </a:txBody>
+                  <a:tcPr marL="58297" marR="58297" marT="29148" marB="29148">
+                    <a:lnL w="6350" cap="flat" cmpd="sng" algn="ctr">
+                      <a:solidFill>
+                        <a:schemeClr val="tx1"/>
+                      </a:solidFill>
+                      <a:prstDash val="sysDash"/>
+                      <a:round/>
+                      <a:headEnd type="none" w="med" len="med"/>
+                      <a:tailEnd type="none" w="med" len="med"/>
+                    </a:lnL>
+                    <a:lnR w="6350" cap="flat" cmpd="sng" algn="ctr">
+                      <a:solidFill>
+                        <a:schemeClr val="tx1"/>
+                      </a:solidFill>
+                      <a:prstDash val="sysDash"/>
+                      <a:round/>
+                      <a:headEnd type="none" w="med" len="med"/>
+                      <a:tailEnd type="none" w="med" len="med"/>
+                    </a:lnR>
+                    <a:lnT w="6350" cap="flat" cmpd="sng" algn="ctr">
+                      <a:solidFill>
+                        <a:schemeClr val="tx1"/>
+                      </a:solidFill>
+                      <a:prstDash val="sysDash"/>
+                      <a:round/>
+                      <a:headEnd type="none" w="med" len="med"/>
+                      <a:tailEnd type="none" w="med" len="med"/>
+                    </a:lnT>
+                    <a:lnB w="6350" cap="flat" cmpd="sng" algn="ctr">
+                      <a:solidFill>
+                        <a:schemeClr val="tx1"/>
+                      </a:solidFill>
+                      <a:prstDash val="sysDash"/>
+                      <a:round/>
+                      <a:headEnd type="none" w="med" len="med"/>
+                      <a:tailEnd type="none" w="med" len="med"/>
+                    </a:lnB>
+                  </a:tcPr>
+                </a:tc>
+                <a:extLst>
+                  <a:ext uri="{0D108BD9-81ED-4DB2-BD59-A6C34878D82A}">
+                    <a16:rowId xmlns:a16="http://schemas.microsoft.com/office/drawing/2014/main" val="2395152021"/>
+                  </a:ext>
+                </a:extLst>
+              </a:tr>
+              <a:tr h="253399">
+                <a:tc>
+                  <a:txBody>
+                    <a:bodyPr/>
+                    <a:lstStyle/>
+                    <a:p>
+                      <a:pPr latinLnBrk="1"/>
+                      <a:endParaRPr lang="ko-KR" altLang="en-US" sz="1200" dirty="0"/>
+                    </a:p>
+                  </a:txBody>
+                  <a:tcPr marL="58297" marR="58297" marT="29148" marB="29148">
+                    <a:lnL w="6350" cap="flat" cmpd="sng" algn="ctr">
+                      <a:solidFill>
+                        <a:schemeClr val="tx1"/>
+                      </a:solidFill>
+                      <a:prstDash val="sysDash"/>
+                      <a:round/>
+                      <a:headEnd type="none" w="med" len="med"/>
+                      <a:tailEnd type="none" w="med" len="med"/>
+                    </a:lnL>
+                    <a:lnR w="6350" cap="flat" cmpd="sng" algn="ctr">
+                      <a:solidFill>
+                        <a:schemeClr val="tx1"/>
+                      </a:solidFill>
+                      <a:prstDash val="sysDash"/>
+                      <a:round/>
+                      <a:headEnd type="none" w="med" len="med"/>
+                      <a:tailEnd type="none" w="med" len="med"/>
+                    </a:lnR>
+                    <a:lnT w="6350" cap="flat" cmpd="sng" algn="ctr">
+                      <a:solidFill>
+                        <a:schemeClr val="tx1"/>
+                      </a:solidFill>
+                      <a:prstDash val="sysDash"/>
+                      <a:round/>
+                      <a:headEnd type="none" w="med" len="med"/>
+                      <a:tailEnd type="none" w="med" len="med"/>
+                    </a:lnT>
+                    <a:lnB w="6350" cap="flat" cmpd="sng" algn="ctr">
+                      <a:solidFill>
+                        <a:schemeClr val="tx1"/>
+                      </a:solidFill>
+                      <a:prstDash val="sysDash"/>
+                      <a:round/>
+                      <a:headEnd type="none" w="med" len="med"/>
+                      <a:tailEnd type="none" w="med" len="med"/>
+                    </a:lnB>
+                  </a:tcPr>
+                </a:tc>
+                <a:tc>
+                  <a:txBody>
+                    <a:bodyPr/>
+                    <a:lstStyle/>
+                    <a:p>
+                      <a:pPr latinLnBrk="1"/>
+                      <a:endParaRPr lang="ko-KR" altLang="en-US" sz="1200" dirty="0"/>
+                    </a:p>
+                  </a:txBody>
+                  <a:tcPr marL="58297" marR="58297" marT="29148" marB="29148">
+                    <a:lnL w="6350" cap="flat" cmpd="sng" algn="ctr">
+                      <a:solidFill>
+                        <a:schemeClr val="tx1"/>
+                      </a:solidFill>
+                      <a:prstDash val="sysDash"/>
+                      <a:round/>
+                      <a:headEnd type="none" w="med" len="med"/>
+                      <a:tailEnd type="none" w="med" len="med"/>
+                    </a:lnL>
+                    <a:lnR w="6350" cap="flat" cmpd="sng" algn="ctr">
+                      <a:solidFill>
+                        <a:schemeClr val="tx1"/>
+                      </a:solidFill>
+                      <a:prstDash val="sysDash"/>
+                      <a:round/>
+                      <a:headEnd type="none" w="med" len="med"/>
+                      <a:tailEnd type="none" w="med" len="med"/>
+                    </a:lnR>
+                    <a:lnT w="6350" cap="flat" cmpd="sng" algn="ctr">
+                      <a:solidFill>
+                        <a:schemeClr val="tx1"/>
+                      </a:solidFill>
+                      <a:prstDash val="sysDash"/>
+                      <a:round/>
+                      <a:headEnd type="none" w="med" len="med"/>
+                      <a:tailEnd type="none" w="med" len="med"/>
+                    </a:lnT>
+                    <a:lnB w="6350" cap="flat" cmpd="sng" algn="ctr">
+                      <a:solidFill>
+                        <a:schemeClr val="tx1"/>
+                      </a:solidFill>
+                      <a:prstDash val="sysDash"/>
+                      <a:round/>
+                      <a:headEnd type="none" w="med" len="med"/>
+                      <a:tailEnd type="none" w="med" len="med"/>
+                    </a:lnB>
+                  </a:tcPr>
+                </a:tc>
+                <a:tc>
+                  <a:txBody>
+                    <a:bodyPr/>
+                    <a:lstStyle/>
+                    <a:p>
+                      <a:pPr latinLnBrk="1"/>
+                      <a:endParaRPr lang="ko-KR" altLang="en-US" sz="1200" dirty="0"/>
+                    </a:p>
+                  </a:txBody>
+                  <a:tcPr marL="58297" marR="58297" marT="29148" marB="29148">
+                    <a:lnL w="6350" cap="flat" cmpd="sng" algn="ctr">
+                      <a:solidFill>
+                        <a:schemeClr val="tx1"/>
+                      </a:solidFill>
+                      <a:prstDash val="sysDash"/>
+                      <a:round/>
+                      <a:headEnd type="none" w="med" len="med"/>
+                      <a:tailEnd type="none" w="med" len="med"/>
+                    </a:lnL>
+                    <a:lnR w="6350" cap="flat" cmpd="sng" algn="ctr">
+                      <a:solidFill>
+                        <a:schemeClr val="tx1"/>
+                      </a:solidFill>
+                      <a:prstDash val="sysDash"/>
+                      <a:round/>
+                      <a:headEnd type="none" w="med" len="med"/>
+                      <a:tailEnd type="none" w="med" len="med"/>
+                    </a:lnR>
+                    <a:lnT w="6350" cap="flat" cmpd="sng" algn="ctr">
+                      <a:solidFill>
+                        <a:schemeClr val="tx1"/>
+                      </a:solidFill>
+                      <a:prstDash val="sysDash"/>
+                      <a:round/>
+                      <a:headEnd type="none" w="med" len="med"/>
+                      <a:tailEnd type="none" w="med" len="med"/>
+                    </a:lnT>
+                    <a:lnB w="6350" cap="flat" cmpd="sng" algn="ctr">
+                      <a:solidFill>
+                        <a:schemeClr val="tx1"/>
+                      </a:solidFill>
+                      <a:prstDash val="sysDash"/>
+                      <a:round/>
+                      <a:headEnd type="none" w="med" len="med"/>
+                      <a:tailEnd type="none" w="med" len="med"/>
+                    </a:lnB>
+                  </a:tcPr>
+                </a:tc>
+                <a:extLst>
+                  <a:ext uri="{0D108BD9-81ED-4DB2-BD59-A6C34878D82A}">
+                    <a16:rowId xmlns:a16="http://schemas.microsoft.com/office/drawing/2014/main" val="2234843564"/>
+                  </a:ext>
+                </a:extLst>
+              </a:tr>
+              <a:tr h="253399">
+                <a:tc>
+                  <a:txBody>
+                    <a:bodyPr/>
+                    <a:lstStyle/>
+                    <a:p>
+                      <a:pPr latinLnBrk="1"/>
+                      <a:endParaRPr lang="ko-KR" altLang="en-US" sz="1200" dirty="0"/>
+                    </a:p>
+                  </a:txBody>
+                  <a:tcPr marL="58297" marR="58297" marT="29148" marB="29148">
+                    <a:lnL w="6350" cap="flat" cmpd="sng" algn="ctr">
+                      <a:solidFill>
+                        <a:schemeClr val="tx1"/>
+                      </a:solidFill>
+                      <a:prstDash val="sysDash"/>
+                      <a:round/>
+                      <a:headEnd type="none" w="med" len="med"/>
+                      <a:tailEnd type="none" w="med" len="med"/>
+                    </a:lnL>
+                    <a:lnR w="6350" cap="flat" cmpd="sng" algn="ctr">
+                      <a:solidFill>
+                        <a:schemeClr val="tx1"/>
+                      </a:solidFill>
+                      <a:prstDash val="sysDash"/>
+                      <a:round/>
+                      <a:headEnd type="none" w="med" len="med"/>
+                      <a:tailEnd type="none" w="med" len="med"/>
+                    </a:lnR>
+                    <a:lnT w="6350" cap="flat" cmpd="sng" algn="ctr">
+                      <a:solidFill>
+                        <a:schemeClr val="tx1"/>
+                      </a:solidFill>
+                      <a:prstDash val="sysDash"/>
+                      <a:round/>
+                      <a:headEnd type="none" w="med" len="med"/>
+                      <a:tailEnd type="none" w="med" len="med"/>
+                    </a:lnT>
+                    <a:lnB w="6350" cap="flat" cmpd="sng" algn="ctr">
+                      <a:solidFill>
+                        <a:schemeClr val="tx1"/>
+                      </a:solidFill>
+                      <a:prstDash val="sysDash"/>
+                      <a:round/>
+                      <a:headEnd type="none" w="med" len="med"/>
+                      <a:tailEnd type="none" w="med" len="med"/>
+                    </a:lnB>
+                  </a:tcPr>
+                </a:tc>
+                <a:tc>
+                  <a:txBody>
+                    <a:bodyPr/>
+                    <a:lstStyle/>
+                    <a:p>
+                      <a:pPr latinLnBrk="1"/>
+                      <a:endParaRPr lang="ko-KR" altLang="en-US" sz="1200" dirty="0"/>
+                    </a:p>
+                  </a:txBody>
+                  <a:tcPr marL="58297" marR="58297" marT="29148" marB="29148">
+                    <a:lnL w="6350" cap="flat" cmpd="sng" algn="ctr">
+                      <a:solidFill>
+                        <a:schemeClr val="tx1"/>
+                      </a:solidFill>
+                      <a:prstDash val="sysDash"/>
+                      <a:round/>
+                      <a:headEnd type="none" w="med" len="med"/>
+                      <a:tailEnd type="none" w="med" len="med"/>
+                    </a:lnL>
+                    <a:lnR w="6350" cap="flat" cmpd="sng" algn="ctr">
+                      <a:solidFill>
+                        <a:schemeClr val="tx1"/>
+                      </a:solidFill>
+                      <a:prstDash val="sysDash"/>
+                      <a:round/>
+                      <a:headEnd type="none" w="med" len="med"/>
+                      <a:tailEnd type="none" w="med" len="med"/>
+                    </a:lnR>
+                    <a:lnT w="6350" cap="flat" cmpd="sng" algn="ctr">
+                      <a:solidFill>
+                        <a:schemeClr val="tx1"/>
+                      </a:solidFill>
+                      <a:prstDash val="sysDash"/>
+                      <a:round/>
+                      <a:headEnd type="none" w="med" len="med"/>
+                      <a:tailEnd type="none" w="med" len="med"/>
+                    </a:lnT>
+                    <a:lnB w="6350" cap="flat" cmpd="sng" algn="ctr">
+                      <a:solidFill>
+                        <a:schemeClr val="tx1"/>
+                      </a:solidFill>
+                      <a:prstDash val="sysDash"/>
+                      <a:round/>
+                      <a:headEnd type="none" w="med" len="med"/>
+                      <a:tailEnd type="none" w="med" len="med"/>
+                    </a:lnB>
+                  </a:tcPr>
+                </a:tc>
+                <a:tc>
+                  <a:txBody>
+                    <a:bodyPr/>
+                    <a:lstStyle/>
+                    <a:p>
+                      <a:pPr latinLnBrk="1"/>
+                      <a:endParaRPr lang="ko-KR" altLang="en-US" sz="1200" dirty="0"/>
+                    </a:p>
+                  </a:txBody>
+                  <a:tcPr marL="58297" marR="58297" marT="29148" marB="29148">
+                    <a:lnL w="6350" cap="flat" cmpd="sng" algn="ctr">
+                      <a:solidFill>
+                        <a:schemeClr val="tx1"/>
+                      </a:solidFill>
+                      <a:prstDash val="sysDash"/>
+                      <a:round/>
+                      <a:headEnd type="none" w="med" len="med"/>
+                      <a:tailEnd type="none" w="med" len="med"/>
+                    </a:lnL>
+                    <a:lnR w="6350" cap="flat" cmpd="sng" algn="ctr">
+                      <a:solidFill>
+                        <a:schemeClr val="tx1"/>
+                      </a:solidFill>
+                      <a:prstDash val="sysDash"/>
+                      <a:round/>
+                      <a:headEnd type="none" w="med" len="med"/>
+                      <a:tailEnd type="none" w="med" len="med"/>
+                    </a:lnR>
+                    <a:lnT w="6350" cap="flat" cmpd="sng" algn="ctr">
+                      <a:solidFill>
+                        <a:schemeClr val="tx1"/>
+                      </a:solidFill>
+                      <a:prstDash val="sysDash"/>
+                      <a:round/>
+                      <a:headEnd type="none" w="med" len="med"/>
+                      <a:tailEnd type="none" w="med" len="med"/>
+                    </a:lnT>
+                    <a:lnB w="6350" cap="flat" cmpd="sng" algn="ctr">
+                      <a:solidFill>
+                        <a:schemeClr val="tx1"/>
+                      </a:solidFill>
+                      <a:prstDash val="sysDash"/>
+                      <a:round/>
+                      <a:headEnd type="none" w="med" len="med"/>
+                      <a:tailEnd type="none" w="med" len="med"/>
+                    </a:lnB>
+                  </a:tcPr>
+                </a:tc>
+                <a:extLst>
+                  <a:ext uri="{0D108BD9-81ED-4DB2-BD59-A6C34878D82A}">
+                    <a16:rowId xmlns:a16="http://schemas.microsoft.com/office/drawing/2014/main" val="2601167709"/>
+                  </a:ext>
+                </a:extLst>
+              </a:tr>
+              <a:tr h="253399">
+                <a:tc>
+                  <a:txBody>
+                    <a:bodyPr/>
+                    <a:lstStyle/>
+                    <a:p>
+                      <a:pPr latinLnBrk="1"/>
+                      <a:endParaRPr lang="ko-KR" altLang="en-US" sz="1200" dirty="0"/>
+                    </a:p>
+                  </a:txBody>
+                  <a:tcPr marL="58297" marR="58297" marT="29148" marB="29148">
+                    <a:lnL w="6350" cap="flat" cmpd="sng" algn="ctr">
+                      <a:solidFill>
+                        <a:schemeClr val="tx1"/>
+                      </a:solidFill>
+                      <a:prstDash val="sysDash"/>
+                      <a:round/>
+                      <a:headEnd type="none" w="med" len="med"/>
+                      <a:tailEnd type="none" w="med" len="med"/>
+                    </a:lnL>
+                    <a:lnR w="6350" cap="flat" cmpd="sng" algn="ctr">
+                      <a:solidFill>
+                        <a:schemeClr val="tx1"/>
+                      </a:solidFill>
+                      <a:prstDash val="sysDash"/>
+                      <a:round/>
+                      <a:headEnd type="none" w="med" len="med"/>
+                      <a:tailEnd type="none" w="med" len="med"/>
+                    </a:lnR>
+                    <a:lnT w="6350" cap="flat" cmpd="sng" algn="ctr">
+                      <a:solidFill>
+                        <a:schemeClr val="tx1"/>
+                      </a:solidFill>
+                      <a:prstDash val="sysDash"/>
+                      <a:round/>
+                      <a:headEnd type="none" w="med" len="med"/>
+                      <a:tailEnd type="none" w="med" len="med"/>
+                    </a:lnT>
+                    <a:lnB w="6350" cap="flat" cmpd="sng" algn="ctr">
+                      <a:solidFill>
+                        <a:schemeClr val="tx1"/>
+                      </a:solidFill>
+                      <a:prstDash val="sysDash"/>
+                      <a:round/>
+                      <a:headEnd type="none" w="med" len="med"/>
+                      <a:tailEnd type="none" w="med" len="med"/>
+                    </a:lnB>
+                  </a:tcPr>
+                </a:tc>
+                <a:tc>
+                  <a:txBody>
+                    <a:bodyPr/>
+                    <a:lstStyle/>
+                    <a:p>
+                      <a:pPr latinLnBrk="1"/>
+                      <a:endParaRPr lang="ko-KR" altLang="en-US" sz="1200" dirty="0"/>
+                    </a:p>
+                  </a:txBody>
+                  <a:tcPr marL="58297" marR="58297" marT="29148" marB="29148">
+                    <a:lnL w="6350" cap="flat" cmpd="sng" algn="ctr">
+                      <a:solidFill>
+                        <a:schemeClr val="tx1"/>
+                      </a:solidFill>
+                      <a:prstDash val="sysDash"/>
+                      <a:round/>
+                      <a:headEnd type="none" w="med" len="med"/>
+                      <a:tailEnd type="none" w="med" len="med"/>
+                    </a:lnL>
+                    <a:lnR w="6350" cap="flat" cmpd="sng" algn="ctr">
+                      <a:solidFill>
+                        <a:schemeClr val="tx1"/>
+                      </a:solidFill>
+                      <a:prstDash val="sysDash"/>
+                      <a:round/>
+                      <a:headEnd type="none" w="med" len="med"/>
+                      <a:tailEnd type="none" w="med" len="med"/>
+                    </a:lnR>
+                    <a:lnT w="6350" cap="flat" cmpd="sng" algn="ctr">
+                      <a:solidFill>
+                        <a:schemeClr val="tx1"/>
+                      </a:solidFill>
+                      <a:prstDash val="sysDash"/>
+                      <a:round/>
+                      <a:headEnd type="none" w="med" len="med"/>
+                      <a:tailEnd type="none" w="med" len="med"/>
+                    </a:lnT>
+                    <a:lnB w="6350" cap="flat" cmpd="sng" algn="ctr">
+                      <a:solidFill>
+                        <a:schemeClr val="tx1"/>
+                      </a:solidFill>
+                      <a:prstDash val="sysDash"/>
+                      <a:round/>
+                      <a:headEnd type="none" w="med" len="med"/>
+                      <a:tailEnd type="none" w="med" len="med"/>
+                    </a:lnB>
+                  </a:tcPr>
+                </a:tc>
+                <a:tc>
+                  <a:txBody>
+                    <a:bodyPr/>
+                    <a:lstStyle/>
+                    <a:p>
+                      <a:pPr latinLnBrk="1"/>
+                      <a:endParaRPr lang="ko-KR" altLang="en-US" sz="1200" dirty="0"/>
+                    </a:p>
+                  </a:txBody>
+                  <a:tcPr marL="58297" marR="58297" marT="29148" marB="29148">
+                    <a:lnL w="6350" cap="flat" cmpd="sng" algn="ctr">
+                      <a:solidFill>
+                        <a:schemeClr val="tx1"/>
+                      </a:solidFill>
+                      <a:prstDash val="sysDash"/>
+                      <a:round/>
+                      <a:headEnd type="none" w="med" len="med"/>
+                      <a:tailEnd type="none" w="med" len="med"/>
+                    </a:lnL>
+                    <a:lnR w="6350" cap="flat" cmpd="sng" algn="ctr">
+                      <a:solidFill>
+                        <a:schemeClr val="tx1"/>
+                      </a:solidFill>
+                      <a:prstDash val="sysDash"/>
+                      <a:round/>
+                      <a:headEnd type="none" w="med" len="med"/>
+                      <a:tailEnd type="none" w="med" len="med"/>
+                    </a:lnR>
+                    <a:lnT w="6350" cap="flat" cmpd="sng" algn="ctr">
+                      <a:solidFill>
+                        <a:schemeClr val="tx1"/>
+                      </a:solidFill>
+                      <a:prstDash val="sysDash"/>
+                      <a:round/>
+                      <a:headEnd type="none" w="med" len="med"/>
+                      <a:tailEnd type="none" w="med" len="med"/>
+                    </a:lnT>
+                    <a:lnB w="6350" cap="flat" cmpd="sng" algn="ctr">
+                      <a:solidFill>
+                        <a:schemeClr val="tx1"/>
+                      </a:solidFill>
+                      <a:prstDash val="sysDash"/>
+                      <a:round/>
+                      <a:headEnd type="none" w="med" len="med"/>
+                      <a:tailEnd type="none" w="med" len="med"/>
+                    </a:lnB>
+                  </a:tcPr>
+                </a:tc>
+                <a:extLst>
+                  <a:ext uri="{0D108BD9-81ED-4DB2-BD59-A6C34878D82A}">
+                    <a16:rowId xmlns:a16="http://schemas.microsoft.com/office/drawing/2014/main" val="3572023045"/>
+                  </a:ext>
+                </a:extLst>
+              </a:tr>
+            </a:tbl>
+          </a:graphicData>
+        </a:graphic>
+      </p:graphicFrame>
+      <p:pic>
+        <p:nvPicPr>
+          <p:cNvPr id="53" name="그림 52">
+            <a:extLst>
+              <a:ext uri="{FF2B5EF4-FFF2-40B4-BE49-F238E27FC236}">
+                <a16:creationId xmlns:a16="http://schemas.microsoft.com/office/drawing/2014/main" id="{B62A9276-BA65-49A5-A93B-CC87C6819959}"/>
+              </a:ext>
+            </a:extLst>
+          </p:cNvPr>
+          <p:cNvPicPr>
+            <a:picLocks noChangeAspect="1"/>
+          </p:cNvPicPr>
+          <p:nvPr/>
+        </p:nvPicPr>
+        <p:blipFill rotWithShape="1">
+          <a:blip r:embed="rId3">
+            <a:extLst>
+              <a:ext uri="{28A0092B-C50C-407E-A947-70E740481C1C}">
+                <a14:useLocalDpi xmlns:a14="http://schemas.microsoft.com/office/drawing/2010/main" val="0"/>
+              </a:ext>
+            </a:extLst>
+          </a:blip>
+          <a:srcRect/>
+          <a:stretch/>
+        </p:blipFill>
+        <p:spPr>
+          <a:xfrm>
+            <a:off x="1501100" y="1551071"/>
+            <a:ext cx="2856344" cy="5712688"/>
+          </a:xfrm>
+          <a:prstGeom prst="rect">
+            <a:avLst/>
+          </a:prstGeom>
+        </p:spPr>
+      </p:pic>
     </p:spTree>
     <p:extLst>
       <p:ext uri="{BB962C8B-B14F-4D97-AF65-F5344CB8AC3E}">
@@ -10902,6 +15682,4326 @@
 </file>
 
 <file path=ppt/slides/slide6.xml><?xml version="1.0" encoding="utf-8"?>
+<p:sld xmlns:a="http://schemas.openxmlformats.org/drawingml/2006/main" xmlns:r="http://schemas.openxmlformats.org/officeDocument/2006/relationships" xmlns:p="http://schemas.openxmlformats.org/presentationml/2006/main">
+  <p:cSld>
+    <p:spTree>
+      <p:nvGrpSpPr>
+        <p:cNvPr id="1" name=""/>
+        <p:cNvGrpSpPr/>
+        <p:nvPr/>
+      </p:nvGrpSpPr>
+      <p:grpSpPr>
+        <a:xfrm>
+          <a:off x="0" y="0"/>
+          <a:ext cx="0" cy="0"/>
+          <a:chOff x="0" y="0"/>
+          <a:chExt cx="0" cy="0"/>
+        </a:xfrm>
+      </p:grpSpPr>
+      <p:grpSp>
+        <p:nvGrpSpPr>
+          <p:cNvPr id="8" name="그룹 7">
+            <a:extLst>
+              <a:ext uri="{FF2B5EF4-FFF2-40B4-BE49-F238E27FC236}">
+                <a16:creationId xmlns:a16="http://schemas.microsoft.com/office/drawing/2014/main" id="{6265D729-A132-4273-8D70-D9EBF042BE2C}"/>
+              </a:ext>
+            </a:extLst>
+          </p:cNvPr>
+          <p:cNvGrpSpPr/>
+          <p:nvPr/>
+        </p:nvGrpSpPr>
+        <p:grpSpPr>
+          <a:xfrm>
+            <a:off x="629498" y="383388"/>
+            <a:ext cx="10785408" cy="430052"/>
+            <a:chOff x="629498" y="383388"/>
+            <a:chExt cx="10785408" cy="430052"/>
+          </a:xfrm>
+        </p:grpSpPr>
+        <p:sp>
+          <p:nvSpPr>
+            <p:cNvPr id="6" name="직사각형 5">
+              <a:extLst>
+                <a:ext uri="{FF2B5EF4-FFF2-40B4-BE49-F238E27FC236}">
+                  <a16:creationId xmlns:a16="http://schemas.microsoft.com/office/drawing/2014/main" id="{F7758BD5-DD15-4F02-B930-B72C00AEA4BC}"/>
+                </a:ext>
+              </a:extLst>
+            </p:cNvPr>
+            <p:cNvSpPr/>
+            <p:nvPr/>
+          </p:nvSpPr>
+          <p:spPr>
+            <a:xfrm>
+              <a:off x="642431" y="745320"/>
+              <a:ext cx="10772475" cy="45719"/>
+            </a:xfrm>
+            <a:prstGeom prst="rect">
+              <a:avLst/>
+            </a:prstGeom>
+            <a:solidFill>
+              <a:schemeClr val="accent6">
+                <a:lumMod val="50000"/>
+              </a:schemeClr>
+            </a:solidFill>
+            <a:ln>
+              <a:noFill/>
+            </a:ln>
+          </p:spPr>
+          <p:style>
+            <a:lnRef idx="2">
+              <a:schemeClr val="accent1">
+                <a:shade val="50000"/>
+              </a:schemeClr>
+            </a:lnRef>
+            <a:fillRef idx="1">
+              <a:schemeClr val="accent1"/>
+            </a:fillRef>
+            <a:effectRef idx="0">
+              <a:schemeClr val="accent1"/>
+            </a:effectRef>
+            <a:fontRef idx="minor">
+              <a:schemeClr val="lt1"/>
+            </a:fontRef>
+          </p:style>
+          <p:txBody>
+            <a:bodyPr rtlCol="0" anchor="ctr"/>
+            <a:lstStyle/>
+            <a:p>
+              <a:pPr algn="ctr"/>
+              <a:endParaRPr lang="ko-KR" altLang="en-US" dirty="0"/>
+            </a:p>
+          </p:txBody>
+        </p:sp>
+        <p:sp>
+          <p:nvSpPr>
+            <p:cNvPr id="9" name="제목 3">
+              <a:extLst>
+                <a:ext uri="{FF2B5EF4-FFF2-40B4-BE49-F238E27FC236}">
+                  <a16:creationId xmlns:a16="http://schemas.microsoft.com/office/drawing/2014/main" id="{E6E6FA48-6232-4652-A667-B040A2DC8B97}"/>
+                </a:ext>
+              </a:extLst>
+            </p:cNvPr>
+            <p:cNvSpPr txBox="1">
+              <a:spLocks/>
+            </p:cNvSpPr>
+            <p:nvPr/>
+          </p:nvSpPr>
+          <p:spPr>
+            <a:xfrm>
+              <a:off x="7117035" y="384319"/>
+              <a:ext cx="4297870" cy="425802"/>
+            </a:xfrm>
+            <a:prstGeom prst="rect">
+              <a:avLst/>
+            </a:prstGeom>
+          </p:spPr>
+          <p:txBody>
+            <a:bodyPr vert="horz" lIns="91440" tIns="45720" rIns="91440" bIns="45720" rtlCol="0" anchor="ctr">
+              <a:normAutofit/>
+            </a:bodyPr>
+            <a:lstStyle>
+              <a:lvl1pPr algn="l" defTabSz="914400" rtl="0" eaLnBrk="1" latinLnBrk="1" hangingPunct="1">
+                <a:lnSpc>
+                  <a:spcPct val="90000"/>
+                </a:lnSpc>
+                <a:spcBef>
+                  <a:spcPct val="0"/>
+                </a:spcBef>
+                <a:buNone/>
+                <a:defRPr sz="4400" kern="1200">
+                  <a:solidFill>
+                    <a:schemeClr val="tx1"/>
+                  </a:solidFill>
+                  <a:latin typeface="+mj-lt"/>
+                  <a:ea typeface="+mj-ea"/>
+                  <a:cs typeface="+mj-cs"/>
+                </a:defRPr>
+              </a:lvl1pPr>
+            </a:lstStyle>
+            <a:p>
+              <a:pPr algn="r"/>
+              <a:r>
+                <a:rPr lang="en-US" altLang="ko-KR" sz="1600" dirty="0">
+                  <a:solidFill>
+                    <a:schemeClr val="bg2">
+                      <a:lumMod val="75000"/>
+                    </a:schemeClr>
+                  </a:solidFill>
+                  <a:latin typeface="Arial Black" panose="020B0A04020102020204" pitchFamily="34" charset="0"/>
+                  <a:cs typeface="Aharoni" panose="020B0604020202020204" pitchFamily="2" charset="-79"/>
+                </a:rPr>
+                <a:t>Club Project | 	4</a:t>
+              </a:r>
+              <a:endParaRPr lang="ko-KR" altLang="en-US" sz="1600" dirty="0">
+                <a:solidFill>
+                  <a:schemeClr val="bg2">
+                    <a:lumMod val="75000"/>
+                  </a:schemeClr>
+                </a:solidFill>
+                <a:latin typeface="Arial Black" panose="020B0A04020102020204" pitchFamily="34" charset="0"/>
+                <a:cs typeface="Aharoni" panose="020B0604020202020204" pitchFamily="2" charset="-79"/>
+              </a:endParaRPr>
+            </a:p>
+          </p:txBody>
+        </p:sp>
+        <p:sp>
+          <p:nvSpPr>
+            <p:cNvPr id="14" name="제목 3">
+              <a:extLst>
+                <a:ext uri="{FF2B5EF4-FFF2-40B4-BE49-F238E27FC236}">
+                  <a16:creationId xmlns:a16="http://schemas.microsoft.com/office/drawing/2014/main" id="{020CE793-A62D-4FB7-ADF5-8242DC694E3B}"/>
+                </a:ext>
+              </a:extLst>
+            </p:cNvPr>
+            <p:cNvSpPr txBox="1">
+              <a:spLocks/>
+            </p:cNvSpPr>
+            <p:nvPr/>
+          </p:nvSpPr>
+          <p:spPr>
+            <a:xfrm>
+              <a:off x="2786742" y="387638"/>
+              <a:ext cx="2144313" cy="425802"/>
+            </a:xfrm>
+            <a:prstGeom prst="rect">
+              <a:avLst/>
+            </a:prstGeom>
+          </p:spPr>
+          <p:txBody>
+            <a:bodyPr vert="horz" lIns="91440" tIns="45720" rIns="91440" bIns="45720" rtlCol="0" anchor="ctr">
+              <a:normAutofit/>
+            </a:bodyPr>
+            <a:lstStyle>
+              <a:lvl1pPr algn="l" defTabSz="914400" rtl="0" eaLnBrk="1" latinLnBrk="1" hangingPunct="1">
+                <a:lnSpc>
+                  <a:spcPct val="90000"/>
+                </a:lnSpc>
+                <a:spcBef>
+                  <a:spcPct val="0"/>
+                </a:spcBef>
+                <a:buNone/>
+                <a:defRPr sz="4400" kern="1200">
+                  <a:solidFill>
+                    <a:schemeClr val="tx1"/>
+                  </a:solidFill>
+                  <a:latin typeface="+mj-lt"/>
+                  <a:ea typeface="+mj-ea"/>
+                  <a:cs typeface="+mj-cs"/>
+                </a:defRPr>
+              </a:lvl1pPr>
+            </a:lstStyle>
+            <a:p>
+              <a:pPr>
+                <a:lnSpc>
+                  <a:spcPct val="150000"/>
+                </a:lnSpc>
+              </a:pPr>
+              <a:r>
+                <a:rPr lang="en-US" altLang="ko-KR" sz="1200" dirty="0">
+                  <a:solidFill>
+                    <a:schemeClr val="bg2">
+                      <a:lumMod val="75000"/>
+                    </a:schemeClr>
+                  </a:solidFill>
+                  <a:latin typeface="Arial Black" panose="020B0A04020102020204" pitchFamily="34" charset="0"/>
+                  <a:ea typeface="HY그래픽M" panose="02030600000101010101" pitchFamily="18" charset="-127"/>
+                </a:rPr>
+                <a:t>Layout Type</a:t>
+              </a:r>
+            </a:p>
+          </p:txBody>
+        </p:sp>
+        <p:grpSp>
+          <p:nvGrpSpPr>
+            <p:cNvPr id="5" name="그룹 4">
+              <a:extLst>
+                <a:ext uri="{FF2B5EF4-FFF2-40B4-BE49-F238E27FC236}">
+                  <a16:creationId xmlns:a16="http://schemas.microsoft.com/office/drawing/2014/main" id="{556C48FA-3684-4A55-AF84-0C110629F29A}"/>
+                </a:ext>
+              </a:extLst>
+            </p:cNvPr>
+            <p:cNvGrpSpPr/>
+            <p:nvPr/>
+          </p:nvGrpSpPr>
+          <p:grpSpPr>
+            <a:xfrm>
+              <a:off x="629498" y="383388"/>
+              <a:ext cx="2128216" cy="406720"/>
+              <a:chOff x="629498" y="392913"/>
+              <a:chExt cx="2128216" cy="406720"/>
+            </a:xfrm>
+          </p:grpSpPr>
+          <p:sp>
+            <p:nvSpPr>
+              <p:cNvPr id="2" name="직사각형 1">
+                <a:extLst>
+                  <a:ext uri="{FF2B5EF4-FFF2-40B4-BE49-F238E27FC236}">
+                    <a16:creationId xmlns:a16="http://schemas.microsoft.com/office/drawing/2014/main" id="{984AC470-5A02-4171-9826-1BE3308C0C66}"/>
+                  </a:ext>
+                </a:extLst>
+              </p:cNvPr>
+              <p:cNvSpPr/>
+              <p:nvPr/>
+            </p:nvSpPr>
+            <p:spPr>
+              <a:xfrm>
+                <a:off x="629498" y="392913"/>
+                <a:ext cx="2128216" cy="406720"/>
+              </a:xfrm>
+              <a:prstGeom prst="rect">
+                <a:avLst/>
+              </a:prstGeom>
+              <a:solidFill>
+                <a:schemeClr val="accent2"/>
+              </a:solidFill>
+              <a:ln>
+                <a:noFill/>
+              </a:ln>
+            </p:spPr>
+            <p:style>
+              <a:lnRef idx="2">
+                <a:schemeClr val="accent1">
+                  <a:shade val="50000"/>
+                </a:schemeClr>
+              </a:lnRef>
+              <a:fillRef idx="1">
+                <a:schemeClr val="accent1"/>
+              </a:fillRef>
+              <a:effectRef idx="0">
+                <a:schemeClr val="accent1"/>
+              </a:effectRef>
+              <a:fontRef idx="minor">
+                <a:schemeClr val="lt1"/>
+              </a:fontRef>
+            </p:style>
+            <p:txBody>
+              <a:bodyPr rtlCol="0" anchor="ctr"/>
+              <a:lstStyle/>
+              <a:p>
+                <a:pPr algn="ctr"/>
+                <a:endParaRPr lang="ko-KR" altLang="en-US" sz="1400" dirty="0"/>
+              </a:p>
+            </p:txBody>
+          </p:sp>
+          <p:sp>
+            <p:nvSpPr>
+              <p:cNvPr id="16" name="직사각형 15">
+                <a:extLst>
+                  <a:ext uri="{FF2B5EF4-FFF2-40B4-BE49-F238E27FC236}">
+                    <a16:creationId xmlns:a16="http://schemas.microsoft.com/office/drawing/2014/main" id="{81E1FDFD-95BA-4D2D-A344-1EE61F331DFE}"/>
+                  </a:ext>
+                </a:extLst>
+              </p:cNvPr>
+              <p:cNvSpPr/>
+              <p:nvPr/>
+            </p:nvSpPr>
+            <p:spPr>
+              <a:xfrm>
+                <a:off x="748067" y="392913"/>
+                <a:ext cx="2009647" cy="406720"/>
+              </a:xfrm>
+              <a:prstGeom prst="rect">
+                <a:avLst/>
+              </a:prstGeom>
+              <a:solidFill>
+                <a:schemeClr val="accent6">
+                  <a:lumMod val="50000"/>
+                </a:schemeClr>
+              </a:solidFill>
+              <a:ln>
+                <a:noFill/>
+              </a:ln>
+            </p:spPr>
+            <p:style>
+              <a:lnRef idx="2">
+                <a:schemeClr val="accent1">
+                  <a:shade val="50000"/>
+                </a:schemeClr>
+              </a:lnRef>
+              <a:fillRef idx="1">
+                <a:schemeClr val="accent1"/>
+              </a:fillRef>
+              <a:effectRef idx="0">
+                <a:schemeClr val="accent1"/>
+              </a:effectRef>
+              <a:fontRef idx="minor">
+                <a:schemeClr val="lt1"/>
+              </a:fontRef>
+            </p:style>
+            <p:txBody>
+              <a:bodyPr rtlCol="0" anchor="ctr"/>
+              <a:lstStyle/>
+              <a:p>
+                <a:r>
+                  <a:rPr lang="en-US" altLang="ko-KR" sz="1400" dirty="0">
+                    <a:latin typeface="Arial Black" panose="020B0A04020102020204" pitchFamily="34" charset="0"/>
+                  </a:rPr>
+                  <a:t>No.  2.1</a:t>
+                </a:r>
+                <a:endParaRPr lang="ko-KR" altLang="en-US" sz="1400" dirty="0">
+                  <a:latin typeface="Arial Black" panose="020B0A04020102020204" pitchFamily="34" charset="0"/>
+                </a:endParaRPr>
+              </a:p>
+            </p:txBody>
+          </p:sp>
+        </p:grpSp>
+      </p:grpSp>
+      <p:grpSp>
+        <p:nvGrpSpPr>
+          <p:cNvPr id="3" name="그룹 2">
+            <a:extLst>
+              <a:ext uri="{FF2B5EF4-FFF2-40B4-BE49-F238E27FC236}">
+                <a16:creationId xmlns:a16="http://schemas.microsoft.com/office/drawing/2014/main" id="{E70733A3-F2DB-4E6B-98B1-DA9A6B024C23}"/>
+              </a:ext>
+            </a:extLst>
+          </p:cNvPr>
+          <p:cNvGrpSpPr/>
+          <p:nvPr/>
+        </p:nvGrpSpPr>
+        <p:grpSpPr>
+          <a:xfrm>
+            <a:off x="1458477" y="1552246"/>
+            <a:ext cx="2916000" cy="4331738"/>
+            <a:chOff x="1458477" y="1552246"/>
+            <a:chExt cx="2916000" cy="4331738"/>
+          </a:xfrm>
+        </p:grpSpPr>
+        <p:sp>
+          <p:nvSpPr>
+            <p:cNvPr id="18" name="사각형: 둥근 모서리 17">
+              <a:extLst>
+                <a:ext uri="{FF2B5EF4-FFF2-40B4-BE49-F238E27FC236}">
+                  <a16:creationId xmlns:a16="http://schemas.microsoft.com/office/drawing/2014/main" id="{85E22897-8458-44A6-9486-A82CBCF4CA71}"/>
+                </a:ext>
+              </a:extLst>
+            </p:cNvPr>
+            <p:cNvSpPr>
+              <a:spLocks noChangeAspect="1"/>
+            </p:cNvSpPr>
+            <p:nvPr/>
+          </p:nvSpPr>
+          <p:spPr>
+            <a:xfrm>
+              <a:off x="1458477" y="1552246"/>
+              <a:ext cx="2916000" cy="4331738"/>
+            </a:xfrm>
+            <a:prstGeom prst="roundRect">
+              <a:avLst>
+                <a:gd name="adj" fmla="val 0"/>
+              </a:avLst>
+            </a:prstGeom>
+            <a:noFill/>
+            <a:ln w="38100" cmpd="thinThick">
+              <a:solidFill>
+                <a:schemeClr val="tx1">
+                  <a:alpha val="80000"/>
+                </a:schemeClr>
+              </a:solidFill>
+            </a:ln>
+          </p:spPr>
+          <p:style>
+            <a:lnRef idx="2">
+              <a:schemeClr val="accent1">
+                <a:shade val="50000"/>
+              </a:schemeClr>
+            </a:lnRef>
+            <a:fillRef idx="1">
+              <a:schemeClr val="accent1"/>
+            </a:fillRef>
+            <a:effectRef idx="0">
+              <a:schemeClr val="accent1"/>
+            </a:effectRef>
+            <a:fontRef idx="minor">
+              <a:schemeClr val="lt1"/>
+            </a:fontRef>
+          </p:style>
+          <p:txBody>
+            <a:bodyPr wrap="square" rtlCol="0" anchor="ctr"/>
+            <a:lstStyle/>
+            <a:p>
+              <a:pPr algn="ctr"/>
+              <a:endParaRPr lang="ko-KR" altLang="en-US"/>
+            </a:p>
+          </p:txBody>
+        </p:sp>
+        <p:pic>
+          <p:nvPicPr>
+            <p:cNvPr id="7" name="그림 6">
+              <a:extLst>
+                <a:ext uri="{FF2B5EF4-FFF2-40B4-BE49-F238E27FC236}">
+                  <a16:creationId xmlns:a16="http://schemas.microsoft.com/office/drawing/2014/main" id="{A54EDE29-B190-4D28-A070-BD2953EA532F}"/>
+                </a:ext>
+              </a:extLst>
+            </p:cNvPr>
+            <p:cNvPicPr>
+              <a:picLocks noChangeAspect="1"/>
+            </p:cNvPicPr>
+            <p:nvPr/>
+          </p:nvPicPr>
+          <p:blipFill>
+            <a:blip r:embed="rId2">
+              <a:extLst>
+                <a:ext uri="{28A0092B-C50C-407E-A947-70E740481C1C}">
+                  <a14:useLocalDpi xmlns:a14="http://schemas.microsoft.com/office/drawing/2010/main" val="0"/>
+                </a:ext>
+              </a:extLst>
+            </a:blip>
+            <a:stretch>
+              <a:fillRect/>
+            </a:stretch>
+          </p:blipFill>
+          <p:spPr>
+            <a:xfrm>
+              <a:off x="1499752" y="1590346"/>
+              <a:ext cx="2856349" cy="4263157"/>
+            </a:xfrm>
+            <a:prstGeom prst="rect">
+              <a:avLst/>
+            </a:prstGeom>
+            <a:ln>
+              <a:noFill/>
+            </a:ln>
+          </p:spPr>
+        </p:pic>
+      </p:grpSp>
+      <p:cxnSp>
+        <p:nvCxnSpPr>
+          <p:cNvPr id="12" name="직선 연결선 11">
+            <a:extLst>
+              <a:ext uri="{FF2B5EF4-FFF2-40B4-BE49-F238E27FC236}">
+                <a16:creationId xmlns:a16="http://schemas.microsoft.com/office/drawing/2014/main" id="{90BA832F-CB99-4E2E-B922-E0D84DCE1943}"/>
+              </a:ext>
+            </a:extLst>
+          </p:cNvPr>
+          <p:cNvCxnSpPr>
+            <a:cxnSpLocks/>
+          </p:cNvCxnSpPr>
+          <p:nvPr/>
+        </p:nvCxnSpPr>
+        <p:spPr>
+          <a:xfrm>
+            <a:off x="5676900" y="1054086"/>
+            <a:ext cx="0" cy="5522079"/>
+          </a:xfrm>
+          <a:prstGeom prst="line">
+            <a:avLst/>
+          </a:prstGeom>
+          <a:ln>
+            <a:solidFill>
+              <a:schemeClr val="tx1"/>
+            </a:solidFill>
+          </a:ln>
+        </p:spPr>
+        <p:style>
+          <a:lnRef idx="1">
+            <a:schemeClr val="accent1"/>
+          </a:lnRef>
+          <a:fillRef idx="0">
+            <a:schemeClr val="accent1"/>
+          </a:fillRef>
+          <a:effectRef idx="0">
+            <a:schemeClr val="accent1"/>
+          </a:effectRef>
+          <a:fontRef idx="minor">
+            <a:schemeClr val="tx1"/>
+          </a:fontRef>
+        </p:style>
+      </p:cxnSp>
+      <p:graphicFrame>
+        <p:nvGraphicFramePr>
+          <p:cNvPr id="13" name="표 12">
+            <a:extLst>
+              <a:ext uri="{FF2B5EF4-FFF2-40B4-BE49-F238E27FC236}">
+                <a16:creationId xmlns:a16="http://schemas.microsoft.com/office/drawing/2014/main" id="{6DDBAA8D-5173-4087-A6BD-81D0CB03AE85}"/>
+              </a:ext>
+            </a:extLst>
+          </p:cNvPr>
+          <p:cNvGraphicFramePr>
+            <a:graphicFrameLocks noGrp="1"/>
+          </p:cNvGraphicFramePr>
+          <p:nvPr>
+            <p:extLst>
+              <p:ext uri="{D42A27DB-BD31-4B8C-83A1-F6EECF244321}">
+                <p14:modId xmlns:p14="http://schemas.microsoft.com/office/powerpoint/2010/main" val="2661739577"/>
+              </p:ext>
+            </p:extLst>
+          </p:nvPr>
+        </p:nvGraphicFramePr>
+        <p:xfrm>
+          <a:off x="6096000" y="1196325"/>
+          <a:ext cx="5318904" cy="1443772"/>
+        </p:xfrm>
+        <a:graphic>
+          <a:graphicData uri="http://schemas.openxmlformats.org/drawingml/2006/table">
+            <a:tbl>
+              <a:tblPr firstRow="1" bandRow="1">
+                <a:effectLst/>
+                <a:tableStyleId>{5940675A-B579-460E-94D1-54222C63F5DA}</a:tableStyleId>
+              </a:tblPr>
+              <a:tblGrid>
+                <a:gridCol w="1329726">
+                  <a:extLst>
+                    <a:ext uri="{9D8B030D-6E8A-4147-A177-3AD203B41FA5}">
+                      <a16:colId xmlns:a16="http://schemas.microsoft.com/office/drawing/2014/main" val="2506115013"/>
+                    </a:ext>
+                  </a:extLst>
+                </a:gridCol>
+                <a:gridCol w="1329726">
+                  <a:extLst>
+                    <a:ext uri="{9D8B030D-6E8A-4147-A177-3AD203B41FA5}">
+                      <a16:colId xmlns:a16="http://schemas.microsoft.com/office/drawing/2014/main" val="2560784083"/>
+                    </a:ext>
+                  </a:extLst>
+                </a:gridCol>
+                <a:gridCol w="1329726">
+                  <a:extLst>
+                    <a:ext uri="{9D8B030D-6E8A-4147-A177-3AD203B41FA5}">
+                      <a16:colId xmlns:a16="http://schemas.microsoft.com/office/drawing/2014/main" val="2218651123"/>
+                    </a:ext>
+                  </a:extLst>
+                </a:gridCol>
+                <a:gridCol w="1329726">
+                  <a:extLst>
+                    <a:ext uri="{9D8B030D-6E8A-4147-A177-3AD203B41FA5}">
+                      <a16:colId xmlns:a16="http://schemas.microsoft.com/office/drawing/2014/main" val="2982014204"/>
+                    </a:ext>
+                  </a:extLst>
+                </a:gridCol>
+              </a:tblGrid>
+              <a:tr h="238506">
+                <a:tc>
+                  <a:txBody>
+                    <a:bodyPr/>
+                    <a:lstStyle/>
+                    <a:p>
+                      <a:pPr algn="ctr" latinLnBrk="1"/>
+                      <a:r>
+                        <a:rPr lang="ko-KR" altLang="en-US" sz="1100" b="1" dirty="0"/>
+                        <a:t>문 서 명</a:t>
+                      </a:r>
+                    </a:p>
+                  </a:txBody>
+                  <a:tcPr marL="58809" marR="58809" marT="29405" marB="29405">
+                    <a:lnL w="3175" cap="flat" cmpd="sng" algn="ctr">
+                      <a:solidFill>
+                        <a:schemeClr val="tx1"/>
+                      </a:solidFill>
+                      <a:prstDash val="sysDash"/>
+                      <a:round/>
+                      <a:headEnd type="none" w="med" len="med"/>
+                      <a:tailEnd type="none" w="med" len="med"/>
+                    </a:lnL>
+                    <a:lnR w="3175" cap="flat" cmpd="sng" algn="ctr">
+                      <a:solidFill>
+                        <a:schemeClr val="tx1"/>
+                      </a:solidFill>
+                      <a:prstDash val="sysDash"/>
+                      <a:round/>
+                      <a:headEnd type="none" w="med" len="med"/>
+                      <a:tailEnd type="none" w="med" len="med"/>
+                    </a:lnR>
+                    <a:lnT w="3175" cap="flat" cmpd="sng" algn="ctr">
+                      <a:solidFill>
+                        <a:schemeClr val="tx1"/>
+                      </a:solidFill>
+                      <a:prstDash val="sysDash"/>
+                      <a:round/>
+                      <a:headEnd type="none" w="med" len="med"/>
+                      <a:tailEnd type="none" w="med" len="med"/>
+                    </a:lnT>
+                    <a:lnB w="3175" cap="flat" cmpd="sng" algn="ctr">
+                      <a:solidFill>
+                        <a:schemeClr val="tx1"/>
+                      </a:solidFill>
+                      <a:prstDash val="sysDash"/>
+                      <a:round/>
+                      <a:headEnd type="none" w="med" len="med"/>
+                      <a:tailEnd type="none" w="med" len="med"/>
+                    </a:lnB>
+                    <a:lnTlToBr w="12700" cmpd="sng">
+                      <a:noFill/>
+                      <a:prstDash val="solid"/>
+                    </a:lnTlToBr>
+                    <a:lnBlToTr w="12700" cmpd="sng">
+                      <a:noFill/>
+                      <a:prstDash val="solid"/>
+                    </a:lnBlToTr>
+                    <a:solidFill>
+                      <a:schemeClr val="bg1">
+                        <a:lumMod val="95000"/>
+                      </a:schemeClr>
+                    </a:solidFill>
+                  </a:tcPr>
+                </a:tc>
+                <a:tc>
+                  <a:txBody>
+                    <a:bodyPr/>
+                    <a:lstStyle/>
+                    <a:p>
+                      <a:pPr algn="ctr" latinLnBrk="1"/>
+                      <a:r>
+                        <a:rPr lang="en-US" altLang="ko-KR" sz="1100" dirty="0" err="1"/>
+                        <a:t>StoryBoard</a:t>
+                      </a:r>
+                      <a:endParaRPr lang="ko-KR" altLang="en-US" sz="1100" dirty="0"/>
+                    </a:p>
+                  </a:txBody>
+                  <a:tcPr marL="58809" marR="58809" marT="29405" marB="29405">
+                    <a:lnL w="3175" cap="flat" cmpd="sng" algn="ctr">
+                      <a:solidFill>
+                        <a:schemeClr val="tx1"/>
+                      </a:solidFill>
+                      <a:prstDash val="sysDash"/>
+                      <a:round/>
+                      <a:headEnd type="none" w="med" len="med"/>
+                      <a:tailEnd type="none" w="med" len="med"/>
+                    </a:lnL>
+                    <a:lnR w="3175" cap="flat" cmpd="sng" algn="ctr">
+                      <a:solidFill>
+                        <a:schemeClr val="tx1"/>
+                      </a:solidFill>
+                      <a:prstDash val="sysDash"/>
+                      <a:round/>
+                      <a:headEnd type="none" w="med" len="med"/>
+                      <a:tailEnd type="none" w="med" len="med"/>
+                    </a:lnR>
+                    <a:lnT w="3175" cap="flat" cmpd="sng" algn="ctr">
+                      <a:solidFill>
+                        <a:schemeClr val="tx1"/>
+                      </a:solidFill>
+                      <a:prstDash val="sysDash"/>
+                      <a:round/>
+                      <a:headEnd type="none" w="med" len="med"/>
+                      <a:tailEnd type="none" w="med" len="med"/>
+                    </a:lnT>
+                    <a:lnB w="3175" cap="flat" cmpd="sng" algn="ctr">
+                      <a:solidFill>
+                        <a:schemeClr val="tx1"/>
+                      </a:solidFill>
+                      <a:prstDash val="sysDash"/>
+                      <a:round/>
+                      <a:headEnd type="none" w="med" len="med"/>
+                      <a:tailEnd type="none" w="med" len="med"/>
+                    </a:lnB>
+                    <a:lnTlToBr w="12700" cmpd="sng">
+                      <a:noFill/>
+                      <a:prstDash val="solid"/>
+                    </a:lnTlToBr>
+                    <a:lnBlToTr w="12700" cmpd="sng">
+                      <a:noFill/>
+                      <a:prstDash val="solid"/>
+                    </a:lnBlToTr>
+                    <a:solidFill>
+                      <a:schemeClr val="bg1">
+                        <a:lumMod val="95000"/>
+                      </a:schemeClr>
+                    </a:solidFill>
+                  </a:tcPr>
+                </a:tc>
+                <a:tc>
+                  <a:txBody>
+                    <a:bodyPr/>
+                    <a:lstStyle/>
+                    <a:p>
+                      <a:pPr algn="ctr" latinLnBrk="1"/>
+                      <a:r>
+                        <a:rPr lang="en-US" altLang="ko-KR" sz="1100" b="1" dirty="0"/>
+                        <a:t>Ver</a:t>
+                      </a:r>
+                      <a:endParaRPr lang="ko-KR" altLang="en-US" sz="1100" b="1" dirty="0"/>
+                    </a:p>
+                  </a:txBody>
+                  <a:tcPr marL="58809" marR="58809" marT="29405" marB="29405">
+                    <a:lnL w="3175" cap="flat" cmpd="sng" algn="ctr">
+                      <a:solidFill>
+                        <a:schemeClr val="tx1"/>
+                      </a:solidFill>
+                      <a:prstDash val="sysDash"/>
+                      <a:round/>
+                      <a:headEnd type="none" w="med" len="med"/>
+                      <a:tailEnd type="none" w="med" len="med"/>
+                    </a:lnL>
+                    <a:lnR w="3175" cap="flat" cmpd="sng" algn="ctr">
+                      <a:solidFill>
+                        <a:schemeClr val="tx1"/>
+                      </a:solidFill>
+                      <a:prstDash val="sysDash"/>
+                      <a:round/>
+                      <a:headEnd type="none" w="med" len="med"/>
+                      <a:tailEnd type="none" w="med" len="med"/>
+                    </a:lnR>
+                    <a:lnT w="3175" cap="flat" cmpd="sng" algn="ctr">
+                      <a:solidFill>
+                        <a:schemeClr val="tx1"/>
+                      </a:solidFill>
+                      <a:prstDash val="sysDash"/>
+                      <a:round/>
+                      <a:headEnd type="none" w="med" len="med"/>
+                      <a:tailEnd type="none" w="med" len="med"/>
+                    </a:lnT>
+                    <a:lnB w="3175" cap="flat" cmpd="sng" algn="ctr">
+                      <a:solidFill>
+                        <a:schemeClr val="tx1"/>
+                      </a:solidFill>
+                      <a:prstDash val="sysDash"/>
+                      <a:round/>
+                      <a:headEnd type="none" w="med" len="med"/>
+                      <a:tailEnd type="none" w="med" len="med"/>
+                    </a:lnB>
+                    <a:lnTlToBr w="12700" cmpd="sng">
+                      <a:noFill/>
+                      <a:prstDash val="solid"/>
+                    </a:lnTlToBr>
+                    <a:lnBlToTr w="12700" cmpd="sng">
+                      <a:noFill/>
+                      <a:prstDash val="solid"/>
+                    </a:lnBlToTr>
+                    <a:solidFill>
+                      <a:schemeClr val="bg1">
+                        <a:lumMod val="95000"/>
+                      </a:schemeClr>
+                    </a:solidFill>
+                  </a:tcPr>
+                </a:tc>
+                <a:tc>
+                  <a:txBody>
+                    <a:bodyPr/>
+                    <a:lstStyle/>
+                    <a:p>
+                      <a:pPr algn="ctr" latinLnBrk="1"/>
+                      <a:r>
+                        <a:rPr lang="en-US" altLang="ko-KR" sz="1100" dirty="0"/>
+                        <a:t>1.0</a:t>
+                      </a:r>
+                      <a:endParaRPr lang="ko-KR" altLang="en-US" sz="1100" dirty="0"/>
+                    </a:p>
+                  </a:txBody>
+                  <a:tcPr marL="58809" marR="58809" marT="29405" marB="29405">
+                    <a:lnL w="3175" cap="flat" cmpd="sng" algn="ctr">
+                      <a:solidFill>
+                        <a:schemeClr val="tx1"/>
+                      </a:solidFill>
+                      <a:prstDash val="sysDash"/>
+                      <a:round/>
+                      <a:headEnd type="none" w="med" len="med"/>
+                      <a:tailEnd type="none" w="med" len="med"/>
+                    </a:lnL>
+                    <a:lnR w="3175" cap="flat" cmpd="sng" algn="ctr">
+                      <a:solidFill>
+                        <a:schemeClr val="tx1"/>
+                      </a:solidFill>
+                      <a:prstDash val="sysDash"/>
+                      <a:round/>
+                      <a:headEnd type="none" w="med" len="med"/>
+                      <a:tailEnd type="none" w="med" len="med"/>
+                    </a:lnR>
+                    <a:lnT w="3175" cap="flat" cmpd="sng" algn="ctr">
+                      <a:solidFill>
+                        <a:schemeClr val="tx1"/>
+                      </a:solidFill>
+                      <a:prstDash val="sysDash"/>
+                      <a:round/>
+                      <a:headEnd type="none" w="med" len="med"/>
+                      <a:tailEnd type="none" w="med" len="med"/>
+                    </a:lnT>
+                    <a:lnB w="3175" cap="flat" cmpd="sng" algn="ctr">
+                      <a:solidFill>
+                        <a:schemeClr val="tx1"/>
+                      </a:solidFill>
+                      <a:prstDash val="sysDash"/>
+                      <a:round/>
+                      <a:headEnd type="none" w="med" len="med"/>
+                      <a:tailEnd type="none" w="med" len="med"/>
+                    </a:lnB>
+                    <a:lnTlToBr w="12700" cmpd="sng">
+                      <a:noFill/>
+                      <a:prstDash val="solid"/>
+                    </a:lnTlToBr>
+                    <a:lnBlToTr w="12700" cmpd="sng">
+                      <a:noFill/>
+                      <a:prstDash val="solid"/>
+                    </a:lnBlToTr>
+                    <a:solidFill>
+                      <a:schemeClr val="bg1">
+                        <a:lumMod val="95000"/>
+                      </a:schemeClr>
+                    </a:solidFill>
+                  </a:tcPr>
+                </a:tc>
+                <a:extLst>
+                  <a:ext uri="{0D108BD9-81ED-4DB2-BD59-A6C34878D82A}">
+                    <a16:rowId xmlns:a16="http://schemas.microsoft.com/office/drawing/2014/main" val="1324847407"/>
+                  </a:ext>
+                </a:extLst>
+              </a:tr>
+              <a:tr h="238506">
+                <a:tc>
+                  <a:txBody>
+                    <a:bodyPr/>
+                    <a:lstStyle/>
+                    <a:p>
+                      <a:pPr algn="ctr" latinLnBrk="1"/>
+                      <a:r>
+                        <a:rPr lang="ko-KR" altLang="en-US" sz="1100" b="1" dirty="0"/>
+                        <a:t>시스템명</a:t>
+                      </a:r>
+                    </a:p>
+                  </a:txBody>
+                  <a:tcPr marL="58809" marR="58809" marT="29405" marB="29405">
+                    <a:lnL w="3175" cap="flat" cmpd="sng" algn="ctr">
+                      <a:solidFill>
+                        <a:schemeClr val="tx1"/>
+                      </a:solidFill>
+                      <a:prstDash val="sysDash"/>
+                      <a:round/>
+                      <a:headEnd type="none" w="med" len="med"/>
+                      <a:tailEnd type="none" w="med" len="med"/>
+                    </a:lnL>
+                    <a:lnR w="3175" cap="flat" cmpd="sng" algn="ctr">
+                      <a:solidFill>
+                        <a:schemeClr val="tx1"/>
+                      </a:solidFill>
+                      <a:prstDash val="sysDash"/>
+                      <a:round/>
+                      <a:headEnd type="none" w="med" len="med"/>
+                      <a:tailEnd type="none" w="med" len="med"/>
+                    </a:lnR>
+                    <a:lnT w="3175" cap="flat" cmpd="sng" algn="ctr">
+                      <a:solidFill>
+                        <a:schemeClr val="tx1"/>
+                      </a:solidFill>
+                      <a:prstDash val="sysDash"/>
+                      <a:round/>
+                      <a:headEnd type="none" w="med" len="med"/>
+                      <a:tailEnd type="none" w="med" len="med"/>
+                    </a:lnT>
+                    <a:lnB w="3175" cap="flat" cmpd="sng" algn="ctr">
+                      <a:solidFill>
+                        <a:schemeClr val="tx1"/>
+                      </a:solidFill>
+                      <a:prstDash val="sysDash"/>
+                      <a:round/>
+                      <a:headEnd type="none" w="med" len="med"/>
+                      <a:tailEnd type="none" w="med" len="med"/>
+                    </a:lnB>
+                    <a:lnTlToBr w="12700" cmpd="sng">
+                      <a:noFill/>
+                      <a:prstDash val="solid"/>
+                    </a:lnTlToBr>
+                    <a:lnBlToTr w="12700" cmpd="sng">
+                      <a:noFill/>
+                      <a:prstDash val="solid"/>
+                    </a:lnBlToTr>
+                    <a:solidFill>
+                      <a:schemeClr val="bg1">
+                        <a:lumMod val="95000"/>
+                      </a:schemeClr>
+                    </a:solidFill>
+                  </a:tcPr>
+                </a:tc>
+                <a:tc gridSpan="3">
+                  <a:txBody>
+                    <a:bodyPr/>
+                    <a:lstStyle/>
+                    <a:p>
+                      <a:pPr algn="ctr" latinLnBrk="1"/>
+                      <a:r>
+                        <a:rPr lang="en-US" altLang="ko-KR" sz="1100" dirty="0"/>
+                        <a:t>*</a:t>
+                      </a:r>
+                      <a:endParaRPr lang="ko-KR" altLang="en-US" sz="1100" dirty="0"/>
+                    </a:p>
+                  </a:txBody>
+                  <a:tcPr marL="58809" marR="58809" marT="29405" marB="29405">
+                    <a:lnL w="3175" cap="flat" cmpd="sng" algn="ctr">
+                      <a:solidFill>
+                        <a:schemeClr val="tx1"/>
+                      </a:solidFill>
+                      <a:prstDash val="sysDash"/>
+                      <a:round/>
+                      <a:headEnd type="none" w="med" len="med"/>
+                      <a:tailEnd type="none" w="med" len="med"/>
+                    </a:lnL>
+                    <a:lnR w="3175" cap="flat" cmpd="sng" algn="ctr">
+                      <a:solidFill>
+                        <a:schemeClr val="tx1"/>
+                      </a:solidFill>
+                      <a:prstDash val="sysDash"/>
+                      <a:round/>
+                      <a:headEnd type="none" w="med" len="med"/>
+                      <a:tailEnd type="none" w="med" len="med"/>
+                    </a:lnR>
+                    <a:lnT w="3175" cap="flat" cmpd="sng" algn="ctr">
+                      <a:solidFill>
+                        <a:schemeClr val="tx1"/>
+                      </a:solidFill>
+                      <a:prstDash val="sysDash"/>
+                      <a:round/>
+                      <a:headEnd type="none" w="med" len="med"/>
+                      <a:tailEnd type="none" w="med" len="med"/>
+                    </a:lnT>
+                    <a:lnB w="3175" cap="flat" cmpd="sng" algn="ctr">
+                      <a:solidFill>
+                        <a:schemeClr val="tx1"/>
+                      </a:solidFill>
+                      <a:prstDash val="sysDash"/>
+                      <a:round/>
+                      <a:headEnd type="none" w="med" len="med"/>
+                      <a:tailEnd type="none" w="med" len="med"/>
+                    </a:lnB>
+                    <a:lnTlToBr w="12700" cmpd="sng">
+                      <a:noFill/>
+                      <a:prstDash val="solid"/>
+                    </a:lnTlToBr>
+                    <a:lnBlToTr w="12700" cmpd="sng">
+                      <a:noFill/>
+                      <a:prstDash val="solid"/>
+                    </a:lnBlToTr>
+                    <a:solidFill>
+                      <a:schemeClr val="bg1">
+                        <a:lumMod val="95000"/>
+                      </a:schemeClr>
+                    </a:solidFill>
+                  </a:tcPr>
+                </a:tc>
+                <a:tc hMerge="1">
+                  <a:txBody>
+                    <a:bodyPr/>
+                    <a:lstStyle/>
+                    <a:p>
+                      <a:pPr latinLnBrk="1"/>
+                      <a:endParaRPr lang="ko-KR" altLang="en-US" sz="1100" dirty="0"/>
+                    </a:p>
+                  </a:txBody>
+                  <a:tcPr marL="58809" marR="58809" marT="29405" marB="29405"/>
+                </a:tc>
+                <a:tc hMerge="1">
+                  <a:txBody>
+                    <a:bodyPr/>
+                    <a:lstStyle/>
+                    <a:p>
+                      <a:pPr latinLnBrk="1"/>
+                      <a:endParaRPr lang="ko-KR" altLang="en-US" sz="1100" dirty="0"/>
+                    </a:p>
+                  </a:txBody>
+                  <a:tcPr marL="58809" marR="58809" marT="29405" marB="29405"/>
+                </a:tc>
+                <a:extLst>
+                  <a:ext uri="{0D108BD9-81ED-4DB2-BD59-A6C34878D82A}">
+                    <a16:rowId xmlns:a16="http://schemas.microsoft.com/office/drawing/2014/main" val="746105247"/>
+                  </a:ext>
+                </a:extLst>
+              </a:tr>
+              <a:tr h="238506">
+                <a:tc>
+                  <a:txBody>
+                    <a:bodyPr/>
+                    <a:lstStyle/>
+                    <a:p>
+                      <a:pPr algn="ctr" latinLnBrk="1"/>
+                      <a:r>
+                        <a:rPr lang="ko-KR" altLang="en-US" sz="1200" b="1" dirty="0"/>
+                        <a:t>단위업무</a:t>
+                      </a:r>
+                    </a:p>
+                  </a:txBody>
+                  <a:tcPr marL="58810" marR="58810" marT="29405" marB="29405">
+                    <a:lnL w="3175" cap="flat" cmpd="sng" algn="ctr">
+                      <a:solidFill>
+                        <a:schemeClr val="tx1"/>
+                      </a:solidFill>
+                      <a:prstDash val="sysDash"/>
+                      <a:round/>
+                      <a:headEnd type="none" w="med" len="med"/>
+                      <a:tailEnd type="none" w="med" len="med"/>
+                    </a:lnL>
+                    <a:lnR w="3175" cap="flat" cmpd="sng" algn="ctr">
+                      <a:solidFill>
+                        <a:schemeClr val="tx1"/>
+                      </a:solidFill>
+                      <a:prstDash val="sysDash"/>
+                      <a:round/>
+                      <a:headEnd type="none" w="med" len="med"/>
+                      <a:tailEnd type="none" w="med" len="med"/>
+                    </a:lnR>
+                    <a:lnT w="3175" cap="flat" cmpd="sng" algn="ctr">
+                      <a:solidFill>
+                        <a:schemeClr val="tx1"/>
+                      </a:solidFill>
+                      <a:prstDash val="sysDash"/>
+                      <a:round/>
+                      <a:headEnd type="none" w="med" len="med"/>
+                      <a:tailEnd type="none" w="med" len="med"/>
+                    </a:lnT>
+                    <a:lnB w="3175" cap="flat" cmpd="sng" algn="ctr">
+                      <a:solidFill>
+                        <a:schemeClr val="tx1"/>
+                      </a:solidFill>
+                      <a:prstDash val="sysDash"/>
+                      <a:round/>
+                      <a:headEnd type="none" w="med" len="med"/>
+                      <a:tailEnd type="none" w="med" len="med"/>
+                    </a:lnB>
+                    <a:lnTlToBr w="12700" cmpd="sng">
+                      <a:noFill/>
+                      <a:prstDash val="solid"/>
+                    </a:lnTlToBr>
+                    <a:lnBlToTr w="12700" cmpd="sng">
+                      <a:noFill/>
+                      <a:prstDash val="solid"/>
+                    </a:lnBlToTr>
+                    <a:solidFill>
+                      <a:schemeClr val="bg1">
+                        <a:lumMod val="95000"/>
+                      </a:schemeClr>
+                    </a:solidFill>
+                  </a:tcPr>
+                </a:tc>
+                <a:tc gridSpan="3">
+                  <a:txBody>
+                    <a:bodyPr/>
+                    <a:lstStyle/>
+                    <a:p>
+                      <a:pPr algn="ctr" latinLnBrk="1"/>
+                      <a:r>
+                        <a:rPr lang="ko-KR" altLang="en-US" sz="1200" dirty="0"/>
+                        <a:t>일정등록</a:t>
+                      </a:r>
+                    </a:p>
+                  </a:txBody>
+                  <a:tcPr marL="58810" marR="58810" marT="29405" marB="29405">
+                    <a:lnL w="3175" cap="flat" cmpd="sng" algn="ctr">
+                      <a:solidFill>
+                        <a:schemeClr val="tx1"/>
+                      </a:solidFill>
+                      <a:prstDash val="sysDash"/>
+                      <a:round/>
+                      <a:headEnd type="none" w="med" len="med"/>
+                      <a:tailEnd type="none" w="med" len="med"/>
+                    </a:lnL>
+                    <a:lnR w="3175" cap="flat" cmpd="sng" algn="ctr">
+                      <a:solidFill>
+                        <a:schemeClr val="tx1"/>
+                      </a:solidFill>
+                      <a:prstDash val="sysDash"/>
+                      <a:round/>
+                      <a:headEnd type="none" w="med" len="med"/>
+                      <a:tailEnd type="none" w="med" len="med"/>
+                    </a:lnR>
+                    <a:lnT w="3175" cap="flat" cmpd="sng" algn="ctr">
+                      <a:solidFill>
+                        <a:schemeClr val="tx1"/>
+                      </a:solidFill>
+                      <a:prstDash val="sysDash"/>
+                      <a:round/>
+                      <a:headEnd type="none" w="med" len="med"/>
+                      <a:tailEnd type="none" w="med" len="med"/>
+                    </a:lnT>
+                    <a:lnB w="3175" cap="flat" cmpd="sng" algn="ctr">
+                      <a:solidFill>
+                        <a:schemeClr val="tx1"/>
+                      </a:solidFill>
+                      <a:prstDash val="sysDash"/>
+                      <a:round/>
+                      <a:headEnd type="none" w="med" len="med"/>
+                      <a:tailEnd type="none" w="med" len="med"/>
+                    </a:lnB>
+                    <a:lnTlToBr w="12700" cmpd="sng">
+                      <a:noFill/>
+                      <a:prstDash val="solid"/>
+                    </a:lnTlToBr>
+                    <a:lnBlToTr w="12700" cmpd="sng">
+                      <a:noFill/>
+                      <a:prstDash val="solid"/>
+                    </a:lnBlToTr>
+                    <a:solidFill>
+                      <a:schemeClr val="bg1">
+                        <a:lumMod val="95000"/>
+                      </a:schemeClr>
+                    </a:solidFill>
+                  </a:tcPr>
+                </a:tc>
+                <a:tc hMerge="1">
+                  <a:txBody>
+                    <a:bodyPr/>
+                    <a:lstStyle/>
+                    <a:p>
+                      <a:pPr algn="ctr" latinLnBrk="1"/>
+                      <a:endParaRPr lang="ko-KR" altLang="en-US" sz="1200" dirty="0"/>
+                    </a:p>
+                  </a:txBody>
+                  <a:tcPr marL="58810" marR="58810" marT="29405" marB="29405"/>
+                </a:tc>
+                <a:tc hMerge="1">
+                  <a:txBody>
+                    <a:bodyPr/>
+                    <a:lstStyle/>
+                    <a:p>
+                      <a:pPr algn="ctr" latinLnBrk="1"/>
+                      <a:endParaRPr lang="ko-KR" altLang="en-US" sz="1200" dirty="0"/>
+                    </a:p>
+                  </a:txBody>
+                  <a:tcPr marL="58810" marR="58810" marT="29405" marB="29405"/>
+                </a:tc>
+                <a:extLst>
+                  <a:ext uri="{0D108BD9-81ED-4DB2-BD59-A6C34878D82A}">
+                    <a16:rowId xmlns:a16="http://schemas.microsoft.com/office/drawing/2014/main" val="3924380220"/>
+                  </a:ext>
+                </a:extLst>
+              </a:tr>
+              <a:tr h="120845">
+                <a:tc>
+                  <a:txBody>
+                    <a:bodyPr/>
+                    <a:lstStyle/>
+                    <a:p>
+                      <a:pPr algn="ctr" latinLnBrk="1"/>
+                      <a:r>
+                        <a:rPr lang="ko-KR" altLang="en-US" sz="1200" b="1" dirty="0"/>
+                        <a:t>작성자</a:t>
+                      </a:r>
+                    </a:p>
+                  </a:txBody>
+                  <a:tcPr marL="58810" marR="58810" marT="29405" marB="29405">
+                    <a:lnL w="3175" cap="flat" cmpd="sng" algn="ctr">
+                      <a:solidFill>
+                        <a:schemeClr val="tx1"/>
+                      </a:solidFill>
+                      <a:prstDash val="sysDash"/>
+                      <a:round/>
+                      <a:headEnd type="none" w="med" len="med"/>
+                      <a:tailEnd type="none" w="med" len="med"/>
+                    </a:lnL>
+                    <a:lnR w="3175" cap="flat" cmpd="sng" algn="ctr">
+                      <a:solidFill>
+                        <a:schemeClr val="tx1"/>
+                      </a:solidFill>
+                      <a:prstDash val="sysDash"/>
+                      <a:round/>
+                      <a:headEnd type="none" w="med" len="med"/>
+                      <a:tailEnd type="none" w="med" len="med"/>
+                    </a:lnR>
+                    <a:lnT w="3175" cap="flat" cmpd="sng" algn="ctr">
+                      <a:solidFill>
+                        <a:schemeClr val="tx1"/>
+                      </a:solidFill>
+                      <a:prstDash val="sysDash"/>
+                      <a:round/>
+                      <a:headEnd type="none" w="med" len="med"/>
+                      <a:tailEnd type="none" w="med" len="med"/>
+                    </a:lnT>
+                    <a:lnB w="3175" cap="flat" cmpd="sng" algn="ctr">
+                      <a:solidFill>
+                        <a:schemeClr val="tx1"/>
+                      </a:solidFill>
+                      <a:prstDash val="sysDash"/>
+                      <a:round/>
+                      <a:headEnd type="none" w="med" len="med"/>
+                      <a:tailEnd type="none" w="med" len="med"/>
+                    </a:lnB>
+                    <a:lnTlToBr w="12700" cmpd="sng">
+                      <a:noFill/>
+                      <a:prstDash val="solid"/>
+                    </a:lnTlToBr>
+                    <a:lnBlToTr w="12700" cmpd="sng">
+                      <a:noFill/>
+                      <a:prstDash val="solid"/>
+                    </a:lnBlToTr>
+                    <a:solidFill>
+                      <a:schemeClr val="accent5">
+                        <a:lumMod val="20000"/>
+                        <a:lumOff val="80000"/>
+                      </a:schemeClr>
+                    </a:solidFill>
+                  </a:tcPr>
+                </a:tc>
+                <a:tc>
+                  <a:txBody>
+                    <a:bodyPr/>
+                    <a:lstStyle/>
+                    <a:p>
+                      <a:pPr algn="ctr" latinLnBrk="1"/>
+                      <a:r>
+                        <a:rPr lang="ko-KR" altLang="en-US" sz="1200" dirty="0"/>
+                        <a:t>도경진</a:t>
+                      </a:r>
+                    </a:p>
+                  </a:txBody>
+                  <a:tcPr marL="58810" marR="58810" marT="29405" marB="29405">
+                    <a:lnL w="3175" cap="flat" cmpd="sng" algn="ctr">
+                      <a:solidFill>
+                        <a:schemeClr val="tx1"/>
+                      </a:solidFill>
+                      <a:prstDash val="sysDash"/>
+                      <a:round/>
+                      <a:headEnd type="none" w="med" len="med"/>
+                      <a:tailEnd type="none" w="med" len="med"/>
+                    </a:lnL>
+                    <a:lnR w="3175" cap="flat" cmpd="sng" algn="ctr">
+                      <a:solidFill>
+                        <a:schemeClr val="tx1"/>
+                      </a:solidFill>
+                      <a:prstDash val="sysDash"/>
+                      <a:round/>
+                      <a:headEnd type="none" w="med" len="med"/>
+                      <a:tailEnd type="none" w="med" len="med"/>
+                    </a:lnR>
+                    <a:lnT w="3175" cap="flat" cmpd="sng" algn="ctr">
+                      <a:solidFill>
+                        <a:schemeClr val="tx1"/>
+                      </a:solidFill>
+                      <a:prstDash val="sysDash"/>
+                      <a:round/>
+                      <a:headEnd type="none" w="med" len="med"/>
+                      <a:tailEnd type="none" w="med" len="med"/>
+                    </a:lnT>
+                    <a:lnB w="3175" cap="flat" cmpd="sng" algn="ctr">
+                      <a:solidFill>
+                        <a:schemeClr val="tx1"/>
+                      </a:solidFill>
+                      <a:prstDash val="sysDash"/>
+                      <a:round/>
+                      <a:headEnd type="none" w="med" len="med"/>
+                      <a:tailEnd type="none" w="med" len="med"/>
+                    </a:lnB>
+                    <a:lnTlToBr w="12700" cmpd="sng">
+                      <a:noFill/>
+                      <a:prstDash val="solid"/>
+                    </a:lnTlToBr>
+                    <a:lnBlToTr w="12700" cmpd="sng">
+                      <a:noFill/>
+                      <a:prstDash val="solid"/>
+                    </a:lnBlToTr>
+                    <a:solidFill>
+                      <a:schemeClr val="accent5">
+                        <a:lumMod val="20000"/>
+                        <a:lumOff val="80000"/>
+                      </a:schemeClr>
+                    </a:solidFill>
+                  </a:tcPr>
+                </a:tc>
+                <a:tc>
+                  <a:txBody>
+                    <a:bodyPr/>
+                    <a:lstStyle/>
+                    <a:p>
+                      <a:pPr algn="ctr" latinLnBrk="1"/>
+                      <a:r>
+                        <a:rPr lang="ko-KR" altLang="en-US" sz="1200" b="1" dirty="0"/>
+                        <a:t>작성일자</a:t>
+                      </a:r>
+                    </a:p>
+                  </a:txBody>
+                  <a:tcPr marL="58810" marR="58810" marT="29405" marB="29405">
+                    <a:lnL w="3175" cap="flat" cmpd="sng" algn="ctr">
+                      <a:solidFill>
+                        <a:schemeClr val="tx1"/>
+                      </a:solidFill>
+                      <a:prstDash val="sysDash"/>
+                      <a:round/>
+                      <a:headEnd type="none" w="med" len="med"/>
+                      <a:tailEnd type="none" w="med" len="med"/>
+                    </a:lnL>
+                    <a:lnR w="3175" cap="flat" cmpd="sng" algn="ctr">
+                      <a:solidFill>
+                        <a:schemeClr val="tx1"/>
+                      </a:solidFill>
+                      <a:prstDash val="sysDash"/>
+                      <a:round/>
+                      <a:headEnd type="none" w="med" len="med"/>
+                      <a:tailEnd type="none" w="med" len="med"/>
+                    </a:lnR>
+                    <a:lnT w="3175" cap="flat" cmpd="sng" algn="ctr">
+                      <a:solidFill>
+                        <a:schemeClr val="tx1"/>
+                      </a:solidFill>
+                      <a:prstDash val="sysDash"/>
+                      <a:round/>
+                      <a:headEnd type="none" w="med" len="med"/>
+                      <a:tailEnd type="none" w="med" len="med"/>
+                    </a:lnT>
+                    <a:lnB w="3175" cap="flat" cmpd="sng" algn="ctr">
+                      <a:solidFill>
+                        <a:schemeClr val="tx1"/>
+                      </a:solidFill>
+                      <a:prstDash val="sysDash"/>
+                      <a:round/>
+                      <a:headEnd type="none" w="med" len="med"/>
+                      <a:tailEnd type="none" w="med" len="med"/>
+                    </a:lnB>
+                    <a:lnTlToBr w="12700" cmpd="sng">
+                      <a:noFill/>
+                      <a:prstDash val="solid"/>
+                    </a:lnTlToBr>
+                    <a:lnBlToTr w="12700" cmpd="sng">
+                      <a:noFill/>
+                      <a:prstDash val="solid"/>
+                    </a:lnBlToTr>
+                    <a:solidFill>
+                      <a:schemeClr val="accent5">
+                        <a:lumMod val="20000"/>
+                        <a:lumOff val="80000"/>
+                      </a:schemeClr>
+                    </a:solidFill>
+                  </a:tcPr>
+                </a:tc>
+                <a:tc>
+                  <a:txBody>
+                    <a:bodyPr/>
+                    <a:lstStyle/>
+                    <a:p>
+                      <a:pPr algn="ctr" latinLnBrk="1"/>
+                      <a:r>
+                        <a:rPr lang="en-US" altLang="ko-KR" sz="1200" dirty="0"/>
+                        <a:t>2019.06.16</a:t>
+                      </a:r>
+                      <a:endParaRPr lang="ko-KR" altLang="en-US" sz="1200" dirty="0"/>
+                    </a:p>
+                  </a:txBody>
+                  <a:tcPr marL="58810" marR="58810" marT="29405" marB="29405">
+                    <a:lnL w="3175" cap="flat" cmpd="sng" algn="ctr">
+                      <a:solidFill>
+                        <a:schemeClr val="tx1"/>
+                      </a:solidFill>
+                      <a:prstDash val="sysDash"/>
+                      <a:round/>
+                      <a:headEnd type="none" w="med" len="med"/>
+                      <a:tailEnd type="none" w="med" len="med"/>
+                    </a:lnL>
+                    <a:lnR w="3175" cap="flat" cmpd="sng" algn="ctr">
+                      <a:solidFill>
+                        <a:schemeClr val="tx1"/>
+                      </a:solidFill>
+                      <a:prstDash val="sysDash"/>
+                      <a:round/>
+                      <a:headEnd type="none" w="med" len="med"/>
+                      <a:tailEnd type="none" w="med" len="med"/>
+                    </a:lnR>
+                    <a:lnT w="3175" cap="flat" cmpd="sng" algn="ctr">
+                      <a:solidFill>
+                        <a:schemeClr val="tx1"/>
+                      </a:solidFill>
+                      <a:prstDash val="sysDash"/>
+                      <a:round/>
+                      <a:headEnd type="none" w="med" len="med"/>
+                      <a:tailEnd type="none" w="med" len="med"/>
+                    </a:lnT>
+                    <a:lnB w="3175" cap="flat" cmpd="sng" algn="ctr">
+                      <a:solidFill>
+                        <a:schemeClr val="tx1"/>
+                      </a:solidFill>
+                      <a:prstDash val="sysDash"/>
+                      <a:round/>
+                      <a:headEnd type="none" w="med" len="med"/>
+                      <a:tailEnd type="none" w="med" len="med"/>
+                    </a:lnB>
+                    <a:lnTlToBr w="12700" cmpd="sng">
+                      <a:noFill/>
+                      <a:prstDash val="solid"/>
+                    </a:lnTlToBr>
+                    <a:lnBlToTr w="12700" cmpd="sng">
+                      <a:noFill/>
+                      <a:prstDash val="solid"/>
+                    </a:lnBlToTr>
+                    <a:solidFill>
+                      <a:schemeClr val="accent5">
+                        <a:lumMod val="20000"/>
+                        <a:lumOff val="80000"/>
+                      </a:schemeClr>
+                    </a:solidFill>
+                  </a:tcPr>
+                </a:tc>
+                <a:extLst>
+                  <a:ext uri="{0D108BD9-81ED-4DB2-BD59-A6C34878D82A}">
+                    <a16:rowId xmlns:a16="http://schemas.microsoft.com/office/drawing/2014/main" val="864486489"/>
+                  </a:ext>
+                </a:extLst>
+              </a:tr>
+              <a:tr h="0">
+                <a:tc>
+                  <a:txBody>
+                    <a:bodyPr/>
+                    <a:lstStyle/>
+                    <a:p>
+                      <a:pPr algn="ctr" latinLnBrk="1"/>
+                      <a:r>
+                        <a:rPr lang="ko-KR" altLang="en-US" sz="1200" b="1" dirty="0"/>
+                        <a:t>시스템구분</a:t>
+                      </a:r>
+                    </a:p>
+                  </a:txBody>
+                  <a:tcPr marL="58810" marR="58810" marT="29405" marB="29405">
+                    <a:lnL w="3175" cap="flat" cmpd="sng" algn="ctr">
+                      <a:solidFill>
+                        <a:schemeClr val="tx1"/>
+                      </a:solidFill>
+                      <a:prstDash val="sysDash"/>
+                      <a:round/>
+                      <a:headEnd type="none" w="med" len="med"/>
+                      <a:tailEnd type="none" w="med" len="med"/>
+                    </a:lnL>
+                    <a:lnR w="3175" cap="flat" cmpd="sng" algn="ctr">
+                      <a:solidFill>
+                        <a:schemeClr val="tx1"/>
+                      </a:solidFill>
+                      <a:prstDash val="sysDash"/>
+                      <a:round/>
+                      <a:headEnd type="none" w="med" len="med"/>
+                      <a:tailEnd type="none" w="med" len="med"/>
+                    </a:lnR>
+                    <a:lnT w="3175" cap="flat" cmpd="sng" algn="ctr">
+                      <a:solidFill>
+                        <a:schemeClr val="tx1"/>
+                      </a:solidFill>
+                      <a:prstDash val="sysDash"/>
+                      <a:round/>
+                      <a:headEnd type="none" w="med" len="med"/>
+                      <a:tailEnd type="none" w="med" len="med"/>
+                    </a:lnT>
+                    <a:lnB w="3175" cap="flat" cmpd="sng" algn="ctr">
+                      <a:solidFill>
+                        <a:schemeClr val="tx1"/>
+                      </a:solidFill>
+                      <a:prstDash val="sysDash"/>
+                      <a:round/>
+                      <a:headEnd type="none" w="med" len="med"/>
+                      <a:tailEnd type="none" w="med" len="med"/>
+                    </a:lnB>
+                    <a:lnTlToBr w="12700" cmpd="sng">
+                      <a:noFill/>
+                      <a:prstDash val="solid"/>
+                    </a:lnTlToBr>
+                    <a:lnBlToTr w="12700" cmpd="sng">
+                      <a:noFill/>
+                      <a:prstDash val="solid"/>
+                    </a:lnBlToTr>
+                    <a:solidFill>
+                      <a:schemeClr val="accent5">
+                        <a:lumMod val="20000"/>
+                        <a:lumOff val="80000"/>
+                      </a:schemeClr>
+                    </a:solidFill>
+                  </a:tcPr>
+                </a:tc>
+                <a:tc>
+                  <a:txBody>
+                    <a:bodyPr/>
+                    <a:lstStyle/>
+                    <a:p>
+                      <a:pPr algn="ctr" latinLnBrk="1"/>
+                      <a:r>
+                        <a:rPr lang="ko-KR" altLang="en-US" sz="1200" dirty="0"/>
+                        <a:t>사용자</a:t>
+                      </a:r>
+                      <a:r>
+                        <a:rPr lang="en-US" altLang="ko-KR" sz="1200" dirty="0"/>
+                        <a:t>(Client)</a:t>
+                      </a:r>
+                      <a:endParaRPr lang="ko-KR" altLang="en-US" sz="1200" dirty="0"/>
+                    </a:p>
+                  </a:txBody>
+                  <a:tcPr marL="58810" marR="58810" marT="29405" marB="29405">
+                    <a:lnL w="3175" cap="flat" cmpd="sng" algn="ctr">
+                      <a:solidFill>
+                        <a:schemeClr val="tx1"/>
+                      </a:solidFill>
+                      <a:prstDash val="sysDash"/>
+                      <a:round/>
+                      <a:headEnd type="none" w="med" len="med"/>
+                      <a:tailEnd type="none" w="med" len="med"/>
+                    </a:lnL>
+                    <a:lnR w="3175" cap="flat" cmpd="sng" algn="ctr">
+                      <a:solidFill>
+                        <a:schemeClr val="tx1"/>
+                      </a:solidFill>
+                      <a:prstDash val="sysDash"/>
+                      <a:round/>
+                      <a:headEnd type="none" w="med" len="med"/>
+                      <a:tailEnd type="none" w="med" len="med"/>
+                    </a:lnR>
+                    <a:lnT w="3175" cap="flat" cmpd="sng" algn="ctr">
+                      <a:solidFill>
+                        <a:schemeClr val="tx1"/>
+                      </a:solidFill>
+                      <a:prstDash val="sysDash"/>
+                      <a:round/>
+                      <a:headEnd type="none" w="med" len="med"/>
+                      <a:tailEnd type="none" w="med" len="med"/>
+                    </a:lnT>
+                    <a:lnB w="3175" cap="flat" cmpd="sng" algn="ctr">
+                      <a:solidFill>
+                        <a:schemeClr val="tx1"/>
+                      </a:solidFill>
+                      <a:prstDash val="sysDash"/>
+                      <a:round/>
+                      <a:headEnd type="none" w="med" len="med"/>
+                      <a:tailEnd type="none" w="med" len="med"/>
+                    </a:lnB>
+                    <a:lnTlToBr w="12700" cmpd="sng">
+                      <a:noFill/>
+                      <a:prstDash val="solid"/>
+                    </a:lnTlToBr>
+                    <a:lnBlToTr w="12700" cmpd="sng">
+                      <a:noFill/>
+                      <a:prstDash val="solid"/>
+                    </a:lnBlToTr>
+                    <a:solidFill>
+                      <a:schemeClr val="accent5">
+                        <a:lumMod val="20000"/>
+                        <a:lumOff val="80000"/>
+                      </a:schemeClr>
+                    </a:solidFill>
+                  </a:tcPr>
+                </a:tc>
+                <a:tc>
+                  <a:txBody>
+                    <a:bodyPr/>
+                    <a:lstStyle/>
+                    <a:p>
+                      <a:pPr algn="ctr" latinLnBrk="1"/>
+                      <a:r>
+                        <a:rPr lang="en-US" altLang="ko-KR" sz="1200" b="1" dirty="0"/>
+                        <a:t>Page</a:t>
+                      </a:r>
+                      <a:endParaRPr lang="ko-KR" altLang="en-US" sz="1200" b="1" dirty="0"/>
+                    </a:p>
+                  </a:txBody>
+                  <a:tcPr marL="58810" marR="58810" marT="29405" marB="29405">
+                    <a:lnL w="3175" cap="flat" cmpd="sng" algn="ctr">
+                      <a:solidFill>
+                        <a:schemeClr val="tx1"/>
+                      </a:solidFill>
+                      <a:prstDash val="sysDash"/>
+                      <a:round/>
+                      <a:headEnd type="none" w="med" len="med"/>
+                      <a:tailEnd type="none" w="med" len="med"/>
+                    </a:lnL>
+                    <a:lnR w="3175" cap="flat" cmpd="sng" algn="ctr">
+                      <a:solidFill>
+                        <a:schemeClr val="tx1"/>
+                      </a:solidFill>
+                      <a:prstDash val="sysDash"/>
+                      <a:round/>
+                      <a:headEnd type="none" w="med" len="med"/>
+                      <a:tailEnd type="none" w="med" len="med"/>
+                    </a:lnR>
+                    <a:lnT w="3175" cap="flat" cmpd="sng" algn="ctr">
+                      <a:solidFill>
+                        <a:schemeClr val="tx1"/>
+                      </a:solidFill>
+                      <a:prstDash val="sysDash"/>
+                      <a:round/>
+                      <a:headEnd type="none" w="med" len="med"/>
+                      <a:tailEnd type="none" w="med" len="med"/>
+                    </a:lnT>
+                    <a:lnB w="3175" cap="flat" cmpd="sng" algn="ctr">
+                      <a:solidFill>
+                        <a:schemeClr val="tx1"/>
+                      </a:solidFill>
+                      <a:prstDash val="sysDash"/>
+                      <a:round/>
+                      <a:headEnd type="none" w="med" len="med"/>
+                      <a:tailEnd type="none" w="med" len="med"/>
+                    </a:lnB>
+                    <a:lnTlToBr w="12700" cmpd="sng">
+                      <a:noFill/>
+                      <a:prstDash val="solid"/>
+                    </a:lnTlToBr>
+                    <a:lnBlToTr w="12700" cmpd="sng">
+                      <a:noFill/>
+                      <a:prstDash val="solid"/>
+                    </a:lnBlToTr>
+                    <a:solidFill>
+                      <a:schemeClr val="accent5">
+                        <a:lumMod val="20000"/>
+                        <a:lumOff val="80000"/>
+                      </a:schemeClr>
+                    </a:solidFill>
+                  </a:tcPr>
+                </a:tc>
+                <a:tc>
+                  <a:txBody>
+                    <a:bodyPr/>
+                    <a:lstStyle/>
+                    <a:p>
+                      <a:pPr algn="ctr" latinLnBrk="1"/>
+                      <a:r>
+                        <a:rPr lang="en-US" altLang="ko-KR" sz="1200" dirty="0"/>
+                        <a:t>1</a:t>
+                      </a:r>
+                      <a:endParaRPr lang="ko-KR" altLang="en-US" sz="1200" dirty="0"/>
+                    </a:p>
+                  </a:txBody>
+                  <a:tcPr marL="58810" marR="58810" marT="29405" marB="29405">
+                    <a:lnL w="3175" cap="flat" cmpd="sng" algn="ctr">
+                      <a:solidFill>
+                        <a:schemeClr val="tx1"/>
+                      </a:solidFill>
+                      <a:prstDash val="sysDash"/>
+                      <a:round/>
+                      <a:headEnd type="none" w="med" len="med"/>
+                      <a:tailEnd type="none" w="med" len="med"/>
+                    </a:lnL>
+                    <a:lnR w="3175" cap="flat" cmpd="sng" algn="ctr">
+                      <a:solidFill>
+                        <a:schemeClr val="tx1"/>
+                      </a:solidFill>
+                      <a:prstDash val="sysDash"/>
+                      <a:round/>
+                      <a:headEnd type="none" w="med" len="med"/>
+                      <a:tailEnd type="none" w="med" len="med"/>
+                    </a:lnR>
+                    <a:lnT w="3175" cap="flat" cmpd="sng" algn="ctr">
+                      <a:solidFill>
+                        <a:schemeClr val="tx1"/>
+                      </a:solidFill>
+                      <a:prstDash val="sysDash"/>
+                      <a:round/>
+                      <a:headEnd type="none" w="med" len="med"/>
+                      <a:tailEnd type="none" w="med" len="med"/>
+                    </a:lnT>
+                    <a:lnB w="3175" cap="flat" cmpd="sng" algn="ctr">
+                      <a:solidFill>
+                        <a:schemeClr val="tx1"/>
+                      </a:solidFill>
+                      <a:prstDash val="sysDash"/>
+                      <a:round/>
+                      <a:headEnd type="none" w="med" len="med"/>
+                      <a:tailEnd type="none" w="med" len="med"/>
+                    </a:lnB>
+                    <a:lnTlToBr w="12700" cmpd="sng">
+                      <a:noFill/>
+                      <a:prstDash val="solid"/>
+                    </a:lnTlToBr>
+                    <a:lnBlToTr w="12700" cmpd="sng">
+                      <a:noFill/>
+                      <a:prstDash val="solid"/>
+                    </a:lnBlToTr>
+                    <a:solidFill>
+                      <a:schemeClr val="accent5">
+                        <a:lumMod val="20000"/>
+                        <a:lumOff val="80000"/>
+                      </a:schemeClr>
+                    </a:solidFill>
+                  </a:tcPr>
+                </a:tc>
+                <a:extLst>
+                  <a:ext uri="{0D108BD9-81ED-4DB2-BD59-A6C34878D82A}">
+                    <a16:rowId xmlns:a16="http://schemas.microsoft.com/office/drawing/2014/main" val="4261972384"/>
+                  </a:ext>
+                </a:extLst>
+              </a:tr>
+              <a:tr h="238506">
+                <a:tc>
+                  <a:txBody>
+                    <a:bodyPr/>
+                    <a:lstStyle/>
+                    <a:p>
+                      <a:pPr algn="ctr" latinLnBrk="1"/>
+                      <a:r>
+                        <a:rPr lang="ko-KR" altLang="en-US" sz="1200" b="1" dirty="0"/>
+                        <a:t>디렉토리</a:t>
+                      </a:r>
+                    </a:p>
+                  </a:txBody>
+                  <a:tcPr marL="58810" marR="58810" marT="29405" marB="29405">
+                    <a:lnL w="3175" cap="flat" cmpd="sng" algn="ctr">
+                      <a:solidFill>
+                        <a:schemeClr val="tx1"/>
+                      </a:solidFill>
+                      <a:prstDash val="sysDash"/>
+                      <a:round/>
+                      <a:headEnd type="none" w="med" len="med"/>
+                      <a:tailEnd type="none" w="med" len="med"/>
+                    </a:lnL>
+                    <a:lnR w="3175" cap="flat" cmpd="sng" algn="ctr">
+                      <a:solidFill>
+                        <a:schemeClr val="tx1"/>
+                      </a:solidFill>
+                      <a:prstDash val="sysDash"/>
+                      <a:round/>
+                      <a:headEnd type="none" w="med" len="med"/>
+                      <a:tailEnd type="none" w="med" len="med"/>
+                    </a:lnR>
+                    <a:lnT w="3175" cap="flat" cmpd="sng" algn="ctr">
+                      <a:solidFill>
+                        <a:schemeClr val="tx1"/>
+                      </a:solidFill>
+                      <a:prstDash val="sysDash"/>
+                      <a:round/>
+                      <a:headEnd type="none" w="med" len="med"/>
+                      <a:tailEnd type="none" w="med" len="med"/>
+                    </a:lnT>
+                    <a:lnB w="3175" cap="flat" cmpd="sng" algn="ctr">
+                      <a:solidFill>
+                        <a:schemeClr val="tx1"/>
+                      </a:solidFill>
+                      <a:prstDash val="sysDash"/>
+                      <a:round/>
+                      <a:headEnd type="none" w="med" len="med"/>
+                      <a:tailEnd type="none" w="med" len="med"/>
+                    </a:lnB>
+                    <a:lnTlToBr w="12700" cmpd="sng">
+                      <a:noFill/>
+                      <a:prstDash val="solid"/>
+                    </a:lnTlToBr>
+                    <a:lnBlToTr w="12700" cmpd="sng">
+                      <a:noFill/>
+                      <a:prstDash val="solid"/>
+                    </a:lnBlToTr>
+                    <a:solidFill>
+                      <a:schemeClr val="accent5">
+                        <a:lumMod val="20000"/>
+                        <a:lumOff val="80000"/>
+                      </a:schemeClr>
+                    </a:solidFill>
+                  </a:tcPr>
+                </a:tc>
+                <a:tc gridSpan="3">
+                  <a:txBody>
+                    <a:bodyPr/>
+                    <a:lstStyle/>
+                    <a:p>
+                      <a:pPr algn="ctr" latinLnBrk="1"/>
+                      <a:r>
+                        <a:rPr lang="en-US" altLang="ko-KR" sz="1200" dirty="0"/>
+                        <a:t>Home -&gt; </a:t>
+                      </a:r>
+                      <a:r>
+                        <a:rPr lang="ko-KR" altLang="en-US" sz="1200" dirty="0"/>
+                        <a:t>일정등록 </a:t>
+                      </a:r>
+                    </a:p>
+                  </a:txBody>
+                  <a:tcPr marL="58810" marR="58810" marT="29405" marB="29405">
+                    <a:lnL w="3175" cap="flat" cmpd="sng" algn="ctr">
+                      <a:solidFill>
+                        <a:schemeClr val="tx1"/>
+                      </a:solidFill>
+                      <a:prstDash val="sysDash"/>
+                      <a:round/>
+                      <a:headEnd type="none" w="med" len="med"/>
+                      <a:tailEnd type="none" w="med" len="med"/>
+                    </a:lnL>
+                    <a:lnR w="3175" cap="flat" cmpd="sng" algn="ctr">
+                      <a:solidFill>
+                        <a:schemeClr val="tx1"/>
+                      </a:solidFill>
+                      <a:prstDash val="sysDash"/>
+                      <a:round/>
+                      <a:headEnd type="none" w="med" len="med"/>
+                      <a:tailEnd type="none" w="med" len="med"/>
+                    </a:lnR>
+                    <a:lnT w="3175" cap="flat" cmpd="sng" algn="ctr">
+                      <a:solidFill>
+                        <a:schemeClr val="tx1"/>
+                      </a:solidFill>
+                      <a:prstDash val="sysDash"/>
+                      <a:round/>
+                      <a:headEnd type="none" w="med" len="med"/>
+                      <a:tailEnd type="none" w="med" len="med"/>
+                    </a:lnT>
+                    <a:lnB w="3175" cap="flat" cmpd="sng" algn="ctr">
+                      <a:solidFill>
+                        <a:schemeClr val="tx1"/>
+                      </a:solidFill>
+                      <a:prstDash val="sysDash"/>
+                      <a:round/>
+                      <a:headEnd type="none" w="med" len="med"/>
+                      <a:tailEnd type="none" w="med" len="med"/>
+                    </a:lnB>
+                    <a:lnTlToBr w="12700" cmpd="sng">
+                      <a:noFill/>
+                      <a:prstDash val="solid"/>
+                    </a:lnTlToBr>
+                    <a:lnBlToTr w="12700" cmpd="sng">
+                      <a:noFill/>
+                      <a:prstDash val="solid"/>
+                    </a:lnBlToTr>
+                    <a:solidFill>
+                      <a:schemeClr val="accent5">
+                        <a:lumMod val="20000"/>
+                        <a:lumOff val="80000"/>
+                      </a:schemeClr>
+                    </a:solidFill>
+                  </a:tcPr>
+                </a:tc>
+                <a:tc hMerge="1">
+                  <a:txBody>
+                    <a:bodyPr/>
+                    <a:lstStyle/>
+                    <a:p>
+                      <a:pPr algn="ctr" latinLnBrk="1"/>
+                      <a:endParaRPr lang="ko-KR" altLang="en-US" sz="1200" dirty="0"/>
+                    </a:p>
+                  </a:txBody>
+                  <a:tcPr marL="58810" marR="58810" marT="29405" marB="29405"/>
+                </a:tc>
+                <a:tc hMerge="1">
+                  <a:txBody>
+                    <a:bodyPr/>
+                    <a:lstStyle/>
+                    <a:p>
+                      <a:pPr algn="ctr" latinLnBrk="1"/>
+                      <a:endParaRPr lang="ko-KR" altLang="en-US" sz="1200" dirty="0"/>
+                    </a:p>
+                  </a:txBody>
+                  <a:tcPr marL="58810" marR="58810" marT="29405" marB="29405"/>
+                </a:tc>
+                <a:extLst>
+                  <a:ext uri="{0D108BD9-81ED-4DB2-BD59-A6C34878D82A}">
+                    <a16:rowId xmlns:a16="http://schemas.microsoft.com/office/drawing/2014/main" val="408100960"/>
+                  </a:ext>
+                </a:extLst>
+              </a:tr>
+            </a:tbl>
+          </a:graphicData>
+        </a:graphic>
+      </p:graphicFrame>
+      <p:graphicFrame>
+        <p:nvGraphicFramePr>
+          <p:cNvPr id="15" name="표 14">
+            <a:extLst>
+              <a:ext uri="{FF2B5EF4-FFF2-40B4-BE49-F238E27FC236}">
+                <a16:creationId xmlns:a16="http://schemas.microsoft.com/office/drawing/2014/main" id="{A517657F-7FAF-44FD-B703-FCBF2C37E2A6}"/>
+              </a:ext>
+            </a:extLst>
+          </p:cNvPr>
+          <p:cNvGraphicFramePr>
+            <a:graphicFrameLocks noGrp="1"/>
+          </p:cNvGraphicFramePr>
+          <p:nvPr>
+            <p:extLst>
+              <p:ext uri="{D42A27DB-BD31-4B8C-83A1-F6EECF244321}">
+                <p14:modId xmlns:p14="http://schemas.microsoft.com/office/powerpoint/2010/main" val="3628805157"/>
+              </p:ext>
+            </p:extLst>
+          </p:nvPr>
+        </p:nvGraphicFramePr>
+        <p:xfrm>
+          <a:off x="6096000" y="2775180"/>
+          <a:ext cx="5318859" cy="3800985"/>
+        </p:xfrm>
+        <a:graphic>
+          <a:graphicData uri="http://schemas.openxmlformats.org/drawingml/2006/table">
+            <a:tbl>
+              <a:tblPr firstRow="1" bandRow="1">
+                <a:tableStyleId>{BDBED569-4797-4DF1-A0F4-6AAB3CD982D8}</a:tableStyleId>
+              </a:tblPr>
+              <a:tblGrid>
+                <a:gridCol w="1772953">
+                  <a:extLst>
+                    <a:ext uri="{9D8B030D-6E8A-4147-A177-3AD203B41FA5}">
+                      <a16:colId xmlns:a16="http://schemas.microsoft.com/office/drawing/2014/main" val="1705248832"/>
+                    </a:ext>
+                  </a:extLst>
+                </a:gridCol>
+                <a:gridCol w="1772953">
+                  <a:extLst>
+                    <a:ext uri="{9D8B030D-6E8A-4147-A177-3AD203B41FA5}">
+                      <a16:colId xmlns:a16="http://schemas.microsoft.com/office/drawing/2014/main" val="260814369"/>
+                    </a:ext>
+                  </a:extLst>
+                </a:gridCol>
+                <a:gridCol w="1772953">
+                  <a:extLst>
+                    <a:ext uri="{9D8B030D-6E8A-4147-A177-3AD203B41FA5}">
+                      <a16:colId xmlns:a16="http://schemas.microsoft.com/office/drawing/2014/main" val="4189735863"/>
+                    </a:ext>
+                  </a:extLst>
+                </a:gridCol>
+              </a:tblGrid>
+              <a:tr h="253399">
+                <a:tc>
+                  <a:txBody>
+                    <a:bodyPr/>
+                    <a:lstStyle/>
+                    <a:p>
+                      <a:pPr latinLnBrk="1"/>
+                      <a:endParaRPr lang="ko-KR" altLang="en-US" sz="1200" dirty="0"/>
+                    </a:p>
+                  </a:txBody>
+                  <a:tcPr marL="58297" marR="58297" marT="29148" marB="29148">
+                    <a:lnL w="6350" cap="flat" cmpd="sng" algn="ctr">
+                      <a:solidFill>
+                        <a:schemeClr val="tx1"/>
+                      </a:solidFill>
+                      <a:prstDash val="sysDash"/>
+                      <a:round/>
+                      <a:headEnd type="none" w="med" len="med"/>
+                      <a:tailEnd type="none" w="med" len="med"/>
+                    </a:lnL>
+                    <a:lnR w="6350" cap="flat" cmpd="sng" algn="ctr">
+                      <a:solidFill>
+                        <a:schemeClr val="tx1"/>
+                      </a:solidFill>
+                      <a:prstDash val="sysDash"/>
+                      <a:round/>
+                      <a:headEnd type="none" w="med" len="med"/>
+                      <a:tailEnd type="none" w="med" len="med"/>
+                    </a:lnR>
+                    <a:lnT w="6350" cap="flat" cmpd="sng" algn="ctr">
+                      <a:solidFill>
+                        <a:schemeClr val="tx1"/>
+                      </a:solidFill>
+                      <a:prstDash val="sysDash"/>
+                      <a:round/>
+                      <a:headEnd type="none" w="med" len="med"/>
+                      <a:tailEnd type="none" w="med" len="med"/>
+                    </a:lnT>
+                    <a:lnB w="6350" cap="flat" cmpd="sng" algn="ctr">
+                      <a:solidFill>
+                        <a:schemeClr val="tx1"/>
+                      </a:solidFill>
+                      <a:prstDash val="sysDash"/>
+                      <a:round/>
+                      <a:headEnd type="none" w="med" len="med"/>
+                      <a:tailEnd type="none" w="med" len="med"/>
+                    </a:lnB>
+                  </a:tcPr>
+                </a:tc>
+                <a:tc>
+                  <a:txBody>
+                    <a:bodyPr/>
+                    <a:lstStyle/>
+                    <a:p>
+                      <a:pPr latinLnBrk="1"/>
+                      <a:endParaRPr lang="ko-KR" altLang="en-US" sz="1200" dirty="0"/>
+                    </a:p>
+                  </a:txBody>
+                  <a:tcPr marL="58297" marR="58297" marT="29148" marB="29148">
+                    <a:lnL w="6350" cap="flat" cmpd="sng" algn="ctr">
+                      <a:solidFill>
+                        <a:schemeClr val="tx1"/>
+                      </a:solidFill>
+                      <a:prstDash val="sysDash"/>
+                      <a:round/>
+                      <a:headEnd type="none" w="med" len="med"/>
+                      <a:tailEnd type="none" w="med" len="med"/>
+                    </a:lnL>
+                    <a:lnR w="6350" cap="flat" cmpd="sng" algn="ctr">
+                      <a:solidFill>
+                        <a:schemeClr val="tx1"/>
+                      </a:solidFill>
+                      <a:prstDash val="sysDash"/>
+                      <a:round/>
+                      <a:headEnd type="none" w="med" len="med"/>
+                      <a:tailEnd type="none" w="med" len="med"/>
+                    </a:lnR>
+                    <a:lnT w="6350" cap="flat" cmpd="sng" algn="ctr">
+                      <a:solidFill>
+                        <a:schemeClr val="tx1"/>
+                      </a:solidFill>
+                      <a:prstDash val="sysDash"/>
+                      <a:round/>
+                      <a:headEnd type="none" w="med" len="med"/>
+                      <a:tailEnd type="none" w="med" len="med"/>
+                    </a:lnT>
+                    <a:lnB w="6350" cap="flat" cmpd="sng" algn="ctr">
+                      <a:solidFill>
+                        <a:schemeClr val="tx1"/>
+                      </a:solidFill>
+                      <a:prstDash val="sysDash"/>
+                      <a:round/>
+                      <a:headEnd type="none" w="med" len="med"/>
+                      <a:tailEnd type="none" w="med" len="med"/>
+                    </a:lnB>
+                  </a:tcPr>
+                </a:tc>
+                <a:tc>
+                  <a:txBody>
+                    <a:bodyPr/>
+                    <a:lstStyle/>
+                    <a:p>
+                      <a:pPr latinLnBrk="1"/>
+                      <a:endParaRPr lang="ko-KR" altLang="en-US" sz="1200" dirty="0"/>
+                    </a:p>
+                  </a:txBody>
+                  <a:tcPr marL="58297" marR="58297" marT="29148" marB="29148">
+                    <a:lnL w="6350" cap="flat" cmpd="sng" algn="ctr">
+                      <a:solidFill>
+                        <a:schemeClr val="tx1"/>
+                      </a:solidFill>
+                      <a:prstDash val="sysDash"/>
+                      <a:round/>
+                      <a:headEnd type="none" w="med" len="med"/>
+                      <a:tailEnd type="none" w="med" len="med"/>
+                    </a:lnL>
+                    <a:lnR w="6350" cap="flat" cmpd="sng" algn="ctr">
+                      <a:solidFill>
+                        <a:schemeClr val="tx1"/>
+                      </a:solidFill>
+                      <a:prstDash val="sysDash"/>
+                      <a:round/>
+                      <a:headEnd type="none" w="med" len="med"/>
+                      <a:tailEnd type="none" w="med" len="med"/>
+                    </a:lnR>
+                    <a:lnT w="6350" cap="flat" cmpd="sng" algn="ctr">
+                      <a:solidFill>
+                        <a:schemeClr val="tx1"/>
+                      </a:solidFill>
+                      <a:prstDash val="sysDash"/>
+                      <a:round/>
+                      <a:headEnd type="none" w="med" len="med"/>
+                      <a:tailEnd type="none" w="med" len="med"/>
+                    </a:lnT>
+                    <a:lnB w="6350" cap="flat" cmpd="sng" algn="ctr">
+                      <a:solidFill>
+                        <a:schemeClr val="tx1"/>
+                      </a:solidFill>
+                      <a:prstDash val="sysDash"/>
+                      <a:round/>
+                      <a:headEnd type="none" w="med" len="med"/>
+                      <a:tailEnd type="none" w="med" len="med"/>
+                    </a:lnB>
+                  </a:tcPr>
+                </a:tc>
+                <a:extLst>
+                  <a:ext uri="{0D108BD9-81ED-4DB2-BD59-A6C34878D82A}">
+                    <a16:rowId xmlns:a16="http://schemas.microsoft.com/office/drawing/2014/main" val="2408156262"/>
+                  </a:ext>
+                </a:extLst>
+              </a:tr>
+              <a:tr h="253399">
+                <a:tc>
+                  <a:txBody>
+                    <a:bodyPr/>
+                    <a:lstStyle/>
+                    <a:p>
+                      <a:pPr latinLnBrk="1"/>
+                      <a:endParaRPr lang="ko-KR" altLang="en-US" sz="1200" dirty="0"/>
+                    </a:p>
+                  </a:txBody>
+                  <a:tcPr marL="58297" marR="58297" marT="29148" marB="29148">
+                    <a:lnL w="6350" cap="flat" cmpd="sng" algn="ctr">
+                      <a:solidFill>
+                        <a:schemeClr val="tx1"/>
+                      </a:solidFill>
+                      <a:prstDash val="sysDash"/>
+                      <a:round/>
+                      <a:headEnd type="none" w="med" len="med"/>
+                      <a:tailEnd type="none" w="med" len="med"/>
+                    </a:lnL>
+                    <a:lnR w="6350" cap="flat" cmpd="sng" algn="ctr">
+                      <a:solidFill>
+                        <a:schemeClr val="tx1"/>
+                      </a:solidFill>
+                      <a:prstDash val="sysDash"/>
+                      <a:round/>
+                      <a:headEnd type="none" w="med" len="med"/>
+                      <a:tailEnd type="none" w="med" len="med"/>
+                    </a:lnR>
+                    <a:lnT w="6350" cap="flat" cmpd="sng" algn="ctr">
+                      <a:solidFill>
+                        <a:schemeClr val="tx1"/>
+                      </a:solidFill>
+                      <a:prstDash val="sysDash"/>
+                      <a:round/>
+                      <a:headEnd type="none" w="med" len="med"/>
+                      <a:tailEnd type="none" w="med" len="med"/>
+                    </a:lnT>
+                    <a:lnB w="6350" cap="flat" cmpd="sng" algn="ctr">
+                      <a:solidFill>
+                        <a:schemeClr val="tx1"/>
+                      </a:solidFill>
+                      <a:prstDash val="sysDash"/>
+                      <a:round/>
+                      <a:headEnd type="none" w="med" len="med"/>
+                      <a:tailEnd type="none" w="med" len="med"/>
+                    </a:lnB>
+                  </a:tcPr>
+                </a:tc>
+                <a:tc>
+                  <a:txBody>
+                    <a:bodyPr/>
+                    <a:lstStyle/>
+                    <a:p>
+                      <a:pPr latinLnBrk="1"/>
+                      <a:endParaRPr lang="ko-KR" altLang="en-US" sz="1200" dirty="0"/>
+                    </a:p>
+                  </a:txBody>
+                  <a:tcPr marL="58297" marR="58297" marT="29148" marB="29148">
+                    <a:lnL w="6350" cap="flat" cmpd="sng" algn="ctr">
+                      <a:solidFill>
+                        <a:schemeClr val="tx1"/>
+                      </a:solidFill>
+                      <a:prstDash val="sysDash"/>
+                      <a:round/>
+                      <a:headEnd type="none" w="med" len="med"/>
+                      <a:tailEnd type="none" w="med" len="med"/>
+                    </a:lnL>
+                    <a:lnR w="6350" cap="flat" cmpd="sng" algn="ctr">
+                      <a:solidFill>
+                        <a:schemeClr val="tx1"/>
+                      </a:solidFill>
+                      <a:prstDash val="sysDash"/>
+                      <a:round/>
+                      <a:headEnd type="none" w="med" len="med"/>
+                      <a:tailEnd type="none" w="med" len="med"/>
+                    </a:lnR>
+                    <a:lnT w="6350" cap="flat" cmpd="sng" algn="ctr">
+                      <a:solidFill>
+                        <a:schemeClr val="tx1"/>
+                      </a:solidFill>
+                      <a:prstDash val="sysDash"/>
+                      <a:round/>
+                      <a:headEnd type="none" w="med" len="med"/>
+                      <a:tailEnd type="none" w="med" len="med"/>
+                    </a:lnT>
+                    <a:lnB w="6350" cap="flat" cmpd="sng" algn="ctr">
+                      <a:solidFill>
+                        <a:schemeClr val="tx1"/>
+                      </a:solidFill>
+                      <a:prstDash val="sysDash"/>
+                      <a:round/>
+                      <a:headEnd type="none" w="med" len="med"/>
+                      <a:tailEnd type="none" w="med" len="med"/>
+                    </a:lnB>
+                  </a:tcPr>
+                </a:tc>
+                <a:tc>
+                  <a:txBody>
+                    <a:bodyPr/>
+                    <a:lstStyle/>
+                    <a:p>
+                      <a:pPr latinLnBrk="1"/>
+                      <a:endParaRPr lang="ko-KR" altLang="en-US" sz="1200"/>
+                    </a:p>
+                  </a:txBody>
+                  <a:tcPr marL="58297" marR="58297" marT="29148" marB="29148">
+                    <a:lnL w="6350" cap="flat" cmpd="sng" algn="ctr">
+                      <a:solidFill>
+                        <a:schemeClr val="tx1"/>
+                      </a:solidFill>
+                      <a:prstDash val="sysDash"/>
+                      <a:round/>
+                      <a:headEnd type="none" w="med" len="med"/>
+                      <a:tailEnd type="none" w="med" len="med"/>
+                    </a:lnL>
+                    <a:lnR w="6350" cap="flat" cmpd="sng" algn="ctr">
+                      <a:solidFill>
+                        <a:schemeClr val="tx1"/>
+                      </a:solidFill>
+                      <a:prstDash val="sysDash"/>
+                      <a:round/>
+                      <a:headEnd type="none" w="med" len="med"/>
+                      <a:tailEnd type="none" w="med" len="med"/>
+                    </a:lnR>
+                    <a:lnT w="6350" cap="flat" cmpd="sng" algn="ctr">
+                      <a:solidFill>
+                        <a:schemeClr val="tx1"/>
+                      </a:solidFill>
+                      <a:prstDash val="sysDash"/>
+                      <a:round/>
+                      <a:headEnd type="none" w="med" len="med"/>
+                      <a:tailEnd type="none" w="med" len="med"/>
+                    </a:lnT>
+                    <a:lnB w="6350" cap="flat" cmpd="sng" algn="ctr">
+                      <a:solidFill>
+                        <a:schemeClr val="tx1"/>
+                      </a:solidFill>
+                      <a:prstDash val="sysDash"/>
+                      <a:round/>
+                      <a:headEnd type="none" w="med" len="med"/>
+                      <a:tailEnd type="none" w="med" len="med"/>
+                    </a:lnB>
+                  </a:tcPr>
+                </a:tc>
+                <a:extLst>
+                  <a:ext uri="{0D108BD9-81ED-4DB2-BD59-A6C34878D82A}">
+                    <a16:rowId xmlns:a16="http://schemas.microsoft.com/office/drawing/2014/main" val="376628753"/>
+                  </a:ext>
+                </a:extLst>
+              </a:tr>
+              <a:tr h="253399">
+                <a:tc>
+                  <a:txBody>
+                    <a:bodyPr/>
+                    <a:lstStyle/>
+                    <a:p>
+                      <a:pPr latinLnBrk="1"/>
+                      <a:endParaRPr lang="ko-KR" altLang="en-US" sz="1200" dirty="0"/>
+                    </a:p>
+                  </a:txBody>
+                  <a:tcPr marL="58297" marR="58297" marT="29148" marB="29148">
+                    <a:lnL w="6350" cap="flat" cmpd="sng" algn="ctr">
+                      <a:solidFill>
+                        <a:schemeClr val="tx1"/>
+                      </a:solidFill>
+                      <a:prstDash val="sysDash"/>
+                      <a:round/>
+                      <a:headEnd type="none" w="med" len="med"/>
+                      <a:tailEnd type="none" w="med" len="med"/>
+                    </a:lnL>
+                    <a:lnR w="6350" cap="flat" cmpd="sng" algn="ctr">
+                      <a:solidFill>
+                        <a:schemeClr val="tx1"/>
+                      </a:solidFill>
+                      <a:prstDash val="sysDash"/>
+                      <a:round/>
+                      <a:headEnd type="none" w="med" len="med"/>
+                      <a:tailEnd type="none" w="med" len="med"/>
+                    </a:lnR>
+                    <a:lnT w="6350" cap="flat" cmpd="sng" algn="ctr">
+                      <a:solidFill>
+                        <a:schemeClr val="tx1"/>
+                      </a:solidFill>
+                      <a:prstDash val="sysDash"/>
+                      <a:round/>
+                      <a:headEnd type="none" w="med" len="med"/>
+                      <a:tailEnd type="none" w="med" len="med"/>
+                    </a:lnT>
+                    <a:lnB w="6350" cap="flat" cmpd="sng" algn="ctr">
+                      <a:solidFill>
+                        <a:schemeClr val="tx1"/>
+                      </a:solidFill>
+                      <a:prstDash val="sysDash"/>
+                      <a:round/>
+                      <a:headEnd type="none" w="med" len="med"/>
+                      <a:tailEnd type="none" w="med" len="med"/>
+                    </a:lnB>
+                  </a:tcPr>
+                </a:tc>
+                <a:tc>
+                  <a:txBody>
+                    <a:bodyPr/>
+                    <a:lstStyle/>
+                    <a:p>
+                      <a:pPr latinLnBrk="1"/>
+                      <a:endParaRPr lang="ko-KR" altLang="en-US" sz="1200" dirty="0"/>
+                    </a:p>
+                  </a:txBody>
+                  <a:tcPr marL="58297" marR="58297" marT="29148" marB="29148">
+                    <a:lnL w="6350" cap="flat" cmpd="sng" algn="ctr">
+                      <a:solidFill>
+                        <a:schemeClr val="tx1"/>
+                      </a:solidFill>
+                      <a:prstDash val="sysDash"/>
+                      <a:round/>
+                      <a:headEnd type="none" w="med" len="med"/>
+                      <a:tailEnd type="none" w="med" len="med"/>
+                    </a:lnL>
+                    <a:lnR w="6350" cap="flat" cmpd="sng" algn="ctr">
+                      <a:solidFill>
+                        <a:schemeClr val="tx1"/>
+                      </a:solidFill>
+                      <a:prstDash val="sysDash"/>
+                      <a:round/>
+                      <a:headEnd type="none" w="med" len="med"/>
+                      <a:tailEnd type="none" w="med" len="med"/>
+                    </a:lnR>
+                    <a:lnT w="6350" cap="flat" cmpd="sng" algn="ctr">
+                      <a:solidFill>
+                        <a:schemeClr val="tx1"/>
+                      </a:solidFill>
+                      <a:prstDash val="sysDash"/>
+                      <a:round/>
+                      <a:headEnd type="none" w="med" len="med"/>
+                      <a:tailEnd type="none" w="med" len="med"/>
+                    </a:lnT>
+                    <a:lnB w="6350" cap="flat" cmpd="sng" algn="ctr">
+                      <a:solidFill>
+                        <a:schemeClr val="tx1"/>
+                      </a:solidFill>
+                      <a:prstDash val="sysDash"/>
+                      <a:round/>
+                      <a:headEnd type="none" w="med" len="med"/>
+                      <a:tailEnd type="none" w="med" len="med"/>
+                    </a:lnB>
+                  </a:tcPr>
+                </a:tc>
+                <a:tc>
+                  <a:txBody>
+                    <a:bodyPr/>
+                    <a:lstStyle/>
+                    <a:p>
+                      <a:pPr latinLnBrk="1"/>
+                      <a:endParaRPr lang="ko-KR" altLang="en-US" sz="1200"/>
+                    </a:p>
+                  </a:txBody>
+                  <a:tcPr marL="58297" marR="58297" marT="29148" marB="29148">
+                    <a:lnL w="6350" cap="flat" cmpd="sng" algn="ctr">
+                      <a:solidFill>
+                        <a:schemeClr val="tx1"/>
+                      </a:solidFill>
+                      <a:prstDash val="sysDash"/>
+                      <a:round/>
+                      <a:headEnd type="none" w="med" len="med"/>
+                      <a:tailEnd type="none" w="med" len="med"/>
+                    </a:lnL>
+                    <a:lnR w="6350" cap="flat" cmpd="sng" algn="ctr">
+                      <a:solidFill>
+                        <a:schemeClr val="tx1"/>
+                      </a:solidFill>
+                      <a:prstDash val="sysDash"/>
+                      <a:round/>
+                      <a:headEnd type="none" w="med" len="med"/>
+                      <a:tailEnd type="none" w="med" len="med"/>
+                    </a:lnR>
+                    <a:lnT w="6350" cap="flat" cmpd="sng" algn="ctr">
+                      <a:solidFill>
+                        <a:schemeClr val="tx1"/>
+                      </a:solidFill>
+                      <a:prstDash val="sysDash"/>
+                      <a:round/>
+                      <a:headEnd type="none" w="med" len="med"/>
+                      <a:tailEnd type="none" w="med" len="med"/>
+                    </a:lnT>
+                    <a:lnB w="6350" cap="flat" cmpd="sng" algn="ctr">
+                      <a:solidFill>
+                        <a:schemeClr val="tx1"/>
+                      </a:solidFill>
+                      <a:prstDash val="sysDash"/>
+                      <a:round/>
+                      <a:headEnd type="none" w="med" len="med"/>
+                      <a:tailEnd type="none" w="med" len="med"/>
+                    </a:lnB>
+                  </a:tcPr>
+                </a:tc>
+                <a:extLst>
+                  <a:ext uri="{0D108BD9-81ED-4DB2-BD59-A6C34878D82A}">
+                    <a16:rowId xmlns:a16="http://schemas.microsoft.com/office/drawing/2014/main" val="1533719662"/>
+                  </a:ext>
+                </a:extLst>
+              </a:tr>
+              <a:tr h="253399">
+                <a:tc>
+                  <a:txBody>
+                    <a:bodyPr/>
+                    <a:lstStyle/>
+                    <a:p>
+                      <a:pPr latinLnBrk="1"/>
+                      <a:endParaRPr lang="ko-KR" altLang="en-US" sz="1200" dirty="0"/>
+                    </a:p>
+                  </a:txBody>
+                  <a:tcPr marL="58297" marR="58297" marT="29148" marB="29148">
+                    <a:lnL w="6350" cap="flat" cmpd="sng" algn="ctr">
+                      <a:solidFill>
+                        <a:schemeClr val="tx1"/>
+                      </a:solidFill>
+                      <a:prstDash val="sysDash"/>
+                      <a:round/>
+                      <a:headEnd type="none" w="med" len="med"/>
+                      <a:tailEnd type="none" w="med" len="med"/>
+                    </a:lnL>
+                    <a:lnR w="6350" cap="flat" cmpd="sng" algn="ctr">
+                      <a:solidFill>
+                        <a:schemeClr val="tx1"/>
+                      </a:solidFill>
+                      <a:prstDash val="sysDash"/>
+                      <a:round/>
+                      <a:headEnd type="none" w="med" len="med"/>
+                      <a:tailEnd type="none" w="med" len="med"/>
+                    </a:lnR>
+                    <a:lnT w="6350" cap="flat" cmpd="sng" algn="ctr">
+                      <a:solidFill>
+                        <a:schemeClr val="tx1"/>
+                      </a:solidFill>
+                      <a:prstDash val="sysDash"/>
+                      <a:round/>
+                      <a:headEnd type="none" w="med" len="med"/>
+                      <a:tailEnd type="none" w="med" len="med"/>
+                    </a:lnT>
+                    <a:lnB w="6350" cap="flat" cmpd="sng" algn="ctr">
+                      <a:solidFill>
+                        <a:schemeClr val="tx1"/>
+                      </a:solidFill>
+                      <a:prstDash val="sysDash"/>
+                      <a:round/>
+                      <a:headEnd type="none" w="med" len="med"/>
+                      <a:tailEnd type="none" w="med" len="med"/>
+                    </a:lnB>
+                  </a:tcPr>
+                </a:tc>
+                <a:tc>
+                  <a:txBody>
+                    <a:bodyPr/>
+                    <a:lstStyle/>
+                    <a:p>
+                      <a:pPr latinLnBrk="1"/>
+                      <a:endParaRPr lang="ko-KR" altLang="en-US" sz="1200" dirty="0"/>
+                    </a:p>
+                  </a:txBody>
+                  <a:tcPr marL="58297" marR="58297" marT="29148" marB="29148">
+                    <a:lnL w="6350" cap="flat" cmpd="sng" algn="ctr">
+                      <a:solidFill>
+                        <a:schemeClr val="tx1"/>
+                      </a:solidFill>
+                      <a:prstDash val="sysDash"/>
+                      <a:round/>
+                      <a:headEnd type="none" w="med" len="med"/>
+                      <a:tailEnd type="none" w="med" len="med"/>
+                    </a:lnL>
+                    <a:lnR w="6350" cap="flat" cmpd="sng" algn="ctr">
+                      <a:solidFill>
+                        <a:schemeClr val="tx1"/>
+                      </a:solidFill>
+                      <a:prstDash val="sysDash"/>
+                      <a:round/>
+                      <a:headEnd type="none" w="med" len="med"/>
+                      <a:tailEnd type="none" w="med" len="med"/>
+                    </a:lnR>
+                    <a:lnT w="6350" cap="flat" cmpd="sng" algn="ctr">
+                      <a:solidFill>
+                        <a:schemeClr val="tx1"/>
+                      </a:solidFill>
+                      <a:prstDash val="sysDash"/>
+                      <a:round/>
+                      <a:headEnd type="none" w="med" len="med"/>
+                      <a:tailEnd type="none" w="med" len="med"/>
+                    </a:lnT>
+                    <a:lnB w="6350" cap="flat" cmpd="sng" algn="ctr">
+                      <a:solidFill>
+                        <a:schemeClr val="tx1"/>
+                      </a:solidFill>
+                      <a:prstDash val="sysDash"/>
+                      <a:round/>
+                      <a:headEnd type="none" w="med" len="med"/>
+                      <a:tailEnd type="none" w="med" len="med"/>
+                    </a:lnB>
+                  </a:tcPr>
+                </a:tc>
+                <a:tc>
+                  <a:txBody>
+                    <a:bodyPr/>
+                    <a:lstStyle/>
+                    <a:p>
+                      <a:pPr latinLnBrk="1"/>
+                      <a:endParaRPr lang="ko-KR" altLang="en-US" sz="1200"/>
+                    </a:p>
+                  </a:txBody>
+                  <a:tcPr marL="58297" marR="58297" marT="29148" marB="29148">
+                    <a:lnL w="6350" cap="flat" cmpd="sng" algn="ctr">
+                      <a:solidFill>
+                        <a:schemeClr val="tx1"/>
+                      </a:solidFill>
+                      <a:prstDash val="sysDash"/>
+                      <a:round/>
+                      <a:headEnd type="none" w="med" len="med"/>
+                      <a:tailEnd type="none" w="med" len="med"/>
+                    </a:lnL>
+                    <a:lnR w="6350" cap="flat" cmpd="sng" algn="ctr">
+                      <a:solidFill>
+                        <a:schemeClr val="tx1"/>
+                      </a:solidFill>
+                      <a:prstDash val="sysDash"/>
+                      <a:round/>
+                      <a:headEnd type="none" w="med" len="med"/>
+                      <a:tailEnd type="none" w="med" len="med"/>
+                    </a:lnR>
+                    <a:lnT w="6350" cap="flat" cmpd="sng" algn="ctr">
+                      <a:solidFill>
+                        <a:schemeClr val="tx1"/>
+                      </a:solidFill>
+                      <a:prstDash val="sysDash"/>
+                      <a:round/>
+                      <a:headEnd type="none" w="med" len="med"/>
+                      <a:tailEnd type="none" w="med" len="med"/>
+                    </a:lnT>
+                    <a:lnB w="6350" cap="flat" cmpd="sng" algn="ctr">
+                      <a:solidFill>
+                        <a:schemeClr val="tx1"/>
+                      </a:solidFill>
+                      <a:prstDash val="sysDash"/>
+                      <a:round/>
+                      <a:headEnd type="none" w="med" len="med"/>
+                      <a:tailEnd type="none" w="med" len="med"/>
+                    </a:lnB>
+                  </a:tcPr>
+                </a:tc>
+                <a:extLst>
+                  <a:ext uri="{0D108BD9-81ED-4DB2-BD59-A6C34878D82A}">
+                    <a16:rowId xmlns:a16="http://schemas.microsoft.com/office/drawing/2014/main" val="1056528146"/>
+                  </a:ext>
+                </a:extLst>
+              </a:tr>
+              <a:tr h="253399">
+                <a:tc>
+                  <a:txBody>
+                    <a:bodyPr/>
+                    <a:lstStyle/>
+                    <a:p>
+                      <a:pPr latinLnBrk="1"/>
+                      <a:endParaRPr lang="ko-KR" altLang="en-US" sz="1200" dirty="0"/>
+                    </a:p>
+                  </a:txBody>
+                  <a:tcPr marL="58297" marR="58297" marT="29148" marB="29148">
+                    <a:lnL w="6350" cap="flat" cmpd="sng" algn="ctr">
+                      <a:solidFill>
+                        <a:schemeClr val="tx1"/>
+                      </a:solidFill>
+                      <a:prstDash val="sysDash"/>
+                      <a:round/>
+                      <a:headEnd type="none" w="med" len="med"/>
+                      <a:tailEnd type="none" w="med" len="med"/>
+                    </a:lnL>
+                    <a:lnR w="6350" cap="flat" cmpd="sng" algn="ctr">
+                      <a:solidFill>
+                        <a:schemeClr val="tx1"/>
+                      </a:solidFill>
+                      <a:prstDash val="sysDash"/>
+                      <a:round/>
+                      <a:headEnd type="none" w="med" len="med"/>
+                      <a:tailEnd type="none" w="med" len="med"/>
+                    </a:lnR>
+                    <a:lnT w="6350" cap="flat" cmpd="sng" algn="ctr">
+                      <a:solidFill>
+                        <a:schemeClr val="tx1"/>
+                      </a:solidFill>
+                      <a:prstDash val="sysDash"/>
+                      <a:round/>
+                      <a:headEnd type="none" w="med" len="med"/>
+                      <a:tailEnd type="none" w="med" len="med"/>
+                    </a:lnT>
+                    <a:lnB w="6350" cap="flat" cmpd="sng" algn="ctr">
+                      <a:solidFill>
+                        <a:schemeClr val="tx1"/>
+                      </a:solidFill>
+                      <a:prstDash val="sysDash"/>
+                      <a:round/>
+                      <a:headEnd type="none" w="med" len="med"/>
+                      <a:tailEnd type="none" w="med" len="med"/>
+                    </a:lnB>
+                  </a:tcPr>
+                </a:tc>
+                <a:tc>
+                  <a:txBody>
+                    <a:bodyPr/>
+                    <a:lstStyle/>
+                    <a:p>
+                      <a:pPr latinLnBrk="1"/>
+                      <a:endParaRPr lang="ko-KR" altLang="en-US" sz="1200" dirty="0"/>
+                    </a:p>
+                  </a:txBody>
+                  <a:tcPr marL="58297" marR="58297" marT="29148" marB="29148">
+                    <a:lnL w="6350" cap="flat" cmpd="sng" algn="ctr">
+                      <a:solidFill>
+                        <a:schemeClr val="tx1"/>
+                      </a:solidFill>
+                      <a:prstDash val="sysDash"/>
+                      <a:round/>
+                      <a:headEnd type="none" w="med" len="med"/>
+                      <a:tailEnd type="none" w="med" len="med"/>
+                    </a:lnL>
+                    <a:lnR w="6350" cap="flat" cmpd="sng" algn="ctr">
+                      <a:solidFill>
+                        <a:schemeClr val="tx1"/>
+                      </a:solidFill>
+                      <a:prstDash val="sysDash"/>
+                      <a:round/>
+                      <a:headEnd type="none" w="med" len="med"/>
+                      <a:tailEnd type="none" w="med" len="med"/>
+                    </a:lnR>
+                    <a:lnT w="6350" cap="flat" cmpd="sng" algn="ctr">
+                      <a:solidFill>
+                        <a:schemeClr val="tx1"/>
+                      </a:solidFill>
+                      <a:prstDash val="sysDash"/>
+                      <a:round/>
+                      <a:headEnd type="none" w="med" len="med"/>
+                      <a:tailEnd type="none" w="med" len="med"/>
+                    </a:lnT>
+                    <a:lnB w="6350" cap="flat" cmpd="sng" algn="ctr">
+                      <a:solidFill>
+                        <a:schemeClr val="tx1"/>
+                      </a:solidFill>
+                      <a:prstDash val="sysDash"/>
+                      <a:round/>
+                      <a:headEnd type="none" w="med" len="med"/>
+                      <a:tailEnd type="none" w="med" len="med"/>
+                    </a:lnB>
+                  </a:tcPr>
+                </a:tc>
+                <a:tc>
+                  <a:txBody>
+                    <a:bodyPr/>
+                    <a:lstStyle/>
+                    <a:p>
+                      <a:pPr latinLnBrk="1"/>
+                      <a:endParaRPr lang="ko-KR" altLang="en-US" sz="1200" dirty="0"/>
+                    </a:p>
+                  </a:txBody>
+                  <a:tcPr marL="58297" marR="58297" marT="29148" marB="29148">
+                    <a:lnL w="6350" cap="flat" cmpd="sng" algn="ctr">
+                      <a:solidFill>
+                        <a:schemeClr val="tx1"/>
+                      </a:solidFill>
+                      <a:prstDash val="sysDash"/>
+                      <a:round/>
+                      <a:headEnd type="none" w="med" len="med"/>
+                      <a:tailEnd type="none" w="med" len="med"/>
+                    </a:lnL>
+                    <a:lnR w="6350" cap="flat" cmpd="sng" algn="ctr">
+                      <a:solidFill>
+                        <a:schemeClr val="tx1"/>
+                      </a:solidFill>
+                      <a:prstDash val="sysDash"/>
+                      <a:round/>
+                      <a:headEnd type="none" w="med" len="med"/>
+                      <a:tailEnd type="none" w="med" len="med"/>
+                    </a:lnR>
+                    <a:lnT w="6350" cap="flat" cmpd="sng" algn="ctr">
+                      <a:solidFill>
+                        <a:schemeClr val="tx1"/>
+                      </a:solidFill>
+                      <a:prstDash val="sysDash"/>
+                      <a:round/>
+                      <a:headEnd type="none" w="med" len="med"/>
+                      <a:tailEnd type="none" w="med" len="med"/>
+                    </a:lnT>
+                    <a:lnB w="6350" cap="flat" cmpd="sng" algn="ctr">
+                      <a:solidFill>
+                        <a:schemeClr val="tx1"/>
+                      </a:solidFill>
+                      <a:prstDash val="sysDash"/>
+                      <a:round/>
+                      <a:headEnd type="none" w="med" len="med"/>
+                      <a:tailEnd type="none" w="med" len="med"/>
+                    </a:lnB>
+                  </a:tcPr>
+                </a:tc>
+                <a:extLst>
+                  <a:ext uri="{0D108BD9-81ED-4DB2-BD59-A6C34878D82A}">
+                    <a16:rowId xmlns:a16="http://schemas.microsoft.com/office/drawing/2014/main" val="3302797451"/>
+                  </a:ext>
+                </a:extLst>
+              </a:tr>
+              <a:tr h="253399">
+                <a:tc>
+                  <a:txBody>
+                    <a:bodyPr/>
+                    <a:lstStyle/>
+                    <a:p>
+                      <a:pPr latinLnBrk="1"/>
+                      <a:endParaRPr lang="ko-KR" altLang="en-US" sz="1200" dirty="0"/>
+                    </a:p>
+                  </a:txBody>
+                  <a:tcPr marL="58297" marR="58297" marT="29148" marB="29148">
+                    <a:lnL w="6350" cap="flat" cmpd="sng" algn="ctr">
+                      <a:solidFill>
+                        <a:schemeClr val="tx1"/>
+                      </a:solidFill>
+                      <a:prstDash val="sysDash"/>
+                      <a:round/>
+                      <a:headEnd type="none" w="med" len="med"/>
+                      <a:tailEnd type="none" w="med" len="med"/>
+                    </a:lnL>
+                    <a:lnR w="6350" cap="flat" cmpd="sng" algn="ctr">
+                      <a:solidFill>
+                        <a:schemeClr val="tx1"/>
+                      </a:solidFill>
+                      <a:prstDash val="sysDash"/>
+                      <a:round/>
+                      <a:headEnd type="none" w="med" len="med"/>
+                      <a:tailEnd type="none" w="med" len="med"/>
+                    </a:lnR>
+                    <a:lnT w="6350" cap="flat" cmpd="sng" algn="ctr">
+                      <a:solidFill>
+                        <a:schemeClr val="tx1"/>
+                      </a:solidFill>
+                      <a:prstDash val="sysDash"/>
+                      <a:round/>
+                      <a:headEnd type="none" w="med" len="med"/>
+                      <a:tailEnd type="none" w="med" len="med"/>
+                    </a:lnT>
+                    <a:lnB w="6350" cap="flat" cmpd="sng" algn="ctr">
+                      <a:solidFill>
+                        <a:schemeClr val="tx1"/>
+                      </a:solidFill>
+                      <a:prstDash val="sysDash"/>
+                      <a:round/>
+                      <a:headEnd type="none" w="med" len="med"/>
+                      <a:tailEnd type="none" w="med" len="med"/>
+                    </a:lnB>
+                  </a:tcPr>
+                </a:tc>
+                <a:tc>
+                  <a:txBody>
+                    <a:bodyPr/>
+                    <a:lstStyle/>
+                    <a:p>
+                      <a:pPr latinLnBrk="1"/>
+                      <a:endParaRPr lang="ko-KR" altLang="en-US" sz="1200" dirty="0"/>
+                    </a:p>
+                  </a:txBody>
+                  <a:tcPr marL="58297" marR="58297" marT="29148" marB="29148">
+                    <a:lnL w="6350" cap="flat" cmpd="sng" algn="ctr">
+                      <a:solidFill>
+                        <a:schemeClr val="tx1"/>
+                      </a:solidFill>
+                      <a:prstDash val="sysDash"/>
+                      <a:round/>
+                      <a:headEnd type="none" w="med" len="med"/>
+                      <a:tailEnd type="none" w="med" len="med"/>
+                    </a:lnL>
+                    <a:lnR w="6350" cap="flat" cmpd="sng" algn="ctr">
+                      <a:solidFill>
+                        <a:schemeClr val="tx1"/>
+                      </a:solidFill>
+                      <a:prstDash val="sysDash"/>
+                      <a:round/>
+                      <a:headEnd type="none" w="med" len="med"/>
+                      <a:tailEnd type="none" w="med" len="med"/>
+                    </a:lnR>
+                    <a:lnT w="6350" cap="flat" cmpd="sng" algn="ctr">
+                      <a:solidFill>
+                        <a:schemeClr val="tx1"/>
+                      </a:solidFill>
+                      <a:prstDash val="sysDash"/>
+                      <a:round/>
+                      <a:headEnd type="none" w="med" len="med"/>
+                      <a:tailEnd type="none" w="med" len="med"/>
+                    </a:lnT>
+                    <a:lnB w="6350" cap="flat" cmpd="sng" algn="ctr">
+                      <a:solidFill>
+                        <a:schemeClr val="tx1"/>
+                      </a:solidFill>
+                      <a:prstDash val="sysDash"/>
+                      <a:round/>
+                      <a:headEnd type="none" w="med" len="med"/>
+                      <a:tailEnd type="none" w="med" len="med"/>
+                    </a:lnB>
+                  </a:tcPr>
+                </a:tc>
+                <a:tc>
+                  <a:txBody>
+                    <a:bodyPr/>
+                    <a:lstStyle/>
+                    <a:p>
+                      <a:pPr latinLnBrk="1"/>
+                      <a:endParaRPr lang="ko-KR" altLang="en-US" sz="1200"/>
+                    </a:p>
+                  </a:txBody>
+                  <a:tcPr marL="58297" marR="58297" marT="29148" marB="29148">
+                    <a:lnL w="6350" cap="flat" cmpd="sng" algn="ctr">
+                      <a:solidFill>
+                        <a:schemeClr val="tx1"/>
+                      </a:solidFill>
+                      <a:prstDash val="sysDash"/>
+                      <a:round/>
+                      <a:headEnd type="none" w="med" len="med"/>
+                      <a:tailEnd type="none" w="med" len="med"/>
+                    </a:lnL>
+                    <a:lnR w="6350" cap="flat" cmpd="sng" algn="ctr">
+                      <a:solidFill>
+                        <a:schemeClr val="tx1"/>
+                      </a:solidFill>
+                      <a:prstDash val="sysDash"/>
+                      <a:round/>
+                      <a:headEnd type="none" w="med" len="med"/>
+                      <a:tailEnd type="none" w="med" len="med"/>
+                    </a:lnR>
+                    <a:lnT w="6350" cap="flat" cmpd="sng" algn="ctr">
+                      <a:solidFill>
+                        <a:schemeClr val="tx1"/>
+                      </a:solidFill>
+                      <a:prstDash val="sysDash"/>
+                      <a:round/>
+                      <a:headEnd type="none" w="med" len="med"/>
+                      <a:tailEnd type="none" w="med" len="med"/>
+                    </a:lnT>
+                    <a:lnB w="6350" cap="flat" cmpd="sng" algn="ctr">
+                      <a:solidFill>
+                        <a:schemeClr val="tx1"/>
+                      </a:solidFill>
+                      <a:prstDash val="sysDash"/>
+                      <a:round/>
+                      <a:headEnd type="none" w="med" len="med"/>
+                      <a:tailEnd type="none" w="med" len="med"/>
+                    </a:lnB>
+                  </a:tcPr>
+                </a:tc>
+                <a:extLst>
+                  <a:ext uri="{0D108BD9-81ED-4DB2-BD59-A6C34878D82A}">
+                    <a16:rowId xmlns:a16="http://schemas.microsoft.com/office/drawing/2014/main" val="841479466"/>
+                  </a:ext>
+                </a:extLst>
+              </a:tr>
+              <a:tr h="253399">
+                <a:tc>
+                  <a:txBody>
+                    <a:bodyPr/>
+                    <a:lstStyle/>
+                    <a:p>
+                      <a:pPr latinLnBrk="1"/>
+                      <a:endParaRPr lang="ko-KR" altLang="en-US" sz="1200" dirty="0"/>
+                    </a:p>
+                  </a:txBody>
+                  <a:tcPr marL="58297" marR="58297" marT="29148" marB="29148">
+                    <a:lnL w="6350" cap="flat" cmpd="sng" algn="ctr">
+                      <a:solidFill>
+                        <a:schemeClr val="tx1"/>
+                      </a:solidFill>
+                      <a:prstDash val="sysDash"/>
+                      <a:round/>
+                      <a:headEnd type="none" w="med" len="med"/>
+                      <a:tailEnd type="none" w="med" len="med"/>
+                    </a:lnL>
+                    <a:lnR w="6350" cap="flat" cmpd="sng" algn="ctr">
+                      <a:solidFill>
+                        <a:schemeClr val="tx1"/>
+                      </a:solidFill>
+                      <a:prstDash val="sysDash"/>
+                      <a:round/>
+                      <a:headEnd type="none" w="med" len="med"/>
+                      <a:tailEnd type="none" w="med" len="med"/>
+                    </a:lnR>
+                    <a:lnT w="6350" cap="flat" cmpd="sng" algn="ctr">
+                      <a:solidFill>
+                        <a:schemeClr val="tx1"/>
+                      </a:solidFill>
+                      <a:prstDash val="sysDash"/>
+                      <a:round/>
+                      <a:headEnd type="none" w="med" len="med"/>
+                      <a:tailEnd type="none" w="med" len="med"/>
+                    </a:lnT>
+                    <a:lnB w="6350" cap="flat" cmpd="sng" algn="ctr">
+                      <a:solidFill>
+                        <a:schemeClr val="tx1"/>
+                      </a:solidFill>
+                      <a:prstDash val="sysDash"/>
+                      <a:round/>
+                      <a:headEnd type="none" w="med" len="med"/>
+                      <a:tailEnd type="none" w="med" len="med"/>
+                    </a:lnB>
+                  </a:tcPr>
+                </a:tc>
+                <a:tc>
+                  <a:txBody>
+                    <a:bodyPr/>
+                    <a:lstStyle/>
+                    <a:p>
+                      <a:pPr latinLnBrk="1"/>
+                      <a:endParaRPr lang="ko-KR" altLang="en-US" sz="1200" dirty="0"/>
+                    </a:p>
+                  </a:txBody>
+                  <a:tcPr marL="58297" marR="58297" marT="29148" marB="29148">
+                    <a:lnL w="6350" cap="flat" cmpd="sng" algn="ctr">
+                      <a:solidFill>
+                        <a:schemeClr val="tx1"/>
+                      </a:solidFill>
+                      <a:prstDash val="sysDash"/>
+                      <a:round/>
+                      <a:headEnd type="none" w="med" len="med"/>
+                      <a:tailEnd type="none" w="med" len="med"/>
+                    </a:lnL>
+                    <a:lnR w="6350" cap="flat" cmpd="sng" algn="ctr">
+                      <a:solidFill>
+                        <a:schemeClr val="tx1"/>
+                      </a:solidFill>
+                      <a:prstDash val="sysDash"/>
+                      <a:round/>
+                      <a:headEnd type="none" w="med" len="med"/>
+                      <a:tailEnd type="none" w="med" len="med"/>
+                    </a:lnR>
+                    <a:lnT w="6350" cap="flat" cmpd="sng" algn="ctr">
+                      <a:solidFill>
+                        <a:schemeClr val="tx1"/>
+                      </a:solidFill>
+                      <a:prstDash val="sysDash"/>
+                      <a:round/>
+                      <a:headEnd type="none" w="med" len="med"/>
+                      <a:tailEnd type="none" w="med" len="med"/>
+                    </a:lnT>
+                    <a:lnB w="6350" cap="flat" cmpd="sng" algn="ctr">
+                      <a:solidFill>
+                        <a:schemeClr val="tx1"/>
+                      </a:solidFill>
+                      <a:prstDash val="sysDash"/>
+                      <a:round/>
+                      <a:headEnd type="none" w="med" len="med"/>
+                      <a:tailEnd type="none" w="med" len="med"/>
+                    </a:lnB>
+                  </a:tcPr>
+                </a:tc>
+                <a:tc>
+                  <a:txBody>
+                    <a:bodyPr/>
+                    <a:lstStyle/>
+                    <a:p>
+                      <a:pPr latinLnBrk="1"/>
+                      <a:endParaRPr lang="ko-KR" altLang="en-US" sz="1200"/>
+                    </a:p>
+                  </a:txBody>
+                  <a:tcPr marL="58297" marR="58297" marT="29148" marB="29148">
+                    <a:lnL w="6350" cap="flat" cmpd="sng" algn="ctr">
+                      <a:solidFill>
+                        <a:schemeClr val="tx1"/>
+                      </a:solidFill>
+                      <a:prstDash val="sysDash"/>
+                      <a:round/>
+                      <a:headEnd type="none" w="med" len="med"/>
+                      <a:tailEnd type="none" w="med" len="med"/>
+                    </a:lnL>
+                    <a:lnR w="6350" cap="flat" cmpd="sng" algn="ctr">
+                      <a:solidFill>
+                        <a:schemeClr val="tx1"/>
+                      </a:solidFill>
+                      <a:prstDash val="sysDash"/>
+                      <a:round/>
+                      <a:headEnd type="none" w="med" len="med"/>
+                      <a:tailEnd type="none" w="med" len="med"/>
+                    </a:lnR>
+                    <a:lnT w="6350" cap="flat" cmpd="sng" algn="ctr">
+                      <a:solidFill>
+                        <a:schemeClr val="tx1"/>
+                      </a:solidFill>
+                      <a:prstDash val="sysDash"/>
+                      <a:round/>
+                      <a:headEnd type="none" w="med" len="med"/>
+                      <a:tailEnd type="none" w="med" len="med"/>
+                    </a:lnT>
+                    <a:lnB w="6350" cap="flat" cmpd="sng" algn="ctr">
+                      <a:solidFill>
+                        <a:schemeClr val="tx1"/>
+                      </a:solidFill>
+                      <a:prstDash val="sysDash"/>
+                      <a:round/>
+                      <a:headEnd type="none" w="med" len="med"/>
+                      <a:tailEnd type="none" w="med" len="med"/>
+                    </a:lnB>
+                  </a:tcPr>
+                </a:tc>
+                <a:extLst>
+                  <a:ext uri="{0D108BD9-81ED-4DB2-BD59-A6C34878D82A}">
+                    <a16:rowId xmlns:a16="http://schemas.microsoft.com/office/drawing/2014/main" val="3625051012"/>
+                  </a:ext>
+                </a:extLst>
+              </a:tr>
+              <a:tr h="253399">
+                <a:tc>
+                  <a:txBody>
+                    <a:bodyPr/>
+                    <a:lstStyle/>
+                    <a:p>
+                      <a:pPr latinLnBrk="1"/>
+                      <a:endParaRPr lang="ko-KR" altLang="en-US" sz="1200" dirty="0"/>
+                    </a:p>
+                  </a:txBody>
+                  <a:tcPr marL="58297" marR="58297" marT="29148" marB="29148">
+                    <a:lnL w="6350" cap="flat" cmpd="sng" algn="ctr">
+                      <a:solidFill>
+                        <a:schemeClr val="tx1"/>
+                      </a:solidFill>
+                      <a:prstDash val="sysDash"/>
+                      <a:round/>
+                      <a:headEnd type="none" w="med" len="med"/>
+                      <a:tailEnd type="none" w="med" len="med"/>
+                    </a:lnL>
+                    <a:lnR w="6350" cap="flat" cmpd="sng" algn="ctr">
+                      <a:solidFill>
+                        <a:schemeClr val="tx1"/>
+                      </a:solidFill>
+                      <a:prstDash val="sysDash"/>
+                      <a:round/>
+                      <a:headEnd type="none" w="med" len="med"/>
+                      <a:tailEnd type="none" w="med" len="med"/>
+                    </a:lnR>
+                    <a:lnT w="6350" cap="flat" cmpd="sng" algn="ctr">
+                      <a:solidFill>
+                        <a:schemeClr val="tx1"/>
+                      </a:solidFill>
+                      <a:prstDash val="sysDash"/>
+                      <a:round/>
+                      <a:headEnd type="none" w="med" len="med"/>
+                      <a:tailEnd type="none" w="med" len="med"/>
+                    </a:lnT>
+                    <a:lnB w="6350" cap="flat" cmpd="sng" algn="ctr">
+                      <a:solidFill>
+                        <a:schemeClr val="tx1"/>
+                      </a:solidFill>
+                      <a:prstDash val="sysDash"/>
+                      <a:round/>
+                      <a:headEnd type="none" w="med" len="med"/>
+                      <a:tailEnd type="none" w="med" len="med"/>
+                    </a:lnB>
+                  </a:tcPr>
+                </a:tc>
+                <a:tc>
+                  <a:txBody>
+                    <a:bodyPr/>
+                    <a:lstStyle/>
+                    <a:p>
+                      <a:pPr latinLnBrk="1"/>
+                      <a:endParaRPr lang="ko-KR" altLang="en-US" sz="1200" dirty="0"/>
+                    </a:p>
+                  </a:txBody>
+                  <a:tcPr marL="58297" marR="58297" marT="29148" marB="29148">
+                    <a:lnL w="6350" cap="flat" cmpd="sng" algn="ctr">
+                      <a:solidFill>
+                        <a:schemeClr val="tx1"/>
+                      </a:solidFill>
+                      <a:prstDash val="sysDash"/>
+                      <a:round/>
+                      <a:headEnd type="none" w="med" len="med"/>
+                      <a:tailEnd type="none" w="med" len="med"/>
+                    </a:lnL>
+                    <a:lnR w="6350" cap="flat" cmpd="sng" algn="ctr">
+                      <a:solidFill>
+                        <a:schemeClr val="tx1"/>
+                      </a:solidFill>
+                      <a:prstDash val="sysDash"/>
+                      <a:round/>
+                      <a:headEnd type="none" w="med" len="med"/>
+                      <a:tailEnd type="none" w="med" len="med"/>
+                    </a:lnR>
+                    <a:lnT w="6350" cap="flat" cmpd="sng" algn="ctr">
+                      <a:solidFill>
+                        <a:schemeClr val="tx1"/>
+                      </a:solidFill>
+                      <a:prstDash val="sysDash"/>
+                      <a:round/>
+                      <a:headEnd type="none" w="med" len="med"/>
+                      <a:tailEnd type="none" w="med" len="med"/>
+                    </a:lnT>
+                    <a:lnB w="6350" cap="flat" cmpd="sng" algn="ctr">
+                      <a:solidFill>
+                        <a:schemeClr val="tx1"/>
+                      </a:solidFill>
+                      <a:prstDash val="sysDash"/>
+                      <a:round/>
+                      <a:headEnd type="none" w="med" len="med"/>
+                      <a:tailEnd type="none" w="med" len="med"/>
+                    </a:lnB>
+                  </a:tcPr>
+                </a:tc>
+                <a:tc>
+                  <a:txBody>
+                    <a:bodyPr/>
+                    <a:lstStyle/>
+                    <a:p>
+                      <a:pPr latinLnBrk="1"/>
+                      <a:endParaRPr lang="ko-KR" altLang="en-US" sz="1200"/>
+                    </a:p>
+                  </a:txBody>
+                  <a:tcPr marL="58297" marR="58297" marT="29148" marB="29148">
+                    <a:lnL w="6350" cap="flat" cmpd="sng" algn="ctr">
+                      <a:solidFill>
+                        <a:schemeClr val="tx1"/>
+                      </a:solidFill>
+                      <a:prstDash val="sysDash"/>
+                      <a:round/>
+                      <a:headEnd type="none" w="med" len="med"/>
+                      <a:tailEnd type="none" w="med" len="med"/>
+                    </a:lnL>
+                    <a:lnR w="6350" cap="flat" cmpd="sng" algn="ctr">
+                      <a:solidFill>
+                        <a:schemeClr val="tx1"/>
+                      </a:solidFill>
+                      <a:prstDash val="sysDash"/>
+                      <a:round/>
+                      <a:headEnd type="none" w="med" len="med"/>
+                      <a:tailEnd type="none" w="med" len="med"/>
+                    </a:lnR>
+                    <a:lnT w="6350" cap="flat" cmpd="sng" algn="ctr">
+                      <a:solidFill>
+                        <a:schemeClr val="tx1"/>
+                      </a:solidFill>
+                      <a:prstDash val="sysDash"/>
+                      <a:round/>
+                      <a:headEnd type="none" w="med" len="med"/>
+                      <a:tailEnd type="none" w="med" len="med"/>
+                    </a:lnT>
+                    <a:lnB w="6350" cap="flat" cmpd="sng" algn="ctr">
+                      <a:solidFill>
+                        <a:schemeClr val="tx1"/>
+                      </a:solidFill>
+                      <a:prstDash val="sysDash"/>
+                      <a:round/>
+                      <a:headEnd type="none" w="med" len="med"/>
+                      <a:tailEnd type="none" w="med" len="med"/>
+                    </a:lnB>
+                  </a:tcPr>
+                </a:tc>
+                <a:extLst>
+                  <a:ext uri="{0D108BD9-81ED-4DB2-BD59-A6C34878D82A}">
+                    <a16:rowId xmlns:a16="http://schemas.microsoft.com/office/drawing/2014/main" val="931402352"/>
+                  </a:ext>
+                </a:extLst>
+              </a:tr>
+              <a:tr h="253399">
+                <a:tc>
+                  <a:txBody>
+                    <a:bodyPr/>
+                    <a:lstStyle/>
+                    <a:p>
+                      <a:pPr latinLnBrk="1"/>
+                      <a:endParaRPr lang="ko-KR" altLang="en-US" sz="1200" dirty="0"/>
+                    </a:p>
+                  </a:txBody>
+                  <a:tcPr marL="58297" marR="58297" marT="29148" marB="29148">
+                    <a:lnL w="6350" cap="flat" cmpd="sng" algn="ctr">
+                      <a:solidFill>
+                        <a:schemeClr val="tx1"/>
+                      </a:solidFill>
+                      <a:prstDash val="sysDash"/>
+                      <a:round/>
+                      <a:headEnd type="none" w="med" len="med"/>
+                      <a:tailEnd type="none" w="med" len="med"/>
+                    </a:lnL>
+                    <a:lnR w="6350" cap="flat" cmpd="sng" algn="ctr">
+                      <a:solidFill>
+                        <a:schemeClr val="tx1"/>
+                      </a:solidFill>
+                      <a:prstDash val="sysDash"/>
+                      <a:round/>
+                      <a:headEnd type="none" w="med" len="med"/>
+                      <a:tailEnd type="none" w="med" len="med"/>
+                    </a:lnR>
+                    <a:lnT w="6350" cap="flat" cmpd="sng" algn="ctr">
+                      <a:solidFill>
+                        <a:schemeClr val="tx1"/>
+                      </a:solidFill>
+                      <a:prstDash val="sysDash"/>
+                      <a:round/>
+                      <a:headEnd type="none" w="med" len="med"/>
+                      <a:tailEnd type="none" w="med" len="med"/>
+                    </a:lnT>
+                    <a:lnB w="6350" cap="flat" cmpd="sng" algn="ctr">
+                      <a:solidFill>
+                        <a:schemeClr val="tx1"/>
+                      </a:solidFill>
+                      <a:prstDash val="sysDash"/>
+                      <a:round/>
+                      <a:headEnd type="none" w="med" len="med"/>
+                      <a:tailEnd type="none" w="med" len="med"/>
+                    </a:lnB>
+                  </a:tcPr>
+                </a:tc>
+                <a:tc>
+                  <a:txBody>
+                    <a:bodyPr/>
+                    <a:lstStyle/>
+                    <a:p>
+                      <a:pPr latinLnBrk="1"/>
+                      <a:endParaRPr lang="ko-KR" altLang="en-US" sz="1200" dirty="0"/>
+                    </a:p>
+                  </a:txBody>
+                  <a:tcPr marL="58297" marR="58297" marT="29148" marB="29148">
+                    <a:lnL w="6350" cap="flat" cmpd="sng" algn="ctr">
+                      <a:solidFill>
+                        <a:schemeClr val="tx1"/>
+                      </a:solidFill>
+                      <a:prstDash val="sysDash"/>
+                      <a:round/>
+                      <a:headEnd type="none" w="med" len="med"/>
+                      <a:tailEnd type="none" w="med" len="med"/>
+                    </a:lnL>
+                    <a:lnR w="6350" cap="flat" cmpd="sng" algn="ctr">
+                      <a:solidFill>
+                        <a:schemeClr val="tx1"/>
+                      </a:solidFill>
+                      <a:prstDash val="sysDash"/>
+                      <a:round/>
+                      <a:headEnd type="none" w="med" len="med"/>
+                      <a:tailEnd type="none" w="med" len="med"/>
+                    </a:lnR>
+                    <a:lnT w="6350" cap="flat" cmpd="sng" algn="ctr">
+                      <a:solidFill>
+                        <a:schemeClr val="tx1"/>
+                      </a:solidFill>
+                      <a:prstDash val="sysDash"/>
+                      <a:round/>
+                      <a:headEnd type="none" w="med" len="med"/>
+                      <a:tailEnd type="none" w="med" len="med"/>
+                    </a:lnT>
+                    <a:lnB w="6350" cap="flat" cmpd="sng" algn="ctr">
+                      <a:solidFill>
+                        <a:schemeClr val="tx1"/>
+                      </a:solidFill>
+                      <a:prstDash val="sysDash"/>
+                      <a:round/>
+                      <a:headEnd type="none" w="med" len="med"/>
+                      <a:tailEnd type="none" w="med" len="med"/>
+                    </a:lnB>
+                  </a:tcPr>
+                </a:tc>
+                <a:tc>
+                  <a:txBody>
+                    <a:bodyPr/>
+                    <a:lstStyle/>
+                    <a:p>
+                      <a:pPr latinLnBrk="1"/>
+                      <a:endParaRPr lang="ko-KR" altLang="en-US" sz="1200" dirty="0"/>
+                    </a:p>
+                  </a:txBody>
+                  <a:tcPr marL="58297" marR="58297" marT="29148" marB="29148">
+                    <a:lnL w="6350" cap="flat" cmpd="sng" algn="ctr">
+                      <a:solidFill>
+                        <a:schemeClr val="tx1"/>
+                      </a:solidFill>
+                      <a:prstDash val="sysDash"/>
+                      <a:round/>
+                      <a:headEnd type="none" w="med" len="med"/>
+                      <a:tailEnd type="none" w="med" len="med"/>
+                    </a:lnL>
+                    <a:lnR w="6350" cap="flat" cmpd="sng" algn="ctr">
+                      <a:solidFill>
+                        <a:schemeClr val="tx1"/>
+                      </a:solidFill>
+                      <a:prstDash val="sysDash"/>
+                      <a:round/>
+                      <a:headEnd type="none" w="med" len="med"/>
+                      <a:tailEnd type="none" w="med" len="med"/>
+                    </a:lnR>
+                    <a:lnT w="6350" cap="flat" cmpd="sng" algn="ctr">
+                      <a:solidFill>
+                        <a:schemeClr val="tx1"/>
+                      </a:solidFill>
+                      <a:prstDash val="sysDash"/>
+                      <a:round/>
+                      <a:headEnd type="none" w="med" len="med"/>
+                      <a:tailEnd type="none" w="med" len="med"/>
+                    </a:lnT>
+                    <a:lnB w="6350" cap="flat" cmpd="sng" algn="ctr">
+                      <a:solidFill>
+                        <a:schemeClr val="tx1"/>
+                      </a:solidFill>
+                      <a:prstDash val="sysDash"/>
+                      <a:round/>
+                      <a:headEnd type="none" w="med" len="med"/>
+                      <a:tailEnd type="none" w="med" len="med"/>
+                    </a:lnB>
+                  </a:tcPr>
+                </a:tc>
+                <a:extLst>
+                  <a:ext uri="{0D108BD9-81ED-4DB2-BD59-A6C34878D82A}">
+                    <a16:rowId xmlns:a16="http://schemas.microsoft.com/office/drawing/2014/main" val="701652016"/>
+                  </a:ext>
+                </a:extLst>
+              </a:tr>
+              <a:tr h="253399">
+                <a:tc>
+                  <a:txBody>
+                    <a:bodyPr/>
+                    <a:lstStyle/>
+                    <a:p>
+                      <a:pPr latinLnBrk="1"/>
+                      <a:endParaRPr lang="ko-KR" altLang="en-US" sz="1200" dirty="0"/>
+                    </a:p>
+                  </a:txBody>
+                  <a:tcPr marL="58297" marR="58297" marT="29148" marB="29148">
+                    <a:lnL w="6350" cap="flat" cmpd="sng" algn="ctr">
+                      <a:solidFill>
+                        <a:schemeClr val="tx1"/>
+                      </a:solidFill>
+                      <a:prstDash val="sysDash"/>
+                      <a:round/>
+                      <a:headEnd type="none" w="med" len="med"/>
+                      <a:tailEnd type="none" w="med" len="med"/>
+                    </a:lnL>
+                    <a:lnR w="6350" cap="flat" cmpd="sng" algn="ctr">
+                      <a:solidFill>
+                        <a:schemeClr val="tx1"/>
+                      </a:solidFill>
+                      <a:prstDash val="sysDash"/>
+                      <a:round/>
+                      <a:headEnd type="none" w="med" len="med"/>
+                      <a:tailEnd type="none" w="med" len="med"/>
+                    </a:lnR>
+                    <a:lnT w="6350" cap="flat" cmpd="sng" algn="ctr">
+                      <a:solidFill>
+                        <a:schemeClr val="tx1"/>
+                      </a:solidFill>
+                      <a:prstDash val="sysDash"/>
+                      <a:round/>
+                      <a:headEnd type="none" w="med" len="med"/>
+                      <a:tailEnd type="none" w="med" len="med"/>
+                    </a:lnT>
+                    <a:lnB w="6350" cap="flat" cmpd="sng" algn="ctr">
+                      <a:solidFill>
+                        <a:schemeClr val="tx1"/>
+                      </a:solidFill>
+                      <a:prstDash val="sysDash"/>
+                      <a:round/>
+                      <a:headEnd type="none" w="med" len="med"/>
+                      <a:tailEnd type="none" w="med" len="med"/>
+                    </a:lnB>
+                  </a:tcPr>
+                </a:tc>
+                <a:tc>
+                  <a:txBody>
+                    <a:bodyPr/>
+                    <a:lstStyle/>
+                    <a:p>
+                      <a:pPr latinLnBrk="1"/>
+                      <a:endParaRPr lang="ko-KR" altLang="en-US" sz="1200" dirty="0"/>
+                    </a:p>
+                  </a:txBody>
+                  <a:tcPr marL="58297" marR="58297" marT="29148" marB="29148">
+                    <a:lnL w="6350" cap="flat" cmpd="sng" algn="ctr">
+                      <a:solidFill>
+                        <a:schemeClr val="tx1"/>
+                      </a:solidFill>
+                      <a:prstDash val="sysDash"/>
+                      <a:round/>
+                      <a:headEnd type="none" w="med" len="med"/>
+                      <a:tailEnd type="none" w="med" len="med"/>
+                    </a:lnL>
+                    <a:lnR w="6350" cap="flat" cmpd="sng" algn="ctr">
+                      <a:solidFill>
+                        <a:schemeClr val="tx1"/>
+                      </a:solidFill>
+                      <a:prstDash val="sysDash"/>
+                      <a:round/>
+                      <a:headEnd type="none" w="med" len="med"/>
+                      <a:tailEnd type="none" w="med" len="med"/>
+                    </a:lnR>
+                    <a:lnT w="6350" cap="flat" cmpd="sng" algn="ctr">
+                      <a:solidFill>
+                        <a:schemeClr val="tx1"/>
+                      </a:solidFill>
+                      <a:prstDash val="sysDash"/>
+                      <a:round/>
+                      <a:headEnd type="none" w="med" len="med"/>
+                      <a:tailEnd type="none" w="med" len="med"/>
+                    </a:lnT>
+                    <a:lnB w="6350" cap="flat" cmpd="sng" algn="ctr">
+                      <a:solidFill>
+                        <a:schemeClr val="tx1"/>
+                      </a:solidFill>
+                      <a:prstDash val="sysDash"/>
+                      <a:round/>
+                      <a:headEnd type="none" w="med" len="med"/>
+                      <a:tailEnd type="none" w="med" len="med"/>
+                    </a:lnB>
+                  </a:tcPr>
+                </a:tc>
+                <a:tc>
+                  <a:txBody>
+                    <a:bodyPr/>
+                    <a:lstStyle/>
+                    <a:p>
+                      <a:pPr latinLnBrk="1"/>
+                      <a:endParaRPr lang="ko-KR" altLang="en-US" sz="1200" dirty="0"/>
+                    </a:p>
+                  </a:txBody>
+                  <a:tcPr marL="58297" marR="58297" marT="29148" marB="29148">
+                    <a:lnL w="6350" cap="flat" cmpd="sng" algn="ctr">
+                      <a:solidFill>
+                        <a:schemeClr val="tx1"/>
+                      </a:solidFill>
+                      <a:prstDash val="sysDash"/>
+                      <a:round/>
+                      <a:headEnd type="none" w="med" len="med"/>
+                      <a:tailEnd type="none" w="med" len="med"/>
+                    </a:lnL>
+                    <a:lnR w="6350" cap="flat" cmpd="sng" algn="ctr">
+                      <a:solidFill>
+                        <a:schemeClr val="tx1"/>
+                      </a:solidFill>
+                      <a:prstDash val="sysDash"/>
+                      <a:round/>
+                      <a:headEnd type="none" w="med" len="med"/>
+                      <a:tailEnd type="none" w="med" len="med"/>
+                    </a:lnR>
+                    <a:lnT w="6350" cap="flat" cmpd="sng" algn="ctr">
+                      <a:solidFill>
+                        <a:schemeClr val="tx1"/>
+                      </a:solidFill>
+                      <a:prstDash val="sysDash"/>
+                      <a:round/>
+                      <a:headEnd type="none" w="med" len="med"/>
+                      <a:tailEnd type="none" w="med" len="med"/>
+                    </a:lnT>
+                    <a:lnB w="6350" cap="flat" cmpd="sng" algn="ctr">
+                      <a:solidFill>
+                        <a:schemeClr val="tx1"/>
+                      </a:solidFill>
+                      <a:prstDash val="sysDash"/>
+                      <a:round/>
+                      <a:headEnd type="none" w="med" len="med"/>
+                      <a:tailEnd type="none" w="med" len="med"/>
+                    </a:lnB>
+                  </a:tcPr>
+                </a:tc>
+                <a:extLst>
+                  <a:ext uri="{0D108BD9-81ED-4DB2-BD59-A6C34878D82A}">
+                    <a16:rowId xmlns:a16="http://schemas.microsoft.com/office/drawing/2014/main" val="146817430"/>
+                  </a:ext>
+                </a:extLst>
+              </a:tr>
+              <a:tr h="253399">
+                <a:tc>
+                  <a:txBody>
+                    <a:bodyPr/>
+                    <a:lstStyle/>
+                    <a:p>
+                      <a:pPr latinLnBrk="1"/>
+                      <a:endParaRPr lang="ko-KR" altLang="en-US" sz="1200" dirty="0"/>
+                    </a:p>
+                  </a:txBody>
+                  <a:tcPr marL="58297" marR="58297" marT="29148" marB="29148">
+                    <a:lnL w="6350" cap="flat" cmpd="sng" algn="ctr">
+                      <a:solidFill>
+                        <a:schemeClr val="tx1"/>
+                      </a:solidFill>
+                      <a:prstDash val="sysDash"/>
+                      <a:round/>
+                      <a:headEnd type="none" w="med" len="med"/>
+                      <a:tailEnd type="none" w="med" len="med"/>
+                    </a:lnL>
+                    <a:lnR w="6350" cap="flat" cmpd="sng" algn="ctr">
+                      <a:solidFill>
+                        <a:schemeClr val="tx1"/>
+                      </a:solidFill>
+                      <a:prstDash val="sysDash"/>
+                      <a:round/>
+                      <a:headEnd type="none" w="med" len="med"/>
+                      <a:tailEnd type="none" w="med" len="med"/>
+                    </a:lnR>
+                    <a:lnT w="6350" cap="flat" cmpd="sng" algn="ctr">
+                      <a:solidFill>
+                        <a:schemeClr val="tx1"/>
+                      </a:solidFill>
+                      <a:prstDash val="sysDash"/>
+                      <a:round/>
+                      <a:headEnd type="none" w="med" len="med"/>
+                      <a:tailEnd type="none" w="med" len="med"/>
+                    </a:lnT>
+                    <a:lnB w="6350" cap="flat" cmpd="sng" algn="ctr">
+                      <a:solidFill>
+                        <a:schemeClr val="tx1"/>
+                      </a:solidFill>
+                      <a:prstDash val="sysDash"/>
+                      <a:round/>
+                      <a:headEnd type="none" w="med" len="med"/>
+                      <a:tailEnd type="none" w="med" len="med"/>
+                    </a:lnB>
+                  </a:tcPr>
+                </a:tc>
+                <a:tc>
+                  <a:txBody>
+                    <a:bodyPr/>
+                    <a:lstStyle/>
+                    <a:p>
+                      <a:pPr latinLnBrk="1"/>
+                      <a:endParaRPr lang="ko-KR" altLang="en-US" sz="1200"/>
+                    </a:p>
+                  </a:txBody>
+                  <a:tcPr marL="58297" marR="58297" marT="29148" marB="29148">
+                    <a:lnL w="6350" cap="flat" cmpd="sng" algn="ctr">
+                      <a:solidFill>
+                        <a:schemeClr val="tx1"/>
+                      </a:solidFill>
+                      <a:prstDash val="sysDash"/>
+                      <a:round/>
+                      <a:headEnd type="none" w="med" len="med"/>
+                      <a:tailEnd type="none" w="med" len="med"/>
+                    </a:lnL>
+                    <a:lnR w="6350" cap="flat" cmpd="sng" algn="ctr">
+                      <a:solidFill>
+                        <a:schemeClr val="tx1"/>
+                      </a:solidFill>
+                      <a:prstDash val="sysDash"/>
+                      <a:round/>
+                      <a:headEnd type="none" w="med" len="med"/>
+                      <a:tailEnd type="none" w="med" len="med"/>
+                    </a:lnR>
+                    <a:lnT w="6350" cap="flat" cmpd="sng" algn="ctr">
+                      <a:solidFill>
+                        <a:schemeClr val="tx1"/>
+                      </a:solidFill>
+                      <a:prstDash val="sysDash"/>
+                      <a:round/>
+                      <a:headEnd type="none" w="med" len="med"/>
+                      <a:tailEnd type="none" w="med" len="med"/>
+                    </a:lnT>
+                    <a:lnB w="6350" cap="flat" cmpd="sng" algn="ctr">
+                      <a:solidFill>
+                        <a:schemeClr val="tx1"/>
+                      </a:solidFill>
+                      <a:prstDash val="sysDash"/>
+                      <a:round/>
+                      <a:headEnd type="none" w="med" len="med"/>
+                      <a:tailEnd type="none" w="med" len="med"/>
+                    </a:lnB>
+                  </a:tcPr>
+                </a:tc>
+                <a:tc>
+                  <a:txBody>
+                    <a:bodyPr/>
+                    <a:lstStyle/>
+                    <a:p>
+                      <a:pPr latinLnBrk="1"/>
+                      <a:endParaRPr lang="ko-KR" altLang="en-US" sz="1200" dirty="0"/>
+                    </a:p>
+                  </a:txBody>
+                  <a:tcPr marL="58297" marR="58297" marT="29148" marB="29148">
+                    <a:lnL w="6350" cap="flat" cmpd="sng" algn="ctr">
+                      <a:solidFill>
+                        <a:schemeClr val="tx1"/>
+                      </a:solidFill>
+                      <a:prstDash val="sysDash"/>
+                      <a:round/>
+                      <a:headEnd type="none" w="med" len="med"/>
+                      <a:tailEnd type="none" w="med" len="med"/>
+                    </a:lnL>
+                    <a:lnR w="6350" cap="flat" cmpd="sng" algn="ctr">
+                      <a:solidFill>
+                        <a:schemeClr val="tx1"/>
+                      </a:solidFill>
+                      <a:prstDash val="sysDash"/>
+                      <a:round/>
+                      <a:headEnd type="none" w="med" len="med"/>
+                      <a:tailEnd type="none" w="med" len="med"/>
+                    </a:lnR>
+                    <a:lnT w="6350" cap="flat" cmpd="sng" algn="ctr">
+                      <a:solidFill>
+                        <a:schemeClr val="tx1"/>
+                      </a:solidFill>
+                      <a:prstDash val="sysDash"/>
+                      <a:round/>
+                      <a:headEnd type="none" w="med" len="med"/>
+                      <a:tailEnd type="none" w="med" len="med"/>
+                    </a:lnT>
+                    <a:lnB w="6350" cap="flat" cmpd="sng" algn="ctr">
+                      <a:solidFill>
+                        <a:schemeClr val="tx1"/>
+                      </a:solidFill>
+                      <a:prstDash val="sysDash"/>
+                      <a:round/>
+                      <a:headEnd type="none" w="med" len="med"/>
+                      <a:tailEnd type="none" w="med" len="med"/>
+                    </a:lnB>
+                  </a:tcPr>
+                </a:tc>
+                <a:extLst>
+                  <a:ext uri="{0D108BD9-81ED-4DB2-BD59-A6C34878D82A}">
+                    <a16:rowId xmlns:a16="http://schemas.microsoft.com/office/drawing/2014/main" val="3308274685"/>
+                  </a:ext>
+                </a:extLst>
+              </a:tr>
+              <a:tr h="253399">
+                <a:tc>
+                  <a:txBody>
+                    <a:bodyPr/>
+                    <a:lstStyle/>
+                    <a:p>
+                      <a:pPr latinLnBrk="1"/>
+                      <a:endParaRPr lang="ko-KR" altLang="en-US" sz="1200" dirty="0"/>
+                    </a:p>
+                  </a:txBody>
+                  <a:tcPr marL="58297" marR="58297" marT="29148" marB="29148">
+                    <a:lnL w="6350" cap="flat" cmpd="sng" algn="ctr">
+                      <a:solidFill>
+                        <a:schemeClr val="tx1"/>
+                      </a:solidFill>
+                      <a:prstDash val="sysDash"/>
+                      <a:round/>
+                      <a:headEnd type="none" w="med" len="med"/>
+                      <a:tailEnd type="none" w="med" len="med"/>
+                    </a:lnL>
+                    <a:lnR w="6350" cap="flat" cmpd="sng" algn="ctr">
+                      <a:solidFill>
+                        <a:schemeClr val="tx1"/>
+                      </a:solidFill>
+                      <a:prstDash val="sysDash"/>
+                      <a:round/>
+                      <a:headEnd type="none" w="med" len="med"/>
+                      <a:tailEnd type="none" w="med" len="med"/>
+                    </a:lnR>
+                    <a:lnT w="6350" cap="flat" cmpd="sng" algn="ctr">
+                      <a:solidFill>
+                        <a:schemeClr val="tx1"/>
+                      </a:solidFill>
+                      <a:prstDash val="sysDash"/>
+                      <a:round/>
+                      <a:headEnd type="none" w="med" len="med"/>
+                      <a:tailEnd type="none" w="med" len="med"/>
+                    </a:lnT>
+                    <a:lnB w="6350" cap="flat" cmpd="sng" algn="ctr">
+                      <a:solidFill>
+                        <a:schemeClr val="tx1"/>
+                      </a:solidFill>
+                      <a:prstDash val="sysDash"/>
+                      <a:round/>
+                      <a:headEnd type="none" w="med" len="med"/>
+                      <a:tailEnd type="none" w="med" len="med"/>
+                    </a:lnB>
+                  </a:tcPr>
+                </a:tc>
+                <a:tc>
+                  <a:txBody>
+                    <a:bodyPr/>
+                    <a:lstStyle/>
+                    <a:p>
+                      <a:pPr latinLnBrk="1"/>
+                      <a:endParaRPr lang="ko-KR" altLang="en-US" sz="1200" dirty="0"/>
+                    </a:p>
+                  </a:txBody>
+                  <a:tcPr marL="58297" marR="58297" marT="29148" marB="29148">
+                    <a:lnL w="6350" cap="flat" cmpd="sng" algn="ctr">
+                      <a:solidFill>
+                        <a:schemeClr val="tx1"/>
+                      </a:solidFill>
+                      <a:prstDash val="sysDash"/>
+                      <a:round/>
+                      <a:headEnd type="none" w="med" len="med"/>
+                      <a:tailEnd type="none" w="med" len="med"/>
+                    </a:lnL>
+                    <a:lnR w="6350" cap="flat" cmpd="sng" algn="ctr">
+                      <a:solidFill>
+                        <a:schemeClr val="tx1"/>
+                      </a:solidFill>
+                      <a:prstDash val="sysDash"/>
+                      <a:round/>
+                      <a:headEnd type="none" w="med" len="med"/>
+                      <a:tailEnd type="none" w="med" len="med"/>
+                    </a:lnR>
+                    <a:lnT w="6350" cap="flat" cmpd="sng" algn="ctr">
+                      <a:solidFill>
+                        <a:schemeClr val="tx1"/>
+                      </a:solidFill>
+                      <a:prstDash val="sysDash"/>
+                      <a:round/>
+                      <a:headEnd type="none" w="med" len="med"/>
+                      <a:tailEnd type="none" w="med" len="med"/>
+                    </a:lnT>
+                    <a:lnB w="6350" cap="flat" cmpd="sng" algn="ctr">
+                      <a:solidFill>
+                        <a:schemeClr val="tx1"/>
+                      </a:solidFill>
+                      <a:prstDash val="sysDash"/>
+                      <a:round/>
+                      <a:headEnd type="none" w="med" len="med"/>
+                      <a:tailEnd type="none" w="med" len="med"/>
+                    </a:lnB>
+                  </a:tcPr>
+                </a:tc>
+                <a:tc>
+                  <a:txBody>
+                    <a:bodyPr/>
+                    <a:lstStyle/>
+                    <a:p>
+                      <a:pPr latinLnBrk="1"/>
+                      <a:endParaRPr lang="ko-KR" altLang="en-US" sz="1200" dirty="0"/>
+                    </a:p>
+                  </a:txBody>
+                  <a:tcPr marL="58297" marR="58297" marT="29148" marB="29148">
+                    <a:lnL w="6350" cap="flat" cmpd="sng" algn="ctr">
+                      <a:solidFill>
+                        <a:schemeClr val="tx1"/>
+                      </a:solidFill>
+                      <a:prstDash val="sysDash"/>
+                      <a:round/>
+                      <a:headEnd type="none" w="med" len="med"/>
+                      <a:tailEnd type="none" w="med" len="med"/>
+                    </a:lnL>
+                    <a:lnR w="6350" cap="flat" cmpd="sng" algn="ctr">
+                      <a:solidFill>
+                        <a:schemeClr val="tx1"/>
+                      </a:solidFill>
+                      <a:prstDash val="sysDash"/>
+                      <a:round/>
+                      <a:headEnd type="none" w="med" len="med"/>
+                      <a:tailEnd type="none" w="med" len="med"/>
+                    </a:lnR>
+                    <a:lnT w="6350" cap="flat" cmpd="sng" algn="ctr">
+                      <a:solidFill>
+                        <a:schemeClr val="tx1"/>
+                      </a:solidFill>
+                      <a:prstDash val="sysDash"/>
+                      <a:round/>
+                      <a:headEnd type="none" w="med" len="med"/>
+                      <a:tailEnd type="none" w="med" len="med"/>
+                    </a:lnT>
+                    <a:lnB w="6350" cap="flat" cmpd="sng" algn="ctr">
+                      <a:solidFill>
+                        <a:schemeClr val="tx1"/>
+                      </a:solidFill>
+                      <a:prstDash val="sysDash"/>
+                      <a:round/>
+                      <a:headEnd type="none" w="med" len="med"/>
+                      <a:tailEnd type="none" w="med" len="med"/>
+                    </a:lnB>
+                  </a:tcPr>
+                </a:tc>
+                <a:extLst>
+                  <a:ext uri="{0D108BD9-81ED-4DB2-BD59-A6C34878D82A}">
+                    <a16:rowId xmlns:a16="http://schemas.microsoft.com/office/drawing/2014/main" val="2395152021"/>
+                  </a:ext>
+                </a:extLst>
+              </a:tr>
+              <a:tr h="253399">
+                <a:tc>
+                  <a:txBody>
+                    <a:bodyPr/>
+                    <a:lstStyle/>
+                    <a:p>
+                      <a:pPr latinLnBrk="1"/>
+                      <a:endParaRPr lang="ko-KR" altLang="en-US" sz="1200" dirty="0"/>
+                    </a:p>
+                  </a:txBody>
+                  <a:tcPr marL="58297" marR="58297" marT="29148" marB="29148">
+                    <a:lnL w="6350" cap="flat" cmpd="sng" algn="ctr">
+                      <a:solidFill>
+                        <a:schemeClr val="tx1"/>
+                      </a:solidFill>
+                      <a:prstDash val="sysDash"/>
+                      <a:round/>
+                      <a:headEnd type="none" w="med" len="med"/>
+                      <a:tailEnd type="none" w="med" len="med"/>
+                    </a:lnL>
+                    <a:lnR w="6350" cap="flat" cmpd="sng" algn="ctr">
+                      <a:solidFill>
+                        <a:schemeClr val="tx1"/>
+                      </a:solidFill>
+                      <a:prstDash val="sysDash"/>
+                      <a:round/>
+                      <a:headEnd type="none" w="med" len="med"/>
+                      <a:tailEnd type="none" w="med" len="med"/>
+                    </a:lnR>
+                    <a:lnT w="6350" cap="flat" cmpd="sng" algn="ctr">
+                      <a:solidFill>
+                        <a:schemeClr val="tx1"/>
+                      </a:solidFill>
+                      <a:prstDash val="sysDash"/>
+                      <a:round/>
+                      <a:headEnd type="none" w="med" len="med"/>
+                      <a:tailEnd type="none" w="med" len="med"/>
+                    </a:lnT>
+                    <a:lnB w="6350" cap="flat" cmpd="sng" algn="ctr">
+                      <a:solidFill>
+                        <a:schemeClr val="tx1"/>
+                      </a:solidFill>
+                      <a:prstDash val="sysDash"/>
+                      <a:round/>
+                      <a:headEnd type="none" w="med" len="med"/>
+                      <a:tailEnd type="none" w="med" len="med"/>
+                    </a:lnB>
+                  </a:tcPr>
+                </a:tc>
+                <a:tc>
+                  <a:txBody>
+                    <a:bodyPr/>
+                    <a:lstStyle/>
+                    <a:p>
+                      <a:pPr latinLnBrk="1"/>
+                      <a:endParaRPr lang="ko-KR" altLang="en-US" sz="1200" dirty="0"/>
+                    </a:p>
+                  </a:txBody>
+                  <a:tcPr marL="58297" marR="58297" marT="29148" marB="29148">
+                    <a:lnL w="6350" cap="flat" cmpd="sng" algn="ctr">
+                      <a:solidFill>
+                        <a:schemeClr val="tx1"/>
+                      </a:solidFill>
+                      <a:prstDash val="sysDash"/>
+                      <a:round/>
+                      <a:headEnd type="none" w="med" len="med"/>
+                      <a:tailEnd type="none" w="med" len="med"/>
+                    </a:lnL>
+                    <a:lnR w="6350" cap="flat" cmpd="sng" algn="ctr">
+                      <a:solidFill>
+                        <a:schemeClr val="tx1"/>
+                      </a:solidFill>
+                      <a:prstDash val="sysDash"/>
+                      <a:round/>
+                      <a:headEnd type="none" w="med" len="med"/>
+                      <a:tailEnd type="none" w="med" len="med"/>
+                    </a:lnR>
+                    <a:lnT w="6350" cap="flat" cmpd="sng" algn="ctr">
+                      <a:solidFill>
+                        <a:schemeClr val="tx1"/>
+                      </a:solidFill>
+                      <a:prstDash val="sysDash"/>
+                      <a:round/>
+                      <a:headEnd type="none" w="med" len="med"/>
+                      <a:tailEnd type="none" w="med" len="med"/>
+                    </a:lnT>
+                    <a:lnB w="6350" cap="flat" cmpd="sng" algn="ctr">
+                      <a:solidFill>
+                        <a:schemeClr val="tx1"/>
+                      </a:solidFill>
+                      <a:prstDash val="sysDash"/>
+                      <a:round/>
+                      <a:headEnd type="none" w="med" len="med"/>
+                      <a:tailEnd type="none" w="med" len="med"/>
+                    </a:lnB>
+                  </a:tcPr>
+                </a:tc>
+                <a:tc>
+                  <a:txBody>
+                    <a:bodyPr/>
+                    <a:lstStyle/>
+                    <a:p>
+                      <a:pPr latinLnBrk="1"/>
+                      <a:endParaRPr lang="ko-KR" altLang="en-US" sz="1200" dirty="0"/>
+                    </a:p>
+                  </a:txBody>
+                  <a:tcPr marL="58297" marR="58297" marT="29148" marB="29148">
+                    <a:lnL w="6350" cap="flat" cmpd="sng" algn="ctr">
+                      <a:solidFill>
+                        <a:schemeClr val="tx1"/>
+                      </a:solidFill>
+                      <a:prstDash val="sysDash"/>
+                      <a:round/>
+                      <a:headEnd type="none" w="med" len="med"/>
+                      <a:tailEnd type="none" w="med" len="med"/>
+                    </a:lnL>
+                    <a:lnR w="6350" cap="flat" cmpd="sng" algn="ctr">
+                      <a:solidFill>
+                        <a:schemeClr val="tx1"/>
+                      </a:solidFill>
+                      <a:prstDash val="sysDash"/>
+                      <a:round/>
+                      <a:headEnd type="none" w="med" len="med"/>
+                      <a:tailEnd type="none" w="med" len="med"/>
+                    </a:lnR>
+                    <a:lnT w="6350" cap="flat" cmpd="sng" algn="ctr">
+                      <a:solidFill>
+                        <a:schemeClr val="tx1"/>
+                      </a:solidFill>
+                      <a:prstDash val="sysDash"/>
+                      <a:round/>
+                      <a:headEnd type="none" w="med" len="med"/>
+                      <a:tailEnd type="none" w="med" len="med"/>
+                    </a:lnT>
+                    <a:lnB w="6350" cap="flat" cmpd="sng" algn="ctr">
+                      <a:solidFill>
+                        <a:schemeClr val="tx1"/>
+                      </a:solidFill>
+                      <a:prstDash val="sysDash"/>
+                      <a:round/>
+                      <a:headEnd type="none" w="med" len="med"/>
+                      <a:tailEnd type="none" w="med" len="med"/>
+                    </a:lnB>
+                  </a:tcPr>
+                </a:tc>
+                <a:extLst>
+                  <a:ext uri="{0D108BD9-81ED-4DB2-BD59-A6C34878D82A}">
+                    <a16:rowId xmlns:a16="http://schemas.microsoft.com/office/drawing/2014/main" val="2234843564"/>
+                  </a:ext>
+                </a:extLst>
+              </a:tr>
+              <a:tr h="253399">
+                <a:tc>
+                  <a:txBody>
+                    <a:bodyPr/>
+                    <a:lstStyle/>
+                    <a:p>
+                      <a:pPr latinLnBrk="1"/>
+                      <a:endParaRPr lang="ko-KR" altLang="en-US" sz="1200" dirty="0"/>
+                    </a:p>
+                  </a:txBody>
+                  <a:tcPr marL="58297" marR="58297" marT="29148" marB="29148">
+                    <a:lnL w="6350" cap="flat" cmpd="sng" algn="ctr">
+                      <a:solidFill>
+                        <a:schemeClr val="tx1"/>
+                      </a:solidFill>
+                      <a:prstDash val="sysDash"/>
+                      <a:round/>
+                      <a:headEnd type="none" w="med" len="med"/>
+                      <a:tailEnd type="none" w="med" len="med"/>
+                    </a:lnL>
+                    <a:lnR w="6350" cap="flat" cmpd="sng" algn="ctr">
+                      <a:solidFill>
+                        <a:schemeClr val="tx1"/>
+                      </a:solidFill>
+                      <a:prstDash val="sysDash"/>
+                      <a:round/>
+                      <a:headEnd type="none" w="med" len="med"/>
+                      <a:tailEnd type="none" w="med" len="med"/>
+                    </a:lnR>
+                    <a:lnT w="6350" cap="flat" cmpd="sng" algn="ctr">
+                      <a:solidFill>
+                        <a:schemeClr val="tx1"/>
+                      </a:solidFill>
+                      <a:prstDash val="sysDash"/>
+                      <a:round/>
+                      <a:headEnd type="none" w="med" len="med"/>
+                      <a:tailEnd type="none" w="med" len="med"/>
+                    </a:lnT>
+                    <a:lnB w="6350" cap="flat" cmpd="sng" algn="ctr">
+                      <a:solidFill>
+                        <a:schemeClr val="tx1"/>
+                      </a:solidFill>
+                      <a:prstDash val="sysDash"/>
+                      <a:round/>
+                      <a:headEnd type="none" w="med" len="med"/>
+                      <a:tailEnd type="none" w="med" len="med"/>
+                    </a:lnB>
+                  </a:tcPr>
+                </a:tc>
+                <a:tc>
+                  <a:txBody>
+                    <a:bodyPr/>
+                    <a:lstStyle/>
+                    <a:p>
+                      <a:pPr latinLnBrk="1"/>
+                      <a:endParaRPr lang="ko-KR" altLang="en-US" sz="1200" dirty="0"/>
+                    </a:p>
+                  </a:txBody>
+                  <a:tcPr marL="58297" marR="58297" marT="29148" marB="29148">
+                    <a:lnL w="6350" cap="flat" cmpd="sng" algn="ctr">
+                      <a:solidFill>
+                        <a:schemeClr val="tx1"/>
+                      </a:solidFill>
+                      <a:prstDash val="sysDash"/>
+                      <a:round/>
+                      <a:headEnd type="none" w="med" len="med"/>
+                      <a:tailEnd type="none" w="med" len="med"/>
+                    </a:lnL>
+                    <a:lnR w="6350" cap="flat" cmpd="sng" algn="ctr">
+                      <a:solidFill>
+                        <a:schemeClr val="tx1"/>
+                      </a:solidFill>
+                      <a:prstDash val="sysDash"/>
+                      <a:round/>
+                      <a:headEnd type="none" w="med" len="med"/>
+                      <a:tailEnd type="none" w="med" len="med"/>
+                    </a:lnR>
+                    <a:lnT w="6350" cap="flat" cmpd="sng" algn="ctr">
+                      <a:solidFill>
+                        <a:schemeClr val="tx1"/>
+                      </a:solidFill>
+                      <a:prstDash val="sysDash"/>
+                      <a:round/>
+                      <a:headEnd type="none" w="med" len="med"/>
+                      <a:tailEnd type="none" w="med" len="med"/>
+                    </a:lnT>
+                    <a:lnB w="6350" cap="flat" cmpd="sng" algn="ctr">
+                      <a:solidFill>
+                        <a:schemeClr val="tx1"/>
+                      </a:solidFill>
+                      <a:prstDash val="sysDash"/>
+                      <a:round/>
+                      <a:headEnd type="none" w="med" len="med"/>
+                      <a:tailEnd type="none" w="med" len="med"/>
+                    </a:lnB>
+                  </a:tcPr>
+                </a:tc>
+                <a:tc>
+                  <a:txBody>
+                    <a:bodyPr/>
+                    <a:lstStyle/>
+                    <a:p>
+                      <a:pPr latinLnBrk="1"/>
+                      <a:endParaRPr lang="ko-KR" altLang="en-US" sz="1200" dirty="0"/>
+                    </a:p>
+                  </a:txBody>
+                  <a:tcPr marL="58297" marR="58297" marT="29148" marB="29148">
+                    <a:lnL w="6350" cap="flat" cmpd="sng" algn="ctr">
+                      <a:solidFill>
+                        <a:schemeClr val="tx1"/>
+                      </a:solidFill>
+                      <a:prstDash val="sysDash"/>
+                      <a:round/>
+                      <a:headEnd type="none" w="med" len="med"/>
+                      <a:tailEnd type="none" w="med" len="med"/>
+                    </a:lnL>
+                    <a:lnR w="6350" cap="flat" cmpd="sng" algn="ctr">
+                      <a:solidFill>
+                        <a:schemeClr val="tx1"/>
+                      </a:solidFill>
+                      <a:prstDash val="sysDash"/>
+                      <a:round/>
+                      <a:headEnd type="none" w="med" len="med"/>
+                      <a:tailEnd type="none" w="med" len="med"/>
+                    </a:lnR>
+                    <a:lnT w="6350" cap="flat" cmpd="sng" algn="ctr">
+                      <a:solidFill>
+                        <a:schemeClr val="tx1"/>
+                      </a:solidFill>
+                      <a:prstDash val="sysDash"/>
+                      <a:round/>
+                      <a:headEnd type="none" w="med" len="med"/>
+                      <a:tailEnd type="none" w="med" len="med"/>
+                    </a:lnT>
+                    <a:lnB w="6350" cap="flat" cmpd="sng" algn="ctr">
+                      <a:solidFill>
+                        <a:schemeClr val="tx1"/>
+                      </a:solidFill>
+                      <a:prstDash val="sysDash"/>
+                      <a:round/>
+                      <a:headEnd type="none" w="med" len="med"/>
+                      <a:tailEnd type="none" w="med" len="med"/>
+                    </a:lnB>
+                  </a:tcPr>
+                </a:tc>
+                <a:extLst>
+                  <a:ext uri="{0D108BD9-81ED-4DB2-BD59-A6C34878D82A}">
+                    <a16:rowId xmlns:a16="http://schemas.microsoft.com/office/drawing/2014/main" val="2601167709"/>
+                  </a:ext>
+                </a:extLst>
+              </a:tr>
+              <a:tr h="253399">
+                <a:tc>
+                  <a:txBody>
+                    <a:bodyPr/>
+                    <a:lstStyle/>
+                    <a:p>
+                      <a:pPr latinLnBrk="1"/>
+                      <a:endParaRPr lang="ko-KR" altLang="en-US" sz="1200" dirty="0"/>
+                    </a:p>
+                  </a:txBody>
+                  <a:tcPr marL="58297" marR="58297" marT="29148" marB="29148">
+                    <a:lnL w="6350" cap="flat" cmpd="sng" algn="ctr">
+                      <a:solidFill>
+                        <a:schemeClr val="tx1"/>
+                      </a:solidFill>
+                      <a:prstDash val="sysDash"/>
+                      <a:round/>
+                      <a:headEnd type="none" w="med" len="med"/>
+                      <a:tailEnd type="none" w="med" len="med"/>
+                    </a:lnL>
+                    <a:lnR w="6350" cap="flat" cmpd="sng" algn="ctr">
+                      <a:solidFill>
+                        <a:schemeClr val="tx1"/>
+                      </a:solidFill>
+                      <a:prstDash val="sysDash"/>
+                      <a:round/>
+                      <a:headEnd type="none" w="med" len="med"/>
+                      <a:tailEnd type="none" w="med" len="med"/>
+                    </a:lnR>
+                    <a:lnT w="6350" cap="flat" cmpd="sng" algn="ctr">
+                      <a:solidFill>
+                        <a:schemeClr val="tx1"/>
+                      </a:solidFill>
+                      <a:prstDash val="sysDash"/>
+                      <a:round/>
+                      <a:headEnd type="none" w="med" len="med"/>
+                      <a:tailEnd type="none" w="med" len="med"/>
+                    </a:lnT>
+                    <a:lnB w="6350" cap="flat" cmpd="sng" algn="ctr">
+                      <a:solidFill>
+                        <a:schemeClr val="tx1"/>
+                      </a:solidFill>
+                      <a:prstDash val="sysDash"/>
+                      <a:round/>
+                      <a:headEnd type="none" w="med" len="med"/>
+                      <a:tailEnd type="none" w="med" len="med"/>
+                    </a:lnB>
+                  </a:tcPr>
+                </a:tc>
+                <a:tc>
+                  <a:txBody>
+                    <a:bodyPr/>
+                    <a:lstStyle/>
+                    <a:p>
+                      <a:pPr latinLnBrk="1"/>
+                      <a:endParaRPr lang="ko-KR" altLang="en-US" sz="1200" dirty="0"/>
+                    </a:p>
+                  </a:txBody>
+                  <a:tcPr marL="58297" marR="58297" marT="29148" marB="29148">
+                    <a:lnL w="6350" cap="flat" cmpd="sng" algn="ctr">
+                      <a:solidFill>
+                        <a:schemeClr val="tx1"/>
+                      </a:solidFill>
+                      <a:prstDash val="sysDash"/>
+                      <a:round/>
+                      <a:headEnd type="none" w="med" len="med"/>
+                      <a:tailEnd type="none" w="med" len="med"/>
+                    </a:lnL>
+                    <a:lnR w="6350" cap="flat" cmpd="sng" algn="ctr">
+                      <a:solidFill>
+                        <a:schemeClr val="tx1"/>
+                      </a:solidFill>
+                      <a:prstDash val="sysDash"/>
+                      <a:round/>
+                      <a:headEnd type="none" w="med" len="med"/>
+                      <a:tailEnd type="none" w="med" len="med"/>
+                    </a:lnR>
+                    <a:lnT w="6350" cap="flat" cmpd="sng" algn="ctr">
+                      <a:solidFill>
+                        <a:schemeClr val="tx1"/>
+                      </a:solidFill>
+                      <a:prstDash val="sysDash"/>
+                      <a:round/>
+                      <a:headEnd type="none" w="med" len="med"/>
+                      <a:tailEnd type="none" w="med" len="med"/>
+                    </a:lnT>
+                    <a:lnB w="6350" cap="flat" cmpd="sng" algn="ctr">
+                      <a:solidFill>
+                        <a:schemeClr val="tx1"/>
+                      </a:solidFill>
+                      <a:prstDash val="sysDash"/>
+                      <a:round/>
+                      <a:headEnd type="none" w="med" len="med"/>
+                      <a:tailEnd type="none" w="med" len="med"/>
+                    </a:lnB>
+                  </a:tcPr>
+                </a:tc>
+                <a:tc>
+                  <a:txBody>
+                    <a:bodyPr/>
+                    <a:lstStyle/>
+                    <a:p>
+                      <a:pPr latinLnBrk="1"/>
+                      <a:endParaRPr lang="ko-KR" altLang="en-US" sz="1200" dirty="0"/>
+                    </a:p>
+                  </a:txBody>
+                  <a:tcPr marL="58297" marR="58297" marT="29148" marB="29148">
+                    <a:lnL w="6350" cap="flat" cmpd="sng" algn="ctr">
+                      <a:solidFill>
+                        <a:schemeClr val="tx1"/>
+                      </a:solidFill>
+                      <a:prstDash val="sysDash"/>
+                      <a:round/>
+                      <a:headEnd type="none" w="med" len="med"/>
+                      <a:tailEnd type="none" w="med" len="med"/>
+                    </a:lnL>
+                    <a:lnR w="6350" cap="flat" cmpd="sng" algn="ctr">
+                      <a:solidFill>
+                        <a:schemeClr val="tx1"/>
+                      </a:solidFill>
+                      <a:prstDash val="sysDash"/>
+                      <a:round/>
+                      <a:headEnd type="none" w="med" len="med"/>
+                      <a:tailEnd type="none" w="med" len="med"/>
+                    </a:lnR>
+                    <a:lnT w="6350" cap="flat" cmpd="sng" algn="ctr">
+                      <a:solidFill>
+                        <a:schemeClr val="tx1"/>
+                      </a:solidFill>
+                      <a:prstDash val="sysDash"/>
+                      <a:round/>
+                      <a:headEnd type="none" w="med" len="med"/>
+                      <a:tailEnd type="none" w="med" len="med"/>
+                    </a:lnT>
+                    <a:lnB w="6350" cap="flat" cmpd="sng" algn="ctr">
+                      <a:solidFill>
+                        <a:schemeClr val="tx1"/>
+                      </a:solidFill>
+                      <a:prstDash val="sysDash"/>
+                      <a:round/>
+                      <a:headEnd type="none" w="med" len="med"/>
+                      <a:tailEnd type="none" w="med" len="med"/>
+                    </a:lnB>
+                  </a:tcPr>
+                </a:tc>
+                <a:extLst>
+                  <a:ext uri="{0D108BD9-81ED-4DB2-BD59-A6C34878D82A}">
+                    <a16:rowId xmlns:a16="http://schemas.microsoft.com/office/drawing/2014/main" val="3572023045"/>
+                  </a:ext>
+                </a:extLst>
+              </a:tr>
+            </a:tbl>
+          </a:graphicData>
+        </a:graphic>
+      </p:graphicFrame>
+      <p:pic>
+        <p:nvPicPr>
+          <p:cNvPr id="10" name="그림 9" descr="스크린샷이(가) 표시된 사진&#10;&#10;자동 생성된 설명">
+            <a:extLst>
+              <a:ext uri="{FF2B5EF4-FFF2-40B4-BE49-F238E27FC236}">
+                <a16:creationId xmlns:a16="http://schemas.microsoft.com/office/drawing/2014/main" id="{BBC00020-0489-4C05-BD64-BF05FDA168E2}"/>
+              </a:ext>
+            </a:extLst>
+          </p:cNvPr>
+          <p:cNvPicPr>
+            <a:picLocks noChangeAspect="1"/>
+          </p:cNvPicPr>
+          <p:nvPr/>
+        </p:nvPicPr>
+        <p:blipFill>
+          <a:blip r:embed="rId3">
+            <a:extLst>
+              <a:ext uri="{28A0092B-C50C-407E-A947-70E740481C1C}">
+                <a14:useLocalDpi xmlns:a14="http://schemas.microsoft.com/office/drawing/2010/main" val="0"/>
+              </a:ext>
+            </a:extLst>
+          </a:blip>
+          <a:stretch>
+            <a:fillRect/>
+          </a:stretch>
+        </p:blipFill>
+        <p:spPr>
+          <a:xfrm>
+            <a:off x="42228" y="-621801"/>
+            <a:ext cx="12192000" cy="6315456"/>
+          </a:xfrm>
+          <a:prstGeom prst="rect">
+            <a:avLst/>
+          </a:prstGeom>
+        </p:spPr>
+      </p:pic>
+      <p:pic>
+        <p:nvPicPr>
+          <p:cNvPr id="17" name="그림 16" descr="텍스트이(가) 표시된 사진&#10;&#10;자동 생성된 설명">
+            <a:extLst>
+              <a:ext uri="{FF2B5EF4-FFF2-40B4-BE49-F238E27FC236}">
+                <a16:creationId xmlns:a16="http://schemas.microsoft.com/office/drawing/2014/main" id="{59E35406-8A1D-436B-A4B3-A64A6690A13C}"/>
+              </a:ext>
+            </a:extLst>
+          </p:cNvPr>
+          <p:cNvPicPr>
+            <a:picLocks noChangeAspect="1"/>
+          </p:cNvPicPr>
+          <p:nvPr/>
+        </p:nvPicPr>
+        <p:blipFill>
+          <a:blip r:embed="rId4">
+            <a:extLst>
+              <a:ext uri="{28A0092B-C50C-407E-A947-70E740481C1C}">
+                <a14:useLocalDpi xmlns:a14="http://schemas.microsoft.com/office/drawing/2010/main" val="0"/>
+              </a:ext>
+            </a:extLst>
+          </a:blip>
+          <a:stretch>
+            <a:fillRect/>
+          </a:stretch>
+        </p:blipFill>
+        <p:spPr>
+          <a:xfrm>
+            <a:off x="-3015917" y="-76200"/>
+            <a:ext cx="6858000" cy="6858000"/>
+          </a:xfrm>
+          <a:prstGeom prst="rect">
+            <a:avLst/>
+          </a:prstGeom>
+        </p:spPr>
+      </p:pic>
+      <p:pic>
+        <p:nvPicPr>
+          <p:cNvPr id="20" name="그림 19">
+            <a:extLst>
+              <a:ext uri="{FF2B5EF4-FFF2-40B4-BE49-F238E27FC236}">
+                <a16:creationId xmlns:a16="http://schemas.microsoft.com/office/drawing/2014/main" id="{8B009890-4CEF-4DC1-A861-74885D48D409}"/>
+              </a:ext>
+            </a:extLst>
+          </p:cNvPr>
+          <p:cNvPicPr>
+            <a:picLocks noChangeAspect="1"/>
+          </p:cNvPicPr>
+          <p:nvPr/>
+        </p:nvPicPr>
+        <p:blipFill>
+          <a:blip r:embed="rId5">
+            <a:extLst>
+              <a:ext uri="{28A0092B-C50C-407E-A947-70E740481C1C}">
+                <a14:useLocalDpi xmlns:a14="http://schemas.microsoft.com/office/drawing/2010/main" val="0"/>
+              </a:ext>
+            </a:extLst>
+          </a:blip>
+          <a:stretch>
+            <a:fillRect/>
+          </a:stretch>
+        </p:blipFill>
+        <p:spPr>
+          <a:xfrm>
+            <a:off x="7690758" y="271272"/>
+            <a:ext cx="3429000" cy="6858000"/>
+          </a:xfrm>
+          <a:prstGeom prst="rect">
+            <a:avLst/>
+          </a:prstGeom>
+        </p:spPr>
+      </p:pic>
+    </p:spTree>
+    <p:extLst>
+      <p:ext uri="{BB962C8B-B14F-4D97-AF65-F5344CB8AC3E}">
+        <p14:creationId xmlns:p14="http://schemas.microsoft.com/office/powerpoint/2010/main" val="3692185281"/>
+      </p:ext>
+    </p:extLst>
+  </p:cSld>
+  <p:clrMapOvr>
+    <a:masterClrMapping/>
+  </p:clrMapOvr>
+</p:sld>
+</file>
+
+<file path=ppt/slides/slide7.xml><?xml version="1.0" encoding="utf-8"?>
 <p:sld xmlns:a="http://schemas.openxmlformats.org/drawingml/2006/main" xmlns:r="http://schemas.openxmlformats.org/officeDocument/2006/relationships" xmlns:p="http://schemas.openxmlformats.org/presentationml/2006/main">
   <p:cSld>
     <p:spTree>
